--- a/Project Presentation.pptx
+++ b/Project Presentation.pptx
@@ -6,6 +6,8 @@
   </p:sldMasterIdLst>
   <p:sldIdLst>
     <p:sldId id="256" r:id="rId2"/>
+    <p:sldId id="258" r:id="rId3"/>
+    <p:sldId id="257" r:id="rId4"/>
   </p:sldIdLst>
   <p:sldSz cx="12192000" cy="6858000"/>
   <p:notesSz cx="6858000" cy="9144000"/>
@@ -104,6 +106,11 @@
       </a:defRPr>
     </a:lvl9pPr>
   </p:defaultTextStyle>
+  <p:extLst>
+    <p:ext uri="{EFAFB233-063F-42B5-8137-9DF3F51BA10A}">
+      <p15:sldGuideLst xmlns:p15="http://schemas.microsoft.com/office/powerpoint/2012/main"/>
+    </p:ext>
+  </p:extLst>
 </p:presentation>
 </file>
 
@@ -149,7 +156,7 @@
           </a:lstStyle>
           <a:p>
             <a:r>
-              <a:rPr lang="en-US" smtClean="0"/>
+              <a:rPr lang="en-US"/>
               <a:t>Click to edit Master title style</a:t>
             </a:r>
             <a:endParaRPr lang="en-GB"/>
@@ -214,7 +221,7 @@
           </a:lstStyle>
           <a:p>
             <a:r>
-              <a:rPr lang="en-US" smtClean="0"/>
+              <a:rPr lang="en-US"/>
               <a:t>Click to edit Master subtitle style</a:t>
             </a:r>
             <a:endParaRPr lang="en-GB"/>
@@ -332,7 +339,7 @@
           <a:lstStyle/>
           <a:p>
             <a:r>
-              <a:rPr lang="en-US" smtClean="0"/>
+              <a:rPr lang="en-US"/>
               <a:t>Click to edit Master title style</a:t>
             </a:r>
             <a:endParaRPr lang="en-GB"/>
@@ -356,35 +363,35 @@
           <a:p>
             <a:pPr lvl="0"/>
             <a:r>
-              <a:rPr lang="en-US" smtClean="0"/>
+              <a:rPr lang="en-US"/>
               <a:t>Edit Master text styles</a:t>
             </a:r>
           </a:p>
           <a:p>
             <a:pPr lvl="1"/>
             <a:r>
-              <a:rPr lang="en-US" smtClean="0"/>
+              <a:rPr lang="en-US"/>
               <a:t>Second level</a:t>
             </a:r>
           </a:p>
           <a:p>
             <a:pPr lvl="2"/>
             <a:r>
-              <a:rPr lang="en-US" smtClean="0"/>
+              <a:rPr lang="en-US"/>
               <a:t>Third level</a:t>
             </a:r>
           </a:p>
           <a:p>
             <a:pPr lvl="3"/>
             <a:r>
-              <a:rPr lang="en-US" smtClean="0"/>
+              <a:rPr lang="en-US"/>
               <a:t>Fourth level</a:t>
             </a:r>
           </a:p>
           <a:p>
             <a:pPr lvl="4"/>
             <a:r>
-              <a:rPr lang="en-US" smtClean="0"/>
+              <a:rPr lang="en-US"/>
               <a:t>Fifth level</a:t>
             </a:r>
             <a:endParaRPr lang="en-GB"/>
@@ -507,7 +514,7 @@
           <a:lstStyle/>
           <a:p>
             <a:r>
-              <a:rPr lang="en-US" smtClean="0"/>
+              <a:rPr lang="en-US"/>
               <a:t>Click to edit Master title style</a:t>
             </a:r>
             <a:endParaRPr lang="en-GB"/>
@@ -536,35 +543,35 @@
           <a:p>
             <a:pPr lvl="0"/>
             <a:r>
-              <a:rPr lang="en-US" smtClean="0"/>
+              <a:rPr lang="en-US"/>
               <a:t>Edit Master text styles</a:t>
             </a:r>
           </a:p>
           <a:p>
             <a:pPr lvl="1"/>
             <a:r>
-              <a:rPr lang="en-US" smtClean="0"/>
+              <a:rPr lang="en-US"/>
               <a:t>Second level</a:t>
             </a:r>
           </a:p>
           <a:p>
             <a:pPr lvl="2"/>
             <a:r>
-              <a:rPr lang="en-US" smtClean="0"/>
+              <a:rPr lang="en-US"/>
               <a:t>Third level</a:t>
             </a:r>
           </a:p>
           <a:p>
             <a:pPr lvl="3"/>
             <a:r>
-              <a:rPr lang="en-US" smtClean="0"/>
+              <a:rPr lang="en-US"/>
               <a:t>Fourth level</a:t>
             </a:r>
           </a:p>
           <a:p>
             <a:pPr lvl="4"/>
             <a:r>
-              <a:rPr lang="en-US" smtClean="0"/>
+              <a:rPr lang="en-US"/>
               <a:t>Fifth level</a:t>
             </a:r>
             <a:endParaRPr lang="en-GB"/>
@@ -682,7 +689,7 @@
           <a:lstStyle/>
           <a:p>
             <a:r>
-              <a:rPr lang="en-US" smtClean="0"/>
+              <a:rPr lang="en-US"/>
               <a:t>Click to edit Master title style</a:t>
             </a:r>
             <a:endParaRPr lang="en-GB"/>
@@ -706,35 +713,35 @@
           <a:p>
             <a:pPr lvl="0"/>
             <a:r>
-              <a:rPr lang="en-US" smtClean="0"/>
+              <a:rPr lang="en-US"/>
               <a:t>Edit Master text styles</a:t>
             </a:r>
           </a:p>
           <a:p>
             <a:pPr lvl="1"/>
             <a:r>
-              <a:rPr lang="en-US" smtClean="0"/>
+              <a:rPr lang="en-US"/>
               <a:t>Second level</a:t>
             </a:r>
           </a:p>
           <a:p>
             <a:pPr lvl="2"/>
             <a:r>
-              <a:rPr lang="en-US" smtClean="0"/>
+              <a:rPr lang="en-US"/>
               <a:t>Third level</a:t>
             </a:r>
           </a:p>
           <a:p>
             <a:pPr lvl="3"/>
             <a:r>
-              <a:rPr lang="en-US" smtClean="0"/>
+              <a:rPr lang="en-US"/>
               <a:t>Fourth level</a:t>
             </a:r>
           </a:p>
           <a:p>
             <a:pPr lvl="4"/>
             <a:r>
-              <a:rPr lang="en-US" smtClean="0"/>
+              <a:rPr lang="en-US"/>
               <a:t>Fifth level</a:t>
             </a:r>
             <a:endParaRPr lang="en-GB"/>
@@ -861,7 +868,7 @@
           </a:lstStyle>
           <a:p>
             <a:r>
-              <a:rPr lang="en-US" smtClean="0"/>
+              <a:rPr lang="en-US"/>
               <a:t>Click to edit Master title style</a:t>
             </a:r>
             <a:endParaRPr lang="en-GB"/>
@@ -981,7 +988,7 @@
           <a:p>
             <a:pPr lvl="0"/>
             <a:r>
-              <a:rPr lang="en-US" smtClean="0"/>
+              <a:rPr lang="en-US"/>
               <a:t>Edit Master text styles</a:t>
             </a:r>
           </a:p>
@@ -1098,7 +1105,7 @@
           <a:lstStyle/>
           <a:p>
             <a:r>
-              <a:rPr lang="en-US" smtClean="0"/>
+              <a:rPr lang="en-US"/>
               <a:t>Click to edit Master title style</a:t>
             </a:r>
             <a:endParaRPr lang="en-GB"/>
@@ -1127,35 +1134,35 @@
           <a:p>
             <a:pPr lvl="0"/>
             <a:r>
-              <a:rPr lang="en-US" smtClean="0"/>
+              <a:rPr lang="en-US"/>
               <a:t>Edit Master text styles</a:t>
             </a:r>
           </a:p>
           <a:p>
             <a:pPr lvl="1"/>
             <a:r>
-              <a:rPr lang="en-US" smtClean="0"/>
+              <a:rPr lang="en-US"/>
               <a:t>Second level</a:t>
             </a:r>
           </a:p>
           <a:p>
             <a:pPr lvl="2"/>
             <a:r>
-              <a:rPr lang="en-US" smtClean="0"/>
+              <a:rPr lang="en-US"/>
               <a:t>Third level</a:t>
             </a:r>
           </a:p>
           <a:p>
             <a:pPr lvl="3"/>
             <a:r>
-              <a:rPr lang="en-US" smtClean="0"/>
+              <a:rPr lang="en-US"/>
               <a:t>Fourth level</a:t>
             </a:r>
           </a:p>
           <a:p>
             <a:pPr lvl="4"/>
             <a:r>
-              <a:rPr lang="en-US" smtClean="0"/>
+              <a:rPr lang="en-US"/>
               <a:t>Fifth level</a:t>
             </a:r>
             <a:endParaRPr lang="en-GB"/>
@@ -1184,35 +1191,35 @@
           <a:p>
             <a:pPr lvl="0"/>
             <a:r>
-              <a:rPr lang="en-US" smtClean="0"/>
+              <a:rPr lang="en-US"/>
               <a:t>Edit Master text styles</a:t>
             </a:r>
           </a:p>
           <a:p>
             <a:pPr lvl="1"/>
             <a:r>
-              <a:rPr lang="en-US" smtClean="0"/>
+              <a:rPr lang="en-US"/>
               <a:t>Second level</a:t>
             </a:r>
           </a:p>
           <a:p>
             <a:pPr lvl="2"/>
             <a:r>
-              <a:rPr lang="en-US" smtClean="0"/>
+              <a:rPr lang="en-US"/>
               <a:t>Third level</a:t>
             </a:r>
           </a:p>
           <a:p>
             <a:pPr lvl="3"/>
             <a:r>
-              <a:rPr lang="en-US" smtClean="0"/>
+              <a:rPr lang="en-US"/>
               <a:t>Fourth level</a:t>
             </a:r>
           </a:p>
           <a:p>
             <a:pPr lvl="4"/>
             <a:r>
-              <a:rPr lang="en-US" smtClean="0"/>
+              <a:rPr lang="en-US"/>
               <a:t>Fifth level</a:t>
             </a:r>
             <a:endParaRPr lang="en-GB"/>
@@ -1335,7 +1342,7 @@
           <a:lstStyle/>
           <a:p>
             <a:r>
-              <a:rPr lang="en-US" smtClean="0"/>
+              <a:rPr lang="en-US"/>
               <a:t>Click to edit Master title style</a:t>
             </a:r>
             <a:endParaRPr lang="en-GB"/>
@@ -1401,7 +1408,7 @@
           <a:p>
             <a:pPr lvl="0"/>
             <a:r>
-              <a:rPr lang="en-US" smtClean="0"/>
+              <a:rPr lang="en-US"/>
               <a:t>Edit Master text styles</a:t>
             </a:r>
           </a:p>
@@ -1429,35 +1436,35 @@
           <a:p>
             <a:pPr lvl="0"/>
             <a:r>
-              <a:rPr lang="en-US" smtClean="0"/>
+              <a:rPr lang="en-US"/>
               <a:t>Edit Master text styles</a:t>
             </a:r>
           </a:p>
           <a:p>
             <a:pPr lvl="1"/>
             <a:r>
-              <a:rPr lang="en-US" smtClean="0"/>
+              <a:rPr lang="en-US"/>
               <a:t>Second level</a:t>
             </a:r>
           </a:p>
           <a:p>
             <a:pPr lvl="2"/>
             <a:r>
-              <a:rPr lang="en-US" smtClean="0"/>
+              <a:rPr lang="en-US"/>
               <a:t>Third level</a:t>
             </a:r>
           </a:p>
           <a:p>
             <a:pPr lvl="3"/>
             <a:r>
-              <a:rPr lang="en-US" smtClean="0"/>
+              <a:rPr lang="en-US"/>
               <a:t>Fourth level</a:t>
             </a:r>
           </a:p>
           <a:p>
             <a:pPr lvl="4"/>
             <a:r>
-              <a:rPr lang="en-US" smtClean="0"/>
+              <a:rPr lang="en-US"/>
               <a:t>Fifth level</a:t>
             </a:r>
             <a:endParaRPr lang="en-GB"/>
@@ -1523,7 +1530,7 @@
           <a:p>
             <a:pPr lvl="0"/>
             <a:r>
-              <a:rPr lang="en-US" smtClean="0"/>
+              <a:rPr lang="en-US"/>
               <a:t>Edit Master text styles</a:t>
             </a:r>
           </a:p>
@@ -1551,35 +1558,35 @@
           <a:p>
             <a:pPr lvl="0"/>
             <a:r>
-              <a:rPr lang="en-US" smtClean="0"/>
+              <a:rPr lang="en-US"/>
               <a:t>Edit Master text styles</a:t>
             </a:r>
           </a:p>
           <a:p>
             <a:pPr lvl="1"/>
             <a:r>
-              <a:rPr lang="en-US" smtClean="0"/>
+              <a:rPr lang="en-US"/>
               <a:t>Second level</a:t>
             </a:r>
           </a:p>
           <a:p>
             <a:pPr lvl="2"/>
             <a:r>
-              <a:rPr lang="en-US" smtClean="0"/>
+              <a:rPr lang="en-US"/>
               <a:t>Third level</a:t>
             </a:r>
           </a:p>
           <a:p>
             <a:pPr lvl="3"/>
             <a:r>
-              <a:rPr lang="en-US" smtClean="0"/>
+              <a:rPr lang="en-US"/>
               <a:t>Fourth level</a:t>
             </a:r>
           </a:p>
           <a:p>
             <a:pPr lvl="4"/>
             <a:r>
-              <a:rPr lang="en-US" smtClean="0"/>
+              <a:rPr lang="en-US"/>
               <a:t>Fifth level</a:t>
             </a:r>
             <a:endParaRPr lang="en-GB"/>
@@ -1697,7 +1704,7 @@
           <a:lstStyle/>
           <a:p>
             <a:r>
-              <a:rPr lang="en-US" smtClean="0"/>
+              <a:rPr lang="en-US"/>
               <a:t>Click to edit Master title style</a:t>
             </a:r>
             <a:endParaRPr lang="en-GB"/>
@@ -1919,7 +1926,7 @@
           </a:lstStyle>
           <a:p>
             <a:r>
-              <a:rPr lang="en-US" smtClean="0"/>
+              <a:rPr lang="en-US"/>
               <a:t>Click to edit Master title style</a:t>
             </a:r>
             <a:endParaRPr lang="en-GB"/>
@@ -1976,35 +1983,35 @@
           <a:p>
             <a:pPr lvl="0"/>
             <a:r>
-              <a:rPr lang="en-US" smtClean="0"/>
+              <a:rPr lang="en-US"/>
               <a:t>Edit Master text styles</a:t>
             </a:r>
           </a:p>
           <a:p>
             <a:pPr lvl="1"/>
             <a:r>
-              <a:rPr lang="en-US" smtClean="0"/>
+              <a:rPr lang="en-US"/>
               <a:t>Second level</a:t>
             </a:r>
           </a:p>
           <a:p>
             <a:pPr lvl="2"/>
             <a:r>
-              <a:rPr lang="en-US" smtClean="0"/>
+              <a:rPr lang="en-US"/>
               <a:t>Third level</a:t>
             </a:r>
           </a:p>
           <a:p>
             <a:pPr lvl="3"/>
             <a:r>
-              <a:rPr lang="en-US" smtClean="0"/>
+              <a:rPr lang="en-US"/>
               <a:t>Fourth level</a:t>
             </a:r>
           </a:p>
           <a:p>
             <a:pPr lvl="4"/>
             <a:r>
-              <a:rPr lang="en-US" smtClean="0"/>
+              <a:rPr lang="en-US"/>
               <a:t>Fifth level</a:t>
             </a:r>
             <a:endParaRPr lang="en-GB"/>
@@ -2070,7 +2077,7 @@
           <a:p>
             <a:pPr lvl="0"/>
             <a:r>
-              <a:rPr lang="en-US" smtClean="0"/>
+              <a:rPr lang="en-US"/>
               <a:t>Edit Master text styles</a:t>
             </a:r>
           </a:p>
@@ -2196,7 +2203,7 @@
           </a:lstStyle>
           <a:p>
             <a:r>
-              <a:rPr lang="en-US" smtClean="0"/>
+              <a:rPr lang="en-US"/>
               <a:t>Click to edit Master title style</a:t>
             </a:r>
             <a:endParaRPr lang="en-GB"/>
@@ -2323,7 +2330,7 @@
           <a:p>
             <a:pPr lvl="0"/>
             <a:r>
-              <a:rPr lang="en-US" smtClean="0"/>
+              <a:rPr lang="en-US"/>
               <a:t>Edit Master text styles</a:t>
             </a:r>
           </a:p>
@@ -2455,7 +2462,7 @@
           <a:lstStyle/>
           <a:p>
             <a:r>
-              <a:rPr lang="en-US" smtClean="0"/>
+              <a:rPr lang="en-US"/>
               <a:t>Click to edit Master title style</a:t>
             </a:r>
             <a:endParaRPr lang="en-GB"/>
@@ -2489,35 +2496,35 @@
           <a:p>
             <a:pPr lvl="0"/>
             <a:r>
-              <a:rPr lang="en-US" smtClean="0"/>
+              <a:rPr lang="en-US"/>
               <a:t>Edit Master text styles</a:t>
             </a:r>
           </a:p>
           <a:p>
             <a:pPr lvl="1"/>
             <a:r>
-              <a:rPr lang="en-US" smtClean="0"/>
+              <a:rPr lang="en-US"/>
               <a:t>Second level</a:t>
             </a:r>
           </a:p>
           <a:p>
             <a:pPr lvl="2"/>
             <a:r>
-              <a:rPr lang="en-US" smtClean="0"/>
+              <a:rPr lang="en-US"/>
               <a:t>Third level</a:t>
             </a:r>
           </a:p>
           <a:p>
             <a:pPr lvl="3"/>
             <a:r>
-              <a:rPr lang="en-US" smtClean="0"/>
+              <a:rPr lang="en-US"/>
               <a:t>Fourth level</a:t>
             </a:r>
           </a:p>
           <a:p>
             <a:pPr lvl="4"/>
             <a:r>
-              <a:rPr lang="en-US" smtClean="0"/>
+              <a:rPr lang="en-US"/>
               <a:t>Fifth level</a:t>
             </a:r>
             <a:endParaRPr lang="en-GB"/>
@@ -2974,12 +2981,22 @@
             <p:ph type="ctrTitle"/>
           </p:nvPr>
         </p:nvSpPr>
-        <p:spPr/>
-        <p:txBody>
-          <a:bodyPr/>
-          <a:lstStyle/>
-          <a:p>
-            <a:endParaRPr lang="en-GB"/>
+        <p:spPr>
+          <a:xfrm>
+            <a:off x="1417983" y="712305"/>
+            <a:ext cx="9144000" cy="1124572"/>
+          </a:xfrm>
+        </p:spPr>
+        <p:txBody>
+          <a:bodyPr>
+            <a:normAutofit fontScale="90000"/>
+          </a:bodyPr>
+          <a:lstStyle/>
+          <a:p>
+            <a:r>
+              <a:rPr lang="en-GB" dirty="0"/>
+              <a:t>Individual Project Presentation </a:t>
+            </a:r>
           </a:p>
         </p:txBody>
       </p:sp>
@@ -2998,7 +3015,10 @@
           <a:bodyPr/>
           <a:lstStyle/>
           <a:p>
-            <a:endParaRPr lang="en-GB"/>
+            <a:r>
+              <a:rPr lang="en-GB" dirty="0"/>
+              <a:t>Rana Mittra</a:t>
+            </a:r>
           </a:p>
         </p:txBody>
       </p:sp>
@@ -3006,6 +3026,172 @@
     <p:extLst>
       <p:ext uri="{BB962C8B-B14F-4D97-AF65-F5344CB8AC3E}">
         <p14:creationId xmlns:p14="http://schemas.microsoft.com/office/powerpoint/2010/main" val="2494205051"/>
+      </p:ext>
+    </p:extLst>
+  </p:cSld>
+  <p:clrMapOvr>
+    <a:masterClrMapping/>
+  </p:clrMapOvr>
+</p:sld>
+</file>
+
+<file path=ppt/slides/slide2.xml><?xml version="1.0" encoding="utf-8"?>
+<p:sld xmlns:a="http://schemas.openxmlformats.org/drawingml/2006/main" xmlns:r="http://schemas.openxmlformats.org/officeDocument/2006/relationships" xmlns:p="http://schemas.openxmlformats.org/presentationml/2006/main">
+  <p:cSld>
+    <p:spTree>
+      <p:nvGrpSpPr>
+        <p:cNvPr id="1" name=""/>
+        <p:cNvGrpSpPr/>
+        <p:nvPr/>
+      </p:nvGrpSpPr>
+      <p:grpSpPr>
+        <a:xfrm>
+          <a:off x="0" y="0"/>
+          <a:ext cx="0" cy="0"/>
+          <a:chOff x="0" y="0"/>
+          <a:chExt cx="0" cy="0"/>
+        </a:xfrm>
+      </p:grpSpPr>
+      <p:sp>
+        <p:nvSpPr>
+          <p:cNvPr id="2" name="Title 1">
+            <a:extLst>
+              <a:ext uri="{FF2B5EF4-FFF2-40B4-BE49-F238E27FC236}">
+                <a16:creationId xmlns:a16="http://schemas.microsoft.com/office/drawing/2014/main" id="{B212F9C4-9BF8-4056-920A-F2279032E67D}"/>
+              </a:ext>
+            </a:extLst>
+          </p:cNvPr>
+          <p:cNvSpPr>
+            <a:spLocks noGrp="1"/>
+          </p:cNvSpPr>
+          <p:nvPr>
+            <p:ph type="title"/>
+          </p:nvPr>
+        </p:nvSpPr>
+        <p:spPr/>
+        <p:txBody>
+          <a:bodyPr/>
+          <a:lstStyle/>
+          <a:p>
+            <a:r>
+              <a:rPr lang="en-GB" dirty="0"/>
+              <a:t>Contents</a:t>
+            </a:r>
+          </a:p>
+        </p:txBody>
+      </p:sp>
+      <p:sp>
+        <p:nvSpPr>
+          <p:cNvPr id="3" name="Content Placeholder 2">
+            <a:extLst>
+              <a:ext uri="{FF2B5EF4-FFF2-40B4-BE49-F238E27FC236}">
+                <a16:creationId xmlns:a16="http://schemas.microsoft.com/office/drawing/2014/main" id="{19E26285-59D4-412A-855C-94655214C19F}"/>
+              </a:ext>
+            </a:extLst>
+          </p:cNvPr>
+          <p:cNvSpPr>
+            <a:spLocks noGrp="1"/>
+          </p:cNvSpPr>
+          <p:nvPr>
+            <p:ph idx="1"/>
+          </p:nvPr>
+        </p:nvSpPr>
+        <p:spPr/>
+        <p:txBody>
+          <a:bodyPr/>
+          <a:lstStyle/>
+          <a:p>
+            <a:endParaRPr lang="en-GB" dirty="0"/>
+          </a:p>
+        </p:txBody>
+      </p:sp>
+    </p:spTree>
+    <p:extLst>
+      <p:ext uri="{BB962C8B-B14F-4D97-AF65-F5344CB8AC3E}">
+        <p14:creationId xmlns:p14="http://schemas.microsoft.com/office/powerpoint/2010/main" val="2759797534"/>
+      </p:ext>
+    </p:extLst>
+  </p:cSld>
+  <p:clrMapOvr>
+    <a:masterClrMapping/>
+  </p:clrMapOvr>
+</p:sld>
+</file>
+
+<file path=ppt/slides/slide3.xml><?xml version="1.0" encoding="utf-8"?>
+<p:sld xmlns:a="http://schemas.openxmlformats.org/drawingml/2006/main" xmlns:r="http://schemas.openxmlformats.org/officeDocument/2006/relationships" xmlns:p="http://schemas.openxmlformats.org/presentationml/2006/main">
+  <p:cSld>
+    <p:spTree>
+      <p:nvGrpSpPr>
+        <p:cNvPr id="1" name=""/>
+        <p:cNvGrpSpPr/>
+        <p:nvPr/>
+      </p:nvGrpSpPr>
+      <p:grpSpPr>
+        <a:xfrm>
+          <a:off x="0" y="0"/>
+          <a:ext cx="0" cy="0"/>
+          <a:chOff x="0" y="0"/>
+          <a:chExt cx="0" cy="0"/>
+        </a:xfrm>
+      </p:grpSpPr>
+      <p:sp>
+        <p:nvSpPr>
+          <p:cNvPr id="2" name="Title 1">
+            <a:extLst>
+              <a:ext uri="{FF2B5EF4-FFF2-40B4-BE49-F238E27FC236}">
+                <a16:creationId xmlns:a16="http://schemas.microsoft.com/office/drawing/2014/main" id="{4DEA0272-34D6-4F36-9245-F5D99332D4E1}"/>
+              </a:ext>
+            </a:extLst>
+          </p:cNvPr>
+          <p:cNvSpPr>
+            <a:spLocks noGrp="1"/>
+          </p:cNvSpPr>
+          <p:nvPr>
+            <p:ph type="title"/>
+          </p:nvPr>
+        </p:nvSpPr>
+        <p:spPr/>
+        <p:txBody>
+          <a:bodyPr/>
+          <a:lstStyle/>
+          <a:p>
+            <a:r>
+              <a:rPr lang="en-GB" dirty="0"/>
+              <a:t>Project Demo</a:t>
+            </a:r>
+          </a:p>
+        </p:txBody>
+      </p:sp>
+      <p:sp>
+        <p:nvSpPr>
+          <p:cNvPr id="3" name="Content Placeholder 2">
+            <a:extLst>
+              <a:ext uri="{FF2B5EF4-FFF2-40B4-BE49-F238E27FC236}">
+                <a16:creationId xmlns:a16="http://schemas.microsoft.com/office/drawing/2014/main" id="{99ECDF72-37DB-4A18-867A-8092FD23967C}"/>
+              </a:ext>
+            </a:extLst>
+          </p:cNvPr>
+          <p:cNvSpPr>
+            <a:spLocks noGrp="1"/>
+          </p:cNvSpPr>
+          <p:nvPr>
+            <p:ph idx="1"/>
+          </p:nvPr>
+        </p:nvSpPr>
+        <p:spPr/>
+        <p:txBody>
+          <a:bodyPr/>
+          <a:lstStyle/>
+          <a:p>
+            <a:endParaRPr lang="en-GB"/>
+          </a:p>
+        </p:txBody>
+      </p:sp>
+    </p:spTree>
+    <p:extLst>
+      <p:ext uri="{BB962C8B-B14F-4D97-AF65-F5344CB8AC3E}">
+        <p14:creationId xmlns:p14="http://schemas.microsoft.com/office/powerpoint/2010/main" val="1790966496"/>
       </p:ext>
     </p:extLst>
   </p:cSld>

--- a/Project Presentation.pptx
+++ b/Project Presentation.pptx
@@ -2,12 +2,22 @@
 <file path=ppt/presentation.xml><?xml version="1.0" encoding="utf-8"?>
 <p:presentation xmlns:a="http://schemas.openxmlformats.org/drawingml/2006/main" xmlns:r="http://schemas.openxmlformats.org/officeDocument/2006/relationships" xmlns:p="http://schemas.openxmlformats.org/presentationml/2006/main" saveSubsetFonts="1">
   <p:sldMasterIdLst>
-    <p:sldMasterId id="2147483648" r:id="rId1"/>
+    <p:sldMasterId id="2147483715" r:id="rId1"/>
   </p:sldMasterIdLst>
   <p:sldIdLst>
     <p:sldId id="256" r:id="rId2"/>
     <p:sldId id="258" r:id="rId3"/>
-    <p:sldId id="257" r:id="rId4"/>
+    <p:sldId id="259" r:id="rId4"/>
+    <p:sldId id="257" r:id="rId5"/>
+    <p:sldId id="260" r:id="rId6"/>
+    <p:sldId id="261" r:id="rId7"/>
+    <p:sldId id="262" r:id="rId8"/>
+    <p:sldId id="263" r:id="rId9"/>
+    <p:sldId id="264" r:id="rId10"/>
+    <p:sldId id="265" r:id="rId11"/>
+    <p:sldId id="266" r:id="rId12"/>
+    <p:sldId id="268" r:id="rId13"/>
+    <p:sldId id="267" r:id="rId14"/>
   </p:sldIdLst>
   <p:sldSz cx="12192000" cy="6858000"/>
   <p:notesSz cx="6858000" cy="9144000"/>
@@ -15,7 +25,7 @@
     <a:defPPr>
       <a:defRPr lang="en-US"/>
     </a:defPPr>
-    <a:lvl1pPr marL="0" algn="l" defTabSz="914400" rtl="0" eaLnBrk="1" latinLnBrk="0" hangingPunct="1">
+    <a:lvl1pPr marL="0" algn="l" defTabSz="457200" rtl="0" eaLnBrk="1" latinLnBrk="0" hangingPunct="1">
       <a:defRPr sz="1800" kern="1200">
         <a:solidFill>
           <a:schemeClr val="tx1"/>
@@ -25,7 +35,7 @@
         <a:cs typeface="+mn-cs"/>
       </a:defRPr>
     </a:lvl1pPr>
-    <a:lvl2pPr marL="457200" algn="l" defTabSz="914400" rtl="0" eaLnBrk="1" latinLnBrk="0" hangingPunct="1">
+    <a:lvl2pPr marL="457200" algn="l" defTabSz="457200" rtl="0" eaLnBrk="1" latinLnBrk="0" hangingPunct="1">
       <a:defRPr sz="1800" kern="1200">
         <a:solidFill>
           <a:schemeClr val="tx1"/>
@@ -35,7 +45,7 @@
         <a:cs typeface="+mn-cs"/>
       </a:defRPr>
     </a:lvl2pPr>
-    <a:lvl3pPr marL="914400" algn="l" defTabSz="914400" rtl="0" eaLnBrk="1" latinLnBrk="0" hangingPunct="1">
+    <a:lvl3pPr marL="914400" algn="l" defTabSz="457200" rtl="0" eaLnBrk="1" latinLnBrk="0" hangingPunct="1">
       <a:defRPr sz="1800" kern="1200">
         <a:solidFill>
           <a:schemeClr val="tx1"/>
@@ -45,7 +55,7 @@
         <a:cs typeface="+mn-cs"/>
       </a:defRPr>
     </a:lvl3pPr>
-    <a:lvl4pPr marL="1371600" algn="l" defTabSz="914400" rtl="0" eaLnBrk="1" latinLnBrk="0" hangingPunct="1">
+    <a:lvl4pPr marL="1371600" algn="l" defTabSz="457200" rtl="0" eaLnBrk="1" latinLnBrk="0" hangingPunct="1">
       <a:defRPr sz="1800" kern="1200">
         <a:solidFill>
           <a:schemeClr val="tx1"/>
@@ -55,7 +65,7 @@
         <a:cs typeface="+mn-cs"/>
       </a:defRPr>
     </a:lvl4pPr>
-    <a:lvl5pPr marL="1828800" algn="l" defTabSz="914400" rtl="0" eaLnBrk="1" latinLnBrk="0" hangingPunct="1">
+    <a:lvl5pPr marL="1828800" algn="l" defTabSz="457200" rtl="0" eaLnBrk="1" latinLnBrk="0" hangingPunct="1">
       <a:defRPr sz="1800" kern="1200">
         <a:solidFill>
           <a:schemeClr val="tx1"/>
@@ -65,7 +75,7 @@
         <a:cs typeface="+mn-cs"/>
       </a:defRPr>
     </a:lvl5pPr>
-    <a:lvl6pPr marL="2286000" algn="l" defTabSz="914400" rtl="0" eaLnBrk="1" latinLnBrk="0" hangingPunct="1">
+    <a:lvl6pPr marL="2286000" algn="l" defTabSz="457200" rtl="0" eaLnBrk="1" latinLnBrk="0" hangingPunct="1">
       <a:defRPr sz="1800" kern="1200">
         <a:solidFill>
           <a:schemeClr val="tx1"/>
@@ -75,7 +85,7 @@
         <a:cs typeface="+mn-cs"/>
       </a:defRPr>
     </a:lvl6pPr>
-    <a:lvl7pPr marL="2743200" algn="l" defTabSz="914400" rtl="0" eaLnBrk="1" latinLnBrk="0" hangingPunct="1">
+    <a:lvl7pPr marL="2743200" algn="l" defTabSz="457200" rtl="0" eaLnBrk="1" latinLnBrk="0" hangingPunct="1">
       <a:defRPr sz="1800" kern="1200">
         <a:solidFill>
           <a:schemeClr val="tx1"/>
@@ -85,7 +95,7 @@
         <a:cs typeface="+mn-cs"/>
       </a:defRPr>
     </a:lvl7pPr>
-    <a:lvl8pPr marL="3200400" algn="l" defTabSz="914400" rtl="0" eaLnBrk="1" latinLnBrk="0" hangingPunct="1">
+    <a:lvl8pPr marL="3200400" algn="l" defTabSz="457200" rtl="0" eaLnBrk="1" latinLnBrk="0" hangingPunct="1">
       <a:defRPr sz="1800" kern="1200">
         <a:solidFill>
           <a:schemeClr val="tx1"/>
@@ -95,7 +105,7 @@
         <a:cs typeface="+mn-cs"/>
       </a:defRPr>
     </a:lvl8pPr>
-    <a:lvl9pPr marL="3657600" algn="l" defTabSz="914400" rtl="0" eaLnBrk="1" latinLnBrk="0" hangingPunct="1">
+    <a:lvl9pPr marL="3657600" algn="l" defTabSz="457200" rtl="0" eaLnBrk="1" latinLnBrk="0" hangingPunct="1">
       <a:defRPr sz="1800" kern="1200">
         <a:solidFill>
           <a:schemeClr val="tx1"/>
@@ -143,15 +153,17 @@
         </p:nvSpPr>
         <p:spPr>
           <a:xfrm>
-            <a:off x="1524000" y="1122363"/>
-            <a:ext cx="9144000" cy="2387600"/>
+            <a:off x="2589213" y="2514600"/>
+            <a:ext cx="8915399" cy="2262781"/>
           </a:xfrm>
         </p:spPr>
         <p:txBody>
-          <a:bodyPr anchor="b"/>
+          <a:bodyPr anchor="b">
+            <a:normAutofit/>
+          </a:bodyPr>
           <a:lstStyle>
-            <a:lvl1pPr algn="ctr">
-              <a:defRPr sz="6000"/>
+            <a:lvl1pPr>
+              <a:defRPr sz="5400"/>
             </a:lvl1pPr>
           </a:lstStyle>
           <a:p>
@@ -159,7 +171,7 @@
               <a:rPr lang="en-US"/>
               <a:t>Click to edit Master title style</a:t>
             </a:r>
-            <a:endParaRPr lang="en-GB"/>
+            <a:endParaRPr lang="en-US" dirty="0"/>
           </a:p>
         </p:txBody>
       </p:sp>
@@ -175,48 +187,103 @@
         </p:nvSpPr>
         <p:spPr>
           <a:xfrm>
-            <a:off x="1524000" y="3602038"/>
-            <a:ext cx="9144000" cy="1655762"/>
+            <a:off x="2589213" y="4777379"/>
+            <a:ext cx="8915399" cy="1126283"/>
           </a:xfrm>
         </p:spPr>
         <p:txBody>
-          <a:bodyPr/>
+          <a:bodyPr anchor="t"/>
           <a:lstStyle>
-            <a:lvl1pPr marL="0" indent="0" algn="ctr">
-              <a:buNone/>
-              <a:defRPr sz="2400"/>
+            <a:lvl1pPr marL="0" indent="0" algn="l">
+              <a:buNone/>
+              <a:defRPr>
+                <a:solidFill>
+                  <a:schemeClr val="tx1">
+                    <a:lumMod val="65000"/>
+                    <a:lumOff val="35000"/>
+                  </a:schemeClr>
+                </a:solidFill>
+              </a:defRPr>
             </a:lvl1pPr>
             <a:lvl2pPr marL="457200" indent="0" algn="ctr">
               <a:buNone/>
-              <a:defRPr sz="2000"/>
+              <a:defRPr>
+                <a:solidFill>
+                  <a:schemeClr val="tx1">
+                    <a:tint val="75000"/>
+                  </a:schemeClr>
+                </a:solidFill>
+              </a:defRPr>
             </a:lvl2pPr>
             <a:lvl3pPr marL="914400" indent="0" algn="ctr">
               <a:buNone/>
-              <a:defRPr sz="1800"/>
+              <a:defRPr>
+                <a:solidFill>
+                  <a:schemeClr val="tx1">
+                    <a:tint val="75000"/>
+                  </a:schemeClr>
+                </a:solidFill>
+              </a:defRPr>
             </a:lvl3pPr>
             <a:lvl4pPr marL="1371600" indent="0" algn="ctr">
               <a:buNone/>
-              <a:defRPr sz="1600"/>
+              <a:defRPr>
+                <a:solidFill>
+                  <a:schemeClr val="tx1">
+                    <a:tint val="75000"/>
+                  </a:schemeClr>
+                </a:solidFill>
+              </a:defRPr>
             </a:lvl4pPr>
             <a:lvl5pPr marL="1828800" indent="0" algn="ctr">
               <a:buNone/>
-              <a:defRPr sz="1600"/>
+              <a:defRPr>
+                <a:solidFill>
+                  <a:schemeClr val="tx1">
+                    <a:tint val="75000"/>
+                  </a:schemeClr>
+                </a:solidFill>
+              </a:defRPr>
             </a:lvl5pPr>
             <a:lvl6pPr marL="2286000" indent="0" algn="ctr">
               <a:buNone/>
-              <a:defRPr sz="1600"/>
+              <a:defRPr>
+                <a:solidFill>
+                  <a:schemeClr val="tx1">
+                    <a:tint val="75000"/>
+                  </a:schemeClr>
+                </a:solidFill>
+              </a:defRPr>
             </a:lvl6pPr>
             <a:lvl7pPr marL="2743200" indent="0" algn="ctr">
               <a:buNone/>
-              <a:defRPr sz="1600"/>
+              <a:defRPr>
+                <a:solidFill>
+                  <a:schemeClr val="tx1">
+                    <a:tint val="75000"/>
+                  </a:schemeClr>
+                </a:solidFill>
+              </a:defRPr>
             </a:lvl7pPr>
             <a:lvl8pPr marL="3200400" indent="0" algn="ctr">
               <a:buNone/>
-              <a:defRPr sz="1600"/>
+              <a:defRPr>
+                <a:solidFill>
+                  <a:schemeClr val="tx1">
+                    <a:tint val="75000"/>
+                  </a:schemeClr>
+                </a:solidFill>
+              </a:defRPr>
             </a:lvl8pPr>
             <a:lvl9pPr marL="3657600" indent="0" algn="ctr">
               <a:buNone/>
-              <a:defRPr sz="1600"/>
+              <a:defRPr>
+                <a:solidFill>
+                  <a:schemeClr val="tx1">
+                    <a:tint val="75000"/>
+                  </a:schemeClr>
+                </a:solidFill>
+              </a:defRPr>
             </a:lvl9pPr>
           </a:lstStyle>
           <a:p>
@@ -224,7 +291,7 @@
               <a:rPr lang="en-US"/>
               <a:t>Click to edit Master subtitle style</a:t>
             </a:r>
-            <a:endParaRPr lang="en-GB"/>
+            <a:endParaRPr lang="en-US" dirty="0"/>
           </a:p>
         </p:txBody>
       </p:sp>
@@ -245,7 +312,7 @@
           <a:p>
             <a:fld id="{D8B9DD1B-3A02-4013-B1CD-A9A5989ED81E}" type="datetimeFigureOut">
               <a:rPr lang="en-GB" smtClean="0"/>
-              <a:t>27/02/2019</a:t>
+              <a:t>06/03/2019</a:t>
             </a:fld>
             <a:endParaRPr lang="en-GB"/>
           </a:p>
@@ -272,6 +339,88 @@
       </p:sp>
       <p:sp>
         <p:nvSpPr>
+          <p:cNvPr id="7" name="Freeform 6"/>
+          <p:cNvSpPr/>
+          <p:nvPr/>
+        </p:nvSpPr>
+        <p:spPr bwMode="auto">
+          <a:xfrm>
+            <a:off x="0" y="4323810"/>
+            <a:ext cx="1744652" cy="778589"/>
+          </a:xfrm>
+          <a:custGeom>
+            <a:avLst/>
+            <a:gdLst/>
+            <a:ahLst/>
+            <a:cxnLst/>
+            <a:rect l="0" t="0" r="r" b="b"/>
+            <a:pathLst>
+              <a:path w="372" h="166">
+                <a:moveTo>
+                  <a:pt x="287" y="166"/>
+                </a:moveTo>
+                <a:cubicBezTo>
+                  <a:pt x="290" y="166"/>
+                  <a:pt x="292" y="165"/>
+                  <a:pt x="293" y="164"/>
+                </a:cubicBezTo>
+                <a:cubicBezTo>
+                  <a:pt x="293" y="163"/>
+                  <a:pt x="294" y="163"/>
+                  <a:pt x="294" y="163"/>
+                </a:cubicBezTo>
+                <a:cubicBezTo>
+                  <a:pt x="370" y="87"/>
+                  <a:pt x="370" y="87"/>
+                  <a:pt x="370" y="87"/>
+                </a:cubicBezTo>
+                <a:cubicBezTo>
+                  <a:pt x="372" y="85"/>
+                  <a:pt x="372" y="81"/>
+                  <a:pt x="370" y="78"/>
+                </a:cubicBezTo>
+                <a:cubicBezTo>
+                  <a:pt x="294" y="3"/>
+                  <a:pt x="294" y="3"/>
+                  <a:pt x="294" y="3"/>
+                </a:cubicBezTo>
+                <a:cubicBezTo>
+                  <a:pt x="294" y="2"/>
+                  <a:pt x="293" y="2"/>
+                  <a:pt x="293" y="2"/>
+                </a:cubicBezTo>
+                <a:cubicBezTo>
+                  <a:pt x="292" y="1"/>
+                  <a:pt x="290" y="0"/>
+                  <a:pt x="287" y="0"/>
+                </a:cubicBezTo>
+                <a:cubicBezTo>
+                  <a:pt x="0" y="0"/>
+                  <a:pt x="0" y="0"/>
+                  <a:pt x="0" y="0"/>
+                </a:cubicBezTo>
+                <a:cubicBezTo>
+                  <a:pt x="0" y="166"/>
+                  <a:pt x="0" y="166"/>
+                  <a:pt x="0" y="166"/>
+                </a:cubicBezTo>
+                <a:lnTo>
+                  <a:pt x="287" y="166"/>
+                </a:lnTo>
+                <a:close/>
+              </a:path>
+            </a:pathLst>
+          </a:custGeom>
+          <a:solidFill>
+            <a:schemeClr val="accent1"/>
+          </a:solidFill>
+          <a:ln>
+            <a:noFill/>
+          </a:ln>
+        </p:spPr>
+      </p:sp>
+      <p:sp>
+        <p:nvSpPr>
           <p:cNvPr id="6" name="Slide Number Placeholder 5"/>
           <p:cNvSpPr>
             <a:spLocks noGrp="1"/>
@@ -280,7 +429,12 @@
             <p:ph type="sldNum" sz="quarter" idx="12"/>
           </p:nvPr>
         </p:nvSpPr>
-        <p:spPr/>
+        <p:spPr>
+          <a:xfrm>
+            <a:off x="531812" y="4529540"/>
+            <a:ext cx="779767" cy="365125"/>
+          </a:xfrm>
+        </p:spPr>
         <p:txBody>
           <a:bodyPr/>
           <a:lstStyle/>
@@ -296,7 +450,7 @@
     </p:spTree>
     <p:extLst>
       <p:ext uri="{BB962C8B-B14F-4D97-AF65-F5344CB8AC3E}">
-        <p14:creationId xmlns:p14="http://schemas.microsoft.com/office/powerpoint/2010/main" val="2974976973"/>
+        <p14:creationId xmlns:p14="http://schemas.microsoft.com/office/powerpoint/2010/main" val="3924659107"/>
       </p:ext>
     </p:extLst>
   </p:cSld>
@@ -307,6 +461,1797 @@
 </file>
 
 <file path=ppt/slideLayouts/slideLayout10.xml><?xml version="1.0" encoding="utf-8"?>
+<p:sldLayout xmlns:a="http://schemas.openxmlformats.org/drawingml/2006/main" xmlns:r="http://schemas.openxmlformats.org/officeDocument/2006/relationships" xmlns:p="http://schemas.openxmlformats.org/presentationml/2006/main" preserve="1">
+  <p:cSld name="Title and Caption">
+    <p:spTree>
+      <p:nvGrpSpPr>
+        <p:cNvPr id="1" name=""/>
+        <p:cNvGrpSpPr/>
+        <p:nvPr/>
+      </p:nvGrpSpPr>
+      <p:grpSpPr>
+        <a:xfrm>
+          <a:off x="0" y="0"/>
+          <a:ext cx="0" cy="0"/>
+          <a:chOff x="0" y="0"/>
+          <a:chExt cx="0" cy="0"/>
+        </a:xfrm>
+      </p:grpSpPr>
+      <p:sp>
+        <p:nvSpPr>
+          <p:cNvPr id="2" name="Title 1"/>
+          <p:cNvSpPr>
+            <a:spLocks noGrp="1"/>
+          </p:cNvSpPr>
+          <p:nvPr>
+            <p:ph type="title"/>
+          </p:nvPr>
+        </p:nvSpPr>
+        <p:spPr>
+          <a:xfrm>
+            <a:off x="2589212" y="609600"/>
+            <a:ext cx="8915399" cy="3117040"/>
+          </a:xfrm>
+        </p:spPr>
+        <p:txBody>
+          <a:bodyPr anchor="ctr">
+            <a:normAutofit/>
+          </a:bodyPr>
+          <a:lstStyle>
+            <a:lvl1pPr algn="l">
+              <a:defRPr sz="4800" b="0" cap="none"/>
+            </a:lvl1pPr>
+          </a:lstStyle>
+          <a:p>
+            <a:r>
+              <a:rPr lang="en-US"/>
+              <a:t>Click to edit Master title style</a:t>
+            </a:r>
+            <a:endParaRPr lang="en-US" dirty="0"/>
+          </a:p>
+        </p:txBody>
+      </p:sp>
+      <p:sp>
+        <p:nvSpPr>
+          <p:cNvPr id="3" name="Text Placeholder 2"/>
+          <p:cNvSpPr>
+            <a:spLocks noGrp="1"/>
+          </p:cNvSpPr>
+          <p:nvPr>
+            <p:ph type="body" idx="1"/>
+          </p:nvPr>
+        </p:nvSpPr>
+        <p:spPr>
+          <a:xfrm>
+            <a:off x="2589212" y="4354046"/>
+            <a:ext cx="8915399" cy="1555864"/>
+          </a:xfrm>
+        </p:spPr>
+        <p:txBody>
+          <a:bodyPr anchor="ctr">
+            <a:normAutofit/>
+          </a:bodyPr>
+          <a:lstStyle>
+            <a:lvl1pPr marL="0" indent="0" algn="l">
+              <a:buNone/>
+              <a:defRPr sz="1800">
+                <a:solidFill>
+                  <a:schemeClr val="tx1">
+                    <a:lumMod val="65000"/>
+                    <a:lumOff val="35000"/>
+                  </a:schemeClr>
+                </a:solidFill>
+              </a:defRPr>
+            </a:lvl1pPr>
+            <a:lvl2pPr marL="457200" indent="0">
+              <a:buNone/>
+              <a:defRPr sz="1800">
+                <a:solidFill>
+                  <a:schemeClr val="tx1">
+                    <a:tint val="75000"/>
+                  </a:schemeClr>
+                </a:solidFill>
+              </a:defRPr>
+            </a:lvl2pPr>
+            <a:lvl3pPr marL="914400" indent="0">
+              <a:buNone/>
+              <a:defRPr sz="1600">
+                <a:solidFill>
+                  <a:schemeClr val="tx1">
+                    <a:tint val="75000"/>
+                  </a:schemeClr>
+                </a:solidFill>
+              </a:defRPr>
+            </a:lvl3pPr>
+            <a:lvl4pPr marL="1371600" indent="0">
+              <a:buNone/>
+              <a:defRPr sz="1400">
+                <a:solidFill>
+                  <a:schemeClr val="tx1">
+                    <a:tint val="75000"/>
+                  </a:schemeClr>
+                </a:solidFill>
+              </a:defRPr>
+            </a:lvl4pPr>
+            <a:lvl5pPr marL="1828800" indent="0">
+              <a:buNone/>
+              <a:defRPr sz="1400">
+                <a:solidFill>
+                  <a:schemeClr val="tx1">
+                    <a:tint val="75000"/>
+                  </a:schemeClr>
+                </a:solidFill>
+              </a:defRPr>
+            </a:lvl5pPr>
+            <a:lvl6pPr marL="2286000" indent="0">
+              <a:buNone/>
+              <a:defRPr sz="1400">
+                <a:solidFill>
+                  <a:schemeClr val="tx1">
+                    <a:tint val="75000"/>
+                  </a:schemeClr>
+                </a:solidFill>
+              </a:defRPr>
+            </a:lvl6pPr>
+            <a:lvl7pPr marL="2743200" indent="0">
+              <a:buNone/>
+              <a:defRPr sz="1400">
+                <a:solidFill>
+                  <a:schemeClr val="tx1">
+                    <a:tint val="75000"/>
+                  </a:schemeClr>
+                </a:solidFill>
+              </a:defRPr>
+            </a:lvl7pPr>
+            <a:lvl8pPr marL="3200400" indent="0">
+              <a:buNone/>
+              <a:defRPr sz="1400">
+                <a:solidFill>
+                  <a:schemeClr val="tx1">
+                    <a:tint val="75000"/>
+                  </a:schemeClr>
+                </a:solidFill>
+              </a:defRPr>
+            </a:lvl8pPr>
+            <a:lvl9pPr marL="3657600" indent="0">
+              <a:buNone/>
+              <a:defRPr sz="1400">
+                <a:solidFill>
+                  <a:schemeClr val="tx1">
+                    <a:tint val="75000"/>
+                  </a:schemeClr>
+                </a:solidFill>
+              </a:defRPr>
+            </a:lvl9pPr>
+          </a:lstStyle>
+          <a:p>
+            <a:pPr lvl="0"/>
+            <a:r>
+              <a:rPr lang="en-US"/>
+              <a:t>Edit Master text styles</a:t>
+            </a:r>
+          </a:p>
+        </p:txBody>
+      </p:sp>
+      <p:sp>
+        <p:nvSpPr>
+          <p:cNvPr id="4" name="Date Placeholder 3"/>
+          <p:cNvSpPr>
+            <a:spLocks noGrp="1"/>
+          </p:cNvSpPr>
+          <p:nvPr>
+            <p:ph type="dt" sz="half" idx="10"/>
+          </p:nvPr>
+        </p:nvSpPr>
+        <p:spPr/>
+        <p:txBody>
+          <a:bodyPr/>
+          <a:lstStyle/>
+          <a:p>
+            <a:fld id="{D8B9DD1B-3A02-4013-B1CD-A9A5989ED81E}" type="datetimeFigureOut">
+              <a:rPr lang="en-GB" smtClean="0"/>
+              <a:t>06/03/2019</a:t>
+            </a:fld>
+            <a:endParaRPr lang="en-GB"/>
+          </a:p>
+        </p:txBody>
+      </p:sp>
+      <p:sp>
+        <p:nvSpPr>
+          <p:cNvPr id="5" name="Footer Placeholder 4"/>
+          <p:cNvSpPr>
+            <a:spLocks noGrp="1"/>
+          </p:cNvSpPr>
+          <p:nvPr>
+            <p:ph type="ftr" sz="quarter" idx="11"/>
+          </p:nvPr>
+        </p:nvSpPr>
+        <p:spPr/>
+        <p:txBody>
+          <a:bodyPr/>
+          <a:lstStyle/>
+          <a:p>
+            <a:endParaRPr lang="en-GB"/>
+          </a:p>
+        </p:txBody>
+      </p:sp>
+      <p:sp>
+        <p:nvSpPr>
+          <p:cNvPr id="9" name="Freeform 11"/>
+          <p:cNvSpPr/>
+          <p:nvPr/>
+        </p:nvSpPr>
+        <p:spPr bwMode="auto">
+          <a:xfrm flipV="1">
+            <a:off x="-4189" y="3178175"/>
+            <a:ext cx="1588527" cy="507297"/>
+          </a:xfrm>
+          <a:custGeom>
+            <a:avLst/>
+            <a:gdLst/>
+            <a:ahLst/>
+            <a:cxnLst/>
+            <a:rect l="l" t="t" r="r" b="b"/>
+            <a:pathLst>
+              <a:path w="9248" h="10000">
+                <a:moveTo>
+                  <a:pt x="9248" y="4701"/>
+                </a:moveTo>
+                <a:lnTo>
+                  <a:pt x="7915" y="188"/>
+                </a:lnTo>
+                <a:cubicBezTo>
+                  <a:pt x="7906" y="156"/>
+                  <a:pt x="7895" y="126"/>
+                  <a:pt x="7886" y="94"/>
+                </a:cubicBezTo>
+                <a:cubicBezTo>
+                  <a:pt x="7859" y="0"/>
+                  <a:pt x="7831" y="0"/>
+                  <a:pt x="7803" y="0"/>
+                </a:cubicBezTo>
+                <a:lnTo>
+                  <a:pt x="7275" y="0"/>
+                </a:lnTo>
+                <a:lnTo>
+                  <a:pt x="0" y="70"/>
+                </a:lnTo>
+                <a:cubicBezTo>
+                  <a:pt x="8" y="3380"/>
+                  <a:pt x="17" y="6690"/>
+                  <a:pt x="25" y="10000"/>
+                </a:cubicBezTo>
+                <a:lnTo>
+                  <a:pt x="7275" y="9966"/>
+                </a:lnTo>
+                <a:lnTo>
+                  <a:pt x="7803" y="9966"/>
+                </a:lnTo>
+                <a:cubicBezTo>
+                  <a:pt x="7831" y="9966"/>
+                  <a:pt x="7859" y="9872"/>
+                  <a:pt x="7886" y="9872"/>
+                </a:cubicBezTo>
+                <a:cubicBezTo>
+                  <a:pt x="7886" y="9778"/>
+                  <a:pt x="7915" y="9778"/>
+                  <a:pt x="7915" y="9778"/>
+                </a:cubicBezTo>
+                <a:lnTo>
+                  <a:pt x="9248" y="5265"/>
+                </a:lnTo>
+                <a:cubicBezTo>
+                  <a:pt x="9303" y="5077"/>
+                  <a:pt x="9303" y="4889"/>
+                  <a:pt x="9248" y="4701"/>
+                </a:cubicBezTo>
+                <a:close/>
+              </a:path>
+            </a:pathLst>
+          </a:custGeom>
+          <a:solidFill>
+            <a:schemeClr val="accent1"/>
+          </a:solidFill>
+          <a:ln>
+            <a:noFill/>
+          </a:ln>
+        </p:spPr>
+      </p:sp>
+      <p:sp>
+        <p:nvSpPr>
+          <p:cNvPr id="6" name="Slide Number Placeholder 5"/>
+          <p:cNvSpPr>
+            <a:spLocks noGrp="1"/>
+          </p:cNvSpPr>
+          <p:nvPr>
+            <p:ph type="sldNum" sz="quarter" idx="12"/>
+          </p:nvPr>
+        </p:nvSpPr>
+        <p:spPr>
+          <a:xfrm>
+            <a:off x="531812" y="3244139"/>
+            <a:ext cx="779767" cy="365125"/>
+          </a:xfrm>
+        </p:spPr>
+        <p:txBody>
+          <a:bodyPr/>
+          <a:lstStyle/>
+          <a:p>
+            <a:fld id="{EC82F3AF-F174-482A-A2B7-5297FFB428A7}" type="slidenum">
+              <a:rPr lang="en-GB" smtClean="0"/>
+              <a:t>‹#›</a:t>
+            </a:fld>
+            <a:endParaRPr lang="en-GB"/>
+          </a:p>
+        </p:txBody>
+      </p:sp>
+    </p:spTree>
+    <p:extLst>
+      <p:ext uri="{BB962C8B-B14F-4D97-AF65-F5344CB8AC3E}">
+        <p14:creationId xmlns:p14="http://schemas.microsoft.com/office/powerpoint/2010/main" val="1770117583"/>
+      </p:ext>
+    </p:extLst>
+  </p:cSld>
+  <p:clrMapOvr>
+    <a:masterClrMapping/>
+  </p:clrMapOvr>
+</p:sldLayout>
+</file>
+
+<file path=ppt/slideLayouts/slideLayout11.xml><?xml version="1.0" encoding="utf-8"?>
+<p:sldLayout xmlns:a="http://schemas.openxmlformats.org/drawingml/2006/main" xmlns:r="http://schemas.openxmlformats.org/officeDocument/2006/relationships" xmlns:p="http://schemas.openxmlformats.org/presentationml/2006/main" preserve="1">
+  <p:cSld name="Quote with Caption">
+    <p:spTree>
+      <p:nvGrpSpPr>
+        <p:cNvPr id="1" name=""/>
+        <p:cNvGrpSpPr/>
+        <p:nvPr/>
+      </p:nvGrpSpPr>
+      <p:grpSpPr>
+        <a:xfrm>
+          <a:off x="0" y="0"/>
+          <a:ext cx="0" cy="0"/>
+          <a:chOff x="0" y="0"/>
+          <a:chExt cx="0" cy="0"/>
+        </a:xfrm>
+      </p:grpSpPr>
+      <p:sp>
+        <p:nvSpPr>
+          <p:cNvPr id="2" name="Title 1"/>
+          <p:cNvSpPr>
+            <a:spLocks noGrp="1"/>
+          </p:cNvSpPr>
+          <p:nvPr>
+            <p:ph type="title"/>
+          </p:nvPr>
+        </p:nvSpPr>
+        <p:spPr>
+          <a:xfrm>
+            <a:off x="2849949" y="609600"/>
+            <a:ext cx="8393926" cy="2895600"/>
+          </a:xfrm>
+        </p:spPr>
+        <p:txBody>
+          <a:bodyPr anchor="ctr">
+            <a:normAutofit/>
+          </a:bodyPr>
+          <a:lstStyle>
+            <a:lvl1pPr algn="l">
+              <a:defRPr sz="4800" b="0" cap="none"/>
+            </a:lvl1pPr>
+          </a:lstStyle>
+          <a:p>
+            <a:r>
+              <a:rPr lang="en-US"/>
+              <a:t>Click to edit Master title style</a:t>
+            </a:r>
+            <a:endParaRPr lang="en-US" dirty="0"/>
+          </a:p>
+        </p:txBody>
+      </p:sp>
+      <p:sp>
+        <p:nvSpPr>
+          <p:cNvPr id="13" name="Text Placeholder 9"/>
+          <p:cNvSpPr>
+            <a:spLocks noGrp="1"/>
+          </p:cNvSpPr>
+          <p:nvPr>
+            <p:ph type="body" sz="quarter" idx="13"/>
+          </p:nvPr>
+        </p:nvSpPr>
+        <p:spPr>
+          <a:xfrm>
+            <a:off x="3275012" y="3505200"/>
+            <a:ext cx="7536554" cy="381000"/>
+          </a:xfrm>
+        </p:spPr>
+        <p:txBody>
+          <a:bodyPr anchor="ctr">
+            <a:noAutofit/>
+          </a:bodyPr>
+          <a:lstStyle>
+            <a:lvl1pPr marL="0" indent="0">
+              <a:buFontTx/>
+              <a:buNone/>
+              <a:defRPr sz="1600">
+                <a:solidFill>
+                  <a:schemeClr val="tx1">
+                    <a:lumMod val="50000"/>
+                    <a:lumOff val="50000"/>
+                  </a:schemeClr>
+                </a:solidFill>
+              </a:defRPr>
+            </a:lvl1pPr>
+            <a:lvl2pPr marL="457200" indent="0">
+              <a:buFontTx/>
+              <a:buNone/>
+              <a:defRPr/>
+            </a:lvl2pPr>
+            <a:lvl3pPr marL="914400" indent="0">
+              <a:buFontTx/>
+              <a:buNone/>
+              <a:defRPr/>
+            </a:lvl3pPr>
+            <a:lvl4pPr marL="1371600" indent="0">
+              <a:buFontTx/>
+              <a:buNone/>
+              <a:defRPr/>
+            </a:lvl4pPr>
+            <a:lvl5pPr marL="1828800" indent="0">
+              <a:buFontTx/>
+              <a:buNone/>
+              <a:defRPr/>
+            </a:lvl5pPr>
+          </a:lstStyle>
+          <a:p>
+            <a:pPr lvl="0"/>
+            <a:r>
+              <a:rPr lang="en-US"/>
+              <a:t>Edit Master text styles</a:t>
+            </a:r>
+          </a:p>
+        </p:txBody>
+      </p:sp>
+      <p:sp>
+        <p:nvSpPr>
+          <p:cNvPr id="3" name="Text Placeholder 2"/>
+          <p:cNvSpPr>
+            <a:spLocks noGrp="1"/>
+          </p:cNvSpPr>
+          <p:nvPr>
+            <p:ph type="body" idx="1"/>
+          </p:nvPr>
+        </p:nvSpPr>
+        <p:spPr>
+          <a:xfrm>
+            <a:off x="2589212" y="4354046"/>
+            <a:ext cx="8915399" cy="1555864"/>
+          </a:xfrm>
+        </p:spPr>
+        <p:txBody>
+          <a:bodyPr anchor="ctr">
+            <a:normAutofit/>
+          </a:bodyPr>
+          <a:lstStyle>
+            <a:lvl1pPr marL="0" indent="0" algn="l">
+              <a:buNone/>
+              <a:defRPr sz="1800">
+                <a:solidFill>
+                  <a:schemeClr val="tx1">
+                    <a:lumMod val="65000"/>
+                    <a:lumOff val="35000"/>
+                  </a:schemeClr>
+                </a:solidFill>
+              </a:defRPr>
+            </a:lvl1pPr>
+            <a:lvl2pPr marL="457200" indent="0">
+              <a:buNone/>
+              <a:defRPr sz="1800">
+                <a:solidFill>
+                  <a:schemeClr val="tx1">
+                    <a:tint val="75000"/>
+                  </a:schemeClr>
+                </a:solidFill>
+              </a:defRPr>
+            </a:lvl2pPr>
+            <a:lvl3pPr marL="914400" indent="0">
+              <a:buNone/>
+              <a:defRPr sz="1600">
+                <a:solidFill>
+                  <a:schemeClr val="tx1">
+                    <a:tint val="75000"/>
+                  </a:schemeClr>
+                </a:solidFill>
+              </a:defRPr>
+            </a:lvl3pPr>
+            <a:lvl4pPr marL="1371600" indent="0">
+              <a:buNone/>
+              <a:defRPr sz="1400">
+                <a:solidFill>
+                  <a:schemeClr val="tx1">
+                    <a:tint val="75000"/>
+                  </a:schemeClr>
+                </a:solidFill>
+              </a:defRPr>
+            </a:lvl4pPr>
+            <a:lvl5pPr marL="1828800" indent="0">
+              <a:buNone/>
+              <a:defRPr sz="1400">
+                <a:solidFill>
+                  <a:schemeClr val="tx1">
+                    <a:tint val="75000"/>
+                  </a:schemeClr>
+                </a:solidFill>
+              </a:defRPr>
+            </a:lvl5pPr>
+            <a:lvl6pPr marL="2286000" indent="0">
+              <a:buNone/>
+              <a:defRPr sz="1400">
+                <a:solidFill>
+                  <a:schemeClr val="tx1">
+                    <a:tint val="75000"/>
+                  </a:schemeClr>
+                </a:solidFill>
+              </a:defRPr>
+            </a:lvl6pPr>
+            <a:lvl7pPr marL="2743200" indent="0">
+              <a:buNone/>
+              <a:defRPr sz="1400">
+                <a:solidFill>
+                  <a:schemeClr val="tx1">
+                    <a:tint val="75000"/>
+                  </a:schemeClr>
+                </a:solidFill>
+              </a:defRPr>
+            </a:lvl7pPr>
+            <a:lvl8pPr marL="3200400" indent="0">
+              <a:buNone/>
+              <a:defRPr sz="1400">
+                <a:solidFill>
+                  <a:schemeClr val="tx1">
+                    <a:tint val="75000"/>
+                  </a:schemeClr>
+                </a:solidFill>
+              </a:defRPr>
+            </a:lvl8pPr>
+            <a:lvl9pPr marL="3657600" indent="0">
+              <a:buNone/>
+              <a:defRPr sz="1400">
+                <a:solidFill>
+                  <a:schemeClr val="tx1">
+                    <a:tint val="75000"/>
+                  </a:schemeClr>
+                </a:solidFill>
+              </a:defRPr>
+            </a:lvl9pPr>
+          </a:lstStyle>
+          <a:p>
+            <a:pPr lvl="0"/>
+            <a:r>
+              <a:rPr lang="en-US"/>
+              <a:t>Edit Master text styles</a:t>
+            </a:r>
+          </a:p>
+        </p:txBody>
+      </p:sp>
+      <p:sp>
+        <p:nvSpPr>
+          <p:cNvPr id="4" name="Date Placeholder 3"/>
+          <p:cNvSpPr>
+            <a:spLocks noGrp="1"/>
+          </p:cNvSpPr>
+          <p:nvPr>
+            <p:ph type="dt" sz="half" idx="10"/>
+          </p:nvPr>
+        </p:nvSpPr>
+        <p:spPr/>
+        <p:txBody>
+          <a:bodyPr/>
+          <a:lstStyle/>
+          <a:p>
+            <a:fld id="{D8B9DD1B-3A02-4013-B1CD-A9A5989ED81E}" type="datetimeFigureOut">
+              <a:rPr lang="en-GB" smtClean="0"/>
+              <a:t>06/03/2019</a:t>
+            </a:fld>
+            <a:endParaRPr lang="en-GB"/>
+          </a:p>
+        </p:txBody>
+      </p:sp>
+      <p:sp>
+        <p:nvSpPr>
+          <p:cNvPr id="5" name="Footer Placeholder 4"/>
+          <p:cNvSpPr>
+            <a:spLocks noGrp="1"/>
+          </p:cNvSpPr>
+          <p:nvPr>
+            <p:ph type="ftr" sz="quarter" idx="11"/>
+          </p:nvPr>
+        </p:nvSpPr>
+        <p:spPr/>
+        <p:txBody>
+          <a:bodyPr/>
+          <a:lstStyle/>
+          <a:p>
+            <a:endParaRPr lang="en-GB"/>
+          </a:p>
+        </p:txBody>
+      </p:sp>
+      <p:sp>
+        <p:nvSpPr>
+          <p:cNvPr id="11" name="Freeform 11"/>
+          <p:cNvSpPr/>
+          <p:nvPr/>
+        </p:nvSpPr>
+        <p:spPr bwMode="auto">
+          <a:xfrm flipV="1">
+            <a:off x="-4189" y="3178175"/>
+            <a:ext cx="1588527" cy="507297"/>
+          </a:xfrm>
+          <a:custGeom>
+            <a:avLst/>
+            <a:gdLst/>
+            <a:ahLst/>
+            <a:cxnLst/>
+            <a:rect l="l" t="t" r="r" b="b"/>
+            <a:pathLst>
+              <a:path w="9248" h="10000">
+                <a:moveTo>
+                  <a:pt x="9248" y="4701"/>
+                </a:moveTo>
+                <a:lnTo>
+                  <a:pt x="7915" y="188"/>
+                </a:lnTo>
+                <a:cubicBezTo>
+                  <a:pt x="7906" y="156"/>
+                  <a:pt x="7895" y="126"/>
+                  <a:pt x="7886" y="94"/>
+                </a:cubicBezTo>
+                <a:cubicBezTo>
+                  <a:pt x="7859" y="0"/>
+                  <a:pt x="7831" y="0"/>
+                  <a:pt x="7803" y="0"/>
+                </a:cubicBezTo>
+                <a:lnTo>
+                  <a:pt x="7275" y="0"/>
+                </a:lnTo>
+                <a:lnTo>
+                  <a:pt x="0" y="70"/>
+                </a:lnTo>
+                <a:cubicBezTo>
+                  <a:pt x="8" y="3380"/>
+                  <a:pt x="17" y="6690"/>
+                  <a:pt x="25" y="10000"/>
+                </a:cubicBezTo>
+                <a:lnTo>
+                  <a:pt x="7275" y="9966"/>
+                </a:lnTo>
+                <a:lnTo>
+                  <a:pt x="7803" y="9966"/>
+                </a:lnTo>
+                <a:cubicBezTo>
+                  <a:pt x="7831" y="9966"/>
+                  <a:pt x="7859" y="9872"/>
+                  <a:pt x="7886" y="9872"/>
+                </a:cubicBezTo>
+                <a:cubicBezTo>
+                  <a:pt x="7886" y="9778"/>
+                  <a:pt x="7915" y="9778"/>
+                  <a:pt x="7915" y="9778"/>
+                </a:cubicBezTo>
+                <a:lnTo>
+                  <a:pt x="9248" y="5265"/>
+                </a:lnTo>
+                <a:cubicBezTo>
+                  <a:pt x="9303" y="5077"/>
+                  <a:pt x="9303" y="4889"/>
+                  <a:pt x="9248" y="4701"/>
+                </a:cubicBezTo>
+                <a:close/>
+              </a:path>
+            </a:pathLst>
+          </a:custGeom>
+          <a:solidFill>
+            <a:schemeClr val="accent1"/>
+          </a:solidFill>
+          <a:ln>
+            <a:noFill/>
+          </a:ln>
+        </p:spPr>
+      </p:sp>
+      <p:sp>
+        <p:nvSpPr>
+          <p:cNvPr id="6" name="Slide Number Placeholder 5"/>
+          <p:cNvSpPr>
+            <a:spLocks noGrp="1"/>
+          </p:cNvSpPr>
+          <p:nvPr>
+            <p:ph type="sldNum" sz="quarter" idx="12"/>
+          </p:nvPr>
+        </p:nvSpPr>
+        <p:spPr>
+          <a:xfrm>
+            <a:off x="531812" y="3244139"/>
+            <a:ext cx="779767" cy="365125"/>
+          </a:xfrm>
+        </p:spPr>
+        <p:txBody>
+          <a:bodyPr/>
+          <a:lstStyle/>
+          <a:p>
+            <a:fld id="{EC82F3AF-F174-482A-A2B7-5297FFB428A7}" type="slidenum">
+              <a:rPr lang="en-GB" smtClean="0"/>
+              <a:t>‹#›</a:t>
+            </a:fld>
+            <a:endParaRPr lang="en-GB"/>
+          </a:p>
+        </p:txBody>
+      </p:sp>
+      <p:sp>
+        <p:nvSpPr>
+          <p:cNvPr id="14" name="TextBox 13"/>
+          <p:cNvSpPr txBox="1"/>
+          <p:nvPr/>
+        </p:nvSpPr>
+        <p:spPr>
+          <a:xfrm>
+            <a:off x="2467652" y="648005"/>
+            <a:ext cx="609600" cy="584776"/>
+          </a:xfrm>
+          <a:prstGeom prst="rect">
+            <a:avLst/>
+          </a:prstGeom>
+        </p:spPr>
+        <p:txBody>
+          <a:bodyPr vert="horz" lIns="91440" tIns="45720" rIns="91440" bIns="45720" rtlCol="0" anchor="ctr">
+            <a:noAutofit/>
+          </a:bodyPr>
+          <a:lstStyle/>
+          <a:p>
+            <a:pPr lvl="0"/>
+            <a:r>
+              <a:rPr lang="en-US" sz="8000" baseline="0" dirty="0">
+                <a:ln w="3175" cmpd="sng">
+                  <a:noFill/>
+                </a:ln>
+                <a:solidFill>
+                  <a:schemeClr val="accent1"/>
+                </a:solidFill>
+                <a:effectLst/>
+                <a:latin typeface="Arial"/>
+              </a:rPr>
+              <a:t>“</a:t>
+            </a:r>
+          </a:p>
+        </p:txBody>
+      </p:sp>
+      <p:sp>
+        <p:nvSpPr>
+          <p:cNvPr id="15" name="TextBox 14"/>
+          <p:cNvSpPr txBox="1"/>
+          <p:nvPr/>
+        </p:nvSpPr>
+        <p:spPr>
+          <a:xfrm>
+            <a:off x="11114852" y="2905306"/>
+            <a:ext cx="609600" cy="584776"/>
+          </a:xfrm>
+          <a:prstGeom prst="rect">
+            <a:avLst/>
+          </a:prstGeom>
+        </p:spPr>
+        <p:txBody>
+          <a:bodyPr vert="horz" lIns="91440" tIns="45720" rIns="91440" bIns="45720" rtlCol="0" anchor="ctr">
+            <a:noAutofit/>
+          </a:bodyPr>
+          <a:lstStyle/>
+          <a:p>
+            <a:pPr lvl="0"/>
+            <a:r>
+              <a:rPr lang="en-US" sz="8000" baseline="0" dirty="0">
+                <a:ln w="3175" cmpd="sng">
+                  <a:noFill/>
+                </a:ln>
+                <a:solidFill>
+                  <a:schemeClr val="accent1"/>
+                </a:solidFill>
+                <a:effectLst/>
+                <a:latin typeface="Arial"/>
+              </a:rPr>
+              <a:t>”</a:t>
+            </a:r>
+          </a:p>
+        </p:txBody>
+      </p:sp>
+    </p:spTree>
+    <p:extLst>
+      <p:ext uri="{BB962C8B-B14F-4D97-AF65-F5344CB8AC3E}">
+        <p14:creationId xmlns:p14="http://schemas.microsoft.com/office/powerpoint/2010/main" val="3580938463"/>
+      </p:ext>
+    </p:extLst>
+  </p:cSld>
+  <p:clrMapOvr>
+    <a:masterClrMapping/>
+  </p:clrMapOvr>
+</p:sldLayout>
+</file>
+
+<file path=ppt/slideLayouts/slideLayout12.xml><?xml version="1.0" encoding="utf-8"?>
+<p:sldLayout xmlns:a="http://schemas.openxmlformats.org/drawingml/2006/main" xmlns:r="http://schemas.openxmlformats.org/officeDocument/2006/relationships" xmlns:p="http://schemas.openxmlformats.org/presentationml/2006/main" preserve="1">
+  <p:cSld name="Name Card">
+    <p:spTree>
+      <p:nvGrpSpPr>
+        <p:cNvPr id="1" name=""/>
+        <p:cNvGrpSpPr/>
+        <p:nvPr/>
+      </p:nvGrpSpPr>
+      <p:grpSpPr>
+        <a:xfrm>
+          <a:off x="0" y="0"/>
+          <a:ext cx="0" cy="0"/>
+          <a:chOff x="0" y="0"/>
+          <a:chExt cx="0" cy="0"/>
+        </a:xfrm>
+      </p:grpSpPr>
+      <p:sp>
+        <p:nvSpPr>
+          <p:cNvPr id="2" name="Title 1"/>
+          <p:cNvSpPr>
+            <a:spLocks noGrp="1"/>
+          </p:cNvSpPr>
+          <p:nvPr>
+            <p:ph type="title"/>
+          </p:nvPr>
+        </p:nvSpPr>
+        <p:spPr>
+          <a:xfrm>
+            <a:off x="2589213" y="2438400"/>
+            <a:ext cx="8915400" cy="2724845"/>
+          </a:xfrm>
+        </p:spPr>
+        <p:txBody>
+          <a:bodyPr anchor="b">
+            <a:normAutofit/>
+          </a:bodyPr>
+          <a:lstStyle>
+            <a:lvl1pPr algn="l">
+              <a:defRPr sz="4800" b="0"/>
+            </a:lvl1pPr>
+          </a:lstStyle>
+          <a:p>
+            <a:r>
+              <a:rPr lang="en-US"/>
+              <a:t>Click to edit Master title style</a:t>
+            </a:r>
+            <a:endParaRPr lang="en-US" dirty="0"/>
+          </a:p>
+        </p:txBody>
+      </p:sp>
+      <p:sp>
+        <p:nvSpPr>
+          <p:cNvPr id="4" name="Text Placeholder 3"/>
+          <p:cNvSpPr>
+            <a:spLocks noGrp="1"/>
+          </p:cNvSpPr>
+          <p:nvPr>
+            <p:ph type="body" sz="half" idx="2"/>
+          </p:nvPr>
+        </p:nvSpPr>
+        <p:spPr>
+          <a:xfrm>
+            <a:off x="2589213" y="5181600"/>
+            <a:ext cx="8915400" cy="729622"/>
+          </a:xfrm>
+        </p:spPr>
+        <p:txBody>
+          <a:bodyPr vert="horz" lIns="91440" tIns="45720" rIns="91440" bIns="45720" rtlCol="0" anchor="t">
+            <a:normAutofit/>
+          </a:bodyPr>
+          <a:lstStyle>
+            <a:lvl1pPr>
+              <a:buNone/>
+              <a:defRPr lang="en-US">
+                <a:solidFill>
+                  <a:schemeClr val="tx1">
+                    <a:lumMod val="65000"/>
+                    <a:lumOff val="35000"/>
+                  </a:schemeClr>
+                </a:solidFill>
+              </a:defRPr>
+            </a:lvl1pPr>
+          </a:lstStyle>
+          <a:p>
+            <a:pPr marL="0" lvl="0" indent="0">
+              <a:buNone/>
+            </a:pPr>
+            <a:r>
+              <a:rPr lang="en-US"/>
+              <a:t>Edit Master text styles</a:t>
+            </a:r>
+          </a:p>
+        </p:txBody>
+      </p:sp>
+      <p:sp>
+        <p:nvSpPr>
+          <p:cNvPr id="5" name="Date Placeholder 4"/>
+          <p:cNvSpPr>
+            <a:spLocks noGrp="1"/>
+          </p:cNvSpPr>
+          <p:nvPr>
+            <p:ph type="dt" sz="half" idx="10"/>
+          </p:nvPr>
+        </p:nvSpPr>
+        <p:spPr/>
+        <p:txBody>
+          <a:bodyPr/>
+          <a:lstStyle/>
+          <a:p>
+            <a:fld id="{D8B9DD1B-3A02-4013-B1CD-A9A5989ED81E}" type="datetimeFigureOut">
+              <a:rPr lang="en-GB" smtClean="0"/>
+              <a:t>06/03/2019</a:t>
+            </a:fld>
+            <a:endParaRPr lang="en-GB"/>
+          </a:p>
+        </p:txBody>
+      </p:sp>
+      <p:sp>
+        <p:nvSpPr>
+          <p:cNvPr id="6" name="Footer Placeholder 5"/>
+          <p:cNvSpPr>
+            <a:spLocks noGrp="1"/>
+          </p:cNvSpPr>
+          <p:nvPr>
+            <p:ph type="ftr" sz="quarter" idx="11"/>
+          </p:nvPr>
+        </p:nvSpPr>
+        <p:spPr/>
+        <p:txBody>
+          <a:bodyPr/>
+          <a:lstStyle/>
+          <a:p>
+            <a:endParaRPr lang="en-GB"/>
+          </a:p>
+        </p:txBody>
+      </p:sp>
+      <p:sp>
+        <p:nvSpPr>
+          <p:cNvPr id="9" name="Freeform 11"/>
+          <p:cNvSpPr/>
+          <p:nvPr/>
+        </p:nvSpPr>
+        <p:spPr bwMode="auto">
+          <a:xfrm flipV="1">
+            <a:off x="-4189" y="4911725"/>
+            <a:ext cx="1588527" cy="507297"/>
+          </a:xfrm>
+          <a:custGeom>
+            <a:avLst/>
+            <a:gdLst/>
+            <a:ahLst/>
+            <a:cxnLst/>
+            <a:rect l="l" t="t" r="r" b="b"/>
+            <a:pathLst>
+              <a:path w="9248" h="10000">
+                <a:moveTo>
+                  <a:pt x="9248" y="4701"/>
+                </a:moveTo>
+                <a:lnTo>
+                  <a:pt x="7915" y="188"/>
+                </a:lnTo>
+                <a:cubicBezTo>
+                  <a:pt x="7906" y="156"/>
+                  <a:pt x="7895" y="126"/>
+                  <a:pt x="7886" y="94"/>
+                </a:cubicBezTo>
+                <a:cubicBezTo>
+                  <a:pt x="7859" y="0"/>
+                  <a:pt x="7831" y="0"/>
+                  <a:pt x="7803" y="0"/>
+                </a:cubicBezTo>
+                <a:lnTo>
+                  <a:pt x="7275" y="0"/>
+                </a:lnTo>
+                <a:lnTo>
+                  <a:pt x="0" y="70"/>
+                </a:lnTo>
+                <a:cubicBezTo>
+                  <a:pt x="8" y="3380"/>
+                  <a:pt x="17" y="6690"/>
+                  <a:pt x="25" y="10000"/>
+                </a:cubicBezTo>
+                <a:lnTo>
+                  <a:pt x="7275" y="9966"/>
+                </a:lnTo>
+                <a:lnTo>
+                  <a:pt x="7803" y="9966"/>
+                </a:lnTo>
+                <a:cubicBezTo>
+                  <a:pt x="7831" y="9966"/>
+                  <a:pt x="7859" y="9872"/>
+                  <a:pt x="7886" y="9872"/>
+                </a:cubicBezTo>
+                <a:cubicBezTo>
+                  <a:pt x="7886" y="9778"/>
+                  <a:pt x="7915" y="9778"/>
+                  <a:pt x="7915" y="9778"/>
+                </a:cubicBezTo>
+                <a:lnTo>
+                  <a:pt x="9248" y="5265"/>
+                </a:lnTo>
+                <a:cubicBezTo>
+                  <a:pt x="9303" y="5077"/>
+                  <a:pt x="9303" y="4889"/>
+                  <a:pt x="9248" y="4701"/>
+                </a:cubicBezTo>
+                <a:close/>
+              </a:path>
+            </a:pathLst>
+          </a:custGeom>
+          <a:solidFill>
+            <a:schemeClr val="accent1"/>
+          </a:solidFill>
+          <a:ln>
+            <a:noFill/>
+          </a:ln>
+        </p:spPr>
+      </p:sp>
+      <p:sp>
+        <p:nvSpPr>
+          <p:cNvPr id="7" name="Slide Number Placeholder 6"/>
+          <p:cNvSpPr>
+            <a:spLocks noGrp="1"/>
+          </p:cNvSpPr>
+          <p:nvPr>
+            <p:ph type="sldNum" sz="quarter" idx="12"/>
+          </p:nvPr>
+        </p:nvSpPr>
+        <p:spPr>
+          <a:xfrm>
+            <a:off x="531812" y="4983087"/>
+            <a:ext cx="779767" cy="365125"/>
+          </a:xfrm>
+        </p:spPr>
+        <p:txBody>
+          <a:bodyPr/>
+          <a:lstStyle/>
+          <a:p>
+            <a:fld id="{EC82F3AF-F174-482A-A2B7-5297FFB428A7}" type="slidenum">
+              <a:rPr lang="en-GB" smtClean="0"/>
+              <a:t>‹#›</a:t>
+            </a:fld>
+            <a:endParaRPr lang="en-GB"/>
+          </a:p>
+        </p:txBody>
+      </p:sp>
+    </p:spTree>
+    <p:extLst>
+      <p:ext uri="{BB962C8B-B14F-4D97-AF65-F5344CB8AC3E}">
+        <p14:creationId xmlns:p14="http://schemas.microsoft.com/office/powerpoint/2010/main" val="399520490"/>
+      </p:ext>
+    </p:extLst>
+  </p:cSld>
+  <p:clrMapOvr>
+    <a:masterClrMapping/>
+  </p:clrMapOvr>
+</p:sldLayout>
+</file>
+
+<file path=ppt/slideLayouts/slideLayout13.xml><?xml version="1.0" encoding="utf-8"?>
+<p:sldLayout xmlns:a="http://schemas.openxmlformats.org/drawingml/2006/main" xmlns:r="http://schemas.openxmlformats.org/officeDocument/2006/relationships" xmlns:p="http://schemas.openxmlformats.org/presentationml/2006/main" preserve="1">
+  <p:cSld name="Quote Name Card">
+    <p:spTree>
+      <p:nvGrpSpPr>
+        <p:cNvPr id="1" name=""/>
+        <p:cNvGrpSpPr/>
+        <p:nvPr/>
+      </p:nvGrpSpPr>
+      <p:grpSpPr>
+        <a:xfrm>
+          <a:off x="0" y="0"/>
+          <a:ext cx="0" cy="0"/>
+          <a:chOff x="0" y="0"/>
+          <a:chExt cx="0" cy="0"/>
+        </a:xfrm>
+      </p:grpSpPr>
+      <p:sp>
+        <p:nvSpPr>
+          <p:cNvPr id="12" name="Title 1"/>
+          <p:cNvSpPr>
+            <a:spLocks noGrp="1"/>
+          </p:cNvSpPr>
+          <p:nvPr>
+            <p:ph type="title"/>
+          </p:nvPr>
+        </p:nvSpPr>
+        <p:spPr>
+          <a:xfrm>
+            <a:off x="2849949" y="609600"/>
+            <a:ext cx="8393926" cy="2895600"/>
+          </a:xfrm>
+        </p:spPr>
+        <p:txBody>
+          <a:bodyPr anchor="ctr">
+            <a:normAutofit/>
+          </a:bodyPr>
+          <a:lstStyle>
+            <a:lvl1pPr algn="l">
+              <a:defRPr sz="4800" b="0" cap="none"/>
+            </a:lvl1pPr>
+          </a:lstStyle>
+          <a:p>
+            <a:r>
+              <a:rPr lang="en-US"/>
+              <a:t>Click to edit Master title style</a:t>
+            </a:r>
+            <a:endParaRPr lang="en-US" dirty="0"/>
+          </a:p>
+        </p:txBody>
+      </p:sp>
+      <p:sp>
+        <p:nvSpPr>
+          <p:cNvPr id="21" name="Text Placeholder 9"/>
+          <p:cNvSpPr>
+            <a:spLocks noGrp="1"/>
+          </p:cNvSpPr>
+          <p:nvPr>
+            <p:ph type="body" sz="quarter" idx="13"/>
+          </p:nvPr>
+        </p:nvSpPr>
+        <p:spPr>
+          <a:xfrm>
+            <a:off x="2589212" y="4343400"/>
+            <a:ext cx="8915400" cy="838200"/>
+          </a:xfrm>
+        </p:spPr>
+        <p:txBody>
+          <a:bodyPr anchor="b">
+            <a:noAutofit/>
+          </a:bodyPr>
+          <a:lstStyle>
+            <a:lvl1pPr marL="0" indent="0">
+              <a:buFontTx/>
+              <a:buNone/>
+              <a:defRPr sz="2400">
+                <a:solidFill>
+                  <a:schemeClr val="accent1"/>
+                </a:solidFill>
+              </a:defRPr>
+            </a:lvl1pPr>
+            <a:lvl2pPr marL="457200" indent="0">
+              <a:buFontTx/>
+              <a:buNone/>
+              <a:defRPr/>
+            </a:lvl2pPr>
+            <a:lvl3pPr marL="914400" indent="0">
+              <a:buFontTx/>
+              <a:buNone/>
+              <a:defRPr/>
+            </a:lvl3pPr>
+            <a:lvl4pPr marL="1371600" indent="0">
+              <a:buFontTx/>
+              <a:buNone/>
+              <a:defRPr/>
+            </a:lvl4pPr>
+            <a:lvl5pPr marL="1828800" indent="0">
+              <a:buFontTx/>
+              <a:buNone/>
+              <a:defRPr/>
+            </a:lvl5pPr>
+          </a:lstStyle>
+          <a:p>
+            <a:pPr lvl="0"/>
+            <a:r>
+              <a:rPr lang="en-US"/>
+              <a:t>Edit Master text styles</a:t>
+            </a:r>
+          </a:p>
+        </p:txBody>
+      </p:sp>
+      <p:sp>
+        <p:nvSpPr>
+          <p:cNvPr id="4" name="Text Placeholder 3"/>
+          <p:cNvSpPr>
+            <a:spLocks noGrp="1"/>
+          </p:cNvSpPr>
+          <p:nvPr>
+            <p:ph type="body" sz="half" idx="2"/>
+          </p:nvPr>
+        </p:nvSpPr>
+        <p:spPr>
+          <a:xfrm>
+            <a:off x="2589213" y="5181600"/>
+            <a:ext cx="8915400" cy="729622"/>
+          </a:xfrm>
+        </p:spPr>
+        <p:txBody>
+          <a:bodyPr vert="horz" lIns="91440" tIns="45720" rIns="91440" bIns="45720" rtlCol="0" anchor="t">
+            <a:normAutofit/>
+          </a:bodyPr>
+          <a:lstStyle>
+            <a:lvl1pPr>
+              <a:buNone/>
+              <a:defRPr lang="en-US">
+                <a:solidFill>
+                  <a:schemeClr val="tx1">
+                    <a:lumMod val="65000"/>
+                    <a:lumOff val="35000"/>
+                  </a:schemeClr>
+                </a:solidFill>
+              </a:defRPr>
+            </a:lvl1pPr>
+          </a:lstStyle>
+          <a:p>
+            <a:pPr marL="0" lvl="0" indent="0">
+              <a:buNone/>
+            </a:pPr>
+            <a:r>
+              <a:rPr lang="en-US"/>
+              <a:t>Edit Master text styles</a:t>
+            </a:r>
+          </a:p>
+        </p:txBody>
+      </p:sp>
+      <p:sp>
+        <p:nvSpPr>
+          <p:cNvPr id="5" name="Date Placeholder 4"/>
+          <p:cNvSpPr>
+            <a:spLocks noGrp="1"/>
+          </p:cNvSpPr>
+          <p:nvPr>
+            <p:ph type="dt" sz="half" idx="10"/>
+          </p:nvPr>
+        </p:nvSpPr>
+        <p:spPr/>
+        <p:txBody>
+          <a:bodyPr/>
+          <a:lstStyle/>
+          <a:p>
+            <a:fld id="{D8B9DD1B-3A02-4013-B1CD-A9A5989ED81E}" type="datetimeFigureOut">
+              <a:rPr lang="en-GB" smtClean="0"/>
+              <a:t>06/03/2019</a:t>
+            </a:fld>
+            <a:endParaRPr lang="en-GB"/>
+          </a:p>
+        </p:txBody>
+      </p:sp>
+      <p:sp>
+        <p:nvSpPr>
+          <p:cNvPr id="6" name="Footer Placeholder 5"/>
+          <p:cNvSpPr>
+            <a:spLocks noGrp="1"/>
+          </p:cNvSpPr>
+          <p:nvPr>
+            <p:ph type="ftr" sz="quarter" idx="11"/>
+          </p:nvPr>
+        </p:nvSpPr>
+        <p:spPr/>
+        <p:txBody>
+          <a:bodyPr/>
+          <a:lstStyle/>
+          <a:p>
+            <a:endParaRPr lang="en-GB"/>
+          </a:p>
+        </p:txBody>
+      </p:sp>
+      <p:sp>
+        <p:nvSpPr>
+          <p:cNvPr id="11" name="Freeform 11"/>
+          <p:cNvSpPr/>
+          <p:nvPr/>
+        </p:nvSpPr>
+        <p:spPr bwMode="auto">
+          <a:xfrm flipV="1">
+            <a:off x="-4189" y="4911725"/>
+            <a:ext cx="1588527" cy="507297"/>
+          </a:xfrm>
+          <a:custGeom>
+            <a:avLst/>
+            <a:gdLst/>
+            <a:ahLst/>
+            <a:cxnLst/>
+            <a:rect l="l" t="t" r="r" b="b"/>
+            <a:pathLst>
+              <a:path w="9248" h="10000">
+                <a:moveTo>
+                  <a:pt x="9248" y="4701"/>
+                </a:moveTo>
+                <a:lnTo>
+                  <a:pt x="7915" y="188"/>
+                </a:lnTo>
+                <a:cubicBezTo>
+                  <a:pt x="7906" y="156"/>
+                  <a:pt x="7895" y="126"/>
+                  <a:pt x="7886" y="94"/>
+                </a:cubicBezTo>
+                <a:cubicBezTo>
+                  <a:pt x="7859" y="0"/>
+                  <a:pt x="7831" y="0"/>
+                  <a:pt x="7803" y="0"/>
+                </a:cubicBezTo>
+                <a:lnTo>
+                  <a:pt x="7275" y="0"/>
+                </a:lnTo>
+                <a:lnTo>
+                  <a:pt x="0" y="70"/>
+                </a:lnTo>
+                <a:cubicBezTo>
+                  <a:pt x="8" y="3380"/>
+                  <a:pt x="17" y="6690"/>
+                  <a:pt x="25" y="10000"/>
+                </a:cubicBezTo>
+                <a:lnTo>
+                  <a:pt x="7275" y="9966"/>
+                </a:lnTo>
+                <a:lnTo>
+                  <a:pt x="7803" y="9966"/>
+                </a:lnTo>
+                <a:cubicBezTo>
+                  <a:pt x="7831" y="9966"/>
+                  <a:pt x="7859" y="9872"/>
+                  <a:pt x="7886" y="9872"/>
+                </a:cubicBezTo>
+                <a:cubicBezTo>
+                  <a:pt x="7886" y="9778"/>
+                  <a:pt x="7915" y="9778"/>
+                  <a:pt x="7915" y="9778"/>
+                </a:cubicBezTo>
+                <a:lnTo>
+                  <a:pt x="9248" y="5265"/>
+                </a:lnTo>
+                <a:cubicBezTo>
+                  <a:pt x="9303" y="5077"/>
+                  <a:pt x="9303" y="4889"/>
+                  <a:pt x="9248" y="4701"/>
+                </a:cubicBezTo>
+                <a:close/>
+              </a:path>
+            </a:pathLst>
+          </a:custGeom>
+          <a:solidFill>
+            <a:schemeClr val="accent1"/>
+          </a:solidFill>
+          <a:ln>
+            <a:noFill/>
+          </a:ln>
+        </p:spPr>
+      </p:sp>
+      <p:sp>
+        <p:nvSpPr>
+          <p:cNvPr id="7" name="Slide Number Placeholder 6"/>
+          <p:cNvSpPr>
+            <a:spLocks noGrp="1"/>
+          </p:cNvSpPr>
+          <p:nvPr>
+            <p:ph type="sldNum" sz="quarter" idx="12"/>
+          </p:nvPr>
+        </p:nvSpPr>
+        <p:spPr>
+          <a:xfrm>
+            <a:off x="531812" y="4983087"/>
+            <a:ext cx="779767" cy="365125"/>
+          </a:xfrm>
+        </p:spPr>
+        <p:txBody>
+          <a:bodyPr/>
+          <a:lstStyle/>
+          <a:p>
+            <a:fld id="{EC82F3AF-F174-482A-A2B7-5297FFB428A7}" type="slidenum">
+              <a:rPr lang="en-GB" smtClean="0"/>
+              <a:t>‹#›</a:t>
+            </a:fld>
+            <a:endParaRPr lang="en-GB"/>
+          </a:p>
+        </p:txBody>
+      </p:sp>
+      <p:sp>
+        <p:nvSpPr>
+          <p:cNvPr id="17" name="TextBox 16"/>
+          <p:cNvSpPr txBox="1"/>
+          <p:nvPr/>
+        </p:nvSpPr>
+        <p:spPr>
+          <a:xfrm>
+            <a:off x="2467652" y="648005"/>
+            <a:ext cx="609600" cy="584776"/>
+          </a:xfrm>
+          <a:prstGeom prst="rect">
+            <a:avLst/>
+          </a:prstGeom>
+        </p:spPr>
+        <p:txBody>
+          <a:bodyPr vert="horz" lIns="91440" tIns="45720" rIns="91440" bIns="45720" rtlCol="0" anchor="ctr">
+            <a:noAutofit/>
+          </a:bodyPr>
+          <a:lstStyle/>
+          <a:p>
+            <a:pPr lvl="0"/>
+            <a:r>
+              <a:rPr lang="en-US" sz="8000" baseline="0" dirty="0">
+                <a:ln w="3175" cmpd="sng">
+                  <a:noFill/>
+                </a:ln>
+                <a:solidFill>
+                  <a:schemeClr val="accent1"/>
+                </a:solidFill>
+                <a:effectLst/>
+                <a:latin typeface="Arial"/>
+              </a:rPr>
+              <a:t>“</a:t>
+            </a:r>
+          </a:p>
+        </p:txBody>
+      </p:sp>
+      <p:sp>
+        <p:nvSpPr>
+          <p:cNvPr id="18" name="TextBox 17"/>
+          <p:cNvSpPr txBox="1"/>
+          <p:nvPr/>
+        </p:nvSpPr>
+        <p:spPr>
+          <a:xfrm>
+            <a:off x="11114852" y="2905306"/>
+            <a:ext cx="609600" cy="584776"/>
+          </a:xfrm>
+          <a:prstGeom prst="rect">
+            <a:avLst/>
+          </a:prstGeom>
+        </p:spPr>
+        <p:txBody>
+          <a:bodyPr vert="horz" lIns="91440" tIns="45720" rIns="91440" bIns="45720" rtlCol="0" anchor="ctr">
+            <a:noAutofit/>
+          </a:bodyPr>
+          <a:lstStyle/>
+          <a:p>
+            <a:pPr lvl="0"/>
+            <a:r>
+              <a:rPr lang="en-US" sz="8000" baseline="0" dirty="0">
+                <a:ln w="3175" cmpd="sng">
+                  <a:noFill/>
+                </a:ln>
+                <a:solidFill>
+                  <a:schemeClr val="accent1"/>
+                </a:solidFill>
+                <a:effectLst/>
+                <a:latin typeface="Arial"/>
+              </a:rPr>
+              <a:t>”</a:t>
+            </a:r>
+          </a:p>
+        </p:txBody>
+      </p:sp>
+    </p:spTree>
+    <p:extLst>
+      <p:ext uri="{BB962C8B-B14F-4D97-AF65-F5344CB8AC3E}">
+        <p14:creationId xmlns:p14="http://schemas.microsoft.com/office/powerpoint/2010/main" val="1377024371"/>
+      </p:ext>
+    </p:extLst>
+  </p:cSld>
+  <p:clrMapOvr>
+    <a:masterClrMapping/>
+  </p:clrMapOvr>
+</p:sldLayout>
+</file>
+
+<file path=ppt/slideLayouts/slideLayout14.xml><?xml version="1.0" encoding="utf-8"?>
+<p:sldLayout xmlns:a="http://schemas.openxmlformats.org/drawingml/2006/main" xmlns:r="http://schemas.openxmlformats.org/officeDocument/2006/relationships" xmlns:p="http://schemas.openxmlformats.org/presentationml/2006/main" preserve="1">
+  <p:cSld name="True or False">
+    <p:spTree>
+      <p:nvGrpSpPr>
+        <p:cNvPr id="1" name=""/>
+        <p:cNvGrpSpPr/>
+        <p:nvPr/>
+      </p:nvGrpSpPr>
+      <p:grpSpPr>
+        <a:xfrm>
+          <a:off x="0" y="0"/>
+          <a:ext cx="0" cy="0"/>
+          <a:chOff x="0" y="0"/>
+          <a:chExt cx="0" cy="0"/>
+        </a:xfrm>
+      </p:grpSpPr>
+      <p:sp>
+        <p:nvSpPr>
+          <p:cNvPr id="2" name="Title 1"/>
+          <p:cNvSpPr>
+            <a:spLocks noGrp="1"/>
+          </p:cNvSpPr>
+          <p:nvPr>
+            <p:ph type="title"/>
+          </p:nvPr>
+        </p:nvSpPr>
+        <p:spPr>
+          <a:xfrm>
+            <a:off x="2589212" y="627407"/>
+            <a:ext cx="8915399" cy="2880020"/>
+          </a:xfrm>
+        </p:spPr>
+        <p:txBody>
+          <a:bodyPr anchor="ctr">
+            <a:normAutofit/>
+          </a:bodyPr>
+          <a:lstStyle>
+            <a:lvl1pPr algn="l">
+              <a:defRPr sz="4800" b="0"/>
+            </a:lvl1pPr>
+          </a:lstStyle>
+          <a:p>
+            <a:r>
+              <a:rPr lang="en-US"/>
+              <a:t>Click to edit Master title style</a:t>
+            </a:r>
+            <a:endParaRPr lang="en-US" dirty="0"/>
+          </a:p>
+        </p:txBody>
+      </p:sp>
+      <p:sp>
+        <p:nvSpPr>
+          <p:cNvPr id="21" name="Text Placeholder 9"/>
+          <p:cNvSpPr>
+            <a:spLocks noGrp="1"/>
+          </p:cNvSpPr>
+          <p:nvPr>
+            <p:ph type="body" sz="quarter" idx="13"/>
+          </p:nvPr>
+        </p:nvSpPr>
+        <p:spPr>
+          <a:xfrm>
+            <a:off x="2589212" y="4343400"/>
+            <a:ext cx="8915400" cy="838200"/>
+          </a:xfrm>
+        </p:spPr>
+        <p:txBody>
+          <a:bodyPr anchor="b">
+            <a:noAutofit/>
+          </a:bodyPr>
+          <a:lstStyle>
+            <a:lvl1pPr marL="0" indent="0">
+              <a:buFontTx/>
+              <a:buNone/>
+              <a:defRPr sz="2400">
+                <a:solidFill>
+                  <a:schemeClr val="accent1"/>
+                </a:solidFill>
+              </a:defRPr>
+            </a:lvl1pPr>
+            <a:lvl2pPr marL="457200" indent="0">
+              <a:buFontTx/>
+              <a:buNone/>
+              <a:defRPr/>
+            </a:lvl2pPr>
+            <a:lvl3pPr marL="914400" indent="0">
+              <a:buFontTx/>
+              <a:buNone/>
+              <a:defRPr/>
+            </a:lvl3pPr>
+            <a:lvl4pPr marL="1371600" indent="0">
+              <a:buFontTx/>
+              <a:buNone/>
+              <a:defRPr/>
+            </a:lvl4pPr>
+            <a:lvl5pPr marL="1828800" indent="0">
+              <a:buFontTx/>
+              <a:buNone/>
+              <a:defRPr/>
+            </a:lvl5pPr>
+          </a:lstStyle>
+          <a:p>
+            <a:pPr lvl="0"/>
+            <a:r>
+              <a:rPr lang="en-US"/>
+              <a:t>Edit Master text styles</a:t>
+            </a:r>
+          </a:p>
+        </p:txBody>
+      </p:sp>
+      <p:sp>
+        <p:nvSpPr>
+          <p:cNvPr id="4" name="Text Placeholder 3"/>
+          <p:cNvSpPr>
+            <a:spLocks noGrp="1"/>
+          </p:cNvSpPr>
+          <p:nvPr>
+            <p:ph type="body" sz="half" idx="2"/>
+          </p:nvPr>
+        </p:nvSpPr>
+        <p:spPr>
+          <a:xfrm>
+            <a:off x="2589213" y="5181600"/>
+            <a:ext cx="8915400" cy="729622"/>
+          </a:xfrm>
+        </p:spPr>
+        <p:txBody>
+          <a:bodyPr vert="horz" lIns="91440" tIns="45720" rIns="91440" bIns="45720" rtlCol="0" anchor="t">
+            <a:normAutofit/>
+          </a:bodyPr>
+          <a:lstStyle>
+            <a:lvl1pPr>
+              <a:buNone/>
+              <a:defRPr lang="en-US">
+                <a:solidFill>
+                  <a:schemeClr val="tx1">
+                    <a:lumMod val="65000"/>
+                    <a:lumOff val="35000"/>
+                  </a:schemeClr>
+                </a:solidFill>
+              </a:defRPr>
+            </a:lvl1pPr>
+          </a:lstStyle>
+          <a:p>
+            <a:pPr marL="0" lvl="0" indent="0">
+              <a:buNone/>
+            </a:pPr>
+            <a:r>
+              <a:rPr lang="en-US"/>
+              <a:t>Edit Master text styles</a:t>
+            </a:r>
+          </a:p>
+        </p:txBody>
+      </p:sp>
+      <p:sp>
+        <p:nvSpPr>
+          <p:cNvPr id="5" name="Date Placeholder 4"/>
+          <p:cNvSpPr>
+            <a:spLocks noGrp="1"/>
+          </p:cNvSpPr>
+          <p:nvPr>
+            <p:ph type="dt" sz="half" idx="10"/>
+          </p:nvPr>
+        </p:nvSpPr>
+        <p:spPr/>
+        <p:txBody>
+          <a:bodyPr/>
+          <a:lstStyle/>
+          <a:p>
+            <a:fld id="{D8B9DD1B-3A02-4013-B1CD-A9A5989ED81E}" type="datetimeFigureOut">
+              <a:rPr lang="en-GB" smtClean="0"/>
+              <a:t>06/03/2019</a:t>
+            </a:fld>
+            <a:endParaRPr lang="en-GB"/>
+          </a:p>
+        </p:txBody>
+      </p:sp>
+      <p:sp>
+        <p:nvSpPr>
+          <p:cNvPr id="6" name="Footer Placeholder 5"/>
+          <p:cNvSpPr>
+            <a:spLocks noGrp="1"/>
+          </p:cNvSpPr>
+          <p:nvPr>
+            <p:ph type="ftr" sz="quarter" idx="11"/>
+          </p:nvPr>
+        </p:nvSpPr>
+        <p:spPr/>
+        <p:txBody>
+          <a:bodyPr/>
+          <a:lstStyle/>
+          <a:p>
+            <a:endParaRPr lang="en-GB"/>
+          </a:p>
+        </p:txBody>
+      </p:sp>
+      <p:sp>
+        <p:nvSpPr>
+          <p:cNvPr id="9" name="Freeform 11"/>
+          <p:cNvSpPr/>
+          <p:nvPr/>
+        </p:nvSpPr>
+        <p:spPr bwMode="auto">
+          <a:xfrm flipV="1">
+            <a:off x="-4189" y="4911725"/>
+            <a:ext cx="1588527" cy="507297"/>
+          </a:xfrm>
+          <a:custGeom>
+            <a:avLst/>
+            <a:gdLst/>
+            <a:ahLst/>
+            <a:cxnLst/>
+            <a:rect l="l" t="t" r="r" b="b"/>
+            <a:pathLst>
+              <a:path w="9248" h="10000">
+                <a:moveTo>
+                  <a:pt x="9248" y="4701"/>
+                </a:moveTo>
+                <a:lnTo>
+                  <a:pt x="7915" y="188"/>
+                </a:lnTo>
+                <a:cubicBezTo>
+                  <a:pt x="7906" y="156"/>
+                  <a:pt x="7895" y="126"/>
+                  <a:pt x="7886" y="94"/>
+                </a:cubicBezTo>
+                <a:cubicBezTo>
+                  <a:pt x="7859" y="0"/>
+                  <a:pt x="7831" y="0"/>
+                  <a:pt x="7803" y="0"/>
+                </a:cubicBezTo>
+                <a:lnTo>
+                  <a:pt x="7275" y="0"/>
+                </a:lnTo>
+                <a:lnTo>
+                  <a:pt x="0" y="70"/>
+                </a:lnTo>
+                <a:cubicBezTo>
+                  <a:pt x="8" y="3380"/>
+                  <a:pt x="17" y="6690"/>
+                  <a:pt x="25" y="10000"/>
+                </a:cubicBezTo>
+                <a:lnTo>
+                  <a:pt x="7275" y="9966"/>
+                </a:lnTo>
+                <a:lnTo>
+                  <a:pt x="7803" y="9966"/>
+                </a:lnTo>
+                <a:cubicBezTo>
+                  <a:pt x="7831" y="9966"/>
+                  <a:pt x="7859" y="9872"/>
+                  <a:pt x="7886" y="9872"/>
+                </a:cubicBezTo>
+                <a:cubicBezTo>
+                  <a:pt x="7886" y="9778"/>
+                  <a:pt x="7915" y="9778"/>
+                  <a:pt x="7915" y="9778"/>
+                </a:cubicBezTo>
+                <a:lnTo>
+                  <a:pt x="9248" y="5265"/>
+                </a:lnTo>
+                <a:cubicBezTo>
+                  <a:pt x="9303" y="5077"/>
+                  <a:pt x="9303" y="4889"/>
+                  <a:pt x="9248" y="4701"/>
+                </a:cubicBezTo>
+                <a:close/>
+              </a:path>
+            </a:pathLst>
+          </a:custGeom>
+          <a:solidFill>
+            <a:schemeClr val="accent1"/>
+          </a:solidFill>
+          <a:ln>
+            <a:noFill/>
+          </a:ln>
+        </p:spPr>
+      </p:sp>
+      <p:sp>
+        <p:nvSpPr>
+          <p:cNvPr id="7" name="Slide Number Placeholder 6"/>
+          <p:cNvSpPr>
+            <a:spLocks noGrp="1"/>
+          </p:cNvSpPr>
+          <p:nvPr>
+            <p:ph type="sldNum" sz="quarter" idx="12"/>
+          </p:nvPr>
+        </p:nvSpPr>
+        <p:spPr>
+          <a:xfrm>
+            <a:off x="531812" y="4983087"/>
+            <a:ext cx="779767" cy="365125"/>
+          </a:xfrm>
+        </p:spPr>
+        <p:txBody>
+          <a:bodyPr/>
+          <a:lstStyle/>
+          <a:p>
+            <a:fld id="{EC82F3AF-F174-482A-A2B7-5297FFB428A7}" type="slidenum">
+              <a:rPr lang="en-GB" smtClean="0"/>
+              <a:t>‹#›</a:t>
+            </a:fld>
+            <a:endParaRPr lang="en-GB"/>
+          </a:p>
+        </p:txBody>
+      </p:sp>
+    </p:spTree>
+    <p:extLst>
+      <p:ext uri="{BB962C8B-B14F-4D97-AF65-F5344CB8AC3E}">
+        <p14:creationId xmlns:p14="http://schemas.microsoft.com/office/powerpoint/2010/main" val="4025407700"/>
+      </p:ext>
+    </p:extLst>
+  </p:cSld>
+  <p:clrMapOvr>
+    <a:masterClrMapping/>
+  </p:clrMapOvr>
+</p:sldLayout>
+</file>
+
+<file path=ppt/slideLayouts/slideLayout15.xml><?xml version="1.0" encoding="utf-8"?>
 <p:sldLayout xmlns:a="http://schemas.openxmlformats.org/drawingml/2006/main" xmlns:r="http://schemas.openxmlformats.org/officeDocument/2006/relationships" xmlns:p="http://schemas.openxmlformats.org/presentationml/2006/main" type="vertTx" preserve="1">
   <p:cSld name="Title and Vertical Text">
     <p:spTree>
@@ -342,7 +2287,7 @@
               <a:rPr lang="en-US"/>
               <a:t>Click to edit Master title style</a:t>
             </a:r>
-            <a:endParaRPr lang="en-GB"/>
+            <a:endParaRPr lang="en-US" dirty="0"/>
           </a:p>
         </p:txBody>
       </p:sp>
@@ -358,7 +2303,7 @@
         </p:nvSpPr>
         <p:spPr/>
         <p:txBody>
-          <a:bodyPr vert="eaVert"/>
+          <a:bodyPr vert="eaVert" anchor="t"/>
           <a:lstStyle/>
           <a:p>
             <a:pPr lvl="0"/>
@@ -394,7 +2339,7 @@
               <a:rPr lang="en-US"/>
               <a:t>Fifth level</a:t>
             </a:r>
-            <a:endParaRPr lang="en-GB"/>
+            <a:endParaRPr lang="en-US" dirty="0"/>
           </a:p>
         </p:txBody>
       </p:sp>
@@ -415,7 +2360,7 @@
           <a:p>
             <a:fld id="{D8B9DD1B-3A02-4013-B1CD-A9A5989ED81E}" type="datetimeFigureOut">
               <a:rPr lang="en-GB" smtClean="0"/>
-              <a:t>27/02/2019</a:t>
+              <a:t>06/03/2019</a:t>
             </a:fld>
             <a:endParaRPr lang="en-GB"/>
           </a:p>
@@ -439,6 +2384,88 @@
             <a:endParaRPr lang="en-GB"/>
           </a:p>
         </p:txBody>
+      </p:sp>
+      <p:sp>
+        <p:nvSpPr>
+          <p:cNvPr id="8" name="Freeform 11"/>
+          <p:cNvSpPr/>
+          <p:nvPr/>
+        </p:nvSpPr>
+        <p:spPr bwMode="auto">
+          <a:xfrm flipV="1">
+            <a:off x="-4189" y="714375"/>
+            <a:ext cx="1588527" cy="507297"/>
+          </a:xfrm>
+          <a:custGeom>
+            <a:avLst/>
+            <a:gdLst/>
+            <a:ahLst/>
+            <a:cxnLst/>
+            <a:rect l="l" t="t" r="r" b="b"/>
+            <a:pathLst>
+              <a:path w="9248" h="10000">
+                <a:moveTo>
+                  <a:pt x="9248" y="4701"/>
+                </a:moveTo>
+                <a:lnTo>
+                  <a:pt x="7915" y="188"/>
+                </a:lnTo>
+                <a:cubicBezTo>
+                  <a:pt x="7906" y="156"/>
+                  <a:pt x="7895" y="126"/>
+                  <a:pt x="7886" y="94"/>
+                </a:cubicBezTo>
+                <a:cubicBezTo>
+                  <a:pt x="7859" y="0"/>
+                  <a:pt x="7831" y="0"/>
+                  <a:pt x="7803" y="0"/>
+                </a:cubicBezTo>
+                <a:lnTo>
+                  <a:pt x="7275" y="0"/>
+                </a:lnTo>
+                <a:lnTo>
+                  <a:pt x="0" y="70"/>
+                </a:lnTo>
+                <a:cubicBezTo>
+                  <a:pt x="8" y="3380"/>
+                  <a:pt x="17" y="6690"/>
+                  <a:pt x="25" y="10000"/>
+                </a:cubicBezTo>
+                <a:lnTo>
+                  <a:pt x="7275" y="9966"/>
+                </a:lnTo>
+                <a:lnTo>
+                  <a:pt x="7803" y="9966"/>
+                </a:lnTo>
+                <a:cubicBezTo>
+                  <a:pt x="7831" y="9966"/>
+                  <a:pt x="7859" y="9872"/>
+                  <a:pt x="7886" y="9872"/>
+                </a:cubicBezTo>
+                <a:cubicBezTo>
+                  <a:pt x="7886" y="9778"/>
+                  <a:pt x="7915" y="9778"/>
+                  <a:pt x="7915" y="9778"/>
+                </a:cubicBezTo>
+                <a:lnTo>
+                  <a:pt x="9248" y="5265"/>
+                </a:lnTo>
+                <a:cubicBezTo>
+                  <a:pt x="9303" y="5077"/>
+                  <a:pt x="9303" y="4889"/>
+                  <a:pt x="9248" y="4701"/>
+                </a:cubicBezTo>
+                <a:close/>
+              </a:path>
+            </a:pathLst>
+          </a:custGeom>
+          <a:solidFill>
+            <a:schemeClr val="accent1"/>
+          </a:solidFill>
+          <a:ln>
+            <a:noFill/>
+          </a:ln>
+        </p:spPr>
       </p:sp>
       <p:sp>
         <p:nvSpPr>
@@ -466,7 +2493,7 @@
     </p:spTree>
     <p:extLst>
       <p:ext uri="{BB962C8B-B14F-4D97-AF65-F5344CB8AC3E}">
-        <p14:creationId xmlns:p14="http://schemas.microsoft.com/office/powerpoint/2010/main" val="315861053"/>
+        <p14:creationId xmlns:p14="http://schemas.microsoft.com/office/powerpoint/2010/main" val="948791393"/>
       </p:ext>
     </p:extLst>
   </p:cSld>
@@ -476,7 +2503,7 @@
 </p:sldLayout>
 </file>
 
-<file path=ppt/slideLayouts/slideLayout11.xml><?xml version="1.0" encoding="utf-8"?>
+<file path=ppt/slideLayouts/slideLayout16.xml><?xml version="1.0" encoding="utf-8"?>
 <p:sldLayout xmlns:a="http://schemas.openxmlformats.org/drawingml/2006/main" xmlns:r="http://schemas.openxmlformats.org/officeDocument/2006/relationships" xmlns:p="http://schemas.openxmlformats.org/presentationml/2006/main" type="vertTitleAndTx" preserve="1">
   <p:cSld name="Vertical Title and Text">
     <p:spTree>
@@ -505,19 +2532,19 @@
         </p:nvSpPr>
         <p:spPr>
           <a:xfrm>
-            <a:off x="8724900" y="365125"/>
-            <a:ext cx="2628900" cy="5811838"/>
+            <a:off x="9294812" y="627405"/>
+            <a:ext cx="2207601" cy="5283817"/>
           </a:xfrm>
         </p:spPr>
         <p:txBody>
-          <a:bodyPr vert="eaVert"/>
+          <a:bodyPr vert="eaVert" anchor="ctr"/>
           <a:lstStyle/>
           <a:p>
             <a:r>
               <a:rPr lang="en-US"/>
               <a:t>Click to edit Master title style</a:t>
             </a:r>
-            <a:endParaRPr lang="en-GB"/>
+            <a:endParaRPr lang="en-US" dirty="0"/>
           </a:p>
         </p:txBody>
       </p:sp>
@@ -533,8 +2560,8 @@
         </p:nvSpPr>
         <p:spPr>
           <a:xfrm>
-            <a:off x="838200" y="365125"/>
-            <a:ext cx="7734300" cy="5811838"/>
+            <a:off x="2589212" y="627405"/>
+            <a:ext cx="6477000" cy="5283817"/>
           </a:xfrm>
         </p:spPr>
         <p:txBody>
@@ -574,7 +2601,7 @@
               <a:rPr lang="en-US"/>
               <a:t>Fifth level</a:t>
             </a:r>
-            <a:endParaRPr lang="en-GB"/>
+            <a:endParaRPr lang="en-US" dirty="0"/>
           </a:p>
         </p:txBody>
       </p:sp>
@@ -595,7 +2622,7 @@
           <a:p>
             <a:fld id="{D8B9DD1B-3A02-4013-B1CD-A9A5989ED81E}" type="datetimeFigureOut">
               <a:rPr lang="en-GB" smtClean="0"/>
-              <a:t>27/02/2019</a:t>
+              <a:t>06/03/2019</a:t>
             </a:fld>
             <a:endParaRPr lang="en-GB"/>
           </a:p>
@@ -619,6 +2646,88 @@
             <a:endParaRPr lang="en-GB"/>
           </a:p>
         </p:txBody>
+      </p:sp>
+      <p:sp>
+        <p:nvSpPr>
+          <p:cNvPr id="8" name="Freeform 11"/>
+          <p:cNvSpPr/>
+          <p:nvPr/>
+        </p:nvSpPr>
+        <p:spPr bwMode="auto">
+          <a:xfrm flipV="1">
+            <a:off x="-4189" y="714375"/>
+            <a:ext cx="1588527" cy="507297"/>
+          </a:xfrm>
+          <a:custGeom>
+            <a:avLst/>
+            <a:gdLst/>
+            <a:ahLst/>
+            <a:cxnLst/>
+            <a:rect l="l" t="t" r="r" b="b"/>
+            <a:pathLst>
+              <a:path w="9248" h="10000">
+                <a:moveTo>
+                  <a:pt x="9248" y="4701"/>
+                </a:moveTo>
+                <a:lnTo>
+                  <a:pt x="7915" y="188"/>
+                </a:lnTo>
+                <a:cubicBezTo>
+                  <a:pt x="7906" y="156"/>
+                  <a:pt x="7895" y="126"/>
+                  <a:pt x="7886" y="94"/>
+                </a:cubicBezTo>
+                <a:cubicBezTo>
+                  <a:pt x="7859" y="0"/>
+                  <a:pt x="7831" y="0"/>
+                  <a:pt x="7803" y="0"/>
+                </a:cubicBezTo>
+                <a:lnTo>
+                  <a:pt x="7275" y="0"/>
+                </a:lnTo>
+                <a:lnTo>
+                  <a:pt x="0" y="70"/>
+                </a:lnTo>
+                <a:cubicBezTo>
+                  <a:pt x="8" y="3380"/>
+                  <a:pt x="17" y="6690"/>
+                  <a:pt x="25" y="10000"/>
+                </a:cubicBezTo>
+                <a:lnTo>
+                  <a:pt x="7275" y="9966"/>
+                </a:lnTo>
+                <a:lnTo>
+                  <a:pt x="7803" y="9966"/>
+                </a:lnTo>
+                <a:cubicBezTo>
+                  <a:pt x="7831" y="9966"/>
+                  <a:pt x="7859" y="9872"/>
+                  <a:pt x="7886" y="9872"/>
+                </a:cubicBezTo>
+                <a:cubicBezTo>
+                  <a:pt x="7886" y="9778"/>
+                  <a:pt x="7915" y="9778"/>
+                  <a:pt x="7915" y="9778"/>
+                </a:cubicBezTo>
+                <a:lnTo>
+                  <a:pt x="9248" y="5265"/>
+                </a:lnTo>
+                <a:cubicBezTo>
+                  <a:pt x="9303" y="5077"/>
+                  <a:pt x="9303" y="4889"/>
+                  <a:pt x="9248" y="4701"/>
+                </a:cubicBezTo>
+                <a:close/>
+              </a:path>
+            </a:pathLst>
+          </a:custGeom>
+          <a:solidFill>
+            <a:schemeClr val="accent1"/>
+          </a:solidFill>
+          <a:ln>
+            <a:noFill/>
+          </a:ln>
+        </p:spPr>
       </p:sp>
       <p:sp>
         <p:nvSpPr>
@@ -646,7 +2755,7 @@
     </p:spTree>
     <p:extLst>
       <p:ext uri="{BB962C8B-B14F-4D97-AF65-F5344CB8AC3E}">
-        <p14:creationId xmlns:p14="http://schemas.microsoft.com/office/powerpoint/2010/main" val="389397071"/>
+        <p14:creationId xmlns:p14="http://schemas.microsoft.com/office/powerpoint/2010/main" val="3784198555"/>
       </p:ext>
     </p:extLst>
   </p:cSld>
@@ -683,7 +2792,12 @@
             <p:ph type="title"/>
           </p:nvPr>
         </p:nvSpPr>
-        <p:spPr/>
+        <p:spPr>
+          <a:xfrm>
+            <a:off x="2592925" y="624110"/>
+            <a:ext cx="8911687" cy="1280890"/>
+          </a:xfrm>
+        </p:spPr>
         <p:txBody>
           <a:bodyPr/>
           <a:lstStyle/>
@@ -692,7 +2806,7 @@
               <a:rPr lang="en-US"/>
               <a:t>Click to edit Master title style</a:t>
             </a:r>
-            <a:endParaRPr lang="en-GB"/>
+            <a:endParaRPr lang="en-US" dirty="0"/>
           </a:p>
         </p:txBody>
       </p:sp>
@@ -706,7 +2820,12 @@
             <p:ph idx="1"/>
           </p:nvPr>
         </p:nvSpPr>
-        <p:spPr/>
+        <p:spPr>
+          <a:xfrm>
+            <a:off x="2589212" y="2133600"/>
+            <a:ext cx="8915400" cy="3777622"/>
+          </a:xfrm>
+        </p:spPr>
         <p:txBody>
           <a:bodyPr/>
           <a:lstStyle/>
@@ -744,7 +2863,7 @@
               <a:rPr lang="en-US"/>
               <a:t>Fifth level</a:t>
             </a:r>
-            <a:endParaRPr lang="en-GB"/>
+            <a:endParaRPr lang="en-US" dirty="0"/>
           </a:p>
         </p:txBody>
       </p:sp>
@@ -765,7 +2884,7 @@
           <a:p>
             <a:fld id="{D8B9DD1B-3A02-4013-B1CD-A9A5989ED81E}" type="datetimeFigureOut">
               <a:rPr lang="en-GB" smtClean="0"/>
-              <a:t>27/02/2019</a:t>
+              <a:t>06/03/2019</a:t>
             </a:fld>
             <a:endParaRPr lang="en-GB"/>
           </a:p>
@@ -789,6 +2908,88 @@
             <a:endParaRPr lang="en-GB"/>
           </a:p>
         </p:txBody>
+      </p:sp>
+      <p:sp>
+        <p:nvSpPr>
+          <p:cNvPr id="8" name="Freeform 11"/>
+          <p:cNvSpPr/>
+          <p:nvPr/>
+        </p:nvSpPr>
+        <p:spPr bwMode="auto">
+          <a:xfrm flipV="1">
+            <a:off x="-4189" y="714375"/>
+            <a:ext cx="1588527" cy="507297"/>
+          </a:xfrm>
+          <a:custGeom>
+            <a:avLst/>
+            <a:gdLst/>
+            <a:ahLst/>
+            <a:cxnLst/>
+            <a:rect l="l" t="t" r="r" b="b"/>
+            <a:pathLst>
+              <a:path w="9248" h="10000">
+                <a:moveTo>
+                  <a:pt x="9248" y="4701"/>
+                </a:moveTo>
+                <a:lnTo>
+                  <a:pt x="7915" y="188"/>
+                </a:lnTo>
+                <a:cubicBezTo>
+                  <a:pt x="7906" y="156"/>
+                  <a:pt x="7895" y="126"/>
+                  <a:pt x="7886" y="94"/>
+                </a:cubicBezTo>
+                <a:cubicBezTo>
+                  <a:pt x="7859" y="0"/>
+                  <a:pt x="7831" y="0"/>
+                  <a:pt x="7803" y="0"/>
+                </a:cubicBezTo>
+                <a:lnTo>
+                  <a:pt x="7275" y="0"/>
+                </a:lnTo>
+                <a:lnTo>
+                  <a:pt x="0" y="70"/>
+                </a:lnTo>
+                <a:cubicBezTo>
+                  <a:pt x="8" y="3380"/>
+                  <a:pt x="17" y="6690"/>
+                  <a:pt x="25" y="10000"/>
+                </a:cubicBezTo>
+                <a:lnTo>
+                  <a:pt x="7275" y="9966"/>
+                </a:lnTo>
+                <a:lnTo>
+                  <a:pt x="7803" y="9966"/>
+                </a:lnTo>
+                <a:cubicBezTo>
+                  <a:pt x="7831" y="9966"/>
+                  <a:pt x="7859" y="9872"/>
+                  <a:pt x="7886" y="9872"/>
+                </a:cubicBezTo>
+                <a:cubicBezTo>
+                  <a:pt x="7886" y="9778"/>
+                  <a:pt x="7915" y="9778"/>
+                  <a:pt x="7915" y="9778"/>
+                </a:cubicBezTo>
+                <a:lnTo>
+                  <a:pt x="9248" y="5265"/>
+                </a:lnTo>
+                <a:cubicBezTo>
+                  <a:pt x="9303" y="5077"/>
+                  <a:pt x="9303" y="4889"/>
+                  <a:pt x="9248" y="4701"/>
+                </a:cubicBezTo>
+                <a:close/>
+              </a:path>
+            </a:pathLst>
+          </a:custGeom>
+          <a:solidFill>
+            <a:schemeClr val="accent1"/>
+          </a:solidFill>
+          <a:ln>
+            <a:noFill/>
+          </a:ln>
+        </p:spPr>
       </p:sp>
       <p:sp>
         <p:nvSpPr>
@@ -816,7 +3017,7 @@
     </p:spTree>
     <p:extLst>
       <p:ext uri="{BB962C8B-B14F-4D97-AF65-F5344CB8AC3E}">
-        <p14:creationId xmlns:p14="http://schemas.microsoft.com/office/powerpoint/2010/main" val="1409462305"/>
+        <p14:creationId xmlns:p14="http://schemas.microsoft.com/office/powerpoint/2010/main" val="1469498948"/>
       </p:ext>
     </p:extLst>
   </p:cSld>
@@ -855,15 +3056,15 @@
         </p:nvSpPr>
         <p:spPr>
           <a:xfrm>
-            <a:off x="831850" y="1709738"/>
-            <a:ext cx="10515600" cy="2852737"/>
+            <a:off x="2589212" y="2058750"/>
+            <a:ext cx="8915399" cy="1468800"/>
           </a:xfrm>
         </p:spPr>
         <p:txBody>
           <a:bodyPr anchor="b"/>
           <a:lstStyle>
-            <a:lvl1pPr>
-              <a:defRPr sz="6000"/>
+            <a:lvl1pPr algn="l">
+              <a:defRPr sz="4000" b="0" cap="none"/>
             </a:lvl1pPr>
           </a:lstStyle>
           <a:p>
@@ -871,7 +3072,7 @@
               <a:rPr lang="en-US"/>
               <a:t>Click to edit Master title style</a:t>
             </a:r>
-            <a:endParaRPr lang="en-GB"/>
+            <a:endParaRPr lang="en-US" dirty="0"/>
           </a:p>
         </p:txBody>
       </p:sp>
@@ -887,26 +3088,27 @@
         </p:nvSpPr>
         <p:spPr>
           <a:xfrm>
-            <a:off x="831850" y="4589463"/>
-            <a:ext cx="10515600" cy="1500187"/>
+            <a:off x="2589212" y="3530129"/>
+            <a:ext cx="8915399" cy="860400"/>
           </a:xfrm>
         </p:spPr>
         <p:txBody>
-          <a:bodyPr/>
+          <a:bodyPr anchor="t"/>
           <a:lstStyle>
-            <a:lvl1pPr marL="0" indent="0">
-              <a:buNone/>
-              <a:defRPr sz="2400">
+            <a:lvl1pPr marL="0" indent="0" algn="l">
+              <a:buNone/>
+              <a:defRPr sz="2000">
                 <a:solidFill>
                   <a:schemeClr val="tx1">
-                    <a:tint val="75000"/>
+                    <a:lumMod val="65000"/>
+                    <a:lumOff val="35000"/>
                   </a:schemeClr>
                 </a:solidFill>
               </a:defRPr>
             </a:lvl1pPr>
             <a:lvl2pPr marL="457200" indent="0">
               <a:buNone/>
-              <a:defRPr sz="2000">
+              <a:defRPr sz="1800">
                 <a:solidFill>
                   <a:schemeClr val="tx1">
                     <a:tint val="75000"/>
@@ -916,7 +3118,7 @@
             </a:lvl2pPr>
             <a:lvl3pPr marL="914400" indent="0">
               <a:buNone/>
-              <a:defRPr sz="1800">
+              <a:defRPr sz="1600">
                 <a:solidFill>
                   <a:schemeClr val="tx1">
                     <a:tint val="75000"/>
@@ -926,7 +3128,7 @@
             </a:lvl3pPr>
             <a:lvl4pPr marL="1371600" indent="0">
               <a:buNone/>
-              <a:defRPr sz="1600">
+              <a:defRPr sz="1400">
                 <a:solidFill>
                   <a:schemeClr val="tx1">
                     <a:tint val="75000"/>
@@ -936,7 +3138,7 @@
             </a:lvl4pPr>
             <a:lvl5pPr marL="1828800" indent="0">
               <a:buNone/>
-              <a:defRPr sz="1600">
+              <a:defRPr sz="1400">
                 <a:solidFill>
                   <a:schemeClr val="tx1">
                     <a:tint val="75000"/>
@@ -946,7 +3148,7 @@
             </a:lvl5pPr>
             <a:lvl6pPr marL="2286000" indent="0">
               <a:buNone/>
-              <a:defRPr sz="1600">
+              <a:defRPr sz="1400">
                 <a:solidFill>
                   <a:schemeClr val="tx1">
                     <a:tint val="75000"/>
@@ -956,7 +3158,7 @@
             </a:lvl6pPr>
             <a:lvl7pPr marL="2743200" indent="0">
               <a:buNone/>
-              <a:defRPr sz="1600">
+              <a:defRPr sz="1400">
                 <a:solidFill>
                   <a:schemeClr val="tx1">
                     <a:tint val="75000"/>
@@ -966,7 +3168,7 @@
             </a:lvl7pPr>
             <a:lvl8pPr marL="3200400" indent="0">
               <a:buNone/>
-              <a:defRPr sz="1600">
+              <a:defRPr sz="1400">
                 <a:solidFill>
                   <a:schemeClr val="tx1">
                     <a:tint val="75000"/>
@@ -976,7 +3178,7 @@
             </a:lvl8pPr>
             <a:lvl9pPr marL="3657600" indent="0">
               <a:buNone/>
-              <a:defRPr sz="1600">
+              <a:defRPr sz="1400">
                 <a:solidFill>
                   <a:schemeClr val="tx1">
                     <a:tint val="75000"/>
@@ -1011,7 +3213,7 @@
           <a:p>
             <a:fld id="{D8B9DD1B-3A02-4013-B1CD-A9A5989ED81E}" type="datetimeFigureOut">
               <a:rPr lang="en-GB" smtClean="0"/>
-              <a:t>27/02/2019</a:t>
+              <a:t>06/03/2019</a:t>
             </a:fld>
             <a:endParaRPr lang="en-GB"/>
           </a:p>
@@ -1038,6 +3240,88 @@
       </p:sp>
       <p:sp>
         <p:nvSpPr>
+          <p:cNvPr id="9" name="Freeform 11"/>
+          <p:cNvSpPr/>
+          <p:nvPr/>
+        </p:nvSpPr>
+        <p:spPr bwMode="auto">
+          <a:xfrm flipV="1">
+            <a:off x="-4189" y="3178175"/>
+            <a:ext cx="1588527" cy="507297"/>
+          </a:xfrm>
+          <a:custGeom>
+            <a:avLst/>
+            <a:gdLst/>
+            <a:ahLst/>
+            <a:cxnLst/>
+            <a:rect l="l" t="t" r="r" b="b"/>
+            <a:pathLst>
+              <a:path w="9248" h="10000">
+                <a:moveTo>
+                  <a:pt x="9248" y="4701"/>
+                </a:moveTo>
+                <a:lnTo>
+                  <a:pt x="7915" y="188"/>
+                </a:lnTo>
+                <a:cubicBezTo>
+                  <a:pt x="7906" y="156"/>
+                  <a:pt x="7895" y="126"/>
+                  <a:pt x="7886" y="94"/>
+                </a:cubicBezTo>
+                <a:cubicBezTo>
+                  <a:pt x="7859" y="0"/>
+                  <a:pt x="7831" y="0"/>
+                  <a:pt x="7803" y="0"/>
+                </a:cubicBezTo>
+                <a:lnTo>
+                  <a:pt x="7275" y="0"/>
+                </a:lnTo>
+                <a:lnTo>
+                  <a:pt x="0" y="70"/>
+                </a:lnTo>
+                <a:cubicBezTo>
+                  <a:pt x="8" y="3380"/>
+                  <a:pt x="17" y="6690"/>
+                  <a:pt x="25" y="10000"/>
+                </a:cubicBezTo>
+                <a:lnTo>
+                  <a:pt x="7275" y="9966"/>
+                </a:lnTo>
+                <a:lnTo>
+                  <a:pt x="7803" y="9966"/>
+                </a:lnTo>
+                <a:cubicBezTo>
+                  <a:pt x="7831" y="9966"/>
+                  <a:pt x="7859" y="9872"/>
+                  <a:pt x="7886" y="9872"/>
+                </a:cubicBezTo>
+                <a:cubicBezTo>
+                  <a:pt x="7886" y="9778"/>
+                  <a:pt x="7915" y="9778"/>
+                  <a:pt x="7915" y="9778"/>
+                </a:cubicBezTo>
+                <a:lnTo>
+                  <a:pt x="9248" y="5265"/>
+                </a:lnTo>
+                <a:cubicBezTo>
+                  <a:pt x="9303" y="5077"/>
+                  <a:pt x="9303" y="4889"/>
+                  <a:pt x="9248" y="4701"/>
+                </a:cubicBezTo>
+                <a:close/>
+              </a:path>
+            </a:pathLst>
+          </a:custGeom>
+          <a:solidFill>
+            <a:schemeClr val="accent1"/>
+          </a:solidFill>
+          <a:ln>
+            <a:noFill/>
+          </a:ln>
+        </p:spPr>
+      </p:sp>
+      <p:sp>
+        <p:nvSpPr>
           <p:cNvPr id="6" name="Slide Number Placeholder 5"/>
           <p:cNvSpPr>
             <a:spLocks noGrp="1"/>
@@ -1046,7 +3330,12 @@
             <p:ph type="sldNum" sz="quarter" idx="12"/>
           </p:nvPr>
         </p:nvSpPr>
-        <p:spPr/>
+        <p:spPr>
+          <a:xfrm>
+            <a:off x="531812" y="3244139"/>
+            <a:ext cx="779767" cy="365125"/>
+          </a:xfrm>
+        </p:spPr>
         <p:txBody>
           <a:bodyPr/>
           <a:lstStyle/>
@@ -1062,7 +3351,7 @@
     </p:spTree>
     <p:extLst>
       <p:ext uri="{BB962C8B-B14F-4D97-AF65-F5344CB8AC3E}">
-        <p14:creationId xmlns:p14="http://schemas.microsoft.com/office/powerpoint/2010/main" val="3629245618"/>
+        <p14:creationId xmlns:p14="http://schemas.microsoft.com/office/powerpoint/2010/main" val="171750674"/>
       </p:ext>
     </p:extLst>
   </p:cSld>
@@ -1091,7 +3380,7 @@
       </p:grpSpPr>
       <p:sp>
         <p:nvSpPr>
-          <p:cNvPr id="2" name="Title 1"/>
+          <p:cNvPr id="8" name="Title 7"/>
           <p:cNvSpPr>
             <a:spLocks noGrp="1"/>
           </p:cNvSpPr>
@@ -1108,7 +3397,7 @@
               <a:rPr lang="en-US"/>
               <a:t>Click to edit Master title style</a:t>
             </a:r>
-            <a:endParaRPr lang="en-GB"/>
+            <a:endParaRPr lang="en-US" dirty="0"/>
           </a:p>
         </p:txBody>
       </p:sp>
@@ -1124,12 +3413,14 @@
         </p:nvSpPr>
         <p:spPr>
           <a:xfrm>
-            <a:off x="838200" y="1825625"/>
-            <a:ext cx="5181600" cy="4351338"/>
+            <a:off x="2589212" y="2133600"/>
+            <a:ext cx="4313864" cy="3777622"/>
           </a:xfrm>
         </p:spPr>
         <p:txBody>
-          <a:bodyPr/>
+          <a:bodyPr>
+            <a:normAutofit/>
+          </a:bodyPr>
           <a:lstStyle/>
           <a:p>
             <a:pPr lvl="0"/>
@@ -1165,7 +3456,7 @@
               <a:rPr lang="en-US"/>
               <a:t>Fifth level</a:t>
             </a:r>
-            <a:endParaRPr lang="en-GB"/>
+            <a:endParaRPr lang="en-US" dirty="0"/>
           </a:p>
         </p:txBody>
       </p:sp>
@@ -1181,12 +3472,14 @@
         </p:nvSpPr>
         <p:spPr>
           <a:xfrm>
-            <a:off x="6172200" y="1825625"/>
-            <a:ext cx="5181600" cy="4351338"/>
+            <a:off x="7190747" y="2126222"/>
+            <a:ext cx="4313864" cy="3777622"/>
           </a:xfrm>
         </p:spPr>
         <p:txBody>
-          <a:bodyPr/>
+          <a:bodyPr>
+            <a:normAutofit/>
+          </a:bodyPr>
           <a:lstStyle/>
           <a:p>
             <a:pPr lvl="0"/>
@@ -1222,7 +3515,7 @@
               <a:rPr lang="en-US"/>
               <a:t>Fifth level</a:t>
             </a:r>
-            <a:endParaRPr lang="en-GB"/>
+            <a:endParaRPr lang="en-US" dirty="0"/>
           </a:p>
         </p:txBody>
       </p:sp>
@@ -1243,7 +3536,7 @@
           <a:p>
             <a:fld id="{D8B9DD1B-3A02-4013-B1CD-A9A5989ED81E}" type="datetimeFigureOut">
               <a:rPr lang="en-GB" smtClean="0"/>
-              <a:t>27/02/2019</a:t>
+              <a:t>06/03/2019</a:t>
             </a:fld>
             <a:endParaRPr lang="en-GB"/>
           </a:p>
@@ -1270,7 +3563,89 @@
       </p:sp>
       <p:sp>
         <p:nvSpPr>
-          <p:cNvPr id="7" name="Slide Number Placeholder 6"/>
+          <p:cNvPr id="10" name="Freeform 11"/>
+          <p:cNvSpPr/>
+          <p:nvPr/>
+        </p:nvSpPr>
+        <p:spPr bwMode="auto">
+          <a:xfrm flipV="1">
+            <a:off x="-4189" y="714375"/>
+            <a:ext cx="1588527" cy="507297"/>
+          </a:xfrm>
+          <a:custGeom>
+            <a:avLst/>
+            <a:gdLst/>
+            <a:ahLst/>
+            <a:cxnLst/>
+            <a:rect l="l" t="t" r="r" b="b"/>
+            <a:pathLst>
+              <a:path w="9248" h="10000">
+                <a:moveTo>
+                  <a:pt x="9248" y="4701"/>
+                </a:moveTo>
+                <a:lnTo>
+                  <a:pt x="7915" y="188"/>
+                </a:lnTo>
+                <a:cubicBezTo>
+                  <a:pt x="7906" y="156"/>
+                  <a:pt x="7895" y="126"/>
+                  <a:pt x="7886" y="94"/>
+                </a:cubicBezTo>
+                <a:cubicBezTo>
+                  <a:pt x="7859" y="0"/>
+                  <a:pt x="7831" y="0"/>
+                  <a:pt x="7803" y="0"/>
+                </a:cubicBezTo>
+                <a:lnTo>
+                  <a:pt x="7275" y="0"/>
+                </a:lnTo>
+                <a:lnTo>
+                  <a:pt x="0" y="70"/>
+                </a:lnTo>
+                <a:cubicBezTo>
+                  <a:pt x="8" y="3380"/>
+                  <a:pt x="17" y="6690"/>
+                  <a:pt x="25" y="10000"/>
+                </a:cubicBezTo>
+                <a:lnTo>
+                  <a:pt x="7275" y="9966"/>
+                </a:lnTo>
+                <a:lnTo>
+                  <a:pt x="7803" y="9966"/>
+                </a:lnTo>
+                <a:cubicBezTo>
+                  <a:pt x="7831" y="9966"/>
+                  <a:pt x="7859" y="9872"/>
+                  <a:pt x="7886" y="9872"/>
+                </a:cubicBezTo>
+                <a:cubicBezTo>
+                  <a:pt x="7886" y="9778"/>
+                  <a:pt x="7915" y="9778"/>
+                  <a:pt x="7915" y="9778"/>
+                </a:cubicBezTo>
+                <a:lnTo>
+                  <a:pt x="9248" y="5265"/>
+                </a:lnTo>
+                <a:cubicBezTo>
+                  <a:pt x="9303" y="5077"/>
+                  <a:pt x="9303" y="4889"/>
+                  <a:pt x="9248" y="4701"/>
+                </a:cubicBezTo>
+                <a:close/>
+              </a:path>
+            </a:pathLst>
+          </a:custGeom>
+          <a:solidFill>
+            <a:schemeClr val="accent1"/>
+          </a:solidFill>
+          <a:ln>
+            <a:noFill/>
+          </a:ln>
+        </p:spPr>
+      </p:sp>
+      <p:sp>
+        <p:nvSpPr>
+          <p:cNvPr id="11" name="Slide Number Placeholder 5"/>
           <p:cNvSpPr>
             <a:spLocks noGrp="1"/>
           </p:cNvSpPr>
@@ -1278,7 +3653,12 @@
             <p:ph type="sldNum" sz="quarter" idx="12"/>
           </p:nvPr>
         </p:nvSpPr>
-        <p:spPr/>
+        <p:spPr>
+          <a:xfrm>
+            <a:off x="531812" y="787782"/>
+            <a:ext cx="779767" cy="365125"/>
+          </a:xfrm>
+        </p:spPr>
         <p:txBody>
           <a:bodyPr/>
           <a:lstStyle/>
@@ -1294,7 +3674,7 @@
     </p:spTree>
     <p:extLst>
       <p:ext uri="{BB962C8B-B14F-4D97-AF65-F5344CB8AC3E}">
-        <p14:creationId xmlns:p14="http://schemas.microsoft.com/office/powerpoint/2010/main" val="2068810747"/>
+        <p14:creationId xmlns:p14="http://schemas.microsoft.com/office/powerpoint/2010/main" val="4136172508"/>
       </p:ext>
     </p:extLst>
   </p:cSld>
@@ -1323,54 +3703,51 @@
       </p:grpSpPr>
       <p:sp>
         <p:nvSpPr>
-          <p:cNvPr id="2" name="Title 1"/>
+          <p:cNvPr id="10" name="Title 9"/>
           <p:cNvSpPr>
             <a:spLocks noGrp="1"/>
           </p:cNvSpPr>
           <p:nvPr>
             <p:ph type="title"/>
+          </p:nvPr>
+        </p:nvSpPr>
+        <p:spPr/>
+        <p:txBody>
+          <a:bodyPr/>
+          <a:lstStyle/>
+          <a:p>
+            <a:r>
+              <a:rPr lang="en-US"/>
+              <a:t>Click to edit Master title style</a:t>
+            </a:r>
+            <a:endParaRPr lang="en-US" dirty="0"/>
+          </a:p>
+        </p:txBody>
+      </p:sp>
+      <p:sp>
+        <p:nvSpPr>
+          <p:cNvPr id="3" name="Text Placeholder 2"/>
+          <p:cNvSpPr>
+            <a:spLocks noGrp="1"/>
+          </p:cNvSpPr>
+          <p:nvPr>
+            <p:ph type="body" idx="1"/>
           </p:nvPr>
         </p:nvSpPr>
         <p:spPr>
           <a:xfrm>
-            <a:off x="839788" y="365125"/>
-            <a:ext cx="10515600" cy="1325563"/>
+            <a:off x="2939373" y="1972703"/>
+            <a:ext cx="3992732" cy="576262"/>
           </a:xfrm>
         </p:spPr>
         <p:txBody>
-          <a:bodyPr/>
-          <a:lstStyle/>
-          <a:p>
-            <a:r>
-              <a:rPr lang="en-US"/>
-              <a:t>Click to edit Master title style</a:t>
-            </a:r>
-            <a:endParaRPr lang="en-GB"/>
-          </a:p>
-        </p:txBody>
-      </p:sp>
-      <p:sp>
-        <p:nvSpPr>
-          <p:cNvPr id="3" name="Text Placeholder 2"/>
-          <p:cNvSpPr>
-            <a:spLocks noGrp="1"/>
-          </p:cNvSpPr>
-          <p:nvPr>
-            <p:ph type="body" idx="1"/>
-          </p:nvPr>
-        </p:nvSpPr>
-        <p:spPr>
-          <a:xfrm>
-            <a:off x="839788" y="1681163"/>
-            <a:ext cx="5157787" cy="823912"/>
-          </a:xfrm>
-        </p:spPr>
-        <p:txBody>
-          <a:bodyPr anchor="b"/>
+          <a:bodyPr anchor="b">
+            <a:noAutofit/>
+          </a:bodyPr>
           <a:lstStyle>
             <a:lvl1pPr marL="0" indent="0">
               <a:buNone/>
-              <a:defRPr sz="2400" b="1"/>
+              <a:defRPr sz="2400" b="0"/>
             </a:lvl1pPr>
             <a:lvl2pPr marL="457200" indent="0">
               <a:buNone/>
@@ -1426,12 +3803,14 @@
         </p:nvSpPr>
         <p:spPr>
           <a:xfrm>
-            <a:off x="839788" y="2505075"/>
-            <a:ext cx="5157787" cy="3684588"/>
+            <a:off x="2589212" y="2548966"/>
+            <a:ext cx="4342893" cy="3354060"/>
           </a:xfrm>
         </p:spPr>
         <p:txBody>
-          <a:bodyPr/>
+          <a:bodyPr>
+            <a:normAutofit/>
+          </a:bodyPr>
           <a:lstStyle/>
           <a:p>
             <a:pPr lvl="0"/>
@@ -1467,7 +3846,7 @@
               <a:rPr lang="en-US"/>
               <a:t>Fifth level</a:t>
             </a:r>
-            <a:endParaRPr lang="en-GB"/>
+            <a:endParaRPr lang="en-US" dirty="0"/>
           </a:p>
         </p:txBody>
       </p:sp>
@@ -1483,16 +3862,18 @@
         </p:nvSpPr>
         <p:spPr>
           <a:xfrm>
-            <a:off x="6172200" y="1681163"/>
-            <a:ext cx="5183188" cy="823912"/>
+            <a:off x="7506629" y="1969475"/>
+            <a:ext cx="3999001" cy="576262"/>
           </a:xfrm>
         </p:spPr>
         <p:txBody>
-          <a:bodyPr anchor="b"/>
+          <a:bodyPr anchor="b">
+            <a:noAutofit/>
+          </a:bodyPr>
           <a:lstStyle>
             <a:lvl1pPr marL="0" indent="0">
               <a:buNone/>
-              <a:defRPr sz="2400" b="1"/>
+              <a:defRPr sz="2400" b="0"/>
             </a:lvl1pPr>
             <a:lvl2pPr marL="457200" indent="0">
               <a:buNone/>
@@ -1548,12 +3929,14 @@
         </p:nvSpPr>
         <p:spPr>
           <a:xfrm>
-            <a:off x="6172200" y="2505075"/>
-            <a:ext cx="5183188" cy="3684588"/>
+            <a:off x="7166957" y="2545738"/>
+            <a:ext cx="4338674" cy="3354060"/>
           </a:xfrm>
         </p:spPr>
         <p:txBody>
-          <a:bodyPr/>
+          <a:bodyPr>
+            <a:normAutofit/>
+          </a:bodyPr>
           <a:lstStyle/>
           <a:p>
             <a:pPr lvl="0"/>
@@ -1589,7 +3972,7 @@
               <a:rPr lang="en-US"/>
               <a:t>Fifth level</a:t>
             </a:r>
-            <a:endParaRPr lang="en-GB"/>
+            <a:endParaRPr lang="en-US" dirty="0"/>
           </a:p>
         </p:txBody>
       </p:sp>
@@ -1610,7 +3993,7 @@
           <a:p>
             <a:fld id="{D8B9DD1B-3A02-4013-B1CD-A9A5989ED81E}" type="datetimeFigureOut">
               <a:rPr lang="en-GB" smtClean="0"/>
-              <a:t>27/02/2019</a:t>
+              <a:t>06/03/2019</a:t>
             </a:fld>
             <a:endParaRPr lang="en-GB"/>
           </a:p>
@@ -1637,7 +4020,89 @@
       </p:sp>
       <p:sp>
         <p:nvSpPr>
-          <p:cNvPr id="9" name="Slide Number Placeholder 8"/>
+          <p:cNvPr id="12" name="Freeform 11"/>
+          <p:cNvSpPr/>
+          <p:nvPr/>
+        </p:nvSpPr>
+        <p:spPr bwMode="auto">
+          <a:xfrm flipV="1">
+            <a:off x="-4189" y="714375"/>
+            <a:ext cx="1588527" cy="507297"/>
+          </a:xfrm>
+          <a:custGeom>
+            <a:avLst/>
+            <a:gdLst/>
+            <a:ahLst/>
+            <a:cxnLst/>
+            <a:rect l="l" t="t" r="r" b="b"/>
+            <a:pathLst>
+              <a:path w="9248" h="10000">
+                <a:moveTo>
+                  <a:pt x="9248" y="4701"/>
+                </a:moveTo>
+                <a:lnTo>
+                  <a:pt x="7915" y="188"/>
+                </a:lnTo>
+                <a:cubicBezTo>
+                  <a:pt x="7906" y="156"/>
+                  <a:pt x="7895" y="126"/>
+                  <a:pt x="7886" y="94"/>
+                </a:cubicBezTo>
+                <a:cubicBezTo>
+                  <a:pt x="7859" y="0"/>
+                  <a:pt x="7831" y="0"/>
+                  <a:pt x="7803" y="0"/>
+                </a:cubicBezTo>
+                <a:lnTo>
+                  <a:pt x="7275" y="0"/>
+                </a:lnTo>
+                <a:lnTo>
+                  <a:pt x="0" y="70"/>
+                </a:lnTo>
+                <a:cubicBezTo>
+                  <a:pt x="8" y="3380"/>
+                  <a:pt x="17" y="6690"/>
+                  <a:pt x="25" y="10000"/>
+                </a:cubicBezTo>
+                <a:lnTo>
+                  <a:pt x="7275" y="9966"/>
+                </a:lnTo>
+                <a:lnTo>
+                  <a:pt x="7803" y="9966"/>
+                </a:lnTo>
+                <a:cubicBezTo>
+                  <a:pt x="7831" y="9966"/>
+                  <a:pt x="7859" y="9872"/>
+                  <a:pt x="7886" y="9872"/>
+                </a:cubicBezTo>
+                <a:cubicBezTo>
+                  <a:pt x="7886" y="9778"/>
+                  <a:pt x="7915" y="9778"/>
+                  <a:pt x="7915" y="9778"/>
+                </a:cubicBezTo>
+                <a:lnTo>
+                  <a:pt x="9248" y="5265"/>
+                </a:lnTo>
+                <a:cubicBezTo>
+                  <a:pt x="9303" y="5077"/>
+                  <a:pt x="9303" y="4889"/>
+                  <a:pt x="9248" y="4701"/>
+                </a:cubicBezTo>
+                <a:close/>
+              </a:path>
+            </a:pathLst>
+          </a:custGeom>
+          <a:solidFill>
+            <a:schemeClr val="accent1"/>
+          </a:solidFill>
+          <a:ln>
+            <a:noFill/>
+          </a:ln>
+        </p:spPr>
+      </p:sp>
+      <p:sp>
+        <p:nvSpPr>
+          <p:cNvPr id="13" name="Slide Number Placeholder 5"/>
           <p:cNvSpPr>
             <a:spLocks noGrp="1"/>
           </p:cNvSpPr>
@@ -1645,7 +4110,12 @@
             <p:ph type="sldNum" sz="quarter" idx="12"/>
           </p:nvPr>
         </p:nvSpPr>
-        <p:spPr/>
+        <p:spPr>
+          <a:xfrm>
+            <a:off x="531812" y="787782"/>
+            <a:ext cx="779767" cy="365125"/>
+          </a:xfrm>
+        </p:spPr>
         <p:txBody>
           <a:bodyPr/>
           <a:lstStyle/>
@@ -1661,7 +4131,7 @@
     </p:spTree>
     <p:extLst>
       <p:ext uri="{BB962C8B-B14F-4D97-AF65-F5344CB8AC3E}">
-        <p14:creationId xmlns:p14="http://schemas.microsoft.com/office/powerpoint/2010/main" val="3385087768"/>
+        <p14:creationId xmlns:p14="http://schemas.microsoft.com/office/powerpoint/2010/main" val="4070623460"/>
       </p:ext>
     </p:extLst>
   </p:cSld>
@@ -1707,7 +4177,7 @@
               <a:rPr lang="en-US"/>
               <a:t>Click to edit Master title style</a:t>
             </a:r>
-            <a:endParaRPr lang="en-GB"/>
+            <a:endParaRPr lang="en-US" dirty="0"/>
           </a:p>
         </p:txBody>
       </p:sp>
@@ -1728,7 +4198,7 @@
           <a:p>
             <a:fld id="{D8B9DD1B-3A02-4013-B1CD-A9A5989ED81E}" type="datetimeFigureOut">
               <a:rPr lang="en-GB" smtClean="0"/>
-              <a:t>27/02/2019</a:t>
+              <a:t>06/03/2019</a:t>
             </a:fld>
             <a:endParaRPr lang="en-GB"/>
           </a:p>
@@ -1752,6 +4222,88 @@
             <a:endParaRPr lang="en-GB"/>
           </a:p>
         </p:txBody>
+      </p:sp>
+      <p:sp>
+        <p:nvSpPr>
+          <p:cNvPr id="7" name="Freeform 11"/>
+          <p:cNvSpPr/>
+          <p:nvPr/>
+        </p:nvSpPr>
+        <p:spPr bwMode="auto">
+          <a:xfrm flipV="1">
+            <a:off x="-4189" y="714375"/>
+            <a:ext cx="1588527" cy="507297"/>
+          </a:xfrm>
+          <a:custGeom>
+            <a:avLst/>
+            <a:gdLst/>
+            <a:ahLst/>
+            <a:cxnLst/>
+            <a:rect l="l" t="t" r="r" b="b"/>
+            <a:pathLst>
+              <a:path w="9248" h="10000">
+                <a:moveTo>
+                  <a:pt x="9248" y="4701"/>
+                </a:moveTo>
+                <a:lnTo>
+                  <a:pt x="7915" y="188"/>
+                </a:lnTo>
+                <a:cubicBezTo>
+                  <a:pt x="7906" y="156"/>
+                  <a:pt x="7895" y="126"/>
+                  <a:pt x="7886" y="94"/>
+                </a:cubicBezTo>
+                <a:cubicBezTo>
+                  <a:pt x="7859" y="0"/>
+                  <a:pt x="7831" y="0"/>
+                  <a:pt x="7803" y="0"/>
+                </a:cubicBezTo>
+                <a:lnTo>
+                  <a:pt x="7275" y="0"/>
+                </a:lnTo>
+                <a:lnTo>
+                  <a:pt x="0" y="70"/>
+                </a:lnTo>
+                <a:cubicBezTo>
+                  <a:pt x="8" y="3380"/>
+                  <a:pt x="17" y="6690"/>
+                  <a:pt x="25" y="10000"/>
+                </a:cubicBezTo>
+                <a:lnTo>
+                  <a:pt x="7275" y="9966"/>
+                </a:lnTo>
+                <a:lnTo>
+                  <a:pt x="7803" y="9966"/>
+                </a:lnTo>
+                <a:cubicBezTo>
+                  <a:pt x="7831" y="9966"/>
+                  <a:pt x="7859" y="9872"/>
+                  <a:pt x="7886" y="9872"/>
+                </a:cubicBezTo>
+                <a:cubicBezTo>
+                  <a:pt x="7886" y="9778"/>
+                  <a:pt x="7915" y="9778"/>
+                  <a:pt x="7915" y="9778"/>
+                </a:cubicBezTo>
+                <a:lnTo>
+                  <a:pt x="9248" y="5265"/>
+                </a:lnTo>
+                <a:cubicBezTo>
+                  <a:pt x="9303" y="5077"/>
+                  <a:pt x="9303" y="4889"/>
+                  <a:pt x="9248" y="4701"/>
+                </a:cubicBezTo>
+                <a:close/>
+              </a:path>
+            </a:pathLst>
+          </a:custGeom>
+          <a:solidFill>
+            <a:schemeClr val="accent1"/>
+          </a:solidFill>
+          <a:ln>
+            <a:noFill/>
+          </a:ln>
+        </p:spPr>
       </p:sp>
       <p:sp>
         <p:nvSpPr>
@@ -1779,7 +4331,7 @@
     </p:spTree>
     <p:extLst>
       <p:ext uri="{BB962C8B-B14F-4D97-AF65-F5344CB8AC3E}">
-        <p14:creationId xmlns:p14="http://schemas.microsoft.com/office/powerpoint/2010/main" val="3655976103"/>
+        <p14:creationId xmlns:p14="http://schemas.microsoft.com/office/powerpoint/2010/main" val="948488342"/>
       </p:ext>
     </p:extLst>
   </p:cSld>
@@ -1823,7 +4375,7 @@
           <a:p>
             <a:fld id="{D8B9DD1B-3A02-4013-B1CD-A9A5989ED81E}" type="datetimeFigureOut">
               <a:rPr lang="en-GB" smtClean="0"/>
-              <a:t>27/02/2019</a:t>
+              <a:t>06/03/2019</a:t>
             </a:fld>
             <a:endParaRPr lang="en-GB"/>
           </a:p>
@@ -1847,6 +4399,88 @@
             <a:endParaRPr lang="en-GB"/>
           </a:p>
         </p:txBody>
+      </p:sp>
+      <p:sp>
+        <p:nvSpPr>
+          <p:cNvPr id="6" name="Freeform 11"/>
+          <p:cNvSpPr/>
+          <p:nvPr/>
+        </p:nvSpPr>
+        <p:spPr bwMode="auto">
+          <a:xfrm flipV="1">
+            <a:off x="-4189" y="714375"/>
+            <a:ext cx="1588527" cy="507297"/>
+          </a:xfrm>
+          <a:custGeom>
+            <a:avLst/>
+            <a:gdLst/>
+            <a:ahLst/>
+            <a:cxnLst/>
+            <a:rect l="l" t="t" r="r" b="b"/>
+            <a:pathLst>
+              <a:path w="9248" h="10000">
+                <a:moveTo>
+                  <a:pt x="9248" y="4701"/>
+                </a:moveTo>
+                <a:lnTo>
+                  <a:pt x="7915" y="188"/>
+                </a:lnTo>
+                <a:cubicBezTo>
+                  <a:pt x="7906" y="156"/>
+                  <a:pt x="7895" y="126"/>
+                  <a:pt x="7886" y="94"/>
+                </a:cubicBezTo>
+                <a:cubicBezTo>
+                  <a:pt x="7859" y="0"/>
+                  <a:pt x="7831" y="0"/>
+                  <a:pt x="7803" y="0"/>
+                </a:cubicBezTo>
+                <a:lnTo>
+                  <a:pt x="7275" y="0"/>
+                </a:lnTo>
+                <a:lnTo>
+                  <a:pt x="0" y="70"/>
+                </a:lnTo>
+                <a:cubicBezTo>
+                  <a:pt x="8" y="3380"/>
+                  <a:pt x="17" y="6690"/>
+                  <a:pt x="25" y="10000"/>
+                </a:cubicBezTo>
+                <a:lnTo>
+                  <a:pt x="7275" y="9966"/>
+                </a:lnTo>
+                <a:lnTo>
+                  <a:pt x="7803" y="9966"/>
+                </a:lnTo>
+                <a:cubicBezTo>
+                  <a:pt x="7831" y="9966"/>
+                  <a:pt x="7859" y="9872"/>
+                  <a:pt x="7886" y="9872"/>
+                </a:cubicBezTo>
+                <a:cubicBezTo>
+                  <a:pt x="7886" y="9778"/>
+                  <a:pt x="7915" y="9778"/>
+                  <a:pt x="7915" y="9778"/>
+                </a:cubicBezTo>
+                <a:lnTo>
+                  <a:pt x="9248" y="5265"/>
+                </a:lnTo>
+                <a:cubicBezTo>
+                  <a:pt x="9303" y="5077"/>
+                  <a:pt x="9303" y="4889"/>
+                  <a:pt x="9248" y="4701"/>
+                </a:cubicBezTo>
+                <a:close/>
+              </a:path>
+            </a:pathLst>
+          </a:custGeom>
+          <a:solidFill>
+            <a:schemeClr val="accent1"/>
+          </a:solidFill>
+          <a:ln>
+            <a:noFill/>
+          </a:ln>
+        </p:spPr>
       </p:sp>
       <p:sp>
         <p:nvSpPr>
@@ -1874,7 +4508,7 @@
     </p:spTree>
     <p:extLst>
       <p:ext uri="{BB962C8B-B14F-4D97-AF65-F5344CB8AC3E}">
-        <p14:creationId xmlns:p14="http://schemas.microsoft.com/office/powerpoint/2010/main" val="805690914"/>
+        <p14:creationId xmlns:p14="http://schemas.microsoft.com/office/powerpoint/2010/main" val="1760670012"/>
       </p:ext>
     </p:extLst>
   </p:cSld>
@@ -1913,15 +4547,15 @@
         </p:nvSpPr>
         <p:spPr>
           <a:xfrm>
-            <a:off x="839788" y="457200"/>
-            <a:ext cx="3932237" cy="1600200"/>
+            <a:off x="2589212" y="446088"/>
+            <a:ext cx="3505199" cy="976312"/>
           </a:xfrm>
         </p:spPr>
         <p:txBody>
           <a:bodyPr anchor="b"/>
           <a:lstStyle>
-            <a:lvl1pPr>
-              <a:defRPr sz="3200"/>
+            <a:lvl1pPr algn="l">
+              <a:defRPr sz="2000" b="0"/>
             </a:lvl1pPr>
           </a:lstStyle>
           <a:p>
@@ -1929,7 +4563,7 @@
               <a:rPr lang="en-US"/>
               <a:t>Click to edit Master title style</a:t>
             </a:r>
-            <a:endParaRPr lang="en-GB"/>
+            <a:endParaRPr lang="en-US" dirty="0"/>
           </a:p>
         </p:txBody>
       </p:sp>
@@ -1945,41 +4579,15 @@
         </p:nvSpPr>
         <p:spPr>
           <a:xfrm>
-            <a:off x="5183188" y="987425"/>
-            <a:ext cx="6172200" cy="4873625"/>
+            <a:off x="6323012" y="446088"/>
+            <a:ext cx="5181600" cy="5414963"/>
           </a:xfrm>
         </p:spPr>
         <p:txBody>
-          <a:bodyPr/>
-          <a:lstStyle>
-            <a:lvl1pPr>
-              <a:defRPr sz="3200"/>
-            </a:lvl1pPr>
-            <a:lvl2pPr>
-              <a:defRPr sz="2800"/>
-            </a:lvl2pPr>
-            <a:lvl3pPr>
-              <a:defRPr sz="2400"/>
-            </a:lvl3pPr>
-            <a:lvl4pPr>
-              <a:defRPr sz="2000"/>
-            </a:lvl4pPr>
-            <a:lvl5pPr>
-              <a:defRPr sz="2000"/>
-            </a:lvl5pPr>
-            <a:lvl6pPr>
-              <a:defRPr sz="2000"/>
-            </a:lvl6pPr>
-            <a:lvl7pPr>
-              <a:defRPr sz="2000"/>
-            </a:lvl7pPr>
-            <a:lvl8pPr>
-              <a:defRPr sz="2000"/>
-            </a:lvl8pPr>
-            <a:lvl9pPr>
-              <a:defRPr sz="2000"/>
-            </a:lvl9pPr>
-          </a:lstStyle>
+          <a:bodyPr anchor="ctr">
+            <a:normAutofit/>
+          </a:bodyPr>
+          <a:lstStyle/>
           <a:p>
             <a:pPr lvl="0"/>
             <a:r>
@@ -2014,7 +4622,7 @@
               <a:rPr lang="en-US"/>
               <a:t>Fifth level</a:t>
             </a:r>
-            <a:endParaRPr lang="en-GB"/>
+            <a:endParaRPr lang="en-US" dirty="0"/>
           </a:p>
         </p:txBody>
       </p:sp>
@@ -2030,8 +4638,8 @@
         </p:nvSpPr>
         <p:spPr>
           <a:xfrm>
-            <a:off x="839788" y="2057400"/>
-            <a:ext cx="3932237" cy="3811588"/>
+            <a:off x="2589212" y="1598613"/>
+            <a:ext cx="3505199" cy="4262436"/>
           </a:xfrm>
         </p:spPr>
         <p:txBody>
@@ -2039,39 +4647,39 @@
           <a:lstStyle>
             <a:lvl1pPr marL="0" indent="0">
               <a:buNone/>
-              <a:defRPr sz="1600"/>
+              <a:defRPr sz="1400"/>
             </a:lvl1pPr>
             <a:lvl2pPr marL="457200" indent="0">
               <a:buNone/>
-              <a:defRPr sz="1400"/>
+              <a:defRPr sz="1200"/>
             </a:lvl2pPr>
             <a:lvl3pPr marL="914400" indent="0">
               <a:buNone/>
-              <a:defRPr sz="1200"/>
+              <a:defRPr sz="1000"/>
             </a:lvl3pPr>
             <a:lvl4pPr marL="1371600" indent="0">
               <a:buNone/>
-              <a:defRPr sz="1000"/>
+              <a:defRPr sz="900"/>
             </a:lvl4pPr>
             <a:lvl5pPr marL="1828800" indent="0">
               <a:buNone/>
-              <a:defRPr sz="1000"/>
+              <a:defRPr sz="900"/>
             </a:lvl5pPr>
             <a:lvl6pPr marL="2286000" indent="0">
               <a:buNone/>
-              <a:defRPr sz="1000"/>
+              <a:defRPr sz="900"/>
             </a:lvl6pPr>
             <a:lvl7pPr marL="2743200" indent="0">
               <a:buNone/>
-              <a:defRPr sz="1000"/>
+              <a:defRPr sz="900"/>
             </a:lvl7pPr>
             <a:lvl8pPr marL="3200400" indent="0">
               <a:buNone/>
-              <a:defRPr sz="1000"/>
+              <a:defRPr sz="900"/>
             </a:lvl8pPr>
             <a:lvl9pPr marL="3657600" indent="0">
               <a:buNone/>
-              <a:defRPr sz="1000"/>
+              <a:defRPr sz="900"/>
             </a:lvl9pPr>
           </a:lstStyle>
           <a:p>
@@ -2100,7 +4708,7 @@
           <a:p>
             <a:fld id="{D8B9DD1B-3A02-4013-B1CD-A9A5989ED81E}" type="datetimeFigureOut">
               <a:rPr lang="en-GB" smtClean="0"/>
-              <a:t>27/02/2019</a:t>
+              <a:t>06/03/2019</a:t>
             </a:fld>
             <a:endParaRPr lang="en-GB"/>
           </a:p>
@@ -2124,6 +4732,88 @@
             <a:endParaRPr lang="en-GB"/>
           </a:p>
         </p:txBody>
+      </p:sp>
+      <p:sp>
+        <p:nvSpPr>
+          <p:cNvPr id="9" name="Freeform 11"/>
+          <p:cNvSpPr/>
+          <p:nvPr/>
+        </p:nvSpPr>
+        <p:spPr bwMode="auto">
+          <a:xfrm flipV="1">
+            <a:off x="-4189" y="714375"/>
+            <a:ext cx="1588527" cy="507297"/>
+          </a:xfrm>
+          <a:custGeom>
+            <a:avLst/>
+            <a:gdLst/>
+            <a:ahLst/>
+            <a:cxnLst/>
+            <a:rect l="l" t="t" r="r" b="b"/>
+            <a:pathLst>
+              <a:path w="9248" h="10000">
+                <a:moveTo>
+                  <a:pt x="9248" y="4701"/>
+                </a:moveTo>
+                <a:lnTo>
+                  <a:pt x="7915" y="188"/>
+                </a:lnTo>
+                <a:cubicBezTo>
+                  <a:pt x="7906" y="156"/>
+                  <a:pt x="7895" y="126"/>
+                  <a:pt x="7886" y="94"/>
+                </a:cubicBezTo>
+                <a:cubicBezTo>
+                  <a:pt x="7859" y="0"/>
+                  <a:pt x="7831" y="0"/>
+                  <a:pt x="7803" y="0"/>
+                </a:cubicBezTo>
+                <a:lnTo>
+                  <a:pt x="7275" y="0"/>
+                </a:lnTo>
+                <a:lnTo>
+                  <a:pt x="0" y="70"/>
+                </a:lnTo>
+                <a:cubicBezTo>
+                  <a:pt x="8" y="3380"/>
+                  <a:pt x="17" y="6690"/>
+                  <a:pt x="25" y="10000"/>
+                </a:cubicBezTo>
+                <a:lnTo>
+                  <a:pt x="7275" y="9966"/>
+                </a:lnTo>
+                <a:lnTo>
+                  <a:pt x="7803" y="9966"/>
+                </a:lnTo>
+                <a:cubicBezTo>
+                  <a:pt x="7831" y="9966"/>
+                  <a:pt x="7859" y="9872"/>
+                  <a:pt x="7886" y="9872"/>
+                </a:cubicBezTo>
+                <a:cubicBezTo>
+                  <a:pt x="7886" y="9778"/>
+                  <a:pt x="7915" y="9778"/>
+                  <a:pt x="7915" y="9778"/>
+                </a:cubicBezTo>
+                <a:lnTo>
+                  <a:pt x="9248" y="5265"/>
+                </a:lnTo>
+                <a:cubicBezTo>
+                  <a:pt x="9303" y="5077"/>
+                  <a:pt x="9303" y="4889"/>
+                  <a:pt x="9248" y="4701"/>
+                </a:cubicBezTo>
+                <a:close/>
+              </a:path>
+            </a:pathLst>
+          </a:custGeom>
+          <a:solidFill>
+            <a:schemeClr val="accent1"/>
+          </a:solidFill>
+          <a:ln>
+            <a:noFill/>
+          </a:ln>
+        </p:spPr>
       </p:sp>
       <p:sp>
         <p:nvSpPr>
@@ -2151,7 +4841,7 @@
     </p:spTree>
     <p:extLst>
       <p:ext uri="{BB962C8B-B14F-4D97-AF65-F5344CB8AC3E}">
-        <p14:creationId xmlns:p14="http://schemas.microsoft.com/office/powerpoint/2010/main" val="35307444"/>
+        <p14:creationId xmlns:p14="http://schemas.microsoft.com/office/powerpoint/2010/main" val="3032423274"/>
       </p:ext>
     </p:extLst>
   </p:cSld>
@@ -2190,15 +4880,17 @@
         </p:nvSpPr>
         <p:spPr>
           <a:xfrm>
-            <a:off x="839788" y="457200"/>
-            <a:ext cx="3932237" cy="1600200"/>
+            <a:off x="2589213" y="4800600"/>
+            <a:ext cx="8915400" cy="566738"/>
           </a:xfrm>
         </p:spPr>
         <p:txBody>
-          <a:bodyPr anchor="b"/>
+          <a:bodyPr anchor="b">
+            <a:normAutofit/>
+          </a:bodyPr>
           <a:lstStyle>
-            <a:lvl1pPr>
-              <a:defRPr sz="3200"/>
+            <a:lvl1pPr algn="l">
+              <a:defRPr sz="2400" b="0"/>
             </a:lvl1pPr>
           </a:lstStyle>
           <a:p>
@@ -2206,7 +4898,7 @@
               <a:rPr lang="en-US"/>
               <a:t>Click to edit Master title style</a:t>
             </a:r>
-            <a:endParaRPr lang="en-GB"/>
+            <a:endParaRPr lang="en-US" dirty="0"/>
           </a:p>
         </p:txBody>
       </p:sp>
@@ -2214,7 +4906,7 @@
         <p:nvSpPr>
           <p:cNvPr id="3" name="Picture Placeholder 2"/>
           <p:cNvSpPr>
-            <a:spLocks noGrp="1"/>
+            <a:spLocks noGrp="1" noChangeAspect="1"/>
           </p:cNvSpPr>
           <p:nvPr>
             <p:ph type="pic" idx="1"/>
@@ -2222,112 +4914,120 @@
         </p:nvSpPr>
         <p:spPr>
           <a:xfrm>
-            <a:off x="5183188" y="987425"/>
-            <a:ext cx="6172200" cy="4873625"/>
+            <a:off x="2589212" y="634965"/>
+            <a:ext cx="8915400" cy="3854970"/>
           </a:xfrm>
         </p:spPr>
         <p:txBody>
-          <a:bodyPr/>
+          <a:bodyPr anchor="t">
+            <a:normAutofit/>
+          </a:bodyPr>
           <a:lstStyle>
-            <a:lvl1pPr marL="0" indent="0">
-              <a:buNone/>
-              <a:defRPr sz="3200"/>
-            </a:lvl1pPr>
-            <a:lvl2pPr marL="457200" indent="0">
-              <a:buNone/>
-              <a:defRPr sz="2800"/>
-            </a:lvl2pPr>
-            <a:lvl3pPr marL="914400" indent="0">
-              <a:buNone/>
-              <a:defRPr sz="2400"/>
-            </a:lvl3pPr>
-            <a:lvl4pPr marL="1371600" indent="0">
-              <a:buNone/>
-              <a:defRPr sz="2000"/>
-            </a:lvl4pPr>
-            <a:lvl5pPr marL="1828800" indent="0">
-              <a:buNone/>
-              <a:defRPr sz="2000"/>
-            </a:lvl5pPr>
-            <a:lvl6pPr marL="2286000" indent="0">
-              <a:buNone/>
-              <a:defRPr sz="2000"/>
-            </a:lvl6pPr>
-            <a:lvl7pPr marL="2743200" indent="0">
-              <a:buNone/>
-              <a:defRPr sz="2000"/>
-            </a:lvl7pPr>
-            <a:lvl8pPr marL="3200400" indent="0">
-              <a:buNone/>
-              <a:defRPr sz="2000"/>
-            </a:lvl8pPr>
-            <a:lvl9pPr marL="3657600" indent="0">
-              <a:buNone/>
-              <a:defRPr sz="2000"/>
-            </a:lvl9pPr>
-          </a:lstStyle>
-          <a:p>
-            <a:endParaRPr lang="en-GB"/>
-          </a:p>
-        </p:txBody>
-      </p:sp>
-      <p:sp>
-        <p:nvSpPr>
-          <p:cNvPr id="4" name="Text Placeholder 3"/>
-          <p:cNvSpPr>
-            <a:spLocks noGrp="1"/>
-          </p:cNvSpPr>
-          <p:nvPr>
-            <p:ph type="body" sz="half" idx="2"/>
-          </p:nvPr>
-        </p:nvSpPr>
-        <p:spPr>
-          <a:xfrm>
-            <a:off x="839788" y="2057400"/>
-            <a:ext cx="3932237" cy="3811588"/>
-          </a:xfrm>
-        </p:spPr>
-        <p:txBody>
-          <a:bodyPr/>
-          <a:lstStyle>
-            <a:lvl1pPr marL="0" indent="0">
+            <a:lvl1pPr marL="0" indent="0" algn="ctr">
               <a:buNone/>
               <a:defRPr sz="1600"/>
             </a:lvl1pPr>
             <a:lvl2pPr marL="457200" indent="0">
               <a:buNone/>
-              <a:defRPr sz="1400"/>
+              <a:defRPr sz="1600"/>
             </a:lvl2pPr>
             <a:lvl3pPr marL="914400" indent="0">
               <a:buNone/>
-              <a:defRPr sz="1200"/>
+              <a:defRPr sz="1600"/>
             </a:lvl3pPr>
             <a:lvl4pPr marL="1371600" indent="0">
               <a:buNone/>
-              <a:defRPr sz="1000"/>
+              <a:defRPr sz="1600"/>
             </a:lvl4pPr>
             <a:lvl5pPr marL="1828800" indent="0">
               <a:buNone/>
-              <a:defRPr sz="1000"/>
+              <a:defRPr sz="1600"/>
             </a:lvl5pPr>
             <a:lvl6pPr marL="2286000" indent="0">
               <a:buNone/>
-              <a:defRPr sz="1000"/>
+              <a:defRPr sz="1600"/>
             </a:lvl6pPr>
             <a:lvl7pPr marL="2743200" indent="0">
               <a:buNone/>
-              <a:defRPr sz="1000"/>
+              <a:defRPr sz="1600"/>
             </a:lvl7pPr>
             <a:lvl8pPr marL="3200400" indent="0">
               <a:buNone/>
-              <a:defRPr sz="1000"/>
+              <a:defRPr sz="1600"/>
             </a:lvl8pPr>
             <a:lvl9pPr marL="3657600" indent="0">
               <a:buNone/>
-              <a:defRPr sz="1000"/>
+              <a:defRPr sz="1600"/>
             </a:lvl9pPr>
           </a:lstStyle>
           <a:p>
+            <a:r>
+              <a:rPr lang="en-US"/>
+              <a:t>Click icon to add picture</a:t>
+            </a:r>
+            <a:endParaRPr lang="en-US" dirty="0"/>
+          </a:p>
+        </p:txBody>
+      </p:sp>
+      <p:sp>
+        <p:nvSpPr>
+          <p:cNvPr id="4" name="Text Placeholder 3"/>
+          <p:cNvSpPr>
+            <a:spLocks noGrp="1"/>
+          </p:cNvSpPr>
+          <p:nvPr>
+            <p:ph type="body" sz="half" idx="2"/>
+          </p:nvPr>
+        </p:nvSpPr>
+        <p:spPr>
+          <a:xfrm>
+            <a:off x="2589213" y="5367338"/>
+            <a:ext cx="8915400" cy="493712"/>
+          </a:xfrm>
+        </p:spPr>
+        <p:txBody>
+          <a:bodyPr>
+            <a:normAutofit/>
+          </a:bodyPr>
+          <a:lstStyle>
+            <a:lvl1pPr marL="0" indent="0">
+              <a:buNone/>
+              <a:defRPr sz="1200"/>
+            </a:lvl1pPr>
+            <a:lvl2pPr marL="457200" indent="0">
+              <a:buNone/>
+              <a:defRPr sz="1200"/>
+            </a:lvl2pPr>
+            <a:lvl3pPr marL="914400" indent="0">
+              <a:buNone/>
+              <a:defRPr sz="1000"/>
+            </a:lvl3pPr>
+            <a:lvl4pPr marL="1371600" indent="0">
+              <a:buNone/>
+              <a:defRPr sz="900"/>
+            </a:lvl4pPr>
+            <a:lvl5pPr marL="1828800" indent="0">
+              <a:buNone/>
+              <a:defRPr sz="900"/>
+            </a:lvl5pPr>
+            <a:lvl6pPr marL="2286000" indent="0">
+              <a:buNone/>
+              <a:defRPr sz="900"/>
+            </a:lvl6pPr>
+            <a:lvl7pPr marL="2743200" indent="0">
+              <a:buNone/>
+              <a:defRPr sz="900"/>
+            </a:lvl7pPr>
+            <a:lvl8pPr marL="3200400" indent="0">
+              <a:buNone/>
+              <a:defRPr sz="900"/>
+            </a:lvl8pPr>
+            <a:lvl9pPr marL="3657600" indent="0">
+              <a:buNone/>
+              <a:defRPr sz="900"/>
+            </a:lvl9pPr>
+          </a:lstStyle>
+          <a:p>
             <a:pPr lvl="0"/>
             <a:r>
               <a:rPr lang="en-US"/>
@@ -2353,7 +5053,7 @@
           <a:p>
             <a:fld id="{D8B9DD1B-3A02-4013-B1CD-A9A5989ED81E}" type="datetimeFigureOut">
               <a:rPr lang="en-GB" smtClean="0"/>
-              <a:t>27/02/2019</a:t>
+              <a:t>06/03/2019</a:t>
             </a:fld>
             <a:endParaRPr lang="en-GB"/>
           </a:p>
@@ -2380,6 +5080,88 @@
       </p:sp>
       <p:sp>
         <p:nvSpPr>
+          <p:cNvPr id="9" name="Freeform 11"/>
+          <p:cNvSpPr/>
+          <p:nvPr/>
+        </p:nvSpPr>
+        <p:spPr bwMode="auto">
+          <a:xfrm flipV="1">
+            <a:off x="-4189" y="4911725"/>
+            <a:ext cx="1588527" cy="507297"/>
+          </a:xfrm>
+          <a:custGeom>
+            <a:avLst/>
+            <a:gdLst/>
+            <a:ahLst/>
+            <a:cxnLst/>
+            <a:rect l="l" t="t" r="r" b="b"/>
+            <a:pathLst>
+              <a:path w="9248" h="10000">
+                <a:moveTo>
+                  <a:pt x="9248" y="4701"/>
+                </a:moveTo>
+                <a:lnTo>
+                  <a:pt x="7915" y="188"/>
+                </a:lnTo>
+                <a:cubicBezTo>
+                  <a:pt x="7906" y="156"/>
+                  <a:pt x="7895" y="126"/>
+                  <a:pt x="7886" y="94"/>
+                </a:cubicBezTo>
+                <a:cubicBezTo>
+                  <a:pt x="7859" y="0"/>
+                  <a:pt x="7831" y="0"/>
+                  <a:pt x="7803" y="0"/>
+                </a:cubicBezTo>
+                <a:lnTo>
+                  <a:pt x="7275" y="0"/>
+                </a:lnTo>
+                <a:lnTo>
+                  <a:pt x="0" y="70"/>
+                </a:lnTo>
+                <a:cubicBezTo>
+                  <a:pt x="8" y="3380"/>
+                  <a:pt x="17" y="6690"/>
+                  <a:pt x="25" y="10000"/>
+                </a:cubicBezTo>
+                <a:lnTo>
+                  <a:pt x="7275" y="9966"/>
+                </a:lnTo>
+                <a:lnTo>
+                  <a:pt x="7803" y="9966"/>
+                </a:lnTo>
+                <a:cubicBezTo>
+                  <a:pt x="7831" y="9966"/>
+                  <a:pt x="7859" y="9872"/>
+                  <a:pt x="7886" y="9872"/>
+                </a:cubicBezTo>
+                <a:cubicBezTo>
+                  <a:pt x="7886" y="9778"/>
+                  <a:pt x="7915" y="9778"/>
+                  <a:pt x="7915" y="9778"/>
+                </a:cubicBezTo>
+                <a:lnTo>
+                  <a:pt x="9248" y="5265"/>
+                </a:lnTo>
+                <a:cubicBezTo>
+                  <a:pt x="9303" y="5077"/>
+                  <a:pt x="9303" y="4889"/>
+                  <a:pt x="9248" y="4701"/>
+                </a:cubicBezTo>
+                <a:close/>
+              </a:path>
+            </a:pathLst>
+          </a:custGeom>
+          <a:solidFill>
+            <a:schemeClr val="accent1"/>
+          </a:solidFill>
+          <a:ln>
+            <a:noFill/>
+          </a:ln>
+        </p:spPr>
+      </p:sp>
+      <p:sp>
+        <p:nvSpPr>
           <p:cNvPr id="7" name="Slide Number Placeholder 6"/>
           <p:cNvSpPr>
             <a:spLocks noGrp="1"/>
@@ -2388,7 +5170,12 @@
             <p:ph type="sldNum" sz="quarter" idx="12"/>
           </p:nvPr>
         </p:nvSpPr>
-        <p:spPr/>
+        <p:spPr>
+          <a:xfrm>
+            <a:off x="531812" y="4983087"/>
+            <a:ext cx="779767" cy="365125"/>
+          </a:xfrm>
+        </p:spPr>
         <p:txBody>
           <a:bodyPr/>
           <a:lstStyle/>
@@ -2404,7 +5191,7 @@
     </p:spTree>
     <p:extLst>
       <p:ext uri="{BB962C8B-B14F-4D97-AF65-F5344CB8AC3E}">
-        <p14:creationId xmlns:p14="http://schemas.microsoft.com/office/powerpoint/2010/main" val="1853339135"/>
+        <p14:creationId xmlns:p14="http://schemas.microsoft.com/office/powerpoint/2010/main" val="490715636"/>
       </p:ext>
     </p:extLst>
   </p:cSld>
@@ -2418,8 +5205,8 @@
 <p:sldMaster xmlns:a="http://schemas.openxmlformats.org/drawingml/2006/main" xmlns:r="http://schemas.openxmlformats.org/officeDocument/2006/relationships" xmlns:p="http://schemas.openxmlformats.org/presentationml/2006/main">
   <p:cSld>
     <p:bg>
-      <p:bgRef idx="1001">
-        <a:schemeClr val="bg1"/>
+      <p:bgRef idx="1003">
+        <a:schemeClr val="bg2"/>
       </p:bgRef>
     </p:bg>
     <p:spTree>
@@ -2436,27 +5223,1844 @@
           <a:chExt cx="0" cy="0"/>
         </a:xfrm>
       </p:grpSpPr>
-      <p:sp>
-        <p:nvSpPr>
-          <p:cNvPr id="2" name="Title Placeholder 1"/>
-          <p:cNvSpPr>
-            <a:spLocks noGrp="1"/>
-          </p:cNvSpPr>
-          <p:nvPr>
-            <p:ph type="title"/>
-          </p:nvPr>
+      <p:grpSp>
+        <p:nvGrpSpPr>
+          <p:cNvPr id="23" name="Group 22"/>
+          <p:cNvGrpSpPr/>
+          <p:nvPr/>
+        </p:nvGrpSpPr>
+        <p:grpSpPr>
+          <a:xfrm>
+            <a:off x="1" y="228600"/>
+            <a:ext cx="2851516" cy="6638628"/>
+            <a:chOff x="2487613" y="285750"/>
+            <a:chExt cx="2428875" cy="5654676"/>
+          </a:xfrm>
+        </p:grpSpPr>
+        <p:sp>
+          <p:nvSpPr>
+            <p:cNvPr id="24" name="Freeform 11"/>
+            <p:cNvSpPr/>
+            <p:nvPr/>
+          </p:nvSpPr>
+          <p:spPr bwMode="auto">
+            <a:xfrm>
+              <a:off x="2487613" y="2284413"/>
+              <a:ext cx="85725" cy="533400"/>
+            </a:xfrm>
+            <a:custGeom>
+              <a:avLst/>
+              <a:gdLst/>
+              <a:ahLst/>
+              <a:cxnLst/>
+              <a:rect l="0" t="0" r="r" b="b"/>
+              <a:pathLst>
+                <a:path w="22" h="136">
+                  <a:moveTo>
+                    <a:pt x="22" y="136"/>
+                  </a:moveTo>
+                  <a:cubicBezTo>
+                    <a:pt x="20" y="117"/>
+                    <a:pt x="19" y="99"/>
+                    <a:pt x="17" y="80"/>
+                  </a:cubicBezTo>
+                  <a:cubicBezTo>
+                    <a:pt x="11" y="54"/>
+                    <a:pt x="6" y="27"/>
+                    <a:pt x="0" y="0"/>
+                  </a:cubicBezTo>
+                  <a:cubicBezTo>
+                    <a:pt x="0" y="35"/>
+                    <a:pt x="0" y="35"/>
+                    <a:pt x="0" y="35"/>
+                  </a:cubicBezTo>
+                  <a:cubicBezTo>
+                    <a:pt x="6" y="64"/>
+                    <a:pt x="13" y="94"/>
+                    <a:pt x="20" y="124"/>
+                  </a:cubicBezTo>
+                  <a:cubicBezTo>
+                    <a:pt x="20" y="128"/>
+                    <a:pt x="21" y="132"/>
+                    <a:pt x="22" y="136"/>
+                  </a:cubicBezTo>
+                  <a:close/>
+                </a:path>
+              </a:pathLst>
+            </a:custGeom>
+            <a:solidFill>
+              <a:schemeClr val="tx2">
+                <a:alpha val="20000"/>
+              </a:schemeClr>
+            </a:solidFill>
+            <a:ln>
+              <a:noFill/>
+            </a:ln>
+          </p:spPr>
+        </p:sp>
+        <p:sp>
+          <p:nvSpPr>
+            <p:cNvPr id="25" name="Freeform 12"/>
+            <p:cNvSpPr/>
+            <p:nvPr/>
+          </p:nvSpPr>
+          <p:spPr bwMode="auto">
+            <a:xfrm>
+              <a:off x="2597151" y="2779713"/>
+              <a:ext cx="550863" cy="1978025"/>
+            </a:xfrm>
+            <a:custGeom>
+              <a:avLst/>
+              <a:gdLst/>
+              <a:ahLst/>
+              <a:cxnLst/>
+              <a:rect l="0" t="0" r="r" b="b"/>
+              <a:pathLst>
+                <a:path w="140" h="504">
+                  <a:moveTo>
+                    <a:pt x="86" y="350"/>
+                  </a:moveTo>
+                  <a:cubicBezTo>
+                    <a:pt x="103" y="402"/>
+                    <a:pt x="120" y="453"/>
+                    <a:pt x="139" y="504"/>
+                  </a:cubicBezTo>
+                  <a:cubicBezTo>
+                    <a:pt x="139" y="495"/>
+                    <a:pt x="139" y="487"/>
+                    <a:pt x="140" y="478"/>
+                  </a:cubicBezTo>
+                  <a:cubicBezTo>
+                    <a:pt x="124" y="435"/>
+                    <a:pt x="109" y="391"/>
+                    <a:pt x="95" y="347"/>
+                  </a:cubicBezTo>
+                  <a:cubicBezTo>
+                    <a:pt x="58" y="233"/>
+                    <a:pt x="27" y="117"/>
+                    <a:pt x="0" y="0"/>
+                  </a:cubicBezTo>
+                  <a:cubicBezTo>
+                    <a:pt x="2" y="20"/>
+                    <a:pt x="4" y="41"/>
+                    <a:pt x="6" y="61"/>
+                  </a:cubicBezTo>
+                  <a:cubicBezTo>
+                    <a:pt x="30" y="158"/>
+                    <a:pt x="56" y="255"/>
+                    <a:pt x="86" y="350"/>
+                  </a:cubicBezTo>
+                  <a:close/>
+                </a:path>
+              </a:pathLst>
+            </a:custGeom>
+            <a:solidFill>
+              <a:schemeClr val="tx2">
+                <a:alpha val="20000"/>
+              </a:schemeClr>
+            </a:solidFill>
+            <a:ln>
+              <a:noFill/>
+            </a:ln>
+          </p:spPr>
+        </p:sp>
+        <p:sp>
+          <p:nvSpPr>
+            <p:cNvPr id="26" name="Freeform 13"/>
+            <p:cNvSpPr/>
+            <p:nvPr/>
+          </p:nvSpPr>
+          <p:spPr bwMode="auto">
+            <a:xfrm>
+              <a:off x="3175001" y="4730750"/>
+              <a:ext cx="519113" cy="1209675"/>
+            </a:xfrm>
+            <a:custGeom>
+              <a:avLst/>
+              <a:gdLst/>
+              <a:ahLst/>
+              <a:cxnLst/>
+              <a:rect l="0" t="0" r="r" b="b"/>
+              <a:pathLst>
+                <a:path w="132" h="308">
+                  <a:moveTo>
+                    <a:pt x="8" y="22"/>
+                  </a:moveTo>
+                  <a:cubicBezTo>
+                    <a:pt x="5" y="15"/>
+                    <a:pt x="2" y="8"/>
+                    <a:pt x="0" y="0"/>
+                  </a:cubicBezTo>
+                  <a:cubicBezTo>
+                    <a:pt x="0" y="10"/>
+                    <a:pt x="0" y="19"/>
+                    <a:pt x="0" y="29"/>
+                  </a:cubicBezTo>
+                  <a:cubicBezTo>
+                    <a:pt x="21" y="85"/>
+                    <a:pt x="44" y="140"/>
+                    <a:pt x="68" y="194"/>
+                  </a:cubicBezTo>
+                  <a:cubicBezTo>
+                    <a:pt x="85" y="232"/>
+                    <a:pt x="104" y="270"/>
+                    <a:pt x="123" y="308"/>
+                  </a:cubicBezTo>
+                  <a:cubicBezTo>
+                    <a:pt x="132" y="308"/>
+                    <a:pt x="132" y="308"/>
+                    <a:pt x="132" y="308"/>
+                  </a:cubicBezTo>
+                  <a:cubicBezTo>
+                    <a:pt x="113" y="269"/>
+                    <a:pt x="94" y="230"/>
+                    <a:pt x="77" y="190"/>
+                  </a:cubicBezTo>
+                  <a:cubicBezTo>
+                    <a:pt x="52" y="135"/>
+                    <a:pt x="29" y="79"/>
+                    <a:pt x="8" y="22"/>
+                  </a:cubicBezTo>
+                  <a:close/>
+                </a:path>
+              </a:pathLst>
+            </a:custGeom>
+            <a:solidFill>
+              <a:schemeClr val="tx2">
+                <a:alpha val="20000"/>
+              </a:schemeClr>
+            </a:solidFill>
+            <a:ln>
+              <a:noFill/>
+            </a:ln>
+          </p:spPr>
+        </p:sp>
+        <p:sp>
+          <p:nvSpPr>
+            <p:cNvPr id="27" name="Freeform 14"/>
+            <p:cNvSpPr/>
+            <p:nvPr/>
+          </p:nvSpPr>
+          <p:spPr bwMode="auto">
+            <a:xfrm>
+              <a:off x="3305176" y="5630863"/>
+              <a:ext cx="146050" cy="309563"/>
+            </a:xfrm>
+            <a:custGeom>
+              <a:avLst/>
+              <a:gdLst/>
+              <a:ahLst/>
+              <a:cxnLst/>
+              <a:rect l="0" t="0" r="r" b="b"/>
+              <a:pathLst>
+                <a:path w="37" h="79">
+                  <a:moveTo>
+                    <a:pt x="28" y="79"/>
+                  </a:moveTo>
+                  <a:cubicBezTo>
+                    <a:pt x="37" y="79"/>
+                    <a:pt x="37" y="79"/>
+                    <a:pt x="37" y="79"/>
+                  </a:cubicBezTo>
+                  <a:cubicBezTo>
+                    <a:pt x="24" y="53"/>
+                    <a:pt x="12" y="27"/>
+                    <a:pt x="0" y="0"/>
+                  </a:cubicBezTo>
+                  <a:cubicBezTo>
+                    <a:pt x="8" y="27"/>
+                    <a:pt x="17" y="53"/>
+                    <a:pt x="28" y="79"/>
+                  </a:cubicBezTo>
+                  <a:close/>
+                </a:path>
+              </a:pathLst>
+            </a:custGeom>
+            <a:solidFill>
+              <a:schemeClr val="tx2">
+                <a:alpha val="20000"/>
+              </a:schemeClr>
+            </a:solidFill>
+            <a:ln>
+              <a:noFill/>
+            </a:ln>
+          </p:spPr>
+        </p:sp>
+        <p:sp>
+          <p:nvSpPr>
+            <p:cNvPr id="28" name="Freeform 15"/>
+            <p:cNvSpPr/>
+            <p:nvPr/>
+          </p:nvSpPr>
+          <p:spPr bwMode="auto">
+            <a:xfrm>
+              <a:off x="2573338" y="2817813"/>
+              <a:ext cx="700088" cy="2835275"/>
+            </a:xfrm>
+            <a:custGeom>
+              <a:avLst/>
+              <a:gdLst/>
+              <a:ahLst/>
+              <a:cxnLst/>
+              <a:rect l="0" t="0" r="r" b="b"/>
+              <a:pathLst>
+                <a:path w="178" h="722">
+                  <a:moveTo>
+                    <a:pt x="162" y="660"/>
+                  </a:moveTo>
+                  <a:cubicBezTo>
+                    <a:pt x="145" y="618"/>
+                    <a:pt x="130" y="576"/>
+                    <a:pt x="116" y="534"/>
+                  </a:cubicBezTo>
+                  <a:cubicBezTo>
+                    <a:pt x="84" y="437"/>
+                    <a:pt x="59" y="337"/>
+                    <a:pt x="40" y="236"/>
+                  </a:cubicBezTo>
+                  <a:cubicBezTo>
+                    <a:pt x="29" y="175"/>
+                    <a:pt x="20" y="113"/>
+                    <a:pt x="12" y="51"/>
+                  </a:cubicBezTo>
+                  <a:cubicBezTo>
+                    <a:pt x="8" y="34"/>
+                    <a:pt x="4" y="17"/>
+                    <a:pt x="0" y="0"/>
+                  </a:cubicBezTo>
+                  <a:cubicBezTo>
+                    <a:pt x="8" y="79"/>
+                    <a:pt x="19" y="159"/>
+                    <a:pt x="33" y="237"/>
+                  </a:cubicBezTo>
+                  <a:cubicBezTo>
+                    <a:pt x="51" y="339"/>
+                    <a:pt x="76" y="439"/>
+                    <a:pt x="107" y="537"/>
+                  </a:cubicBezTo>
+                  <a:cubicBezTo>
+                    <a:pt x="123" y="586"/>
+                    <a:pt x="141" y="634"/>
+                    <a:pt x="160" y="681"/>
+                  </a:cubicBezTo>
+                  <a:cubicBezTo>
+                    <a:pt x="166" y="695"/>
+                    <a:pt x="172" y="708"/>
+                    <a:pt x="178" y="722"/>
+                  </a:cubicBezTo>
+                  <a:cubicBezTo>
+                    <a:pt x="176" y="717"/>
+                    <a:pt x="175" y="713"/>
+                    <a:pt x="174" y="708"/>
+                  </a:cubicBezTo>
+                  <a:cubicBezTo>
+                    <a:pt x="169" y="692"/>
+                    <a:pt x="165" y="676"/>
+                    <a:pt x="162" y="660"/>
+                  </a:cubicBezTo>
+                  <a:close/>
+                </a:path>
+              </a:pathLst>
+            </a:custGeom>
+            <a:solidFill>
+              <a:schemeClr val="tx2">
+                <a:alpha val="20000"/>
+              </a:schemeClr>
+            </a:solidFill>
+            <a:ln>
+              <a:noFill/>
+            </a:ln>
+          </p:spPr>
+        </p:sp>
+        <p:sp>
+          <p:nvSpPr>
+            <p:cNvPr id="29" name="Freeform 16"/>
+            <p:cNvSpPr/>
+            <p:nvPr/>
+          </p:nvSpPr>
+          <p:spPr bwMode="auto">
+            <a:xfrm>
+              <a:off x="2506663" y="285750"/>
+              <a:ext cx="90488" cy="2493963"/>
+            </a:xfrm>
+            <a:custGeom>
+              <a:avLst/>
+              <a:gdLst/>
+              <a:ahLst/>
+              <a:cxnLst/>
+              <a:rect l="0" t="0" r="r" b="b"/>
+              <a:pathLst>
+                <a:path w="23" h="635">
+                  <a:moveTo>
+                    <a:pt x="11" y="577"/>
+                  </a:moveTo>
+                  <a:cubicBezTo>
+                    <a:pt x="12" y="581"/>
+                    <a:pt x="12" y="585"/>
+                    <a:pt x="12" y="589"/>
+                  </a:cubicBezTo>
+                  <a:cubicBezTo>
+                    <a:pt x="15" y="603"/>
+                    <a:pt x="19" y="617"/>
+                    <a:pt x="22" y="632"/>
+                  </a:cubicBezTo>
+                  <a:cubicBezTo>
+                    <a:pt x="22" y="633"/>
+                    <a:pt x="22" y="634"/>
+                    <a:pt x="23" y="635"/>
+                  </a:cubicBezTo>
+                  <a:cubicBezTo>
+                    <a:pt x="21" y="615"/>
+                    <a:pt x="19" y="596"/>
+                    <a:pt x="17" y="576"/>
+                  </a:cubicBezTo>
+                  <a:cubicBezTo>
+                    <a:pt x="9" y="474"/>
+                    <a:pt x="5" y="372"/>
+                    <a:pt x="5" y="269"/>
+                  </a:cubicBezTo>
+                  <a:cubicBezTo>
+                    <a:pt x="6" y="179"/>
+                    <a:pt x="9" y="90"/>
+                    <a:pt x="15" y="0"/>
+                  </a:cubicBezTo>
+                  <a:cubicBezTo>
+                    <a:pt x="12" y="0"/>
+                    <a:pt x="12" y="0"/>
+                    <a:pt x="12" y="0"/>
+                  </a:cubicBezTo>
+                  <a:cubicBezTo>
+                    <a:pt x="5" y="89"/>
+                    <a:pt x="2" y="179"/>
+                    <a:pt x="1" y="269"/>
+                  </a:cubicBezTo>
+                  <a:cubicBezTo>
+                    <a:pt x="0" y="372"/>
+                    <a:pt x="3" y="474"/>
+                    <a:pt x="11" y="577"/>
+                  </a:cubicBezTo>
+                  <a:close/>
+                </a:path>
+              </a:pathLst>
+            </a:custGeom>
+            <a:solidFill>
+              <a:schemeClr val="tx2">
+                <a:alpha val="20000"/>
+              </a:schemeClr>
+            </a:solidFill>
+            <a:ln>
+              <a:noFill/>
+            </a:ln>
+          </p:spPr>
+        </p:sp>
+        <p:sp>
+          <p:nvSpPr>
+            <p:cNvPr id="30" name="Freeform 17"/>
+            <p:cNvSpPr/>
+            <p:nvPr/>
+          </p:nvSpPr>
+          <p:spPr bwMode="auto">
+            <a:xfrm>
+              <a:off x="2554288" y="2598738"/>
+              <a:ext cx="66675" cy="420688"/>
+            </a:xfrm>
+            <a:custGeom>
+              <a:avLst/>
+              <a:gdLst/>
+              <a:ahLst/>
+              <a:cxnLst/>
+              <a:rect l="0" t="0" r="r" b="b"/>
+              <a:pathLst>
+                <a:path w="17" h="107">
+                  <a:moveTo>
+                    <a:pt x="0" y="0"/>
+                  </a:moveTo>
+                  <a:cubicBezTo>
+                    <a:pt x="2" y="19"/>
+                    <a:pt x="3" y="37"/>
+                    <a:pt x="5" y="56"/>
+                  </a:cubicBezTo>
+                  <a:cubicBezTo>
+                    <a:pt x="9" y="73"/>
+                    <a:pt x="13" y="90"/>
+                    <a:pt x="17" y="107"/>
+                  </a:cubicBezTo>
+                  <a:cubicBezTo>
+                    <a:pt x="15" y="87"/>
+                    <a:pt x="13" y="66"/>
+                    <a:pt x="11" y="46"/>
+                  </a:cubicBezTo>
+                  <a:cubicBezTo>
+                    <a:pt x="10" y="45"/>
+                    <a:pt x="10" y="44"/>
+                    <a:pt x="10" y="43"/>
+                  </a:cubicBezTo>
+                  <a:cubicBezTo>
+                    <a:pt x="7" y="28"/>
+                    <a:pt x="3" y="14"/>
+                    <a:pt x="0" y="0"/>
+                  </a:cubicBezTo>
+                  <a:close/>
+                </a:path>
+              </a:pathLst>
+            </a:custGeom>
+            <a:solidFill>
+              <a:schemeClr val="tx2">
+                <a:alpha val="20000"/>
+              </a:schemeClr>
+            </a:solidFill>
+            <a:ln>
+              <a:noFill/>
+            </a:ln>
+          </p:spPr>
+        </p:sp>
+        <p:sp>
+          <p:nvSpPr>
+            <p:cNvPr id="31" name="Freeform 18"/>
+            <p:cNvSpPr/>
+            <p:nvPr/>
+          </p:nvSpPr>
+          <p:spPr bwMode="auto">
+            <a:xfrm>
+              <a:off x="3143251" y="4757738"/>
+              <a:ext cx="161925" cy="873125"/>
+            </a:xfrm>
+            <a:custGeom>
+              <a:avLst/>
+              <a:gdLst/>
+              <a:ahLst/>
+              <a:cxnLst/>
+              <a:rect l="0" t="0" r="r" b="b"/>
+              <a:pathLst>
+                <a:path w="41" h="222">
+                  <a:moveTo>
+                    <a:pt x="0" y="0"/>
+                  </a:moveTo>
+                  <a:cubicBezTo>
+                    <a:pt x="0" y="31"/>
+                    <a:pt x="2" y="62"/>
+                    <a:pt x="5" y="93"/>
+                  </a:cubicBezTo>
+                  <a:cubicBezTo>
+                    <a:pt x="8" y="117"/>
+                    <a:pt x="12" y="142"/>
+                    <a:pt x="17" y="166"/>
+                  </a:cubicBezTo>
+                  <a:cubicBezTo>
+                    <a:pt x="19" y="172"/>
+                    <a:pt x="22" y="178"/>
+                    <a:pt x="24" y="184"/>
+                  </a:cubicBezTo>
+                  <a:cubicBezTo>
+                    <a:pt x="30" y="197"/>
+                    <a:pt x="35" y="209"/>
+                    <a:pt x="41" y="222"/>
+                  </a:cubicBezTo>
+                  <a:cubicBezTo>
+                    <a:pt x="40" y="219"/>
+                    <a:pt x="39" y="215"/>
+                    <a:pt x="38" y="212"/>
+                  </a:cubicBezTo>
+                  <a:cubicBezTo>
+                    <a:pt x="26" y="172"/>
+                    <a:pt x="18" y="132"/>
+                    <a:pt x="13" y="92"/>
+                  </a:cubicBezTo>
+                  <a:cubicBezTo>
+                    <a:pt x="11" y="68"/>
+                    <a:pt x="9" y="45"/>
+                    <a:pt x="8" y="22"/>
+                  </a:cubicBezTo>
+                  <a:cubicBezTo>
+                    <a:pt x="8" y="21"/>
+                    <a:pt x="7" y="20"/>
+                    <a:pt x="7" y="18"/>
+                  </a:cubicBezTo>
+                  <a:cubicBezTo>
+                    <a:pt x="5" y="12"/>
+                    <a:pt x="2" y="6"/>
+                    <a:pt x="0" y="0"/>
+                  </a:cubicBezTo>
+                  <a:close/>
+                </a:path>
+              </a:pathLst>
+            </a:custGeom>
+            <a:solidFill>
+              <a:schemeClr val="tx2">
+                <a:alpha val="20000"/>
+              </a:schemeClr>
+            </a:solidFill>
+            <a:ln>
+              <a:noFill/>
+            </a:ln>
+          </p:spPr>
+        </p:sp>
+        <p:sp>
+          <p:nvSpPr>
+            <p:cNvPr id="32" name="Freeform 19"/>
+            <p:cNvSpPr/>
+            <p:nvPr/>
+          </p:nvSpPr>
+          <p:spPr bwMode="auto">
+            <a:xfrm>
+              <a:off x="3148013" y="1282700"/>
+              <a:ext cx="1768475" cy="3448050"/>
+            </a:xfrm>
+            <a:custGeom>
+              <a:avLst/>
+              <a:gdLst/>
+              <a:ahLst/>
+              <a:cxnLst/>
+              <a:rect l="0" t="0" r="r" b="b"/>
+              <a:pathLst>
+                <a:path w="450" h="878">
+                  <a:moveTo>
+                    <a:pt x="7" y="854"/>
+                  </a:moveTo>
+                  <a:cubicBezTo>
+                    <a:pt x="10" y="772"/>
+                    <a:pt x="26" y="691"/>
+                    <a:pt x="50" y="613"/>
+                  </a:cubicBezTo>
+                  <a:cubicBezTo>
+                    <a:pt x="75" y="535"/>
+                    <a:pt x="109" y="460"/>
+                    <a:pt x="149" y="388"/>
+                  </a:cubicBezTo>
+                  <a:cubicBezTo>
+                    <a:pt x="189" y="316"/>
+                    <a:pt x="235" y="248"/>
+                    <a:pt x="285" y="183"/>
+                  </a:cubicBezTo>
+                  <a:cubicBezTo>
+                    <a:pt x="310" y="151"/>
+                    <a:pt x="337" y="119"/>
+                    <a:pt x="364" y="89"/>
+                  </a:cubicBezTo>
+                  <a:cubicBezTo>
+                    <a:pt x="378" y="74"/>
+                    <a:pt x="392" y="58"/>
+                    <a:pt x="406" y="44"/>
+                  </a:cubicBezTo>
+                  <a:cubicBezTo>
+                    <a:pt x="421" y="29"/>
+                    <a:pt x="435" y="15"/>
+                    <a:pt x="450" y="1"/>
+                  </a:cubicBezTo>
+                  <a:cubicBezTo>
+                    <a:pt x="450" y="0"/>
+                    <a:pt x="450" y="0"/>
+                    <a:pt x="450" y="0"/>
+                  </a:cubicBezTo>
+                  <a:cubicBezTo>
+                    <a:pt x="434" y="14"/>
+                    <a:pt x="420" y="28"/>
+                    <a:pt x="405" y="43"/>
+                  </a:cubicBezTo>
+                  <a:cubicBezTo>
+                    <a:pt x="391" y="57"/>
+                    <a:pt x="377" y="72"/>
+                    <a:pt x="363" y="88"/>
+                  </a:cubicBezTo>
+                  <a:cubicBezTo>
+                    <a:pt x="335" y="118"/>
+                    <a:pt x="308" y="149"/>
+                    <a:pt x="283" y="181"/>
+                  </a:cubicBezTo>
+                  <a:cubicBezTo>
+                    <a:pt x="232" y="246"/>
+                    <a:pt x="185" y="314"/>
+                    <a:pt x="145" y="386"/>
+                  </a:cubicBezTo>
+                  <a:cubicBezTo>
+                    <a:pt x="104" y="457"/>
+                    <a:pt x="70" y="533"/>
+                    <a:pt x="45" y="611"/>
+                  </a:cubicBezTo>
+                  <a:cubicBezTo>
+                    <a:pt x="19" y="690"/>
+                    <a:pt x="3" y="771"/>
+                    <a:pt x="0" y="854"/>
+                  </a:cubicBezTo>
+                  <a:cubicBezTo>
+                    <a:pt x="0" y="856"/>
+                    <a:pt x="0" y="857"/>
+                    <a:pt x="0" y="859"/>
+                  </a:cubicBezTo>
+                  <a:cubicBezTo>
+                    <a:pt x="2" y="865"/>
+                    <a:pt x="4" y="872"/>
+                    <a:pt x="7" y="878"/>
+                  </a:cubicBezTo>
+                  <a:cubicBezTo>
+                    <a:pt x="7" y="870"/>
+                    <a:pt x="7" y="862"/>
+                    <a:pt x="7" y="854"/>
+                  </a:cubicBezTo>
+                  <a:close/>
+                </a:path>
+              </a:pathLst>
+            </a:custGeom>
+            <a:solidFill>
+              <a:schemeClr val="tx2">
+                <a:alpha val="20000"/>
+              </a:schemeClr>
+            </a:solidFill>
+            <a:ln>
+              <a:noFill/>
+            </a:ln>
+          </p:spPr>
+        </p:sp>
+        <p:sp>
+          <p:nvSpPr>
+            <p:cNvPr id="33" name="Freeform 20"/>
+            <p:cNvSpPr/>
+            <p:nvPr/>
+          </p:nvSpPr>
+          <p:spPr bwMode="auto">
+            <a:xfrm>
+              <a:off x="3273426" y="5653088"/>
+              <a:ext cx="138113" cy="287338"/>
+            </a:xfrm>
+            <a:custGeom>
+              <a:avLst/>
+              <a:gdLst/>
+              <a:ahLst/>
+              <a:cxnLst/>
+              <a:rect l="0" t="0" r="r" b="b"/>
+              <a:pathLst>
+                <a:path w="35" h="73">
+                  <a:moveTo>
+                    <a:pt x="0" y="0"/>
+                  </a:moveTo>
+                  <a:cubicBezTo>
+                    <a:pt x="7" y="24"/>
+                    <a:pt x="16" y="49"/>
+                    <a:pt x="26" y="73"/>
+                  </a:cubicBezTo>
+                  <a:cubicBezTo>
+                    <a:pt x="35" y="73"/>
+                    <a:pt x="35" y="73"/>
+                    <a:pt x="35" y="73"/>
+                  </a:cubicBezTo>
+                  <a:cubicBezTo>
+                    <a:pt x="23" y="49"/>
+                    <a:pt x="11" y="24"/>
+                    <a:pt x="0" y="0"/>
+                  </a:cubicBezTo>
+                  <a:close/>
+                </a:path>
+              </a:pathLst>
+            </a:custGeom>
+            <a:solidFill>
+              <a:schemeClr val="tx2">
+                <a:alpha val="20000"/>
+              </a:schemeClr>
+            </a:solidFill>
+            <a:ln>
+              <a:noFill/>
+            </a:ln>
+          </p:spPr>
+        </p:sp>
+        <p:sp>
+          <p:nvSpPr>
+            <p:cNvPr id="34" name="Freeform 21"/>
+            <p:cNvSpPr/>
+            <p:nvPr/>
+          </p:nvSpPr>
+          <p:spPr bwMode="auto">
+            <a:xfrm>
+              <a:off x="3143251" y="4656138"/>
+              <a:ext cx="31750" cy="188913"/>
+            </a:xfrm>
+            <a:custGeom>
+              <a:avLst/>
+              <a:gdLst/>
+              <a:ahLst/>
+              <a:cxnLst/>
+              <a:rect l="0" t="0" r="r" b="b"/>
+              <a:pathLst>
+                <a:path w="8" h="48">
+                  <a:moveTo>
+                    <a:pt x="7" y="44"/>
+                  </a:moveTo>
+                  <a:cubicBezTo>
+                    <a:pt x="7" y="46"/>
+                    <a:pt x="8" y="47"/>
+                    <a:pt x="8" y="48"/>
+                  </a:cubicBezTo>
+                  <a:cubicBezTo>
+                    <a:pt x="8" y="38"/>
+                    <a:pt x="8" y="29"/>
+                    <a:pt x="8" y="19"/>
+                  </a:cubicBezTo>
+                  <a:cubicBezTo>
+                    <a:pt x="5" y="13"/>
+                    <a:pt x="3" y="6"/>
+                    <a:pt x="1" y="0"/>
+                  </a:cubicBezTo>
+                  <a:cubicBezTo>
+                    <a:pt x="0" y="9"/>
+                    <a:pt x="0" y="17"/>
+                    <a:pt x="0" y="26"/>
+                  </a:cubicBezTo>
+                  <a:cubicBezTo>
+                    <a:pt x="2" y="32"/>
+                    <a:pt x="5" y="38"/>
+                    <a:pt x="7" y="44"/>
+                  </a:cubicBezTo>
+                  <a:close/>
+                </a:path>
+              </a:pathLst>
+            </a:custGeom>
+            <a:solidFill>
+              <a:schemeClr val="tx2">
+                <a:alpha val="20000"/>
+              </a:schemeClr>
+            </a:solidFill>
+            <a:ln>
+              <a:noFill/>
+            </a:ln>
+          </p:spPr>
+        </p:sp>
+        <p:sp>
+          <p:nvSpPr>
+            <p:cNvPr id="35" name="Freeform 22"/>
+            <p:cNvSpPr/>
+            <p:nvPr/>
+          </p:nvSpPr>
+          <p:spPr bwMode="auto">
+            <a:xfrm>
+              <a:off x="3211513" y="5410200"/>
+              <a:ext cx="203200" cy="530225"/>
+            </a:xfrm>
+            <a:custGeom>
+              <a:avLst/>
+              <a:gdLst/>
+              <a:ahLst/>
+              <a:cxnLst/>
+              <a:rect l="0" t="0" r="r" b="b"/>
+              <a:pathLst>
+                <a:path w="52" h="135">
+                  <a:moveTo>
+                    <a:pt x="7" y="18"/>
+                  </a:moveTo>
+                  <a:cubicBezTo>
+                    <a:pt x="5" y="12"/>
+                    <a:pt x="2" y="6"/>
+                    <a:pt x="0" y="0"/>
+                  </a:cubicBezTo>
+                  <a:cubicBezTo>
+                    <a:pt x="3" y="16"/>
+                    <a:pt x="7" y="32"/>
+                    <a:pt x="12" y="48"/>
+                  </a:cubicBezTo>
+                  <a:cubicBezTo>
+                    <a:pt x="13" y="53"/>
+                    <a:pt x="14" y="57"/>
+                    <a:pt x="16" y="62"/>
+                  </a:cubicBezTo>
+                  <a:cubicBezTo>
+                    <a:pt x="27" y="86"/>
+                    <a:pt x="39" y="111"/>
+                    <a:pt x="51" y="135"/>
+                  </a:cubicBezTo>
+                  <a:cubicBezTo>
+                    <a:pt x="52" y="135"/>
+                    <a:pt x="52" y="135"/>
+                    <a:pt x="52" y="135"/>
+                  </a:cubicBezTo>
+                  <a:cubicBezTo>
+                    <a:pt x="41" y="109"/>
+                    <a:pt x="32" y="83"/>
+                    <a:pt x="24" y="56"/>
+                  </a:cubicBezTo>
+                  <a:cubicBezTo>
+                    <a:pt x="18" y="43"/>
+                    <a:pt x="13" y="31"/>
+                    <a:pt x="7" y="18"/>
+                  </a:cubicBezTo>
+                  <a:close/>
+                </a:path>
+              </a:pathLst>
+            </a:custGeom>
+            <a:solidFill>
+              <a:schemeClr val="tx2">
+                <a:alpha val="20000"/>
+              </a:schemeClr>
+            </a:solidFill>
+            <a:ln>
+              <a:noFill/>
+            </a:ln>
+          </p:spPr>
+        </p:sp>
+      </p:grpSp>
+      <p:grpSp>
+        <p:nvGrpSpPr>
+          <p:cNvPr id="10" name="Group 9"/>
+          <p:cNvGrpSpPr/>
+          <p:nvPr/>
+        </p:nvGrpSpPr>
+        <p:grpSpPr>
+          <a:xfrm>
+            <a:off x="27221" y="-786"/>
+            <a:ext cx="2356674" cy="6854039"/>
+            <a:chOff x="6627813" y="194833"/>
+            <a:chExt cx="1952625" cy="5678918"/>
+          </a:xfrm>
+        </p:grpSpPr>
+        <p:sp>
+          <p:nvSpPr>
+            <p:cNvPr id="11" name="Freeform 27"/>
+            <p:cNvSpPr/>
+            <p:nvPr/>
+          </p:nvSpPr>
+          <p:spPr bwMode="auto">
+            <a:xfrm>
+              <a:off x="6627813" y="194833"/>
+              <a:ext cx="409575" cy="3646488"/>
+            </a:xfrm>
+            <a:custGeom>
+              <a:avLst/>
+              <a:gdLst/>
+              <a:ahLst/>
+              <a:cxnLst/>
+              <a:rect l="0" t="0" r="r" b="b"/>
+              <a:pathLst>
+                <a:path w="103" h="920">
+                  <a:moveTo>
+                    <a:pt x="7" y="210"/>
+                  </a:moveTo>
+                  <a:cubicBezTo>
+                    <a:pt x="11" y="288"/>
+                    <a:pt x="17" y="367"/>
+                    <a:pt x="26" y="445"/>
+                  </a:cubicBezTo>
+                  <a:cubicBezTo>
+                    <a:pt x="34" y="523"/>
+                    <a:pt x="44" y="601"/>
+                    <a:pt x="57" y="679"/>
+                  </a:cubicBezTo>
+                  <a:cubicBezTo>
+                    <a:pt x="69" y="757"/>
+                    <a:pt x="84" y="834"/>
+                    <a:pt x="101" y="911"/>
+                  </a:cubicBezTo>
+                  <a:cubicBezTo>
+                    <a:pt x="102" y="914"/>
+                    <a:pt x="103" y="917"/>
+                    <a:pt x="103" y="920"/>
+                  </a:cubicBezTo>
+                  <a:cubicBezTo>
+                    <a:pt x="102" y="905"/>
+                    <a:pt x="100" y="889"/>
+                    <a:pt x="99" y="874"/>
+                  </a:cubicBezTo>
+                  <a:cubicBezTo>
+                    <a:pt x="99" y="871"/>
+                    <a:pt x="99" y="868"/>
+                    <a:pt x="99" y="866"/>
+                  </a:cubicBezTo>
+                  <a:cubicBezTo>
+                    <a:pt x="85" y="803"/>
+                    <a:pt x="73" y="741"/>
+                    <a:pt x="63" y="678"/>
+                  </a:cubicBezTo>
+                  <a:cubicBezTo>
+                    <a:pt x="50" y="600"/>
+                    <a:pt x="39" y="523"/>
+                    <a:pt x="30" y="444"/>
+                  </a:cubicBezTo>
+                  <a:cubicBezTo>
+                    <a:pt x="21" y="366"/>
+                    <a:pt x="14" y="288"/>
+                    <a:pt x="9" y="209"/>
+                  </a:cubicBezTo>
+                  <a:cubicBezTo>
+                    <a:pt x="7" y="170"/>
+                    <a:pt x="5" y="131"/>
+                    <a:pt x="3" y="92"/>
+                  </a:cubicBezTo>
+                  <a:cubicBezTo>
+                    <a:pt x="2" y="61"/>
+                    <a:pt x="1" y="31"/>
+                    <a:pt x="1" y="0"/>
+                  </a:cubicBezTo>
+                  <a:cubicBezTo>
+                    <a:pt x="0" y="0"/>
+                    <a:pt x="0" y="0"/>
+                    <a:pt x="0" y="0"/>
+                  </a:cubicBezTo>
+                  <a:cubicBezTo>
+                    <a:pt x="0" y="31"/>
+                    <a:pt x="1" y="61"/>
+                    <a:pt x="1" y="92"/>
+                  </a:cubicBezTo>
+                  <a:cubicBezTo>
+                    <a:pt x="3" y="131"/>
+                    <a:pt x="4" y="170"/>
+                    <a:pt x="7" y="210"/>
+                  </a:cubicBezTo>
+                  <a:close/>
+                </a:path>
+              </a:pathLst>
+            </a:custGeom>
+            <a:solidFill>
+              <a:schemeClr val="tx2"/>
+            </a:solidFill>
+            <a:ln>
+              <a:noFill/>
+            </a:ln>
+          </p:spPr>
+        </p:sp>
+        <p:sp>
+          <p:nvSpPr>
+            <p:cNvPr id="12" name="Freeform 28"/>
+            <p:cNvSpPr/>
+            <p:nvPr/>
+          </p:nvSpPr>
+          <p:spPr bwMode="auto">
+            <a:xfrm>
+              <a:off x="7061201" y="3771900"/>
+              <a:ext cx="350838" cy="1309688"/>
+            </a:xfrm>
+            <a:custGeom>
+              <a:avLst/>
+              <a:gdLst/>
+              <a:ahLst/>
+              <a:cxnLst/>
+              <a:rect l="0" t="0" r="r" b="b"/>
+              <a:pathLst>
+                <a:path w="88" h="330">
+                  <a:moveTo>
+                    <a:pt x="53" y="229"/>
+                  </a:moveTo>
+                  <a:cubicBezTo>
+                    <a:pt x="64" y="263"/>
+                    <a:pt x="75" y="297"/>
+                    <a:pt x="88" y="330"/>
+                  </a:cubicBezTo>
+                  <a:cubicBezTo>
+                    <a:pt x="88" y="323"/>
+                    <a:pt x="88" y="315"/>
+                    <a:pt x="88" y="308"/>
+                  </a:cubicBezTo>
+                  <a:cubicBezTo>
+                    <a:pt x="88" y="307"/>
+                    <a:pt x="88" y="305"/>
+                    <a:pt x="88" y="304"/>
+                  </a:cubicBezTo>
+                  <a:cubicBezTo>
+                    <a:pt x="79" y="278"/>
+                    <a:pt x="70" y="252"/>
+                    <a:pt x="62" y="226"/>
+                  </a:cubicBezTo>
+                  <a:cubicBezTo>
+                    <a:pt x="38" y="152"/>
+                    <a:pt x="17" y="76"/>
+                    <a:pt x="0" y="0"/>
+                  </a:cubicBezTo>
+                  <a:cubicBezTo>
+                    <a:pt x="2" y="21"/>
+                    <a:pt x="4" y="42"/>
+                    <a:pt x="7" y="63"/>
+                  </a:cubicBezTo>
+                  <a:cubicBezTo>
+                    <a:pt x="21" y="119"/>
+                    <a:pt x="36" y="174"/>
+                    <a:pt x="53" y="229"/>
+                  </a:cubicBezTo>
+                  <a:close/>
+                </a:path>
+              </a:pathLst>
+            </a:custGeom>
+            <a:solidFill>
+              <a:schemeClr val="tx2"/>
+            </a:solidFill>
+            <a:ln>
+              <a:noFill/>
+            </a:ln>
+          </p:spPr>
+        </p:sp>
+        <p:sp>
+          <p:nvSpPr>
+            <p:cNvPr id="13" name="Freeform 29"/>
+            <p:cNvSpPr/>
+            <p:nvPr/>
+          </p:nvSpPr>
+          <p:spPr bwMode="auto">
+            <a:xfrm>
+              <a:off x="7439026" y="5053013"/>
+              <a:ext cx="357188" cy="820738"/>
+            </a:xfrm>
+            <a:custGeom>
+              <a:avLst/>
+              <a:gdLst/>
+              <a:ahLst/>
+              <a:cxnLst/>
+              <a:rect l="0" t="0" r="r" b="b"/>
+              <a:pathLst>
+                <a:path w="90" h="207">
+                  <a:moveTo>
+                    <a:pt x="6" y="15"/>
+                  </a:moveTo>
+                  <a:cubicBezTo>
+                    <a:pt x="4" y="10"/>
+                    <a:pt x="2" y="5"/>
+                    <a:pt x="0" y="0"/>
+                  </a:cubicBezTo>
+                  <a:cubicBezTo>
+                    <a:pt x="0" y="9"/>
+                    <a:pt x="0" y="19"/>
+                    <a:pt x="1" y="29"/>
+                  </a:cubicBezTo>
+                  <a:cubicBezTo>
+                    <a:pt x="14" y="62"/>
+                    <a:pt x="27" y="95"/>
+                    <a:pt x="42" y="127"/>
+                  </a:cubicBezTo>
+                  <a:cubicBezTo>
+                    <a:pt x="54" y="154"/>
+                    <a:pt x="67" y="181"/>
+                    <a:pt x="80" y="207"/>
+                  </a:cubicBezTo>
+                  <a:cubicBezTo>
+                    <a:pt x="90" y="207"/>
+                    <a:pt x="90" y="207"/>
+                    <a:pt x="90" y="207"/>
+                  </a:cubicBezTo>
+                  <a:cubicBezTo>
+                    <a:pt x="76" y="180"/>
+                    <a:pt x="63" y="152"/>
+                    <a:pt x="50" y="123"/>
+                  </a:cubicBezTo>
+                  <a:cubicBezTo>
+                    <a:pt x="34" y="88"/>
+                    <a:pt x="20" y="51"/>
+                    <a:pt x="6" y="15"/>
+                  </a:cubicBezTo>
+                  <a:close/>
+                </a:path>
+              </a:pathLst>
+            </a:custGeom>
+            <a:solidFill>
+              <a:schemeClr val="tx2"/>
+            </a:solidFill>
+            <a:ln>
+              <a:noFill/>
+            </a:ln>
+          </p:spPr>
+        </p:sp>
+        <p:sp>
+          <p:nvSpPr>
+            <p:cNvPr id="14" name="Freeform 30"/>
+            <p:cNvSpPr/>
+            <p:nvPr/>
+          </p:nvSpPr>
+          <p:spPr bwMode="auto">
+            <a:xfrm>
+              <a:off x="7037388" y="3811588"/>
+              <a:ext cx="457200" cy="1852613"/>
+            </a:xfrm>
+            <a:custGeom>
+              <a:avLst/>
+              <a:gdLst/>
+              <a:ahLst/>
+              <a:cxnLst/>
+              <a:rect l="0" t="0" r="r" b="b"/>
+              <a:pathLst>
+                <a:path w="115" h="467">
+                  <a:moveTo>
+                    <a:pt x="101" y="409"/>
+                  </a:moveTo>
+                  <a:cubicBezTo>
+                    <a:pt x="93" y="388"/>
+                    <a:pt x="85" y="366"/>
+                    <a:pt x="78" y="344"/>
+                  </a:cubicBezTo>
+                  <a:cubicBezTo>
+                    <a:pt x="57" y="281"/>
+                    <a:pt x="41" y="216"/>
+                    <a:pt x="29" y="151"/>
+                  </a:cubicBezTo>
+                  <a:cubicBezTo>
+                    <a:pt x="22" y="119"/>
+                    <a:pt x="17" y="86"/>
+                    <a:pt x="13" y="53"/>
+                  </a:cubicBezTo>
+                  <a:cubicBezTo>
+                    <a:pt x="9" y="35"/>
+                    <a:pt x="4" y="18"/>
+                    <a:pt x="0" y="0"/>
+                  </a:cubicBezTo>
+                  <a:cubicBezTo>
+                    <a:pt x="5" y="51"/>
+                    <a:pt x="12" y="102"/>
+                    <a:pt x="21" y="152"/>
+                  </a:cubicBezTo>
+                  <a:cubicBezTo>
+                    <a:pt x="33" y="218"/>
+                    <a:pt x="49" y="283"/>
+                    <a:pt x="69" y="347"/>
+                  </a:cubicBezTo>
+                  <a:cubicBezTo>
+                    <a:pt x="79" y="378"/>
+                    <a:pt x="90" y="410"/>
+                    <a:pt x="103" y="441"/>
+                  </a:cubicBezTo>
+                  <a:cubicBezTo>
+                    <a:pt x="107" y="449"/>
+                    <a:pt x="111" y="458"/>
+                    <a:pt x="115" y="467"/>
+                  </a:cubicBezTo>
+                  <a:cubicBezTo>
+                    <a:pt x="114" y="464"/>
+                    <a:pt x="113" y="461"/>
+                    <a:pt x="112" y="458"/>
+                  </a:cubicBezTo>
+                  <a:cubicBezTo>
+                    <a:pt x="108" y="442"/>
+                    <a:pt x="104" y="425"/>
+                    <a:pt x="101" y="409"/>
+                  </a:cubicBezTo>
+                  <a:close/>
+                </a:path>
+              </a:pathLst>
+            </a:custGeom>
+            <a:solidFill>
+              <a:schemeClr val="tx2"/>
+            </a:solidFill>
+            <a:ln>
+              <a:noFill/>
+            </a:ln>
+          </p:spPr>
+        </p:sp>
+        <p:sp>
+          <p:nvSpPr>
+            <p:cNvPr id="15" name="Freeform 31"/>
+            <p:cNvSpPr/>
+            <p:nvPr/>
+          </p:nvSpPr>
+          <p:spPr bwMode="auto">
+            <a:xfrm>
+              <a:off x="6992938" y="1263650"/>
+              <a:ext cx="144463" cy="2508250"/>
+            </a:xfrm>
+            <a:custGeom>
+              <a:avLst/>
+              <a:gdLst/>
+              <a:ahLst/>
+              <a:cxnLst/>
+              <a:rect l="0" t="0" r="r" b="b"/>
+              <a:pathLst>
+                <a:path w="36" h="633">
+                  <a:moveTo>
+                    <a:pt x="17" y="633"/>
+                  </a:moveTo>
+                  <a:cubicBezTo>
+                    <a:pt x="15" y="621"/>
+                    <a:pt x="14" y="609"/>
+                    <a:pt x="13" y="597"/>
+                  </a:cubicBezTo>
+                  <a:cubicBezTo>
+                    <a:pt x="8" y="530"/>
+                    <a:pt x="5" y="464"/>
+                    <a:pt x="5" y="398"/>
+                  </a:cubicBezTo>
+                  <a:cubicBezTo>
+                    <a:pt x="5" y="331"/>
+                    <a:pt x="8" y="265"/>
+                    <a:pt x="13" y="198"/>
+                  </a:cubicBezTo>
+                  <a:cubicBezTo>
+                    <a:pt x="15" y="165"/>
+                    <a:pt x="18" y="132"/>
+                    <a:pt x="22" y="99"/>
+                  </a:cubicBezTo>
+                  <a:cubicBezTo>
+                    <a:pt x="26" y="66"/>
+                    <a:pt x="30" y="33"/>
+                    <a:pt x="36" y="0"/>
+                  </a:cubicBezTo>
+                  <a:cubicBezTo>
+                    <a:pt x="35" y="0"/>
+                    <a:pt x="35" y="0"/>
+                    <a:pt x="35" y="0"/>
+                  </a:cubicBezTo>
+                  <a:cubicBezTo>
+                    <a:pt x="29" y="33"/>
+                    <a:pt x="24" y="66"/>
+                    <a:pt x="20" y="99"/>
+                  </a:cubicBezTo>
+                  <a:cubicBezTo>
+                    <a:pt x="16" y="132"/>
+                    <a:pt x="13" y="165"/>
+                    <a:pt x="10" y="198"/>
+                  </a:cubicBezTo>
+                  <a:cubicBezTo>
+                    <a:pt x="4" y="264"/>
+                    <a:pt x="1" y="331"/>
+                    <a:pt x="1" y="398"/>
+                  </a:cubicBezTo>
+                  <a:cubicBezTo>
+                    <a:pt x="0" y="461"/>
+                    <a:pt x="2" y="525"/>
+                    <a:pt x="7" y="589"/>
+                  </a:cubicBezTo>
+                  <a:cubicBezTo>
+                    <a:pt x="10" y="603"/>
+                    <a:pt x="13" y="618"/>
+                    <a:pt x="16" y="632"/>
+                  </a:cubicBezTo>
+                  <a:cubicBezTo>
+                    <a:pt x="16" y="632"/>
+                    <a:pt x="17" y="633"/>
+                    <a:pt x="17" y="633"/>
+                  </a:cubicBezTo>
+                  <a:close/>
+                </a:path>
+              </a:pathLst>
+            </a:custGeom>
+            <a:solidFill>
+              <a:schemeClr val="tx2"/>
+            </a:solidFill>
+            <a:ln>
+              <a:noFill/>
+            </a:ln>
+          </p:spPr>
+        </p:sp>
+        <p:sp>
+          <p:nvSpPr>
+            <p:cNvPr id="16" name="Freeform 32"/>
+            <p:cNvSpPr/>
+            <p:nvPr/>
+          </p:nvSpPr>
+          <p:spPr bwMode="auto">
+            <a:xfrm>
+              <a:off x="7526338" y="5640388"/>
+              <a:ext cx="111125" cy="233363"/>
+            </a:xfrm>
+            <a:custGeom>
+              <a:avLst/>
+              <a:gdLst/>
+              <a:ahLst/>
+              <a:cxnLst/>
+              <a:rect l="0" t="0" r="r" b="b"/>
+              <a:pathLst>
+                <a:path w="28" h="59">
+                  <a:moveTo>
+                    <a:pt x="22" y="59"/>
+                  </a:moveTo>
+                  <a:cubicBezTo>
+                    <a:pt x="28" y="59"/>
+                    <a:pt x="28" y="59"/>
+                    <a:pt x="28" y="59"/>
+                  </a:cubicBezTo>
+                  <a:cubicBezTo>
+                    <a:pt x="18" y="40"/>
+                    <a:pt x="9" y="20"/>
+                    <a:pt x="0" y="0"/>
+                  </a:cubicBezTo>
+                  <a:cubicBezTo>
+                    <a:pt x="6" y="20"/>
+                    <a:pt x="13" y="40"/>
+                    <a:pt x="22" y="59"/>
+                  </a:cubicBezTo>
+                  <a:close/>
+                </a:path>
+              </a:pathLst>
+            </a:custGeom>
+            <a:solidFill>
+              <a:schemeClr val="tx2"/>
+            </a:solidFill>
+            <a:ln>
+              <a:noFill/>
+            </a:ln>
+          </p:spPr>
+        </p:sp>
+        <p:sp>
+          <p:nvSpPr>
+            <p:cNvPr id="17" name="Freeform 33"/>
+            <p:cNvSpPr/>
+            <p:nvPr/>
+          </p:nvSpPr>
+          <p:spPr bwMode="auto">
+            <a:xfrm>
+              <a:off x="7021513" y="3598863"/>
+              <a:ext cx="68263" cy="423863"/>
+            </a:xfrm>
+            <a:custGeom>
+              <a:avLst/>
+              <a:gdLst/>
+              <a:ahLst/>
+              <a:cxnLst/>
+              <a:rect l="0" t="0" r="r" b="b"/>
+              <a:pathLst>
+                <a:path w="17" h="107">
+                  <a:moveTo>
+                    <a:pt x="4" y="54"/>
+                  </a:moveTo>
+                  <a:cubicBezTo>
+                    <a:pt x="8" y="72"/>
+                    <a:pt x="13" y="89"/>
+                    <a:pt x="17" y="107"/>
+                  </a:cubicBezTo>
+                  <a:cubicBezTo>
+                    <a:pt x="14" y="86"/>
+                    <a:pt x="12" y="65"/>
+                    <a:pt x="10" y="44"/>
+                  </a:cubicBezTo>
+                  <a:cubicBezTo>
+                    <a:pt x="10" y="44"/>
+                    <a:pt x="9" y="43"/>
+                    <a:pt x="9" y="43"/>
+                  </a:cubicBezTo>
+                  <a:cubicBezTo>
+                    <a:pt x="6" y="29"/>
+                    <a:pt x="3" y="14"/>
+                    <a:pt x="0" y="0"/>
+                  </a:cubicBezTo>
+                  <a:cubicBezTo>
+                    <a:pt x="0" y="2"/>
+                    <a:pt x="0" y="5"/>
+                    <a:pt x="0" y="8"/>
+                  </a:cubicBezTo>
+                  <a:cubicBezTo>
+                    <a:pt x="1" y="23"/>
+                    <a:pt x="3" y="39"/>
+                    <a:pt x="4" y="54"/>
+                  </a:cubicBezTo>
+                  <a:close/>
+                </a:path>
+              </a:pathLst>
+            </a:custGeom>
+            <a:solidFill>
+              <a:schemeClr val="tx2"/>
+            </a:solidFill>
+            <a:ln>
+              <a:noFill/>
+            </a:ln>
+          </p:spPr>
+        </p:sp>
+        <p:sp>
+          <p:nvSpPr>
+            <p:cNvPr id="18" name="Freeform 34"/>
+            <p:cNvSpPr/>
+            <p:nvPr/>
+          </p:nvSpPr>
+          <p:spPr bwMode="auto">
+            <a:xfrm>
+              <a:off x="7412038" y="2801938"/>
+              <a:ext cx="1168400" cy="2251075"/>
+            </a:xfrm>
+            <a:custGeom>
+              <a:avLst/>
+              <a:gdLst/>
+              <a:ahLst/>
+              <a:cxnLst/>
+              <a:rect l="0" t="0" r="r" b="b"/>
+              <a:pathLst>
+                <a:path w="294" h="568">
+                  <a:moveTo>
+                    <a:pt x="8" y="553"/>
+                  </a:moveTo>
+                  <a:cubicBezTo>
+                    <a:pt x="9" y="501"/>
+                    <a:pt x="19" y="448"/>
+                    <a:pt x="35" y="397"/>
+                  </a:cubicBezTo>
+                  <a:cubicBezTo>
+                    <a:pt x="51" y="347"/>
+                    <a:pt x="73" y="298"/>
+                    <a:pt x="99" y="252"/>
+                  </a:cubicBezTo>
+                  <a:cubicBezTo>
+                    <a:pt x="124" y="205"/>
+                    <a:pt x="154" y="161"/>
+                    <a:pt x="187" y="119"/>
+                  </a:cubicBezTo>
+                  <a:cubicBezTo>
+                    <a:pt x="203" y="98"/>
+                    <a:pt x="220" y="77"/>
+                    <a:pt x="238" y="58"/>
+                  </a:cubicBezTo>
+                  <a:cubicBezTo>
+                    <a:pt x="247" y="48"/>
+                    <a:pt x="256" y="38"/>
+                    <a:pt x="265" y="28"/>
+                  </a:cubicBezTo>
+                  <a:cubicBezTo>
+                    <a:pt x="274" y="19"/>
+                    <a:pt x="284" y="9"/>
+                    <a:pt x="294" y="0"/>
+                  </a:cubicBezTo>
+                  <a:cubicBezTo>
+                    <a:pt x="293" y="0"/>
+                    <a:pt x="293" y="0"/>
+                    <a:pt x="293" y="0"/>
+                  </a:cubicBezTo>
+                  <a:cubicBezTo>
+                    <a:pt x="283" y="9"/>
+                    <a:pt x="273" y="18"/>
+                    <a:pt x="264" y="27"/>
+                  </a:cubicBezTo>
+                  <a:cubicBezTo>
+                    <a:pt x="255" y="37"/>
+                    <a:pt x="246" y="47"/>
+                    <a:pt x="237" y="56"/>
+                  </a:cubicBezTo>
+                  <a:cubicBezTo>
+                    <a:pt x="218" y="76"/>
+                    <a:pt x="201" y="96"/>
+                    <a:pt x="185" y="117"/>
+                  </a:cubicBezTo>
+                  <a:cubicBezTo>
+                    <a:pt x="151" y="159"/>
+                    <a:pt x="121" y="203"/>
+                    <a:pt x="95" y="249"/>
+                  </a:cubicBezTo>
+                  <a:cubicBezTo>
+                    <a:pt x="68" y="296"/>
+                    <a:pt x="46" y="345"/>
+                    <a:pt x="30" y="396"/>
+                  </a:cubicBezTo>
+                  <a:cubicBezTo>
+                    <a:pt x="13" y="445"/>
+                    <a:pt x="3" y="497"/>
+                    <a:pt x="0" y="549"/>
+                  </a:cubicBezTo>
+                  <a:cubicBezTo>
+                    <a:pt x="3" y="555"/>
+                    <a:pt x="5" y="561"/>
+                    <a:pt x="7" y="568"/>
+                  </a:cubicBezTo>
+                  <a:cubicBezTo>
+                    <a:pt x="7" y="563"/>
+                    <a:pt x="7" y="558"/>
+                    <a:pt x="8" y="553"/>
+                  </a:cubicBezTo>
+                  <a:close/>
+                </a:path>
+              </a:pathLst>
+            </a:custGeom>
+            <a:solidFill>
+              <a:schemeClr val="tx2"/>
+            </a:solidFill>
+            <a:ln>
+              <a:noFill/>
+            </a:ln>
+          </p:spPr>
+        </p:sp>
+        <p:sp>
+          <p:nvSpPr>
+            <p:cNvPr id="19" name="Freeform 35"/>
+            <p:cNvSpPr/>
+            <p:nvPr/>
+          </p:nvSpPr>
+          <p:spPr bwMode="auto">
+            <a:xfrm>
+              <a:off x="7494588" y="5664200"/>
+              <a:ext cx="100013" cy="209550"/>
+            </a:xfrm>
+            <a:custGeom>
+              <a:avLst/>
+              <a:gdLst/>
+              <a:ahLst/>
+              <a:cxnLst/>
+              <a:rect l="0" t="0" r="r" b="b"/>
+              <a:pathLst>
+                <a:path w="25" h="53">
+                  <a:moveTo>
+                    <a:pt x="0" y="0"/>
+                  </a:moveTo>
+                  <a:cubicBezTo>
+                    <a:pt x="5" y="18"/>
+                    <a:pt x="12" y="36"/>
+                    <a:pt x="19" y="53"/>
+                  </a:cubicBezTo>
+                  <a:cubicBezTo>
+                    <a:pt x="25" y="53"/>
+                    <a:pt x="25" y="53"/>
+                    <a:pt x="25" y="53"/>
+                  </a:cubicBezTo>
+                  <a:cubicBezTo>
+                    <a:pt x="16" y="36"/>
+                    <a:pt x="8" y="18"/>
+                    <a:pt x="0" y="0"/>
+                  </a:cubicBezTo>
+                  <a:close/>
+                </a:path>
+              </a:pathLst>
+            </a:custGeom>
+            <a:solidFill>
+              <a:schemeClr val="tx2"/>
+            </a:solidFill>
+            <a:ln>
+              <a:noFill/>
+            </a:ln>
+          </p:spPr>
+        </p:sp>
+        <p:sp>
+          <p:nvSpPr>
+            <p:cNvPr id="20" name="Freeform 36"/>
+            <p:cNvSpPr/>
+            <p:nvPr/>
+          </p:nvSpPr>
+          <p:spPr bwMode="auto">
+            <a:xfrm>
+              <a:off x="7412038" y="5081588"/>
+              <a:ext cx="114300" cy="558800"/>
+            </a:xfrm>
+            <a:custGeom>
+              <a:avLst/>
+              <a:gdLst/>
+              <a:ahLst/>
+              <a:cxnLst/>
+              <a:rect l="0" t="0" r="r" b="b"/>
+              <a:pathLst>
+                <a:path w="29" h="141">
+                  <a:moveTo>
+                    <a:pt x="0" y="0"/>
+                  </a:moveTo>
+                  <a:cubicBezTo>
+                    <a:pt x="0" y="30"/>
+                    <a:pt x="2" y="60"/>
+                    <a:pt x="7" y="89"/>
+                  </a:cubicBezTo>
+                  <a:cubicBezTo>
+                    <a:pt x="11" y="98"/>
+                    <a:pt x="14" y="108"/>
+                    <a:pt x="18" y="117"/>
+                  </a:cubicBezTo>
+                  <a:cubicBezTo>
+                    <a:pt x="22" y="125"/>
+                    <a:pt x="25" y="133"/>
+                    <a:pt x="29" y="141"/>
+                  </a:cubicBezTo>
+                  <a:cubicBezTo>
+                    <a:pt x="28" y="139"/>
+                    <a:pt x="28" y="137"/>
+                    <a:pt x="27" y="135"/>
+                  </a:cubicBezTo>
+                  <a:cubicBezTo>
+                    <a:pt x="16" y="98"/>
+                    <a:pt x="10" y="60"/>
+                    <a:pt x="8" y="22"/>
+                  </a:cubicBezTo>
+                  <a:cubicBezTo>
+                    <a:pt x="7" y="18"/>
+                    <a:pt x="5" y="15"/>
+                    <a:pt x="4" y="11"/>
+                  </a:cubicBezTo>
+                  <a:cubicBezTo>
+                    <a:pt x="2" y="7"/>
+                    <a:pt x="1" y="3"/>
+                    <a:pt x="0" y="0"/>
+                  </a:cubicBezTo>
+                  <a:close/>
+                </a:path>
+              </a:pathLst>
+            </a:custGeom>
+            <a:solidFill>
+              <a:schemeClr val="tx2"/>
+            </a:solidFill>
+            <a:ln>
+              <a:noFill/>
+            </a:ln>
+          </p:spPr>
+        </p:sp>
+        <p:sp>
+          <p:nvSpPr>
+            <p:cNvPr id="21" name="Freeform 37"/>
+            <p:cNvSpPr/>
+            <p:nvPr/>
+          </p:nvSpPr>
+          <p:spPr bwMode="auto">
+            <a:xfrm>
+              <a:off x="7412038" y="4978400"/>
+              <a:ext cx="31750" cy="188913"/>
+            </a:xfrm>
+            <a:custGeom>
+              <a:avLst/>
+              <a:gdLst/>
+              <a:ahLst/>
+              <a:cxnLst/>
+              <a:rect l="0" t="0" r="r" b="b"/>
+              <a:pathLst>
+                <a:path w="8" h="48">
+                  <a:moveTo>
+                    <a:pt x="0" y="26"/>
+                  </a:moveTo>
+                  <a:cubicBezTo>
+                    <a:pt x="1" y="29"/>
+                    <a:pt x="2" y="33"/>
+                    <a:pt x="4" y="37"/>
+                  </a:cubicBezTo>
+                  <a:cubicBezTo>
+                    <a:pt x="5" y="41"/>
+                    <a:pt x="7" y="44"/>
+                    <a:pt x="8" y="48"/>
+                  </a:cubicBezTo>
+                  <a:cubicBezTo>
+                    <a:pt x="7" y="38"/>
+                    <a:pt x="7" y="28"/>
+                    <a:pt x="7" y="19"/>
+                  </a:cubicBezTo>
+                  <a:cubicBezTo>
+                    <a:pt x="5" y="12"/>
+                    <a:pt x="3" y="6"/>
+                    <a:pt x="0" y="0"/>
+                  </a:cubicBezTo>
+                  <a:cubicBezTo>
+                    <a:pt x="0" y="1"/>
+                    <a:pt x="0" y="3"/>
+                    <a:pt x="0" y="4"/>
+                  </a:cubicBezTo>
+                  <a:cubicBezTo>
+                    <a:pt x="0" y="11"/>
+                    <a:pt x="0" y="19"/>
+                    <a:pt x="0" y="26"/>
+                  </a:cubicBezTo>
+                  <a:close/>
+                </a:path>
+              </a:pathLst>
+            </a:custGeom>
+            <a:solidFill>
+              <a:schemeClr val="tx2"/>
+            </a:solidFill>
+            <a:ln>
+              <a:noFill/>
+            </a:ln>
+          </p:spPr>
+        </p:sp>
+        <p:sp>
+          <p:nvSpPr>
+            <p:cNvPr id="22" name="Freeform 38"/>
+            <p:cNvSpPr/>
+            <p:nvPr/>
+          </p:nvSpPr>
+          <p:spPr bwMode="auto">
+            <a:xfrm>
+              <a:off x="7439026" y="5434013"/>
+              <a:ext cx="174625" cy="439738"/>
+            </a:xfrm>
+            <a:custGeom>
+              <a:avLst/>
+              <a:gdLst/>
+              <a:ahLst/>
+              <a:cxnLst/>
+              <a:rect l="0" t="0" r="r" b="b"/>
+              <a:pathLst>
+                <a:path w="44" h="111">
+                  <a:moveTo>
+                    <a:pt x="11" y="28"/>
+                  </a:moveTo>
+                  <a:cubicBezTo>
+                    <a:pt x="7" y="19"/>
+                    <a:pt x="4" y="9"/>
+                    <a:pt x="0" y="0"/>
+                  </a:cubicBezTo>
+                  <a:cubicBezTo>
+                    <a:pt x="3" y="16"/>
+                    <a:pt x="7" y="33"/>
+                    <a:pt x="11" y="49"/>
+                  </a:cubicBezTo>
+                  <a:cubicBezTo>
+                    <a:pt x="12" y="52"/>
+                    <a:pt x="13" y="55"/>
+                    <a:pt x="14" y="58"/>
+                  </a:cubicBezTo>
+                  <a:cubicBezTo>
+                    <a:pt x="22" y="76"/>
+                    <a:pt x="30" y="94"/>
+                    <a:pt x="39" y="111"/>
+                  </a:cubicBezTo>
+                  <a:cubicBezTo>
+                    <a:pt x="44" y="111"/>
+                    <a:pt x="44" y="111"/>
+                    <a:pt x="44" y="111"/>
+                  </a:cubicBezTo>
+                  <a:cubicBezTo>
+                    <a:pt x="35" y="92"/>
+                    <a:pt x="28" y="72"/>
+                    <a:pt x="22" y="52"/>
+                  </a:cubicBezTo>
+                  <a:cubicBezTo>
+                    <a:pt x="18" y="44"/>
+                    <a:pt x="15" y="36"/>
+                    <a:pt x="11" y="28"/>
+                  </a:cubicBezTo>
+                  <a:close/>
+                </a:path>
+              </a:pathLst>
+            </a:custGeom>
+            <a:solidFill>
+              <a:schemeClr val="tx2"/>
+            </a:solidFill>
+            <a:ln>
+              <a:noFill/>
+            </a:ln>
+          </p:spPr>
+        </p:sp>
+      </p:grpSp>
+      <p:sp>
+        <p:nvSpPr>
+          <p:cNvPr id="7" name="Rectangle 6"/>
+          <p:cNvSpPr/>
+          <p:nvPr/>
         </p:nvSpPr>
         <p:spPr>
           <a:xfrm>
-            <a:off x="838200" y="365125"/>
-            <a:ext cx="10515600" cy="1325563"/>
+            <a:off x="0" y="0"/>
+            <a:ext cx="182880" cy="6858000"/>
+          </a:xfrm>
+          <a:prstGeom prst="rect">
+            <a:avLst/>
+          </a:prstGeom>
+          <a:solidFill>
+            <a:schemeClr val="tx2"/>
+          </a:solidFill>
+          <a:ln>
+            <a:noFill/>
+          </a:ln>
+          <a:effectLst/>
+        </p:spPr>
+        <p:style>
+          <a:lnRef idx="1">
+            <a:schemeClr val="accent1"/>
+          </a:lnRef>
+          <a:fillRef idx="3">
+            <a:schemeClr val="accent1"/>
+          </a:fillRef>
+          <a:effectRef idx="2">
+            <a:schemeClr val="accent1"/>
+          </a:effectRef>
+          <a:fontRef idx="minor">
+            <a:schemeClr val="lt1"/>
+          </a:fontRef>
+        </p:style>
+      </p:sp>
+      <p:sp>
+        <p:nvSpPr>
+          <p:cNvPr id="2" name="Title Placeholder 1"/>
+          <p:cNvSpPr>
+            <a:spLocks noGrp="1"/>
+          </p:cNvSpPr>
+          <p:nvPr>
+            <p:ph type="title"/>
+          </p:nvPr>
+        </p:nvSpPr>
+        <p:spPr>
+          <a:xfrm>
+            <a:off x="2592924" y="624110"/>
+            <a:ext cx="8911687" cy="1280890"/>
           </a:xfrm>
           <a:prstGeom prst="rect">
             <a:avLst/>
           </a:prstGeom>
         </p:spPr>
         <p:txBody>
-          <a:bodyPr vert="horz" lIns="91440" tIns="45720" rIns="91440" bIns="45720" rtlCol="0" anchor="ctr">
+          <a:bodyPr vert="horz" lIns="91440" tIns="45720" rIns="91440" bIns="45720" rtlCol="0" anchor="t">
             <a:normAutofit/>
           </a:bodyPr>
           <a:lstStyle/>
@@ -2465,7 +7069,7 @@
               <a:rPr lang="en-US"/>
               <a:t>Click to edit Master title style</a:t>
             </a:r>
-            <a:endParaRPr lang="en-GB"/>
+            <a:endParaRPr lang="en-US" dirty="0"/>
           </a:p>
         </p:txBody>
       </p:sp>
@@ -2481,8 +7085,8 @@
         </p:nvSpPr>
         <p:spPr>
           <a:xfrm>
-            <a:off x="838200" y="1825625"/>
-            <a:ext cx="10515600" cy="4351338"/>
+            <a:off x="2589212" y="2133600"/>
+            <a:ext cx="8915400" cy="3886200"/>
           </a:xfrm>
           <a:prstGeom prst="rect">
             <a:avLst/>
@@ -2527,7 +7131,7 @@
               <a:rPr lang="en-US"/>
               <a:t>Fifth level</a:t>
             </a:r>
-            <a:endParaRPr lang="en-GB"/>
+            <a:endParaRPr lang="en-US" dirty="0"/>
           </a:p>
         </p:txBody>
       </p:sp>
@@ -2543,8 +7147,8 @@
         </p:nvSpPr>
         <p:spPr>
           <a:xfrm>
-            <a:off x="838200" y="6356350"/>
-            <a:ext cx="2743200" cy="365125"/>
+            <a:off x="10361612" y="6130437"/>
+            <a:ext cx="1146283" cy="370396"/>
           </a:xfrm>
           <a:prstGeom prst="rect">
             <a:avLst/>
@@ -2553,8 +7157,8 @@
         <p:txBody>
           <a:bodyPr vert="horz" lIns="91440" tIns="45720" rIns="91440" bIns="45720" rtlCol="0" anchor="ctr"/>
           <a:lstStyle>
-            <a:lvl1pPr algn="l">
-              <a:defRPr sz="1200">
+            <a:lvl1pPr algn="r">
+              <a:defRPr sz="900">
                 <a:solidFill>
                   <a:schemeClr val="tx1">
                     <a:tint val="75000"/>
@@ -2566,7 +7170,7 @@
           <a:p>
             <a:fld id="{D8B9DD1B-3A02-4013-B1CD-A9A5989ED81E}" type="datetimeFigureOut">
               <a:rPr lang="en-GB" smtClean="0"/>
-              <a:t>27/02/2019</a:t>
+              <a:t>06/03/2019</a:t>
             </a:fld>
             <a:endParaRPr lang="en-GB"/>
           </a:p>
@@ -2584,8 +7188,8 @@
         </p:nvSpPr>
         <p:spPr>
           <a:xfrm>
-            <a:off x="4038600" y="6356350"/>
-            <a:ext cx="4114800" cy="365125"/>
+            <a:off x="2589212" y="6135808"/>
+            <a:ext cx="7619999" cy="365125"/>
           </a:xfrm>
           <a:prstGeom prst="rect">
             <a:avLst/>
@@ -2594,8 +7198,8 @@
         <p:txBody>
           <a:bodyPr vert="horz" lIns="91440" tIns="45720" rIns="91440" bIns="45720" rtlCol="0" anchor="ctr"/>
           <a:lstStyle>
-            <a:lvl1pPr algn="ctr">
-              <a:defRPr sz="1200">
+            <a:lvl1pPr algn="l">
+              <a:defRPr sz="900">
                 <a:solidFill>
                   <a:schemeClr val="tx1">
                     <a:tint val="75000"/>
@@ -2621,8 +7225,8 @@
         </p:nvSpPr>
         <p:spPr>
           <a:xfrm>
-            <a:off x="8610600" y="6356350"/>
-            <a:ext cx="2743200" cy="365125"/>
+            <a:off x="531812" y="787782"/>
+            <a:ext cx="779767" cy="365125"/>
           </a:xfrm>
           <a:prstGeom prst="rect">
             <a:avLst/>
@@ -2632,11 +7236,9 @@
           <a:bodyPr vert="horz" lIns="91440" tIns="45720" rIns="91440" bIns="45720" rtlCol="0" anchor="ctr"/>
           <a:lstStyle>
             <a:lvl1pPr algn="r">
-              <a:defRPr sz="1200">
+              <a:defRPr sz="2000">
                 <a:solidFill>
-                  <a:schemeClr val="tx1">
-                    <a:tint val="75000"/>
-                  </a:schemeClr>
+                  <a:srgbClr val="FEFFFF"/>
                 </a:solidFill>
               </a:defRPr>
             </a:lvl1pPr>
@@ -2653,201 +7255,316 @@
     </p:spTree>
     <p:extLst>
       <p:ext uri="{BB962C8B-B14F-4D97-AF65-F5344CB8AC3E}">
-        <p14:creationId xmlns:p14="http://schemas.microsoft.com/office/powerpoint/2010/main" val="2200796517"/>
+        <p14:creationId xmlns:p14="http://schemas.microsoft.com/office/powerpoint/2010/main" val="2188368967"/>
       </p:ext>
     </p:extLst>
   </p:cSld>
   <p:clrMap bg1="lt1" tx1="dk1" bg2="lt2" tx2="dk2" accent1="accent1" accent2="accent2" accent3="accent3" accent4="accent4" accent5="accent5" accent6="accent6" hlink="hlink" folHlink="folHlink"/>
   <p:sldLayoutIdLst>
-    <p:sldLayoutId id="2147483649" r:id="rId1"/>
-    <p:sldLayoutId id="2147483650" r:id="rId2"/>
-    <p:sldLayoutId id="2147483651" r:id="rId3"/>
-    <p:sldLayoutId id="2147483652" r:id="rId4"/>
-    <p:sldLayoutId id="2147483653" r:id="rId5"/>
-    <p:sldLayoutId id="2147483654" r:id="rId6"/>
-    <p:sldLayoutId id="2147483655" r:id="rId7"/>
-    <p:sldLayoutId id="2147483656" r:id="rId8"/>
-    <p:sldLayoutId id="2147483657" r:id="rId9"/>
-    <p:sldLayoutId id="2147483658" r:id="rId10"/>
-    <p:sldLayoutId id="2147483659" r:id="rId11"/>
+    <p:sldLayoutId id="2147483716" r:id="rId1"/>
+    <p:sldLayoutId id="2147483717" r:id="rId2"/>
+    <p:sldLayoutId id="2147483718" r:id="rId3"/>
+    <p:sldLayoutId id="2147483719" r:id="rId4"/>
+    <p:sldLayoutId id="2147483720" r:id="rId5"/>
+    <p:sldLayoutId id="2147483721" r:id="rId6"/>
+    <p:sldLayoutId id="2147483722" r:id="rId7"/>
+    <p:sldLayoutId id="2147483723" r:id="rId8"/>
+    <p:sldLayoutId id="2147483724" r:id="rId9"/>
+    <p:sldLayoutId id="2147483725" r:id="rId10"/>
+    <p:sldLayoutId id="2147483726" r:id="rId11"/>
+    <p:sldLayoutId id="2147483727" r:id="rId12"/>
+    <p:sldLayoutId id="2147483728" r:id="rId13"/>
+    <p:sldLayoutId id="2147483729" r:id="rId14"/>
+    <p:sldLayoutId id="2147483730" r:id="rId15"/>
+    <p:sldLayoutId id="2147483731" r:id="rId16"/>
   </p:sldLayoutIdLst>
   <p:txStyles>
     <p:titleStyle>
-      <a:lvl1pPr algn="l" defTabSz="914400" rtl="0" eaLnBrk="1" latinLnBrk="0" hangingPunct="1">
-        <a:lnSpc>
-          <a:spcPct val="90000"/>
-        </a:lnSpc>
+      <a:lvl1pPr algn="l" defTabSz="457200" rtl="0" eaLnBrk="1" latinLnBrk="0" hangingPunct="1">
         <a:spcBef>
           <a:spcPct val="0"/>
         </a:spcBef>
         <a:buNone/>
-        <a:defRPr sz="4400" kern="1200">
+        <a:defRPr sz="3600" kern="1200">
           <a:solidFill>
-            <a:schemeClr val="tx1"/>
+            <a:schemeClr val="tx1">
+              <a:lumMod val="85000"/>
+              <a:lumOff val="15000"/>
+            </a:schemeClr>
           </a:solidFill>
           <a:latin typeface="+mj-lt"/>
           <a:ea typeface="+mj-ea"/>
           <a:cs typeface="+mj-cs"/>
         </a:defRPr>
       </a:lvl1pPr>
+      <a:lvl2pPr eaLnBrk="1" hangingPunct="1">
+        <a:defRPr>
+          <a:solidFill>
+            <a:schemeClr val="tx2"/>
+          </a:solidFill>
+        </a:defRPr>
+      </a:lvl2pPr>
+      <a:lvl3pPr eaLnBrk="1" hangingPunct="1">
+        <a:defRPr>
+          <a:solidFill>
+            <a:schemeClr val="tx2"/>
+          </a:solidFill>
+        </a:defRPr>
+      </a:lvl3pPr>
+      <a:lvl4pPr eaLnBrk="1" hangingPunct="1">
+        <a:defRPr>
+          <a:solidFill>
+            <a:schemeClr val="tx2"/>
+          </a:solidFill>
+        </a:defRPr>
+      </a:lvl4pPr>
+      <a:lvl5pPr eaLnBrk="1" hangingPunct="1">
+        <a:defRPr>
+          <a:solidFill>
+            <a:schemeClr val="tx2"/>
+          </a:solidFill>
+        </a:defRPr>
+      </a:lvl5pPr>
+      <a:lvl6pPr eaLnBrk="1" hangingPunct="1">
+        <a:defRPr>
+          <a:solidFill>
+            <a:schemeClr val="tx2"/>
+          </a:solidFill>
+        </a:defRPr>
+      </a:lvl6pPr>
+      <a:lvl7pPr eaLnBrk="1" hangingPunct="1">
+        <a:defRPr>
+          <a:solidFill>
+            <a:schemeClr val="tx2"/>
+          </a:solidFill>
+        </a:defRPr>
+      </a:lvl7pPr>
+      <a:lvl8pPr eaLnBrk="1" hangingPunct="1">
+        <a:defRPr>
+          <a:solidFill>
+            <a:schemeClr val="tx2"/>
+          </a:solidFill>
+        </a:defRPr>
+      </a:lvl8pPr>
+      <a:lvl9pPr eaLnBrk="1" hangingPunct="1">
+        <a:defRPr>
+          <a:solidFill>
+            <a:schemeClr val="tx2"/>
+          </a:solidFill>
+        </a:defRPr>
+      </a:lvl9pPr>
     </p:titleStyle>
     <p:bodyStyle>
-      <a:lvl1pPr marL="228600" indent="-228600" algn="l" defTabSz="914400" rtl="0" eaLnBrk="1" latinLnBrk="0" hangingPunct="1">
-        <a:lnSpc>
-          <a:spcPct val="90000"/>
-        </a:lnSpc>
+      <a:lvl1pPr marL="342900" indent="-342900" algn="l" defTabSz="457200" rtl="0" eaLnBrk="1" latinLnBrk="0" hangingPunct="1">
         <a:spcBef>
           <a:spcPts val="1000"/>
         </a:spcBef>
-        <a:buFont typeface="Arial" panose="020B0604020202020204" pitchFamily="34" charset="0"/>
-        <a:buChar char="•"/>
-        <a:defRPr sz="2800" kern="1200">
+        <a:spcAft>
+          <a:spcPts val="0"/>
+        </a:spcAft>
+        <a:buClr>
+          <a:schemeClr val="accent1"/>
+        </a:buClr>
+        <a:buFont typeface="Wingdings 3" charset="2"/>
+        <a:buChar char=""/>
+        <a:defRPr sz="1800" kern="1200">
           <a:solidFill>
-            <a:schemeClr val="tx1"/>
+            <a:schemeClr val="tx1">
+              <a:lumMod val="75000"/>
+              <a:lumOff val="25000"/>
+            </a:schemeClr>
           </a:solidFill>
           <a:latin typeface="+mn-lt"/>
           <a:ea typeface="+mn-ea"/>
           <a:cs typeface="+mn-cs"/>
         </a:defRPr>
       </a:lvl1pPr>
-      <a:lvl2pPr marL="685800" indent="-228600" algn="l" defTabSz="914400" rtl="0" eaLnBrk="1" latinLnBrk="0" hangingPunct="1">
-        <a:lnSpc>
-          <a:spcPct val="90000"/>
-        </a:lnSpc>
+      <a:lvl2pPr marL="742950" indent="-285750" algn="l" defTabSz="457200" rtl="0" eaLnBrk="1" latinLnBrk="0" hangingPunct="1">
         <a:spcBef>
-          <a:spcPts val="500"/>
+          <a:spcPts val="1000"/>
         </a:spcBef>
-        <a:buFont typeface="Arial" panose="020B0604020202020204" pitchFamily="34" charset="0"/>
-        <a:buChar char="•"/>
-        <a:defRPr sz="2400" kern="1200">
+        <a:spcAft>
+          <a:spcPts val="0"/>
+        </a:spcAft>
+        <a:buClr>
+          <a:schemeClr val="accent1"/>
+        </a:buClr>
+        <a:buFont typeface="Wingdings 3" charset="2"/>
+        <a:buChar char=""/>
+        <a:defRPr sz="1600" kern="1200">
           <a:solidFill>
-            <a:schemeClr val="tx1"/>
+            <a:schemeClr val="tx1">
+              <a:lumMod val="75000"/>
+              <a:lumOff val="25000"/>
+            </a:schemeClr>
           </a:solidFill>
           <a:latin typeface="+mn-lt"/>
           <a:ea typeface="+mn-ea"/>
           <a:cs typeface="+mn-cs"/>
         </a:defRPr>
       </a:lvl2pPr>
-      <a:lvl3pPr marL="1143000" indent="-228600" algn="l" defTabSz="914400" rtl="0" eaLnBrk="1" latinLnBrk="0" hangingPunct="1">
-        <a:lnSpc>
-          <a:spcPct val="90000"/>
-        </a:lnSpc>
+      <a:lvl3pPr marL="1143000" indent="-228600" algn="l" defTabSz="457200" rtl="0" eaLnBrk="1" latinLnBrk="0" hangingPunct="1">
         <a:spcBef>
-          <a:spcPts val="500"/>
+          <a:spcPts val="1000"/>
         </a:spcBef>
-        <a:buFont typeface="Arial" panose="020B0604020202020204" pitchFamily="34" charset="0"/>
-        <a:buChar char="•"/>
-        <a:defRPr sz="2000" kern="1200">
+        <a:spcAft>
+          <a:spcPts val="0"/>
+        </a:spcAft>
+        <a:buClr>
+          <a:schemeClr val="accent1"/>
+        </a:buClr>
+        <a:buFont typeface="Wingdings 3" charset="2"/>
+        <a:buChar char=""/>
+        <a:defRPr sz="1400" kern="1200">
           <a:solidFill>
-            <a:schemeClr val="tx1"/>
+            <a:schemeClr val="tx1">
+              <a:lumMod val="75000"/>
+              <a:lumOff val="25000"/>
+            </a:schemeClr>
           </a:solidFill>
           <a:latin typeface="+mn-lt"/>
           <a:ea typeface="+mn-ea"/>
           <a:cs typeface="+mn-cs"/>
         </a:defRPr>
       </a:lvl3pPr>
-      <a:lvl4pPr marL="1600200" indent="-228600" algn="l" defTabSz="914400" rtl="0" eaLnBrk="1" latinLnBrk="0" hangingPunct="1">
-        <a:lnSpc>
-          <a:spcPct val="90000"/>
-        </a:lnSpc>
+      <a:lvl4pPr marL="1600200" indent="-228600" algn="l" defTabSz="457200" rtl="0" eaLnBrk="1" latinLnBrk="0" hangingPunct="1">
         <a:spcBef>
-          <a:spcPts val="500"/>
+          <a:spcPts val="1000"/>
         </a:spcBef>
-        <a:buFont typeface="Arial" panose="020B0604020202020204" pitchFamily="34" charset="0"/>
-        <a:buChar char="•"/>
-        <a:defRPr sz="1800" kern="1200">
+        <a:spcAft>
+          <a:spcPts val="0"/>
+        </a:spcAft>
+        <a:buClr>
+          <a:schemeClr val="accent1"/>
+        </a:buClr>
+        <a:buFont typeface="Wingdings 3" charset="2"/>
+        <a:buChar char=""/>
+        <a:defRPr sz="1200" kern="1200">
           <a:solidFill>
-            <a:schemeClr val="tx1"/>
+            <a:schemeClr val="tx1">
+              <a:lumMod val="75000"/>
+              <a:lumOff val="25000"/>
+            </a:schemeClr>
           </a:solidFill>
           <a:latin typeface="+mn-lt"/>
           <a:ea typeface="+mn-ea"/>
           <a:cs typeface="+mn-cs"/>
         </a:defRPr>
       </a:lvl4pPr>
-      <a:lvl5pPr marL="2057400" indent="-228600" algn="l" defTabSz="914400" rtl="0" eaLnBrk="1" latinLnBrk="0" hangingPunct="1">
-        <a:lnSpc>
-          <a:spcPct val="90000"/>
-        </a:lnSpc>
+      <a:lvl5pPr marL="2057400" indent="-228600" algn="l" defTabSz="457200" rtl="0" eaLnBrk="1" latinLnBrk="0" hangingPunct="1">
         <a:spcBef>
-          <a:spcPts val="500"/>
+          <a:spcPts val="1000"/>
         </a:spcBef>
-        <a:buFont typeface="Arial" panose="020B0604020202020204" pitchFamily="34" charset="0"/>
-        <a:buChar char="•"/>
-        <a:defRPr sz="1800" kern="1200">
+        <a:spcAft>
+          <a:spcPts val="0"/>
+        </a:spcAft>
+        <a:buClr>
+          <a:schemeClr val="accent1"/>
+        </a:buClr>
+        <a:buFont typeface="Wingdings 3" charset="2"/>
+        <a:buChar char=""/>
+        <a:defRPr sz="1200" kern="1200">
           <a:solidFill>
-            <a:schemeClr val="tx1"/>
+            <a:schemeClr val="tx1">
+              <a:lumMod val="75000"/>
+              <a:lumOff val="25000"/>
+            </a:schemeClr>
           </a:solidFill>
           <a:latin typeface="+mn-lt"/>
           <a:ea typeface="+mn-ea"/>
           <a:cs typeface="+mn-cs"/>
         </a:defRPr>
       </a:lvl5pPr>
-      <a:lvl6pPr marL="2514600" indent="-228600" algn="l" defTabSz="914400" rtl="0" eaLnBrk="1" latinLnBrk="0" hangingPunct="1">
-        <a:lnSpc>
-          <a:spcPct val="90000"/>
-        </a:lnSpc>
+      <a:lvl6pPr marL="2514600" indent="-228600" algn="l" defTabSz="457200" rtl="0" eaLnBrk="1" latinLnBrk="0" hangingPunct="1">
         <a:spcBef>
-          <a:spcPts val="500"/>
+          <a:spcPts val="1000"/>
         </a:spcBef>
-        <a:buFont typeface="Arial" panose="020B0604020202020204" pitchFamily="34" charset="0"/>
-        <a:buChar char="•"/>
-        <a:defRPr sz="1800" kern="1200">
+        <a:spcAft>
+          <a:spcPts val="0"/>
+        </a:spcAft>
+        <a:buClr>
+          <a:schemeClr val="accent1"/>
+        </a:buClr>
+        <a:buFont typeface="Wingdings 3" charset="2"/>
+        <a:buChar char=""/>
+        <a:defRPr sz="1200" kern="1200">
           <a:solidFill>
-            <a:schemeClr val="tx1"/>
+            <a:schemeClr val="tx1">
+              <a:lumMod val="75000"/>
+              <a:lumOff val="25000"/>
+            </a:schemeClr>
           </a:solidFill>
           <a:latin typeface="+mn-lt"/>
           <a:ea typeface="+mn-ea"/>
           <a:cs typeface="+mn-cs"/>
         </a:defRPr>
       </a:lvl6pPr>
-      <a:lvl7pPr marL="2971800" indent="-228600" algn="l" defTabSz="914400" rtl="0" eaLnBrk="1" latinLnBrk="0" hangingPunct="1">
-        <a:lnSpc>
-          <a:spcPct val="90000"/>
-        </a:lnSpc>
+      <a:lvl7pPr marL="2971800" indent="-228600" algn="l" defTabSz="457200" rtl="0" eaLnBrk="1" latinLnBrk="0" hangingPunct="1">
         <a:spcBef>
-          <a:spcPts val="500"/>
+          <a:spcPts val="1000"/>
         </a:spcBef>
-        <a:buFont typeface="Arial" panose="020B0604020202020204" pitchFamily="34" charset="0"/>
-        <a:buChar char="•"/>
-        <a:defRPr sz="1800" kern="1200">
+        <a:spcAft>
+          <a:spcPts val="0"/>
+        </a:spcAft>
+        <a:buClr>
+          <a:schemeClr val="accent1"/>
+        </a:buClr>
+        <a:buFont typeface="Wingdings 3" charset="2"/>
+        <a:buChar char=""/>
+        <a:defRPr sz="1200" kern="1200">
           <a:solidFill>
-            <a:schemeClr val="tx1"/>
+            <a:schemeClr val="tx1">
+              <a:lumMod val="75000"/>
+              <a:lumOff val="25000"/>
+            </a:schemeClr>
           </a:solidFill>
           <a:latin typeface="+mn-lt"/>
           <a:ea typeface="+mn-ea"/>
           <a:cs typeface="+mn-cs"/>
         </a:defRPr>
       </a:lvl7pPr>
-      <a:lvl8pPr marL="3429000" indent="-228600" algn="l" defTabSz="914400" rtl="0" eaLnBrk="1" latinLnBrk="0" hangingPunct="1">
-        <a:lnSpc>
-          <a:spcPct val="90000"/>
-        </a:lnSpc>
+      <a:lvl8pPr marL="3429000" indent="-228600" algn="l" defTabSz="457200" rtl="0" eaLnBrk="1" latinLnBrk="0" hangingPunct="1">
         <a:spcBef>
-          <a:spcPts val="500"/>
+          <a:spcPts val="1000"/>
         </a:spcBef>
-        <a:buFont typeface="Arial" panose="020B0604020202020204" pitchFamily="34" charset="0"/>
-        <a:buChar char="•"/>
-        <a:defRPr sz="1800" kern="1200">
+        <a:spcAft>
+          <a:spcPts val="0"/>
+        </a:spcAft>
+        <a:buClr>
+          <a:schemeClr val="accent1"/>
+        </a:buClr>
+        <a:buFont typeface="Wingdings 3" charset="2"/>
+        <a:buChar char=""/>
+        <a:defRPr sz="1200" kern="1200">
           <a:solidFill>
-            <a:schemeClr val="tx1"/>
+            <a:schemeClr val="tx1">
+              <a:lumMod val="75000"/>
+              <a:lumOff val="25000"/>
+            </a:schemeClr>
           </a:solidFill>
           <a:latin typeface="+mn-lt"/>
           <a:ea typeface="+mn-ea"/>
           <a:cs typeface="+mn-cs"/>
         </a:defRPr>
       </a:lvl8pPr>
-      <a:lvl9pPr marL="3886200" indent="-228600" algn="l" defTabSz="914400" rtl="0" eaLnBrk="1" latinLnBrk="0" hangingPunct="1">
-        <a:lnSpc>
-          <a:spcPct val="90000"/>
-        </a:lnSpc>
+      <a:lvl9pPr marL="3886200" indent="-228600" algn="l" defTabSz="457200" rtl="0" eaLnBrk="1" latinLnBrk="0" hangingPunct="1">
         <a:spcBef>
-          <a:spcPts val="500"/>
+          <a:spcPts val="1000"/>
         </a:spcBef>
-        <a:buFont typeface="Arial" panose="020B0604020202020204" pitchFamily="34" charset="0"/>
-        <a:buChar char="•"/>
-        <a:defRPr sz="1800" kern="1200">
+        <a:spcAft>
+          <a:spcPts val="0"/>
+        </a:spcAft>
+        <a:buClr>
+          <a:schemeClr val="accent1"/>
+        </a:buClr>
+        <a:buFont typeface="Wingdings 3" charset="2"/>
+        <a:buChar char=""/>
+        <a:defRPr sz="1200" kern="1200">
           <a:solidFill>
-            <a:schemeClr val="tx1"/>
+            <a:schemeClr val="tx1">
+              <a:lumMod val="75000"/>
+              <a:lumOff val="25000"/>
+            </a:schemeClr>
           </a:solidFill>
           <a:latin typeface="+mn-lt"/>
           <a:ea typeface="+mn-ea"/>
@@ -2859,7 +7576,7 @@
       <a:defPPr>
         <a:defRPr lang="en-US"/>
       </a:defPPr>
-      <a:lvl1pPr marL="0" algn="l" defTabSz="914400" rtl="0" eaLnBrk="1" latinLnBrk="0" hangingPunct="1">
+      <a:lvl1pPr marL="0" algn="l" defTabSz="457200" rtl="0" eaLnBrk="1" latinLnBrk="0" hangingPunct="1">
         <a:defRPr sz="1800" kern="1200">
           <a:solidFill>
             <a:schemeClr val="tx1"/>
@@ -2869,7 +7586,7 @@
           <a:cs typeface="+mn-cs"/>
         </a:defRPr>
       </a:lvl1pPr>
-      <a:lvl2pPr marL="457200" algn="l" defTabSz="914400" rtl="0" eaLnBrk="1" latinLnBrk="0" hangingPunct="1">
+      <a:lvl2pPr marL="457200" algn="l" defTabSz="457200" rtl="0" eaLnBrk="1" latinLnBrk="0" hangingPunct="1">
         <a:defRPr sz="1800" kern="1200">
           <a:solidFill>
             <a:schemeClr val="tx1"/>
@@ -2879,7 +7596,7 @@
           <a:cs typeface="+mn-cs"/>
         </a:defRPr>
       </a:lvl2pPr>
-      <a:lvl3pPr marL="914400" algn="l" defTabSz="914400" rtl="0" eaLnBrk="1" latinLnBrk="0" hangingPunct="1">
+      <a:lvl3pPr marL="914400" algn="l" defTabSz="457200" rtl="0" eaLnBrk="1" latinLnBrk="0" hangingPunct="1">
         <a:defRPr sz="1800" kern="1200">
           <a:solidFill>
             <a:schemeClr val="tx1"/>
@@ -2889,7 +7606,7 @@
           <a:cs typeface="+mn-cs"/>
         </a:defRPr>
       </a:lvl3pPr>
-      <a:lvl4pPr marL="1371600" algn="l" defTabSz="914400" rtl="0" eaLnBrk="1" latinLnBrk="0" hangingPunct="1">
+      <a:lvl4pPr marL="1371600" algn="l" defTabSz="457200" rtl="0" eaLnBrk="1" latinLnBrk="0" hangingPunct="1">
         <a:defRPr sz="1800" kern="1200">
           <a:solidFill>
             <a:schemeClr val="tx1"/>
@@ -2899,7 +7616,7 @@
           <a:cs typeface="+mn-cs"/>
         </a:defRPr>
       </a:lvl4pPr>
-      <a:lvl5pPr marL="1828800" algn="l" defTabSz="914400" rtl="0" eaLnBrk="1" latinLnBrk="0" hangingPunct="1">
+      <a:lvl5pPr marL="1828800" algn="l" defTabSz="457200" rtl="0" eaLnBrk="1" latinLnBrk="0" hangingPunct="1">
         <a:defRPr sz="1800" kern="1200">
           <a:solidFill>
             <a:schemeClr val="tx1"/>
@@ -2909,7 +7626,7 @@
           <a:cs typeface="+mn-cs"/>
         </a:defRPr>
       </a:lvl5pPr>
-      <a:lvl6pPr marL="2286000" algn="l" defTabSz="914400" rtl="0" eaLnBrk="1" latinLnBrk="0" hangingPunct="1">
+      <a:lvl6pPr marL="2286000" algn="l" defTabSz="457200" rtl="0" eaLnBrk="1" latinLnBrk="0" hangingPunct="1">
         <a:defRPr sz="1800" kern="1200">
           <a:solidFill>
             <a:schemeClr val="tx1"/>
@@ -2919,7 +7636,7 @@
           <a:cs typeface="+mn-cs"/>
         </a:defRPr>
       </a:lvl6pPr>
-      <a:lvl7pPr marL="2743200" algn="l" defTabSz="914400" rtl="0" eaLnBrk="1" latinLnBrk="0" hangingPunct="1">
+      <a:lvl7pPr marL="2743200" algn="l" defTabSz="457200" rtl="0" eaLnBrk="1" latinLnBrk="0" hangingPunct="1">
         <a:defRPr sz="1800" kern="1200">
           <a:solidFill>
             <a:schemeClr val="tx1"/>
@@ -2929,7 +7646,7 @@
           <a:cs typeface="+mn-cs"/>
         </a:defRPr>
       </a:lvl7pPr>
-      <a:lvl8pPr marL="3200400" algn="l" defTabSz="914400" rtl="0" eaLnBrk="1" latinLnBrk="0" hangingPunct="1">
+      <a:lvl8pPr marL="3200400" algn="l" defTabSz="457200" rtl="0" eaLnBrk="1" latinLnBrk="0" hangingPunct="1">
         <a:defRPr sz="1800" kern="1200">
           <a:solidFill>
             <a:schemeClr val="tx1"/>
@@ -2939,7 +7656,7 @@
           <a:cs typeface="+mn-cs"/>
         </a:defRPr>
       </a:lvl8pPr>
-      <a:lvl9pPr marL="3657600" algn="l" defTabSz="914400" rtl="0" eaLnBrk="1" latinLnBrk="0" hangingPunct="1">
+      <a:lvl9pPr marL="3657600" algn="l" defTabSz="457200" rtl="0" eaLnBrk="1" latinLnBrk="0" hangingPunct="1">
         <a:defRPr sz="1800" kern="1200">
           <a:solidFill>
             <a:schemeClr val="tx1"/>
@@ -3035,6 +7752,384 @@
 </p:sld>
 </file>
 
+<file path=ppt/slides/slide10.xml><?xml version="1.0" encoding="utf-8"?>
+<p:sld xmlns:a="http://schemas.openxmlformats.org/drawingml/2006/main" xmlns:r="http://schemas.openxmlformats.org/officeDocument/2006/relationships" xmlns:p="http://schemas.openxmlformats.org/presentationml/2006/main">
+  <p:cSld>
+    <p:spTree>
+      <p:nvGrpSpPr>
+        <p:cNvPr id="1" name=""/>
+        <p:cNvGrpSpPr/>
+        <p:nvPr/>
+      </p:nvGrpSpPr>
+      <p:grpSpPr>
+        <a:xfrm>
+          <a:off x="0" y="0"/>
+          <a:ext cx="0" cy="0"/>
+          <a:chOff x="0" y="0"/>
+          <a:chExt cx="0" cy="0"/>
+        </a:xfrm>
+      </p:grpSpPr>
+      <p:sp>
+        <p:nvSpPr>
+          <p:cNvPr id="2" name="Title 1">
+            <a:extLst>
+              <a:ext uri="{FF2B5EF4-FFF2-40B4-BE49-F238E27FC236}">
+                <a16:creationId xmlns:a16="http://schemas.microsoft.com/office/drawing/2014/main" id="{53608DB2-9FD6-49EF-960D-D88FFBF0F4E7}"/>
+              </a:ext>
+            </a:extLst>
+          </p:cNvPr>
+          <p:cNvSpPr>
+            <a:spLocks noGrp="1"/>
+          </p:cNvSpPr>
+          <p:nvPr>
+            <p:ph type="title"/>
+          </p:nvPr>
+        </p:nvSpPr>
+        <p:spPr/>
+        <p:txBody>
+          <a:bodyPr/>
+          <a:lstStyle/>
+          <a:p>
+            <a:r>
+              <a:rPr lang="en-GB" dirty="0"/>
+              <a:t>Challenges</a:t>
+            </a:r>
+          </a:p>
+        </p:txBody>
+      </p:sp>
+      <p:sp>
+        <p:nvSpPr>
+          <p:cNvPr id="3" name="Content Placeholder 2">
+            <a:extLst>
+              <a:ext uri="{FF2B5EF4-FFF2-40B4-BE49-F238E27FC236}">
+                <a16:creationId xmlns:a16="http://schemas.microsoft.com/office/drawing/2014/main" id="{B6F6B9CE-5DF2-47CE-879D-ACAEBBBAA4EE}"/>
+              </a:ext>
+            </a:extLst>
+          </p:cNvPr>
+          <p:cNvSpPr>
+            <a:spLocks noGrp="1"/>
+          </p:cNvSpPr>
+          <p:nvPr>
+            <p:ph idx="1"/>
+          </p:nvPr>
+        </p:nvSpPr>
+        <p:spPr>
+          <a:xfrm>
+            <a:off x="1290499" y="2027583"/>
+            <a:ext cx="8915400" cy="3777622"/>
+          </a:xfrm>
+        </p:spPr>
+        <p:txBody>
+          <a:bodyPr/>
+          <a:lstStyle/>
+          <a:p>
+            <a:r>
+              <a:rPr lang="en-GB" dirty="0"/>
+              <a:t>CORS – Fixed allowing 8080 server to allow 3000 server to interact.</a:t>
+            </a:r>
+          </a:p>
+          <a:p>
+            <a:r>
+              <a:rPr lang="en-GB" dirty="0"/>
+              <a:t>Converting to React</a:t>
+            </a:r>
+          </a:p>
+          <a:p>
+            <a:r>
+              <a:rPr lang="en-GB" dirty="0"/>
+              <a:t>Populating Database</a:t>
+            </a:r>
+          </a:p>
+        </p:txBody>
+      </p:sp>
+    </p:spTree>
+    <p:extLst>
+      <p:ext uri="{BB962C8B-B14F-4D97-AF65-F5344CB8AC3E}">
+        <p14:creationId xmlns:p14="http://schemas.microsoft.com/office/powerpoint/2010/main" val="1933374920"/>
+      </p:ext>
+    </p:extLst>
+  </p:cSld>
+  <p:clrMapOvr>
+    <a:masterClrMapping/>
+  </p:clrMapOvr>
+</p:sld>
+</file>
+
+<file path=ppt/slides/slide11.xml><?xml version="1.0" encoding="utf-8"?>
+<p:sld xmlns:a="http://schemas.openxmlformats.org/drawingml/2006/main" xmlns:r="http://schemas.openxmlformats.org/officeDocument/2006/relationships" xmlns:p="http://schemas.openxmlformats.org/presentationml/2006/main">
+  <p:cSld>
+    <p:spTree>
+      <p:nvGrpSpPr>
+        <p:cNvPr id="1" name=""/>
+        <p:cNvGrpSpPr/>
+        <p:nvPr/>
+      </p:nvGrpSpPr>
+      <p:grpSpPr>
+        <a:xfrm>
+          <a:off x="0" y="0"/>
+          <a:ext cx="0" cy="0"/>
+          <a:chOff x="0" y="0"/>
+          <a:chExt cx="0" cy="0"/>
+        </a:xfrm>
+      </p:grpSpPr>
+      <p:sp>
+        <p:nvSpPr>
+          <p:cNvPr id="2" name="Title 1">
+            <a:extLst>
+              <a:ext uri="{FF2B5EF4-FFF2-40B4-BE49-F238E27FC236}">
+                <a16:creationId xmlns:a16="http://schemas.microsoft.com/office/drawing/2014/main" id="{E2837F8A-38FD-4735-9E9C-7AB77743E6CB}"/>
+              </a:ext>
+            </a:extLst>
+          </p:cNvPr>
+          <p:cNvSpPr>
+            <a:spLocks noGrp="1"/>
+          </p:cNvSpPr>
+          <p:nvPr>
+            <p:ph type="title"/>
+          </p:nvPr>
+        </p:nvSpPr>
+        <p:spPr/>
+        <p:txBody>
+          <a:bodyPr/>
+          <a:lstStyle/>
+          <a:p>
+            <a:r>
+              <a:rPr lang="en-GB" dirty="0"/>
+              <a:t>Hopes for Improvement</a:t>
+            </a:r>
+          </a:p>
+        </p:txBody>
+      </p:sp>
+      <p:sp>
+        <p:nvSpPr>
+          <p:cNvPr id="3" name="Content Placeholder 2">
+            <a:extLst>
+              <a:ext uri="{FF2B5EF4-FFF2-40B4-BE49-F238E27FC236}">
+                <a16:creationId xmlns:a16="http://schemas.microsoft.com/office/drawing/2014/main" id="{D1CEA38F-31EB-4712-8E44-C98A0EA184F8}"/>
+              </a:ext>
+            </a:extLst>
+          </p:cNvPr>
+          <p:cNvSpPr>
+            <a:spLocks noGrp="1"/>
+          </p:cNvSpPr>
+          <p:nvPr>
+            <p:ph idx="1"/>
+          </p:nvPr>
+        </p:nvSpPr>
+        <p:spPr/>
+        <p:txBody>
+          <a:bodyPr/>
+          <a:lstStyle/>
+          <a:p>
+            <a:r>
+              <a:rPr lang="en-GB" dirty="0"/>
+              <a:t>Restructuring website for conditional routing</a:t>
+            </a:r>
+          </a:p>
+          <a:p>
+            <a:r>
+              <a:rPr lang="en-GB" dirty="0"/>
+              <a:t>User exclusive functions</a:t>
+            </a:r>
+          </a:p>
+          <a:p>
+            <a:pPr lvl="1"/>
+            <a:r>
+              <a:rPr lang="en-GB" dirty="0"/>
+              <a:t>Need to be logged in to use CRU functions.</a:t>
+            </a:r>
+          </a:p>
+          <a:p>
+            <a:pPr lvl="1"/>
+            <a:r>
+              <a:rPr lang="en-GB" dirty="0"/>
+              <a:t>Admin user who is only one can use delete functions.</a:t>
+            </a:r>
+          </a:p>
+          <a:p>
+            <a:endParaRPr lang="en-GB" dirty="0"/>
+          </a:p>
+        </p:txBody>
+      </p:sp>
+    </p:spTree>
+    <p:extLst>
+      <p:ext uri="{BB962C8B-B14F-4D97-AF65-F5344CB8AC3E}">
+        <p14:creationId xmlns:p14="http://schemas.microsoft.com/office/powerpoint/2010/main" val="3162605915"/>
+      </p:ext>
+    </p:extLst>
+  </p:cSld>
+  <p:clrMapOvr>
+    <a:masterClrMapping/>
+  </p:clrMapOvr>
+</p:sld>
+</file>
+
+<file path=ppt/slides/slide12.xml><?xml version="1.0" encoding="utf-8"?>
+<p:sld xmlns:a="http://schemas.openxmlformats.org/drawingml/2006/main" xmlns:r="http://schemas.openxmlformats.org/officeDocument/2006/relationships" xmlns:p="http://schemas.openxmlformats.org/presentationml/2006/main">
+  <p:cSld>
+    <p:spTree>
+      <p:nvGrpSpPr>
+        <p:cNvPr id="1" name=""/>
+        <p:cNvGrpSpPr/>
+        <p:nvPr/>
+      </p:nvGrpSpPr>
+      <p:grpSpPr>
+        <a:xfrm>
+          <a:off x="0" y="0"/>
+          <a:ext cx="0" cy="0"/>
+          <a:chOff x="0" y="0"/>
+          <a:chExt cx="0" cy="0"/>
+        </a:xfrm>
+      </p:grpSpPr>
+      <p:sp>
+        <p:nvSpPr>
+          <p:cNvPr id="2" name="Title 1">
+            <a:extLst>
+              <a:ext uri="{FF2B5EF4-FFF2-40B4-BE49-F238E27FC236}">
+                <a16:creationId xmlns:a16="http://schemas.microsoft.com/office/drawing/2014/main" id="{99F98107-A2A3-43A8-9290-1A68DA4D1278}"/>
+              </a:ext>
+            </a:extLst>
+          </p:cNvPr>
+          <p:cNvSpPr>
+            <a:spLocks noGrp="1"/>
+          </p:cNvSpPr>
+          <p:nvPr>
+            <p:ph type="title"/>
+          </p:nvPr>
+        </p:nvSpPr>
+        <p:spPr/>
+        <p:txBody>
+          <a:bodyPr/>
+          <a:lstStyle/>
+          <a:p>
+            <a:r>
+              <a:rPr lang="en-GB" dirty="0"/>
+              <a:t>Summary</a:t>
+            </a:r>
+          </a:p>
+        </p:txBody>
+      </p:sp>
+      <p:sp>
+        <p:nvSpPr>
+          <p:cNvPr id="3" name="Content Placeholder 2">
+            <a:extLst>
+              <a:ext uri="{FF2B5EF4-FFF2-40B4-BE49-F238E27FC236}">
+                <a16:creationId xmlns:a16="http://schemas.microsoft.com/office/drawing/2014/main" id="{0B1C6733-2AC4-4CD6-AE26-5CB540395C72}"/>
+              </a:ext>
+            </a:extLst>
+          </p:cNvPr>
+          <p:cNvSpPr>
+            <a:spLocks noGrp="1"/>
+          </p:cNvSpPr>
+          <p:nvPr>
+            <p:ph idx="1"/>
+          </p:nvPr>
+        </p:nvSpPr>
+        <p:spPr/>
+        <p:txBody>
+          <a:bodyPr/>
+          <a:lstStyle/>
+          <a:p>
+            <a:endParaRPr lang="en-GB"/>
+          </a:p>
+        </p:txBody>
+      </p:sp>
+    </p:spTree>
+    <p:extLst>
+      <p:ext uri="{BB962C8B-B14F-4D97-AF65-F5344CB8AC3E}">
+        <p14:creationId xmlns:p14="http://schemas.microsoft.com/office/powerpoint/2010/main" val="1162133468"/>
+      </p:ext>
+    </p:extLst>
+  </p:cSld>
+  <p:clrMapOvr>
+    <a:masterClrMapping/>
+  </p:clrMapOvr>
+</p:sld>
+</file>
+
+<file path=ppt/slides/slide13.xml><?xml version="1.0" encoding="utf-8"?>
+<p:sld xmlns:a="http://schemas.openxmlformats.org/drawingml/2006/main" xmlns:r="http://schemas.openxmlformats.org/officeDocument/2006/relationships" xmlns:p="http://schemas.openxmlformats.org/presentationml/2006/main">
+  <p:cSld>
+    <p:spTree>
+      <p:nvGrpSpPr>
+        <p:cNvPr id="1" name=""/>
+        <p:cNvGrpSpPr/>
+        <p:nvPr/>
+      </p:nvGrpSpPr>
+      <p:grpSpPr>
+        <a:xfrm>
+          <a:off x="0" y="0"/>
+          <a:ext cx="0" cy="0"/>
+          <a:chOff x="0" y="0"/>
+          <a:chExt cx="0" cy="0"/>
+        </a:xfrm>
+      </p:grpSpPr>
+      <p:sp>
+        <p:nvSpPr>
+          <p:cNvPr id="2" name="Title 1">
+            <a:extLst>
+              <a:ext uri="{FF2B5EF4-FFF2-40B4-BE49-F238E27FC236}">
+                <a16:creationId xmlns:a16="http://schemas.microsoft.com/office/drawing/2014/main" id="{E4E09EF8-4448-48D3-81C9-14046D63EC51}"/>
+              </a:ext>
+            </a:extLst>
+          </p:cNvPr>
+          <p:cNvSpPr>
+            <a:spLocks noGrp="1"/>
+          </p:cNvSpPr>
+          <p:nvPr>
+            <p:ph type="title"/>
+          </p:nvPr>
+        </p:nvSpPr>
+        <p:spPr/>
+        <p:txBody>
+          <a:bodyPr/>
+          <a:lstStyle/>
+          <a:p>
+            <a:r>
+              <a:rPr lang="en-GB" dirty="0"/>
+              <a:t>Any questions?</a:t>
+            </a:r>
+          </a:p>
+        </p:txBody>
+      </p:sp>
+      <p:sp>
+        <p:nvSpPr>
+          <p:cNvPr id="3" name="Content Placeholder 2">
+            <a:extLst>
+              <a:ext uri="{FF2B5EF4-FFF2-40B4-BE49-F238E27FC236}">
+                <a16:creationId xmlns:a16="http://schemas.microsoft.com/office/drawing/2014/main" id="{4C968815-4BFB-4779-A3FB-2824D976D493}"/>
+              </a:ext>
+            </a:extLst>
+          </p:cNvPr>
+          <p:cNvSpPr>
+            <a:spLocks noGrp="1"/>
+          </p:cNvSpPr>
+          <p:nvPr>
+            <p:ph idx="1"/>
+          </p:nvPr>
+        </p:nvSpPr>
+        <p:spPr/>
+        <p:txBody>
+          <a:bodyPr/>
+          <a:lstStyle/>
+          <a:p>
+            <a:endParaRPr lang="en-GB"/>
+          </a:p>
+        </p:txBody>
+      </p:sp>
+    </p:spTree>
+    <p:extLst>
+      <p:ext uri="{BB962C8B-B14F-4D97-AF65-F5344CB8AC3E}">
+        <p14:creationId xmlns:p14="http://schemas.microsoft.com/office/powerpoint/2010/main" val="3008019884"/>
+      </p:ext>
+    </p:extLst>
+  </p:cSld>
+  <p:clrMapOvr>
+    <a:masterClrMapping/>
+  </p:clrMapOvr>
+</p:sld>
+</file>
+
 <file path=ppt/slides/slide2.xml><?xml version="1.0" encoding="utf-8"?>
 <p:sld xmlns:a="http://schemas.openxmlformats.org/drawingml/2006/main" xmlns:r="http://schemas.openxmlformats.org/officeDocument/2006/relationships" xmlns:p="http://schemas.openxmlformats.org/presentationml/2006/main">
   <p:cSld>
@@ -3096,12 +8191,74 @@
             <p:ph idx="1"/>
           </p:nvPr>
         </p:nvSpPr>
-        <p:spPr/>
+        <p:spPr>
+          <a:xfrm>
+            <a:off x="1065211" y="1683026"/>
+            <a:ext cx="9867831" cy="4280452"/>
+          </a:xfrm>
+        </p:spPr>
         <p:txBody>
           <a:bodyPr/>
           <a:lstStyle/>
           <a:p>
-            <a:endParaRPr lang="en-GB" dirty="0"/>
+            <a:pPr>
+              <a:buFont typeface="+mj-lt"/>
+              <a:buAutoNum type="arabicPeriod"/>
+            </a:pPr>
+            <a:r>
+              <a:rPr lang="en-GB" dirty="0"/>
+              <a:t>Project Summary</a:t>
+            </a:r>
+          </a:p>
+          <a:p>
+            <a:pPr>
+              <a:buFont typeface="+mj-lt"/>
+              <a:buAutoNum type="arabicPeriod"/>
+            </a:pPr>
+            <a:r>
+              <a:rPr lang="en-GB" dirty="0"/>
+              <a:t>Project Demo</a:t>
+            </a:r>
+          </a:p>
+          <a:p>
+            <a:pPr>
+              <a:buFont typeface="+mj-lt"/>
+              <a:buAutoNum type="arabicPeriod"/>
+            </a:pPr>
+            <a:r>
+              <a:rPr lang="en-GB" dirty="0"/>
+              <a:t>How Training Contributed to the Project</a:t>
+            </a:r>
+          </a:p>
+          <a:p>
+            <a:pPr>
+              <a:buFont typeface="+mj-lt"/>
+              <a:buAutoNum type="arabicPeriod"/>
+            </a:pPr>
+            <a:r>
+              <a:rPr lang="en-GB" dirty="0"/>
+              <a:t>Difficulties</a:t>
+            </a:r>
+          </a:p>
+          <a:p>
+            <a:pPr>
+              <a:buFont typeface="+mj-lt"/>
+              <a:buAutoNum type="arabicPeriod"/>
+            </a:pPr>
+            <a:r>
+              <a:rPr lang="en-GB" dirty="0"/>
+              <a:t>Improvements</a:t>
+            </a:r>
+          </a:p>
+          <a:p>
+            <a:pPr>
+              <a:buFont typeface="+mj-lt"/>
+              <a:buAutoNum type="arabicPeriod"/>
+            </a:pPr>
+            <a:r>
+              <a:rPr lang="en-GB" dirty="0"/>
+              <a:t>Conclusion</a:t>
+            </a:r>
           </a:p>
         </p:txBody>
       </p:sp>
@@ -3140,6 +8297,99 @@
           <p:cNvPr id="2" name="Title 1">
             <a:extLst>
               <a:ext uri="{FF2B5EF4-FFF2-40B4-BE49-F238E27FC236}">
+                <a16:creationId xmlns:a16="http://schemas.microsoft.com/office/drawing/2014/main" id="{44B9622D-2D75-4CD3-9713-6FD8E4B52E7A}"/>
+              </a:ext>
+            </a:extLst>
+          </p:cNvPr>
+          <p:cNvSpPr>
+            <a:spLocks noGrp="1"/>
+          </p:cNvSpPr>
+          <p:nvPr>
+            <p:ph type="title"/>
+          </p:nvPr>
+        </p:nvSpPr>
+        <p:spPr>
+          <a:xfrm>
+            <a:off x="1930316" y="531344"/>
+            <a:ext cx="8911687" cy="1280890"/>
+          </a:xfrm>
+        </p:spPr>
+        <p:txBody>
+          <a:bodyPr/>
+          <a:lstStyle/>
+          <a:p>
+            <a:r>
+              <a:rPr lang="en-GB" dirty="0"/>
+              <a:t>Project Summary – Word Generator</a:t>
+            </a:r>
+          </a:p>
+        </p:txBody>
+      </p:sp>
+      <p:sp>
+        <p:nvSpPr>
+          <p:cNvPr id="3" name="Content Placeholder 2">
+            <a:extLst>
+              <a:ext uri="{FF2B5EF4-FFF2-40B4-BE49-F238E27FC236}">
+                <a16:creationId xmlns:a16="http://schemas.microsoft.com/office/drawing/2014/main" id="{CAD65EDF-0312-4055-8A37-6D1F6B75E355}"/>
+              </a:ext>
+            </a:extLst>
+          </p:cNvPr>
+          <p:cNvSpPr>
+            <a:spLocks noGrp="1"/>
+          </p:cNvSpPr>
+          <p:nvPr>
+            <p:ph idx="1"/>
+          </p:nvPr>
+        </p:nvSpPr>
+        <p:spPr>
+          <a:xfrm>
+            <a:off x="1171229" y="1838738"/>
+            <a:ext cx="10212388" cy="4270514"/>
+          </a:xfrm>
+        </p:spPr>
+        <p:txBody>
+          <a:bodyPr/>
+          <a:lstStyle/>
+          <a:p>
+            <a:endParaRPr lang="en-GB" dirty="0"/>
+          </a:p>
+        </p:txBody>
+      </p:sp>
+    </p:spTree>
+    <p:extLst>
+      <p:ext uri="{BB962C8B-B14F-4D97-AF65-F5344CB8AC3E}">
+        <p14:creationId xmlns:p14="http://schemas.microsoft.com/office/powerpoint/2010/main" val="2015463125"/>
+      </p:ext>
+    </p:extLst>
+  </p:cSld>
+  <p:clrMapOvr>
+    <a:masterClrMapping/>
+  </p:clrMapOvr>
+</p:sld>
+</file>
+
+<file path=ppt/slides/slide4.xml><?xml version="1.0" encoding="utf-8"?>
+<p:sld xmlns:a="http://schemas.openxmlformats.org/drawingml/2006/main" xmlns:r="http://schemas.openxmlformats.org/officeDocument/2006/relationships" xmlns:p="http://schemas.openxmlformats.org/presentationml/2006/main">
+  <p:cSld>
+    <p:spTree>
+      <p:nvGrpSpPr>
+        <p:cNvPr id="1" name=""/>
+        <p:cNvGrpSpPr/>
+        <p:nvPr/>
+      </p:nvGrpSpPr>
+      <p:grpSpPr>
+        <a:xfrm>
+          <a:off x="0" y="0"/>
+          <a:ext cx="0" cy="0"/>
+          <a:chOff x="0" y="0"/>
+          <a:chExt cx="0" cy="0"/>
+        </a:xfrm>
+      </p:grpSpPr>
+      <p:sp>
+        <p:nvSpPr>
+          <p:cNvPr id="2" name="Title 1">
+            <a:extLst>
+              <a:ext uri="{FF2B5EF4-FFF2-40B4-BE49-F238E27FC236}">
                 <a16:creationId xmlns:a16="http://schemas.microsoft.com/office/drawing/2014/main" id="{4DEA0272-34D6-4F36-9245-F5D99332D4E1}"/>
               </a:ext>
             </a:extLst>
@@ -3179,15 +8429,56 @@
             <p:ph idx="1"/>
           </p:nvPr>
         </p:nvSpPr>
-        <p:spPr/>
+        <p:spPr>
+          <a:xfrm>
+            <a:off x="1409768" y="1656521"/>
+            <a:ext cx="8915400" cy="3777622"/>
+          </a:xfrm>
+        </p:spPr>
         <p:txBody>
           <a:bodyPr/>
           <a:lstStyle/>
           <a:p>
-            <a:endParaRPr lang="en-GB"/>
-          </a:p>
-        </p:txBody>
-      </p:sp>
+            <a:r>
+              <a:rPr lang="en-GB" dirty="0">
+                <a:hlinkClick r:id="rId2"/>
+              </a:rPr>
+              <a:t>Story Generator</a:t>
+            </a:r>
+            <a:endParaRPr lang="en-GB" dirty="0"/>
+          </a:p>
+        </p:txBody>
+      </p:sp>
+      <p:pic>
+        <p:nvPicPr>
+          <p:cNvPr id="4" name="Picture 3">
+            <a:hlinkClick r:id="rId2"/>
+            <a:extLst>
+              <a:ext uri="{FF2B5EF4-FFF2-40B4-BE49-F238E27FC236}">
+                <a16:creationId xmlns:a16="http://schemas.microsoft.com/office/drawing/2014/main" id="{339BD4B2-15A8-49E4-957B-132212A8C0D9}"/>
+              </a:ext>
+            </a:extLst>
+          </p:cNvPr>
+          <p:cNvPicPr>
+            <a:picLocks noChangeAspect="1"/>
+          </p:cNvPicPr>
+          <p:nvPr/>
+        </p:nvPicPr>
+        <p:blipFill rotWithShape="1">
+          <a:blip r:embed="rId3"/>
+          <a:srcRect t="13315" b="24142"/>
+          <a:stretch/>
+        </p:blipFill>
+        <p:spPr>
+          <a:xfrm>
+            <a:off x="687388" y="2161537"/>
+            <a:ext cx="10906539" cy="3835072"/>
+          </a:xfrm>
+          <a:prstGeom prst="rect">
+            <a:avLst/>
+          </a:prstGeom>
+        </p:spPr>
+      </p:pic>
     </p:spTree>
     <p:extLst>
       <p:ext uri="{BB962C8B-B14F-4D97-AF65-F5344CB8AC3E}">
@@ -3201,10 +8492,466 @@
 </p:sld>
 </file>
 
+<file path=ppt/slides/slide5.xml><?xml version="1.0" encoding="utf-8"?>
+<p:sld xmlns:a="http://schemas.openxmlformats.org/drawingml/2006/main" xmlns:r="http://schemas.openxmlformats.org/officeDocument/2006/relationships" xmlns:p="http://schemas.openxmlformats.org/presentationml/2006/main">
+  <p:cSld>
+    <p:spTree>
+      <p:nvGrpSpPr>
+        <p:cNvPr id="1" name=""/>
+        <p:cNvGrpSpPr/>
+        <p:nvPr/>
+      </p:nvGrpSpPr>
+      <p:grpSpPr>
+        <a:xfrm>
+          <a:off x="0" y="0"/>
+          <a:ext cx="0" cy="0"/>
+          <a:chOff x="0" y="0"/>
+          <a:chExt cx="0" cy="0"/>
+        </a:xfrm>
+      </p:grpSpPr>
+      <p:sp>
+        <p:nvSpPr>
+          <p:cNvPr id="2" name="Title 1">
+            <a:extLst>
+              <a:ext uri="{FF2B5EF4-FFF2-40B4-BE49-F238E27FC236}">
+                <a16:creationId xmlns:a16="http://schemas.microsoft.com/office/drawing/2014/main" id="{DB64588F-A3EA-4385-BA23-DF2AAAB711BA}"/>
+              </a:ext>
+            </a:extLst>
+          </p:cNvPr>
+          <p:cNvSpPr>
+            <a:spLocks noGrp="1"/>
+          </p:cNvSpPr>
+          <p:nvPr>
+            <p:ph type="title"/>
+          </p:nvPr>
+        </p:nvSpPr>
+        <p:spPr/>
+        <p:txBody>
+          <a:bodyPr/>
+          <a:lstStyle/>
+          <a:p>
+            <a:r>
+              <a:rPr lang="en-GB" dirty="0"/>
+              <a:t>Week 1: Organisation</a:t>
+            </a:r>
+          </a:p>
+        </p:txBody>
+      </p:sp>
+      <p:sp>
+        <p:nvSpPr>
+          <p:cNvPr id="3" name="Content Placeholder 2">
+            <a:extLst>
+              <a:ext uri="{FF2B5EF4-FFF2-40B4-BE49-F238E27FC236}">
+                <a16:creationId xmlns:a16="http://schemas.microsoft.com/office/drawing/2014/main" id="{34A5C08F-5AF3-498D-A5F6-853615407476}"/>
+              </a:ext>
+            </a:extLst>
+          </p:cNvPr>
+          <p:cNvSpPr>
+            <a:spLocks noGrp="1"/>
+          </p:cNvSpPr>
+          <p:nvPr>
+            <p:ph idx="1"/>
+          </p:nvPr>
+        </p:nvSpPr>
+        <p:spPr/>
+        <p:txBody>
+          <a:bodyPr/>
+          <a:lstStyle/>
+          <a:p>
+            <a:r>
+              <a:rPr lang="en-GB" dirty="0"/>
+              <a:t>Trello</a:t>
+            </a:r>
+          </a:p>
+        </p:txBody>
+      </p:sp>
+    </p:spTree>
+    <p:extLst>
+      <p:ext uri="{BB962C8B-B14F-4D97-AF65-F5344CB8AC3E}">
+        <p14:creationId xmlns:p14="http://schemas.microsoft.com/office/powerpoint/2010/main" val="29501223"/>
+      </p:ext>
+    </p:extLst>
+  </p:cSld>
+  <p:clrMapOvr>
+    <a:masterClrMapping/>
+  </p:clrMapOvr>
+</p:sld>
+</file>
+
+<file path=ppt/slides/slide6.xml><?xml version="1.0" encoding="utf-8"?>
+<p:sld xmlns:a="http://schemas.openxmlformats.org/drawingml/2006/main" xmlns:r="http://schemas.openxmlformats.org/officeDocument/2006/relationships" xmlns:p="http://schemas.openxmlformats.org/presentationml/2006/main">
+  <p:cSld>
+    <p:spTree>
+      <p:nvGrpSpPr>
+        <p:cNvPr id="1" name=""/>
+        <p:cNvGrpSpPr/>
+        <p:nvPr/>
+      </p:nvGrpSpPr>
+      <p:grpSpPr>
+        <a:xfrm>
+          <a:off x="0" y="0"/>
+          <a:ext cx="0" cy="0"/>
+          <a:chOff x="0" y="0"/>
+          <a:chExt cx="0" cy="0"/>
+        </a:xfrm>
+      </p:grpSpPr>
+      <p:sp>
+        <p:nvSpPr>
+          <p:cNvPr id="2" name="Title 1">
+            <a:extLst>
+              <a:ext uri="{FF2B5EF4-FFF2-40B4-BE49-F238E27FC236}">
+                <a16:creationId xmlns:a16="http://schemas.microsoft.com/office/drawing/2014/main" id="{774A1808-A1CF-4633-A2CB-91D29CA8EAF8}"/>
+              </a:ext>
+            </a:extLst>
+          </p:cNvPr>
+          <p:cNvSpPr>
+            <a:spLocks noGrp="1"/>
+          </p:cNvSpPr>
+          <p:nvPr>
+            <p:ph type="title"/>
+          </p:nvPr>
+        </p:nvSpPr>
+        <p:spPr/>
+        <p:txBody>
+          <a:bodyPr/>
+          <a:lstStyle/>
+          <a:p>
+            <a:r>
+              <a:rPr lang="en-GB" dirty="0"/>
+              <a:t>Weeks 2&amp;3 - Java</a:t>
+            </a:r>
+          </a:p>
+        </p:txBody>
+      </p:sp>
+      <p:sp>
+        <p:nvSpPr>
+          <p:cNvPr id="3" name="Content Placeholder 2">
+            <a:extLst>
+              <a:ext uri="{FF2B5EF4-FFF2-40B4-BE49-F238E27FC236}">
+                <a16:creationId xmlns:a16="http://schemas.microsoft.com/office/drawing/2014/main" id="{B47EA295-EB63-48A7-98AA-C7651EC05F4A}"/>
+              </a:ext>
+            </a:extLst>
+          </p:cNvPr>
+          <p:cNvSpPr>
+            <a:spLocks noGrp="1"/>
+          </p:cNvSpPr>
+          <p:nvPr>
+            <p:ph idx="1"/>
+          </p:nvPr>
+        </p:nvSpPr>
+        <p:spPr/>
+        <p:txBody>
+          <a:bodyPr/>
+          <a:lstStyle/>
+          <a:p>
+            <a:endParaRPr lang="en-GB"/>
+          </a:p>
+        </p:txBody>
+      </p:sp>
+    </p:spTree>
+    <p:extLst>
+      <p:ext uri="{BB962C8B-B14F-4D97-AF65-F5344CB8AC3E}">
+        <p14:creationId xmlns:p14="http://schemas.microsoft.com/office/powerpoint/2010/main" val="3928318741"/>
+      </p:ext>
+    </p:extLst>
+  </p:cSld>
+  <p:clrMapOvr>
+    <a:masterClrMapping/>
+  </p:clrMapOvr>
+</p:sld>
+</file>
+
+<file path=ppt/slides/slide7.xml><?xml version="1.0" encoding="utf-8"?>
+<p:sld xmlns:a="http://schemas.openxmlformats.org/drawingml/2006/main" xmlns:r="http://schemas.openxmlformats.org/officeDocument/2006/relationships" xmlns:p="http://schemas.openxmlformats.org/presentationml/2006/main">
+  <p:cSld>
+    <p:spTree>
+      <p:nvGrpSpPr>
+        <p:cNvPr id="1" name=""/>
+        <p:cNvGrpSpPr/>
+        <p:nvPr/>
+      </p:nvGrpSpPr>
+      <p:grpSpPr>
+        <a:xfrm>
+          <a:off x="0" y="0"/>
+          <a:ext cx="0" cy="0"/>
+          <a:chOff x="0" y="0"/>
+          <a:chExt cx="0" cy="0"/>
+        </a:xfrm>
+      </p:grpSpPr>
+      <p:sp>
+        <p:nvSpPr>
+          <p:cNvPr id="2" name="Title 1">
+            <a:extLst>
+              <a:ext uri="{FF2B5EF4-FFF2-40B4-BE49-F238E27FC236}">
+                <a16:creationId xmlns:a16="http://schemas.microsoft.com/office/drawing/2014/main" id="{259D7EA0-33DC-43B0-9340-87C9FD04BD57}"/>
+              </a:ext>
+            </a:extLst>
+          </p:cNvPr>
+          <p:cNvSpPr>
+            <a:spLocks noGrp="1"/>
+          </p:cNvSpPr>
+          <p:nvPr>
+            <p:ph type="title"/>
+          </p:nvPr>
+        </p:nvSpPr>
+        <p:spPr/>
+        <p:txBody>
+          <a:bodyPr/>
+          <a:lstStyle/>
+          <a:p>
+            <a:r>
+              <a:rPr lang="en-GB" dirty="0"/>
+              <a:t>Weeks 4&amp;5 – Upgrading to EE</a:t>
+            </a:r>
+          </a:p>
+        </p:txBody>
+      </p:sp>
+      <p:sp>
+        <p:nvSpPr>
+          <p:cNvPr id="3" name="Content Placeholder 2">
+            <a:extLst>
+              <a:ext uri="{FF2B5EF4-FFF2-40B4-BE49-F238E27FC236}">
+                <a16:creationId xmlns:a16="http://schemas.microsoft.com/office/drawing/2014/main" id="{E9C4DA08-59C5-4A56-82C9-C710F571B52E}"/>
+              </a:ext>
+            </a:extLst>
+          </p:cNvPr>
+          <p:cNvSpPr>
+            <a:spLocks noGrp="1"/>
+          </p:cNvSpPr>
+          <p:nvPr>
+            <p:ph idx="1"/>
+          </p:nvPr>
+        </p:nvSpPr>
+        <p:spPr/>
+        <p:txBody>
+          <a:bodyPr/>
+          <a:lstStyle/>
+          <a:p>
+            <a:endParaRPr lang="en-GB"/>
+          </a:p>
+        </p:txBody>
+      </p:sp>
+    </p:spTree>
+    <p:extLst>
+      <p:ext uri="{BB962C8B-B14F-4D97-AF65-F5344CB8AC3E}">
+        <p14:creationId xmlns:p14="http://schemas.microsoft.com/office/powerpoint/2010/main" val="2936402833"/>
+      </p:ext>
+    </p:extLst>
+  </p:cSld>
+  <p:clrMapOvr>
+    <a:masterClrMapping/>
+  </p:clrMapOvr>
+</p:sld>
+</file>
+
+<file path=ppt/slides/slide8.xml><?xml version="1.0" encoding="utf-8"?>
+<p:sld xmlns:a="http://schemas.openxmlformats.org/drawingml/2006/main" xmlns:r="http://schemas.openxmlformats.org/officeDocument/2006/relationships" xmlns:p="http://schemas.openxmlformats.org/presentationml/2006/main">
+  <p:cSld>
+    <p:spTree>
+      <p:nvGrpSpPr>
+        <p:cNvPr id="1" name=""/>
+        <p:cNvGrpSpPr/>
+        <p:nvPr/>
+      </p:nvGrpSpPr>
+      <p:grpSpPr>
+        <a:xfrm>
+          <a:off x="0" y="0"/>
+          <a:ext cx="0" cy="0"/>
+          <a:chOff x="0" y="0"/>
+          <a:chExt cx="0" cy="0"/>
+        </a:xfrm>
+      </p:grpSpPr>
+      <p:sp>
+        <p:nvSpPr>
+          <p:cNvPr id="2" name="Title 1">
+            <a:extLst>
+              <a:ext uri="{FF2B5EF4-FFF2-40B4-BE49-F238E27FC236}">
+                <a16:creationId xmlns:a16="http://schemas.microsoft.com/office/drawing/2014/main" id="{17834BE2-1915-4D3E-B0DC-CC6665E3FB0C}"/>
+              </a:ext>
+            </a:extLst>
+          </p:cNvPr>
+          <p:cNvSpPr>
+            <a:spLocks noGrp="1"/>
+          </p:cNvSpPr>
+          <p:nvPr>
+            <p:ph type="title"/>
+          </p:nvPr>
+        </p:nvSpPr>
+        <p:spPr/>
+        <p:txBody>
+          <a:bodyPr>
+            <a:normAutofit/>
+          </a:bodyPr>
+          <a:lstStyle/>
+          <a:p>
+            <a:r>
+              <a:rPr lang="en-GB" dirty="0"/>
+              <a:t>Week 6 – Front End with JS and React</a:t>
+            </a:r>
+          </a:p>
+        </p:txBody>
+      </p:sp>
+      <p:sp>
+        <p:nvSpPr>
+          <p:cNvPr id="3" name="Content Placeholder 2">
+            <a:extLst>
+              <a:ext uri="{FF2B5EF4-FFF2-40B4-BE49-F238E27FC236}">
+                <a16:creationId xmlns:a16="http://schemas.microsoft.com/office/drawing/2014/main" id="{3323AA41-15B4-4AD9-B907-F2F087C8F0DA}"/>
+              </a:ext>
+            </a:extLst>
+          </p:cNvPr>
+          <p:cNvSpPr>
+            <a:spLocks noGrp="1"/>
+          </p:cNvSpPr>
+          <p:nvPr>
+            <p:ph idx="1"/>
+          </p:nvPr>
+        </p:nvSpPr>
+        <p:spPr>
+          <a:xfrm>
+            <a:off x="1638300" y="1775791"/>
+            <a:ext cx="8915400" cy="3777622"/>
+          </a:xfrm>
+        </p:spPr>
+        <p:txBody>
+          <a:bodyPr/>
+          <a:lstStyle/>
+          <a:p>
+            <a:endParaRPr lang="en-GB"/>
+          </a:p>
+        </p:txBody>
+      </p:sp>
+    </p:spTree>
+    <p:extLst>
+      <p:ext uri="{BB962C8B-B14F-4D97-AF65-F5344CB8AC3E}">
+        <p14:creationId xmlns:p14="http://schemas.microsoft.com/office/powerpoint/2010/main" val="2948663736"/>
+      </p:ext>
+    </p:extLst>
+  </p:cSld>
+  <p:clrMapOvr>
+    <a:masterClrMapping/>
+  </p:clrMapOvr>
+</p:sld>
+</file>
+
+<file path=ppt/slides/slide9.xml><?xml version="1.0" encoding="utf-8"?>
+<p:sld xmlns:a="http://schemas.openxmlformats.org/drawingml/2006/main" xmlns:r="http://schemas.openxmlformats.org/officeDocument/2006/relationships" xmlns:p="http://schemas.openxmlformats.org/presentationml/2006/main">
+  <p:cSld>
+    <p:spTree>
+      <p:nvGrpSpPr>
+        <p:cNvPr id="1" name=""/>
+        <p:cNvGrpSpPr/>
+        <p:nvPr/>
+      </p:nvGrpSpPr>
+      <p:grpSpPr>
+        <a:xfrm>
+          <a:off x="0" y="0"/>
+          <a:ext cx="0" cy="0"/>
+          <a:chOff x="0" y="0"/>
+          <a:chExt cx="0" cy="0"/>
+        </a:xfrm>
+      </p:grpSpPr>
+      <p:sp>
+        <p:nvSpPr>
+          <p:cNvPr id="2" name="Title 1">
+            <a:extLst>
+              <a:ext uri="{FF2B5EF4-FFF2-40B4-BE49-F238E27FC236}">
+                <a16:creationId xmlns:a16="http://schemas.microsoft.com/office/drawing/2014/main" id="{EFFCAA69-38C0-4514-93E2-FE1D0185B2AB}"/>
+              </a:ext>
+            </a:extLst>
+          </p:cNvPr>
+          <p:cNvSpPr>
+            <a:spLocks noGrp="1"/>
+          </p:cNvSpPr>
+          <p:nvPr>
+            <p:ph type="title"/>
+          </p:nvPr>
+        </p:nvSpPr>
+        <p:spPr/>
+        <p:txBody>
+          <a:bodyPr/>
+          <a:lstStyle/>
+          <a:p>
+            <a:r>
+              <a:rPr lang="en-GB" dirty="0"/>
+              <a:t>Week 7 - Testing</a:t>
+            </a:r>
+          </a:p>
+        </p:txBody>
+      </p:sp>
+      <p:sp>
+        <p:nvSpPr>
+          <p:cNvPr id="3" name="Content Placeholder 2">
+            <a:extLst>
+              <a:ext uri="{FF2B5EF4-FFF2-40B4-BE49-F238E27FC236}">
+                <a16:creationId xmlns:a16="http://schemas.microsoft.com/office/drawing/2014/main" id="{B088FE8E-5C7A-47F4-B276-13F4F2693E96}"/>
+              </a:ext>
+            </a:extLst>
+          </p:cNvPr>
+          <p:cNvSpPr>
+            <a:spLocks noGrp="1"/>
+          </p:cNvSpPr>
+          <p:nvPr>
+            <p:ph idx="1"/>
+          </p:nvPr>
+        </p:nvSpPr>
+        <p:spPr>
+          <a:xfrm>
+            <a:off x="1084193" y="1736035"/>
+            <a:ext cx="10023613" cy="4497855"/>
+          </a:xfrm>
+        </p:spPr>
+        <p:txBody>
+          <a:bodyPr/>
+          <a:lstStyle/>
+          <a:p>
+            <a:r>
+              <a:rPr lang="en-GB" dirty="0"/>
+              <a:t>Static Testing using </a:t>
+            </a:r>
+            <a:r>
+              <a:rPr lang="en-GB" dirty="0" err="1"/>
+              <a:t>Sonarqube</a:t>
+            </a:r>
+            <a:endParaRPr lang="en-GB" dirty="0"/>
+          </a:p>
+          <a:p>
+            <a:r>
+              <a:rPr lang="en-GB" dirty="0"/>
+              <a:t>Made a Test Suite.</a:t>
+            </a:r>
+          </a:p>
+          <a:p>
+            <a:r>
+              <a:rPr lang="en-GB" dirty="0"/>
+              <a:t>Code Review by a Peer</a:t>
+            </a:r>
+          </a:p>
+          <a:p>
+            <a:r>
+              <a:rPr lang="en-GB" dirty="0"/>
+              <a:t>Basic Selenium Tests</a:t>
+            </a:r>
+          </a:p>
+        </p:txBody>
+      </p:sp>
+    </p:spTree>
+    <p:extLst>
+      <p:ext uri="{BB962C8B-B14F-4D97-AF65-F5344CB8AC3E}">
+        <p14:creationId xmlns:p14="http://schemas.microsoft.com/office/powerpoint/2010/main" val="2498035578"/>
+      </p:ext>
+    </p:extLst>
+  </p:cSld>
+  <p:clrMapOvr>
+    <a:masterClrMapping/>
+  </p:clrMapOvr>
+</p:sld>
+</file>
+
 <file path=ppt/theme/theme1.xml><?xml version="1.0" encoding="utf-8"?>
-<a:theme xmlns:a="http://schemas.openxmlformats.org/drawingml/2006/main" name="Office Theme">
+<a:theme xmlns:a="http://schemas.openxmlformats.org/drawingml/2006/main" name="Wisp">
   <a:themeElements>
-    <a:clrScheme name="Office">
+    <a:clrScheme name="Wisp">
       <a:dk1>
         <a:sysClr val="windowText" lastClr="000000"/>
       </a:dk1>
@@ -3212,83 +8959,48 @@
         <a:sysClr val="window" lastClr="FFFFFF"/>
       </a:lt1>
       <a:dk2>
-        <a:srgbClr val="44546A"/>
+        <a:srgbClr val="766F54"/>
       </a:dk2>
       <a:lt2>
-        <a:srgbClr val="E7E6E6"/>
+        <a:srgbClr val="E3EACF"/>
       </a:lt2>
       <a:accent1>
-        <a:srgbClr val="5B9BD5"/>
+        <a:srgbClr val="A53010"/>
       </a:accent1>
       <a:accent2>
-        <a:srgbClr val="ED7D31"/>
+        <a:srgbClr val="DE7E18"/>
       </a:accent2>
       <a:accent3>
-        <a:srgbClr val="A5A5A5"/>
+        <a:srgbClr val="9F8351"/>
       </a:accent3>
       <a:accent4>
-        <a:srgbClr val="FFC000"/>
+        <a:srgbClr val="728653"/>
       </a:accent4>
       <a:accent5>
-        <a:srgbClr val="4472C4"/>
+        <a:srgbClr val="92AA4C"/>
       </a:accent5>
       <a:accent6>
-        <a:srgbClr val="70AD47"/>
+        <a:srgbClr val="6AAC91"/>
       </a:accent6>
       <a:hlink>
-        <a:srgbClr val="0563C1"/>
+        <a:srgbClr val="FB4A18"/>
       </a:hlink>
       <a:folHlink>
-        <a:srgbClr val="954F72"/>
+        <a:srgbClr val="FB9318"/>
       </a:folHlink>
     </a:clrScheme>
-    <a:fontScheme name="Office">
+    <a:fontScheme name="Wisp">
       <a:majorFont>
-        <a:latin typeface="Calibri Light" panose="020F0302020204030204"/>
+        <a:latin typeface="Century Gothic" panose="020B0502020202020204"/>
         <a:ea typeface=""/>
         <a:cs typeface=""/>
-        <a:font script="Jpan" typeface="游ゴシック Light"/>
-        <a:font script="Hang" typeface="맑은 고딕"/>
-        <a:font script="Hans" typeface="等线 Light"/>
-        <a:font script="Hant" typeface="新細明體"/>
-        <a:font script="Arab" typeface="Times New Roman"/>
-        <a:font script="Hebr" typeface="Times New Roman"/>
-        <a:font script="Thai" typeface="Angsana New"/>
-        <a:font script="Ethi" typeface="Nyala"/>
-        <a:font script="Beng" typeface="Vrinda"/>
-        <a:font script="Gujr" typeface="Shruti"/>
-        <a:font script="Khmr" typeface="MoolBoran"/>
-        <a:font script="Knda" typeface="Tunga"/>
-        <a:font script="Guru" typeface="Raavi"/>
-        <a:font script="Cans" typeface="Euphemia"/>
-        <a:font script="Cher" typeface="Plantagenet Cherokee"/>
-        <a:font script="Yiii" typeface="Microsoft Yi Baiti"/>
-        <a:font script="Tibt" typeface="Microsoft Himalaya"/>
-        <a:font script="Thaa" typeface="MV Boli"/>
-        <a:font script="Deva" typeface="Mangal"/>
-        <a:font script="Telu" typeface="Gautami"/>
-        <a:font script="Taml" typeface="Latha"/>
-        <a:font script="Syrc" typeface="Estrangelo Edessa"/>
-        <a:font script="Orya" typeface="Kalinga"/>
-        <a:font script="Mlym" typeface="Kartika"/>
-        <a:font script="Laoo" typeface="DokChampa"/>
-        <a:font script="Sinh" typeface="Iskoola Pota"/>
-        <a:font script="Mong" typeface="Mongolian Baiti"/>
-        <a:font script="Viet" typeface="Times New Roman"/>
-        <a:font script="Uigh" typeface="Microsoft Uighur"/>
-        <a:font script="Geor" typeface="Sylfaen"/>
-      </a:majorFont>
-      <a:minorFont>
-        <a:latin typeface="Calibri" panose="020F0502020204030204"/>
-        <a:ea typeface=""/>
-        <a:cs typeface=""/>
-        <a:font script="Jpan" typeface="游ゴシック"/>
-        <a:font script="Hang" typeface="맑은 고딕"/>
-        <a:font script="Hans" typeface="等线"/>
-        <a:font script="Hant" typeface="新細明體"/>
-        <a:font script="Arab" typeface="Arial"/>
-        <a:font script="Hebr" typeface="Arial"/>
-        <a:font script="Thai" typeface="Cordia New"/>
+        <a:font script="Jpan" typeface="メイリオ"/>
+        <a:font script="Hang" typeface="HY중고딕"/>
+        <a:font script="Hans" typeface="幼圆"/>
+        <a:font script="Hant" typeface="微軟正黑體"/>
+        <a:font script="Arab" typeface="Tahoma"/>
+        <a:font script="Hebr" typeface="Gisha"/>
+        <a:font script="Thai" typeface="DilleniaUPC"/>
         <a:font script="Ethi" typeface="Nyala"/>
         <a:font script="Beng" typeface="Vrinda"/>
         <a:font script="Gujr" typeface="Shruti"/>
@@ -3309,13 +9021,121 @@
         <a:font script="Laoo" typeface="DokChampa"/>
         <a:font script="Sinh" typeface="Iskoola Pota"/>
         <a:font script="Mong" typeface="Mongolian Baiti"/>
-        <a:font script="Viet" typeface="Arial"/>
+        <a:font script="Viet" typeface="Tahoma"/>
+        <a:font script="Uigh" typeface="Microsoft Uighur"/>
+        <a:font script="Geor" typeface="Sylfaen"/>
+      </a:majorFont>
+      <a:minorFont>
+        <a:latin typeface="Century Gothic" panose="020B0502020202020204"/>
+        <a:ea typeface=""/>
+        <a:cs typeface=""/>
+        <a:font script="Jpan" typeface="メイリオ"/>
+        <a:font script="Hang" typeface="HY중고딕"/>
+        <a:font script="Hans" typeface="幼圆"/>
+        <a:font script="Hant" typeface="微軟正黑體"/>
+        <a:font script="Arab" typeface="Tahoma"/>
+        <a:font script="Hebr" typeface="Gisha"/>
+        <a:font script="Thai" typeface="DilleniaUPC"/>
+        <a:font script="Ethi" typeface="Nyala"/>
+        <a:font script="Beng" typeface="Vrinda"/>
+        <a:font script="Gujr" typeface="Shruti"/>
+        <a:font script="Khmr" typeface="DaunPenh"/>
+        <a:font script="Knda" typeface="Tunga"/>
+        <a:font script="Guru" typeface="Raavi"/>
+        <a:font script="Cans" typeface="Euphemia"/>
+        <a:font script="Cher" typeface="Plantagenet Cherokee"/>
+        <a:font script="Yiii" typeface="Microsoft Yi Baiti"/>
+        <a:font script="Tibt" typeface="Microsoft Himalaya"/>
+        <a:font script="Thaa" typeface="MV Boli"/>
+        <a:font script="Deva" typeface="Mangal"/>
+        <a:font script="Telu" typeface="Gautami"/>
+        <a:font script="Taml" typeface="Latha"/>
+        <a:font script="Syrc" typeface="Estrangelo Edessa"/>
+        <a:font script="Orya" typeface="Kalinga"/>
+        <a:font script="Mlym" typeface="Kartika"/>
+        <a:font script="Laoo" typeface="DokChampa"/>
+        <a:font script="Sinh" typeface="Iskoola Pota"/>
+        <a:font script="Mong" typeface="Mongolian Baiti"/>
+        <a:font script="Viet" typeface="Tahoma"/>
         <a:font script="Uigh" typeface="Microsoft Uighur"/>
         <a:font script="Geor" typeface="Sylfaen"/>
       </a:minorFont>
     </a:fontScheme>
-    <a:fmtScheme name="Office">
+    <a:fmtScheme name="Wisp">
       <a:fillStyleLst>
+        <a:solidFill>
+          <a:schemeClr val="phClr"/>
+        </a:solidFill>
+        <a:solidFill>
+          <a:schemeClr val="phClr">
+            <a:tint val="70000"/>
+            <a:lumMod val="104000"/>
+          </a:schemeClr>
+        </a:solidFill>
+        <a:gradFill rotWithShape="1">
+          <a:gsLst>
+            <a:gs pos="0">
+              <a:schemeClr val="phClr">
+                <a:tint val="96000"/>
+                <a:lumMod val="104000"/>
+              </a:schemeClr>
+            </a:gs>
+            <a:gs pos="100000">
+              <a:schemeClr val="phClr">
+                <a:shade val="98000"/>
+                <a:lumMod val="94000"/>
+              </a:schemeClr>
+            </a:gs>
+          </a:gsLst>
+          <a:lin ang="5400000" scaled="0"/>
+        </a:gradFill>
+      </a:fillStyleLst>
+      <a:lnStyleLst>
+        <a:ln w="9525" cap="rnd" cmpd="sng" algn="ctr">
+          <a:solidFill>
+            <a:schemeClr val="phClr">
+              <a:shade val="90000"/>
+            </a:schemeClr>
+          </a:solidFill>
+          <a:prstDash val="solid"/>
+        </a:ln>
+        <a:ln w="15875" cap="rnd" cmpd="sng" algn="ctr">
+          <a:solidFill>
+            <a:schemeClr val="phClr"/>
+          </a:solidFill>
+          <a:prstDash val="solid"/>
+        </a:ln>
+        <a:ln w="22225" cap="rnd" cmpd="sng" algn="ctr">
+          <a:solidFill>
+            <a:schemeClr val="phClr"/>
+          </a:solidFill>
+          <a:prstDash val="solid"/>
+        </a:ln>
+      </a:lnStyleLst>
+      <a:effectStyleLst>
+        <a:effectStyle>
+          <a:effectLst/>
+        </a:effectStyle>
+        <a:effectStyle>
+          <a:effectLst>
+            <a:outerShdw blurRad="38100" dist="25400" dir="5400000" rotWithShape="0">
+              <a:srgbClr val="000000">
+                <a:alpha val="25000"/>
+              </a:srgbClr>
+            </a:outerShdw>
+          </a:effectLst>
+        </a:effectStyle>
+        <a:effectStyle>
+          <a:effectLst>
+            <a:outerShdw blurRad="50800" dist="38100" dir="5400000" rotWithShape="0">
+              <a:srgbClr val="000000">
+                <a:alpha val="60000"/>
+              </a:srgbClr>
+            </a:outerShdw>
+          </a:effectLst>
+        </a:effectStyle>
+      </a:effectStyleLst>
+      <a:bgFillStyleLst>
         <a:solidFill>
           <a:schemeClr val="phClr"/>
         </a:solidFill>
@@ -3323,23 +9143,15 @@
           <a:gsLst>
             <a:gs pos="0">
               <a:schemeClr val="phClr">
-                <a:lumMod val="110000"/>
-                <a:satMod val="105000"/>
-                <a:tint val="67000"/>
-              </a:schemeClr>
-            </a:gs>
-            <a:gs pos="50000">
-              <a:schemeClr val="phClr">
-                <a:lumMod val="105000"/>
-                <a:satMod val="103000"/>
-                <a:tint val="73000"/>
+                <a:tint val="90000"/>
+                <a:lumMod val="120000"/>
               </a:schemeClr>
             </a:gs>
             <a:gs pos="100000">
               <a:schemeClr val="phClr">
-                <a:lumMod val="105000"/>
-                <a:satMod val="109000"/>
-                <a:tint val="81000"/>
+                <a:shade val="98000"/>
+                <a:satMod val="120000"/>
+                <a:lumMod val="98000"/>
               </a:schemeClr>
             </a:gs>
           </a:gsLst>
@@ -3349,105 +9161,22 @@
           <a:gsLst>
             <a:gs pos="0">
               <a:schemeClr val="phClr">
-                <a:satMod val="103000"/>
-                <a:lumMod val="102000"/>
-                <a:tint val="94000"/>
-              </a:schemeClr>
-            </a:gs>
-            <a:gs pos="50000">
-              <a:schemeClr val="phClr">
-                <a:satMod val="110000"/>
-                <a:lumMod val="100000"/>
-                <a:shade val="100000"/>
+                <a:tint val="90000"/>
+                <a:satMod val="92000"/>
+                <a:lumMod val="120000"/>
               </a:schemeClr>
             </a:gs>
             <a:gs pos="100000">
               <a:schemeClr val="phClr">
-                <a:lumMod val="99000"/>
+                <a:shade val="98000"/>
                 <a:satMod val="120000"/>
-                <a:shade val="78000"/>
+                <a:lumMod val="98000"/>
               </a:schemeClr>
             </a:gs>
           </a:gsLst>
-          <a:lin ang="5400000" scaled="0"/>
-        </a:gradFill>
-      </a:fillStyleLst>
-      <a:lnStyleLst>
-        <a:ln w="6350" cap="flat" cmpd="sng" algn="ctr">
-          <a:solidFill>
-            <a:schemeClr val="phClr"/>
-          </a:solidFill>
-          <a:prstDash val="solid"/>
-          <a:miter lim="800000"/>
-        </a:ln>
-        <a:ln w="12700" cap="flat" cmpd="sng" algn="ctr">
-          <a:solidFill>
-            <a:schemeClr val="phClr"/>
-          </a:solidFill>
-          <a:prstDash val="solid"/>
-          <a:miter lim="800000"/>
-        </a:ln>
-        <a:ln w="19050" cap="flat" cmpd="sng" algn="ctr">
-          <a:solidFill>
-            <a:schemeClr val="phClr"/>
-          </a:solidFill>
-          <a:prstDash val="solid"/>
-          <a:miter lim="800000"/>
-        </a:ln>
-      </a:lnStyleLst>
-      <a:effectStyleLst>
-        <a:effectStyle>
-          <a:effectLst/>
-        </a:effectStyle>
-        <a:effectStyle>
-          <a:effectLst/>
-        </a:effectStyle>
-        <a:effectStyle>
-          <a:effectLst>
-            <a:outerShdw blurRad="57150" dist="19050" dir="5400000" algn="ctr" rotWithShape="0">
-              <a:srgbClr val="000000">
-                <a:alpha val="63000"/>
-              </a:srgbClr>
-            </a:outerShdw>
-          </a:effectLst>
-        </a:effectStyle>
-      </a:effectStyleLst>
-      <a:bgFillStyleLst>
-        <a:solidFill>
-          <a:schemeClr val="phClr"/>
-        </a:solidFill>
-        <a:solidFill>
-          <a:schemeClr val="phClr">
-            <a:tint val="95000"/>
-            <a:satMod val="170000"/>
-          </a:schemeClr>
-        </a:solidFill>
-        <a:gradFill rotWithShape="1">
-          <a:gsLst>
-            <a:gs pos="0">
-              <a:schemeClr val="phClr">
-                <a:tint val="93000"/>
-                <a:satMod val="150000"/>
-                <a:shade val="98000"/>
-                <a:lumMod val="102000"/>
-              </a:schemeClr>
-            </a:gs>
-            <a:gs pos="50000">
-              <a:schemeClr val="phClr">
-                <a:tint val="98000"/>
-                <a:satMod val="130000"/>
-                <a:shade val="90000"/>
-                <a:lumMod val="103000"/>
-              </a:schemeClr>
-            </a:gs>
-            <a:gs pos="100000">
-              <a:schemeClr val="phClr">
-                <a:shade val="63000"/>
-                <a:satMod val="120000"/>
-              </a:schemeClr>
-            </a:gs>
-          </a:gsLst>
-          <a:lin ang="5400000" scaled="0"/>
+          <a:path path="circle">
+            <a:fillToRect l="50000" t="50000" r="100000" b="100000"/>
+          </a:path>
         </a:gradFill>
       </a:bgFillStyleLst>
     </a:fmtScheme>
@@ -3456,7 +9185,7 @@
   <a:extraClrSchemeLst/>
   <a:extLst>
     <a:ext uri="{05A4C25C-085E-4340-85A3-A5531E510DB2}">
-      <thm15:themeFamily xmlns:thm15="http://schemas.microsoft.com/office/thememl/2012/main" name="Office Theme" id="{62F939B6-93AF-4DB8-9C6B-D6C7DFDC589F}" vid="{4A3C46E8-61CC-4603-A589-7422A47A8E4A}"/>
+      <thm15:themeFamily xmlns:thm15="http://schemas.microsoft.com/office/thememl/2012/main" name="Wisp" id="{7CB32D59-10C0-40DD-B7BD-2E94284A981C}" vid="{24B1A44C-C006-48B2-A4D7-E5549B3D8CD4}"/>
     </a:ext>
   </a:extLst>
 </a:theme>

--- a/Project Presentation.pptx
+++ b/Project Presentation.pptx
@@ -9,15 +9,16 @@
     <p:sldId id="258" r:id="rId3"/>
     <p:sldId id="259" r:id="rId4"/>
     <p:sldId id="257" r:id="rId5"/>
-    <p:sldId id="260" r:id="rId6"/>
-    <p:sldId id="261" r:id="rId7"/>
-    <p:sldId id="262" r:id="rId8"/>
-    <p:sldId id="263" r:id="rId9"/>
-    <p:sldId id="264" r:id="rId10"/>
-    <p:sldId id="265" r:id="rId11"/>
-    <p:sldId id="266" r:id="rId12"/>
-    <p:sldId id="268" r:id="rId13"/>
-    <p:sldId id="267" r:id="rId14"/>
+    <p:sldId id="269" r:id="rId6"/>
+    <p:sldId id="260" r:id="rId7"/>
+    <p:sldId id="261" r:id="rId8"/>
+    <p:sldId id="262" r:id="rId9"/>
+    <p:sldId id="263" r:id="rId10"/>
+    <p:sldId id="264" r:id="rId11"/>
+    <p:sldId id="265" r:id="rId12"/>
+    <p:sldId id="266" r:id="rId13"/>
+    <p:sldId id="268" r:id="rId14"/>
+    <p:sldId id="267" r:id="rId15"/>
   </p:sldIdLst>
   <p:sldSz cx="12192000" cy="6858000"/>
   <p:notesSz cx="6858000" cy="9144000"/>
@@ -312,7 +313,7 @@
           <a:p>
             <a:fld id="{D8B9DD1B-3A02-4013-B1CD-A9A5989ED81E}" type="datetimeFigureOut">
               <a:rPr lang="en-GB" smtClean="0"/>
-              <a:t>06/03/2019</a:t>
+              <a:t>07/03/2019</a:t>
             </a:fld>
             <a:endParaRPr lang="en-GB"/>
           </a:p>
@@ -650,7 +651,7 @@
           <a:p>
             <a:fld id="{D8B9DD1B-3A02-4013-B1CD-A9A5989ED81E}" type="datetimeFigureOut">
               <a:rPr lang="en-GB" smtClean="0"/>
-              <a:t>06/03/2019</a:t>
+              <a:t>07/03/2019</a:t>
             </a:fld>
             <a:endParaRPr lang="en-GB"/>
           </a:p>
@@ -1051,7 +1052,7 @@
           <a:p>
             <a:fld id="{D8B9DD1B-3A02-4013-B1CD-A9A5989ED81E}" type="datetimeFigureOut">
               <a:rPr lang="en-GB" smtClean="0"/>
-              <a:t>06/03/2019</a:t>
+              <a:t>07/03/2019</a:t>
             </a:fld>
             <a:endParaRPr lang="en-GB"/>
           </a:p>
@@ -1387,7 +1388,7 @@
           <a:p>
             <a:fld id="{D8B9DD1B-3A02-4013-B1CD-A9A5989ED81E}" type="datetimeFigureOut">
               <a:rPr lang="en-GB" smtClean="0"/>
-              <a:t>06/03/2019</a:t>
+              <a:t>07/03/2019</a:t>
             </a:fld>
             <a:endParaRPr lang="en-GB"/>
           </a:p>
@@ -1707,7 +1708,7 @@
           <a:p>
             <a:fld id="{D8B9DD1B-3A02-4013-B1CD-A9A5989ED81E}" type="datetimeFigureOut">
               <a:rPr lang="en-GB" smtClean="0"/>
-              <a:t>06/03/2019</a:t>
+              <a:t>07/03/2019</a:t>
             </a:fld>
             <a:endParaRPr lang="en-GB"/>
           </a:p>
@@ -2103,7 +2104,7 @@
           <a:p>
             <a:fld id="{D8B9DD1B-3A02-4013-B1CD-A9A5989ED81E}" type="datetimeFigureOut">
               <a:rPr lang="en-GB" smtClean="0"/>
-              <a:t>06/03/2019</a:t>
+              <a:t>07/03/2019</a:t>
             </a:fld>
             <a:endParaRPr lang="en-GB"/>
           </a:p>
@@ -2360,7 +2361,7 @@
           <a:p>
             <a:fld id="{D8B9DD1B-3A02-4013-B1CD-A9A5989ED81E}" type="datetimeFigureOut">
               <a:rPr lang="en-GB" smtClean="0"/>
-              <a:t>06/03/2019</a:t>
+              <a:t>07/03/2019</a:t>
             </a:fld>
             <a:endParaRPr lang="en-GB"/>
           </a:p>
@@ -2622,7 +2623,7 @@
           <a:p>
             <a:fld id="{D8B9DD1B-3A02-4013-B1CD-A9A5989ED81E}" type="datetimeFigureOut">
               <a:rPr lang="en-GB" smtClean="0"/>
-              <a:t>06/03/2019</a:t>
+              <a:t>07/03/2019</a:t>
             </a:fld>
             <a:endParaRPr lang="en-GB"/>
           </a:p>
@@ -2884,7 +2885,7 @@
           <a:p>
             <a:fld id="{D8B9DD1B-3A02-4013-B1CD-A9A5989ED81E}" type="datetimeFigureOut">
               <a:rPr lang="en-GB" smtClean="0"/>
-              <a:t>06/03/2019</a:t>
+              <a:t>07/03/2019</a:t>
             </a:fld>
             <a:endParaRPr lang="en-GB"/>
           </a:p>
@@ -3213,7 +3214,7 @@
           <a:p>
             <a:fld id="{D8B9DD1B-3A02-4013-B1CD-A9A5989ED81E}" type="datetimeFigureOut">
               <a:rPr lang="en-GB" smtClean="0"/>
-              <a:t>06/03/2019</a:t>
+              <a:t>07/03/2019</a:t>
             </a:fld>
             <a:endParaRPr lang="en-GB"/>
           </a:p>
@@ -3536,7 +3537,7 @@
           <a:p>
             <a:fld id="{D8B9DD1B-3A02-4013-B1CD-A9A5989ED81E}" type="datetimeFigureOut">
               <a:rPr lang="en-GB" smtClean="0"/>
-              <a:t>06/03/2019</a:t>
+              <a:t>07/03/2019</a:t>
             </a:fld>
             <a:endParaRPr lang="en-GB"/>
           </a:p>
@@ -3993,7 +3994,7 @@
           <a:p>
             <a:fld id="{D8B9DD1B-3A02-4013-B1CD-A9A5989ED81E}" type="datetimeFigureOut">
               <a:rPr lang="en-GB" smtClean="0"/>
-              <a:t>06/03/2019</a:t>
+              <a:t>07/03/2019</a:t>
             </a:fld>
             <a:endParaRPr lang="en-GB"/>
           </a:p>
@@ -4198,7 +4199,7 @@
           <a:p>
             <a:fld id="{D8B9DD1B-3A02-4013-B1CD-A9A5989ED81E}" type="datetimeFigureOut">
               <a:rPr lang="en-GB" smtClean="0"/>
-              <a:t>06/03/2019</a:t>
+              <a:t>07/03/2019</a:t>
             </a:fld>
             <a:endParaRPr lang="en-GB"/>
           </a:p>
@@ -4375,7 +4376,7 @@
           <a:p>
             <a:fld id="{D8B9DD1B-3A02-4013-B1CD-A9A5989ED81E}" type="datetimeFigureOut">
               <a:rPr lang="en-GB" smtClean="0"/>
-              <a:t>06/03/2019</a:t>
+              <a:t>07/03/2019</a:t>
             </a:fld>
             <a:endParaRPr lang="en-GB"/>
           </a:p>
@@ -4708,7 +4709,7 @@
           <a:p>
             <a:fld id="{D8B9DD1B-3A02-4013-B1CD-A9A5989ED81E}" type="datetimeFigureOut">
               <a:rPr lang="en-GB" smtClean="0"/>
-              <a:t>06/03/2019</a:t>
+              <a:t>07/03/2019</a:t>
             </a:fld>
             <a:endParaRPr lang="en-GB"/>
           </a:p>
@@ -5053,7 +5054,7 @@
           <a:p>
             <a:fld id="{D8B9DD1B-3A02-4013-B1CD-A9A5989ED81E}" type="datetimeFigureOut">
               <a:rPr lang="en-GB" smtClean="0"/>
-              <a:t>06/03/2019</a:t>
+              <a:t>07/03/2019</a:t>
             </a:fld>
             <a:endParaRPr lang="en-GB"/>
           </a:p>
@@ -7170,7 +7171,7 @@
           <a:p>
             <a:fld id="{D8B9DD1B-3A02-4013-B1CD-A9A5989ED81E}" type="datetimeFigureOut">
               <a:rPr lang="en-GB" smtClean="0"/>
-              <a:t>06/03/2019</a:t>
+              <a:t>07/03/2019</a:t>
             </a:fld>
             <a:endParaRPr lang="en-GB"/>
           </a:p>
@@ -7774,7 +7775,7 @@
           <p:cNvPr id="2" name="Title 1">
             <a:extLst>
               <a:ext uri="{FF2B5EF4-FFF2-40B4-BE49-F238E27FC236}">
-                <a16:creationId xmlns:a16="http://schemas.microsoft.com/office/drawing/2014/main" id="{53608DB2-9FD6-49EF-960D-D88FFBF0F4E7}"/>
+                <a16:creationId xmlns:a16="http://schemas.microsoft.com/office/drawing/2014/main" id="{EFFCAA69-38C0-4514-93E2-FE1D0185B2AB}"/>
               </a:ext>
             </a:extLst>
           </p:cNvPr>
@@ -7792,7 +7793,7 @@
           <a:p>
             <a:r>
               <a:rPr lang="en-GB" dirty="0"/>
-              <a:t>Challenges</a:t>
+              <a:t>Week 7 - Testing</a:t>
             </a:r>
           </a:p>
         </p:txBody>
@@ -7802,7 +7803,7 @@
           <p:cNvPr id="3" name="Content Placeholder 2">
             <a:extLst>
               <a:ext uri="{FF2B5EF4-FFF2-40B4-BE49-F238E27FC236}">
-                <a16:creationId xmlns:a16="http://schemas.microsoft.com/office/drawing/2014/main" id="{B6F6B9CE-5DF2-47CE-879D-ACAEBBBAA4EE}"/>
+                <a16:creationId xmlns:a16="http://schemas.microsoft.com/office/drawing/2014/main" id="{B088FE8E-5C7A-47F4-B276-13F4F2693E96}"/>
               </a:ext>
             </a:extLst>
           </p:cNvPr>
@@ -7815,8 +7816,8 @@
         </p:nvSpPr>
         <p:spPr>
           <a:xfrm>
-            <a:off x="1290499" y="2027583"/>
-            <a:ext cx="8915400" cy="3777622"/>
+            <a:off x="1084193" y="1736035"/>
+            <a:ext cx="10023613" cy="4497855"/>
           </a:xfrm>
         </p:spPr>
         <p:txBody>
@@ -7825,19 +7826,30 @@
           <a:p>
             <a:r>
               <a:rPr lang="en-GB" dirty="0"/>
-              <a:t>CORS – Fixed allowing 8080 server to allow 3000 server to interact.</a:t>
-            </a:r>
+              <a:t>Static Testing using </a:t>
+            </a:r>
+            <a:r>
+              <a:rPr lang="en-GB" dirty="0" err="1"/>
+              <a:t>Sonarqube</a:t>
+            </a:r>
+            <a:endParaRPr lang="en-GB" dirty="0"/>
           </a:p>
           <a:p>
             <a:r>
               <a:rPr lang="en-GB" dirty="0"/>
-              <a:t>Converting to React</a:t>
+              <a:t>Made a Test Suite.</a:t>
             </a:r>
           </a:p>
           <a:p>
             <a:r>
               <a:rPr lang="en-GB" dirty="0"/>
-              <a:t>Populating Database</a:t>
+              <a:t>Code Review by a Peer</a:t>
+            </a:r>
+          </a:p>
+          <a:p>
+            <a:r>
+              <a:rPr lang="en-GB" dirty="0"/>
+              <a:t>Basic Selenium Tests</a:t>
             </a:r>
           </a:p>
         </p:txBody>
@@ -7845,7 +7857,7 @@
     </p:spTree>
     <p:extLst>
       <p:ext uri="{BB962C8B-B14F-4D97-AF65-F5344CB8AC3E}">
-        <p14:creationId xmlns:p14="http://schemas.microsoft.com/office/powerpoint/2010/main" val="1933374920"/>
+        <p14:creationId xmlns:p14="http://schemas.microsoft.com/office/powerpoint/2010/main" val="2498035578"/>
       </p:ext>
     </p:extLst>
   </p:cSld>
@@ -7877,7 +7889,7 @@
           <p:cNvPr id="2" name="Title 1">
             <a:extLst>
               <a:ext uri="{FF2B5EF4-FFF2-40B4-BE49-F238E27FC236}">
-                <a16:creationId xmlns:a16="http://schemas.microsoft.com/office/drawing/2014/main" id="{E2837F8A-38FD-4735-9E9C-7AB77743E6CB}"/>
+                <a16:creationId xmlns:a16="http://schemas.microsoft.com/office/drawing/2014/main" id="{53608DB2-9FD6-49EF-960D-D88FFBF0F4E7}"/>
               </a:ext>
             </a:extLst>
           </p:cNvPr>
@@ -7895,7 +7907,7 @@
           <a:p>
             <a:r>
               <a:rPr lang="en-GB" dirty="0"/>
-              <a:t>Hopes for Improvement</a:t>
+              <a:t>Challenges</a:t>
             </a:r>
           </a:p>
         </p:txBody>
@@ -7905,7 +7917,7 @@
           <p:cNvPr id="3" name="Content Placeholder 2">
             <a:extLst>
               <a:ext uri="{FF2B5EF4-FFF2-40B4-BE49-F238E27FC236}">
-                <a16:creationId xmlns:a16="http://schemas.microsoft.com/office/drawing/2014/main" id="{D1CEA38F-31EB-4712-8E44-C98A0EA184F8}"/>
+                <a16:creationId xmlns:a16="http://schemas.microsoft.com/office/drawing/2014/main" id="{B6F6B9CE-5DF2-47CE-879D-ACAEBBBAA4EE}"/>
               </a:ext>
             </a:extLst>
           </p:cNvPr>
@@ -7916,45 +7928,44 @@
             <p:ph idx="1"/>
           </p:nvPr>
         </p:nvSpPr>
-        <p:spPr/>
+        <p:spPr>
+          <a:xfrm>
+            <a:off x="1290499" y="2027583"/>
+            <a:ext cx="8915400" cy="3777622"/>
+          </a:xfrm>
+        </p:spPr>
         <p:txBody>
           <a:bodyPr/>
           <a:lstStyle/>
           <a:p>
             <a:r>
               <a:rPr lang="en-GB" dirty="0"/>
-              <a:t>Restructuring website for conditional routing</a:t>
+              <a:t>CORS – Fixed allowing 8080 server to allow 3000 server to interact.</a:t>
             </a:r>
           </a:p>
           <a:p>
             <a:r>
               <a:rPr lang="en-GB" dirty="0"/>
-              <a:t>User exclusive functions</a:t>
-            </a:r>
-          </a:p>
-          <a:p>
-            <a:pPr lvl="1"/>
+              <a:t>Converting to </a:t>
+            </a:r>
+            <a:r>
+              <a:rPr lang="en-GB" dirty="0" smtClean="0"/>
+              <a:t>React – Changing JS functions to React syntax</a:t>
+            </a:r>
+            <a:endParaRPr lang="en-GB" dirty="0"/>
+          </a:p>
+          <a:p>
             <a:r>
               <a:rPr lang="en-GB" dirty="0"/>
-              <a:t>Need to be logged in to use CRU functions.</a:t>
-            </a:r>
-          </a:p>
-          <a:p>
-            <a:pPr lvl="1"/>
-            <a:r>
-              <a:rPr lang="en-GB" dirty="0"/>
-              <a:t>Admin user who is only one can use delete functions.</a:t>
-            </a:r>
-          </a:p>
-          <a:p>
-            <a:endParaRPr lang="en-GB" dirty="0"/>
+              <a:t>Populating Database</a:t>
+            </a:r>
           </a:p>
         </p:txBody>
       </p:sp>
     </p:spTree>
     <p:extLst>
       <p:ext uri="{BB962C8B-B14F-4D97-AF65-F5344CB8AC3E}">
-        <p14:creationId xmlns:p14="http://schemas.microsoft.com/office/powerpoint/2010/main" val="3162605915"/>
+        <p14:creationId xmlns:p14="http://schemas.microsoft.com/office/powerpoint/2010/main" val="1933374920"/>
       </p:ext>
     </p:extLst>
   </p:cSld>
@@ -7986,6 +7997,120 @@
           <p:cNvPr id="2" name="Title 1">
             <a:extLst>
               <a:ext uri="{FF2B5EF4-FFF2-40B4-BE49-F238E27FC236}">
+                <a16:creationId xmlns:a16="http://schemas.microsoft.com/office/drawing/2014/main" id="{E2837F8A-38FD-4735-9E9C-7AB77743E6CB}"/>
+              </a:ext>
+            </a:extLst>
+          </p:cNvPr>
+          <p:cNvSpPr>
+            <a:spLocks noGrp="1"/>
+          </p:cNvSpPr>
+          <p:nvPr>
+            <p:ph type="title"/>
+          </p:nvPr>
+        </p:nvSpPr>
+        <p:spPr/>
+        <p:txBody>
+          <a:bodyPr/>
+          <a:lstStyle/>
+          <a:p>
+            <a:r>
+              <a:rPr lang="en-GB" dirty="0"/>
+              <a:t>Hopes for Improvement</a:t>
+            </a:r>
+          </a:p>
+        </p:txBody>
+      </p:sp>
+      <p:sp>
+        <p:nvSpPr>
+          <p:cNvPr id="3" name="Content Placeholder 2">
+            <a:extLst>
+              <a:ext uri="{FF2B5EF4-FFF2-40B4-BE49-F238E27FC236}">
+                <a16:creationId xmlns:a16="http://schemas.microsoft.com/office/drawing/2014/main" id="{D1CEA38F-31EB-4712-8E44-C98A0EA184F8}"/>
+              </a:ext>
+            </a:extLst>
+          </p:cNvPr>
+          <p:cNvSpPr>
+            <a:spLocks noGrp="1"/>
+          </p:cNvSpPr>
+          <p:nvPr>
+            <p:ph idx="1"/>
+          </p:nvPr>
+        </p:nvSpPr>
+        <p:spPr/>
+        <p:txBody>
+          <a:bodyPr/>
+          <a:lstStyle/>
+          <a:p>
+            <a:r>
+              <a:rPr lang="en-GB" dirty="0"/>
+              <a:t>Restructuring website for conditional routing</a:t>
+            </a:r>
+          </a:p>
+          <a:p>
+            <a:r>
+              <a:rPr lang="en-GB" dirty="0"/>
+              <a:t>User exclusive functions</a:t>
+            </a:r>
+          </a:p>
+          <a:p>
+            <a:pPr lvl="1"/>
+            <a:r>
+              <a:rPr lang="en-GB" dirty="0"/>
+              <a:t>Need to be logged in to use CRU functions.</a:t>
+            </a:r>
+          </a:p>
+          <a:p>
+            <a:pPr lvl="1"/>
+            <a:r>
+              <a:rPr lang="en-GB" dirty="0"/>
+              <a:t>Admin user who is only one can use delete functions</a:t>
+            </a:r>
+            <a:r>
+              <a:rPr lang="en-GB" dirty="0" smtClean="0"/>
+              <a:t>.</a:t>
+            </a:r>
+            <a:endParaRPr lang="en-GB" dirty="0"/>
+          </a:p>
+          <a:p>
+            <a:endParaRPr lang="en-GB" dirty="0"/>
+          </a:p>
+        </p:txBody>
+      </p:sp>
+    </p:spTree>
+    <p:extLst>
+      <p:ext uri="{BB962C8B-B14F-4D97-AF65-F5344CB8AC3E}">
+        <p14:creationId xmlns:p14="http://schemas.microsoft.com/office/powerpoint/2010/main" val="3162605915"/>
+      </p:ext>
+    </p:extLst>
+  </p:cSld>
+  <p:clrMapOvr>
+    <a:masterClrMapping/>
+  </p:clrMapOvr>
+</p:sld>
+</file>
+
+<file path=ppt/slides/slide13.xml><?xml version="1.0" encoding="utf-8"?>
+<p:sld xmlns:a="http://schemas.openxmlformats.org/drawingml/2006/main" xmlns:r="http://schemas.openxmlformats.org/officeDocument/2006/relationships" xmlns:p="http://schemas.openxmlformats.org/presentationml/2006/main">
+  <p:cSld>
+    <p:spTree>
+      <p:nvGrpSpPr>
+        <p:cNvPr id="1" name=""/>
+        <p:cNvGrpSpPr/>
+        <p:nvPr/>
+      </p:nvGrpSpPr>
+      <p:grpSpPr>
+        <a:xfrm>
+          <a:off x="0" y="0"/>
+          <a:ext cx="0" cy="0"/>
+          <a:chOff x="0" y="0"/>
+          <a:chExt cx="0" cy="0"/>
+        </a:xfrm>
+      </p:grpSpPr>
+      <p:sp>
+        <p:nvSpPr>
+          <p:cNvPr id="2" name="Title 1">
+            <a:extLst>
+              <a:ext uri="{FF2B5EF4-FFF2-40B4-BE49-F238E27FC236}">
                 <a16:creationId xmlns:a16="http://schemas.microsoft.com/office/drawing/2014/main" id="{99F98107-A2A3-43A8-9290-1A68DA4D1278}"/>
               </a:ext>
             </a:extLst>
@@ -8047,7 +8172,7 @@
 </p:sld>
 </file>
 
-<file path=ppt/slides/slide13.xml><?xml version="1.0" encoding="utf-8"?>
+<file path=ppt/slides/slide14.xml><?xml version="1.0" encoding="utf-8"?>
 <p:sld xmlns:a="http://schemas.openxmlformats.org/drawingml/2006/main" xmlns:r="http://schemas.openxmlformats.org/officeDocument/2006/relationships" xmlns:p="http://schemas.openxmlformats.org/presentationml/2006/main">
   <p:cSld>
     <p:spTree>
@@ -8351,6 +8476,10 @@
           <a:bodyPr/>
           <a:lstStyle/>
           <a:p>
+            <a:r>
+              <a:rPr lang="en-GB" dirty="0" smtClean="0"/>
+              <a:t>The </a:t>
+            </a:r>
             <a:endParaRPr lang="en-GB" dirty="0"/>
           </a:p>
         </p:txBody>
@@ -8509,9 +8638,816 @@
           <a:chExt cx="0" cy="0"/>
         </a:xfrm>
       </p:grpSpPr>
-      <p:sp>
-        <p:nvSpPr>
-          <p:cNvPr id="2" name="Title 1">
+      <p:grpSp>
+        <p:nvGrpSpPr>
+          <p:cNvPr id="30" name="Group 29"/>
+          <p:cNvGrpSpPr/>
+          <p:nvPr/>
+        </p:nvGrpSpPr>
+        <p:grpSpPr>
+          <a:xfrm>
+            <a:off x="939337" y="2743201"/>
+            <a:ext cx="11014365" cy="3524596"/>
+            <a:chOff x="748145" y="1862051"/>
+            <a:chExt cx="11014365" cy="3524596"/>
+          </a:xfrm>
+        </p:grpSpPr>
+        <p:grpSp>
+          <p:nvGrpSpPr>
+            <p:cNvPr id="29" name="Group 28"/>
+            <p:cNvGrpSpPr/>
+            <p:nvPr/>
+          </p:nvGrpSpPr>
+          <p:grpSpPr>
+            <a:xfrm>
+              <a:off x="748145" y="1862051"/>
+              <a:ext cx="11014365" cy="3524596"/>
+              <a:chOff x="748145" y="1862051"/>
+              <a:chExt cx="11014365" cy="3524596"/>
+            </a:xfrm>
+          </p:grpSpPr>
+          <p:grpSp>
+            <p:nvGrpSpPr>
+              <p:cNvPr id="15" name="Group 14"/>
+              <p:cNvGrpSpPr/>
+              <p:nvPr/>
+            </p:nvGrpSpPr>
+            <p:grpSpPr>
+              <a:xfrm>
+                <a:off x="748145" y="1862051"/>
+                <a:ext cx="11014365" cy="3524596"/>
+                <a:chOff x="748145" y="1862051"/>
+                <a:chExt cx="11014365" cy="3524596"/>
+              </a:xfrm>
+            </p:grpSpPr>
+            <p:grpSp>
+              <p:nvGrpSpPr>
+                <p:cNvPr id="9" name="Group 8"/>
+                <p:cNvGrpSpPr/>
+                <p:nvPr/>
+              </p:nvGrpSpPr>
+              <p:grpSpPr>
+                <a:xfrm>
+                  <a:off x="748145" y="1862051"/>
+                  <a:ext cx="10942542" cy="3524596"/>
+                  <a:chOff x="35574" y="2410691"/>
+                  <a:chExt cx="11777483" cy="3798916"/>
+                </a:xfrm>
+              </p:grpSpPr>
+              <p:sp>
+                <p:nvSpPr>
+                  <p:cNvPr id="4" name="Can 3"/>
+                  <p:cNvSpPr/>
+                  <p:nvPr/>
+                </p:nvSpPr>
+                <p:spPr>
+                  <a:xfrm>
+                    <a:off x="10559655" y="3032312"/>
+                    <a:ext cx="1253402" cy="2555673"/>
+                  </a:xfrm>
+                  <a:prstGeom prst="can">
+                    <a:avLst/>
+                  </a:prstGeom>
+                </p:spPr>
+                <p:style>
+                  <a:lnRef idx="2">
+                    <a:schemeClr val="accent1">
+                      <a:shade val="50000"/>
+                    </a:schemeClr>
+                  </a:lnRef>
+                  <a:fillRef idx="1">
+                    <a:schemeClr val="accent1"/>
+                  </a:fillRef>
+                  <a:effectRef idx="0">
+                    <a:schemeClr val="accent1"/>
+                  </a:effectRef>
+                  <a:fontRef idx="minor">
+                    <a:schemeClr val="lt1"/>
+                  </a:fontRef>
+                </p:style>
+                <p:txBody>
+                  <a:bodyPr rtlCol="0" anchor="ctr"/>
+                  <a:lstStyle/>
+                  <a:p>
+                    <a:pPr algn="ctr"/>
+                    <a:endParaRPr lang="en-GB"/>
+                  </a:p>
+                </p:txBody>
+              </p:sp>
+              <p:sp>
+                <p:nvSpPr>
+                  <p:cNvPr id="5" name="Rounded Rectangle 4"/>
+                  <p:cNvSpPr/>
+                  <p:nvPr/>
+                </p:nvSpPr>
+                <p:spPr>
+                  <a:xfrm>
+                    <a:off x="7780713" y="2410691"/>
+                    <a:ext cx="2177935" cy="3798916"/>
+                  </a:xfrm>
+                  <a:prstGeom prst="roundRect">
+                    <a:avLst/>
+                  </a:prstGeom>
+                </p:spPr>
+                <p:style>
+                  <a:lnRef idx="2">
+                    <a:schemeClr val="accent1"/>
+                  </a:lnRef>
+                  <a:fillRef idx="1">
+                    <a:schemeClr val="lt1"/>
+                  </a:fillRef>
+                  <a:effectRef idx="0">
+                    <a:schemeClr val="accent1"/>
+                  </a:effectRef>
+                  <a:fontRef idx="minor">
+                    <a:schemeClr val="dk1"/>
+                  </a:fontRef>
+                </p:style>
+                <p:txBody>
+                  <a:bodyPr rtlCol="0" anchor="ctr"/>
+                  <a:lstStyle/>
+                  <a:p>
+                    <a:pPr algn="ctr"/>
+                    <a:endParaRPr lang="en-GB"/>
+                  </a:p>
+                </p:txBody>
+              </p:sp>
+              <p:sp>
+                <p:nvSpPr>
+                  <p:cNvPr id="6" name="Rounded Rectangle 5"/>
+                  <p:cNvSpPr/>
+                  <p:nvPr/>
+                </p:nvSpPr>
+                <p:spPr>
+                  <a:xfrm>
+                    <a:off x="5079075" y="2410691"/>
+                    <a:ext cx="2177935" cy="3798916"/>
+                  </a:xfrm>
+                  <a:prstGeom prst="roundRect">
+                    <a:avLst/>
+                  </a:prstGeom>
+                </p:spPr>
+                <p:style>
+                  <a:lnRef idx="2">
+                    <a:schemeClr val="accent1"/>
+                  </a:lnRef>
+                  <a:fillRef idx="1">
+                    <a:schemeClr val="lt1"/>
+                  </a:fillRef>
+                  <a:effectRef idx="0">
+                    <a:schemeClr val="accent1"/>
+                  </a:effectRef>
+                  <a:fontRef idx="minor">
+                    <a:schemeClr val="dk1"/>
+                  </a:fontRef>
+                </p:style>
+                <p:txBody>
+                  <a:bodyPr rtlCol="0" anchor="ctr"/>
+                  <a:lstStyle/>
+                  <a:p>
+                    <a:pPr algn="ctr"/>
+                    <a:endParaRPr lang="en-GB"/>
+                  </a:p>
+                </p:txBody>
+              </p:sp>
+              <p:sp>
+                <p:nvSpPr>
+                  <p:cNvPr id="7" name="Rounded Rectangle 6"/>
+                  <p:cNvSpPr/>
+                  <p:nvPr/>
+                </p:nvSpPr>
+                <p:spPr>
+                  <a:xfrm>
+                    <a:off x="2452275" y="2410691"/>
+                    <a:ext cx="2177935" cy="3798916"/>
+                  </a:xfrm>
+                  <a:prstGeom prst="roundRect">
+                    <a:avLst/>
+                  </a:prstGeom>
+                </p:spPr>
+                <p:style>
+                  <a:lnRef idx="2">
+                    <a:schemeClr val="accent1"/>
+                  </a:lnRef>
+                  <a:fillRef idx="1">
+                    <a:schemeClr val="lt1"/>
+                  </a:fillRef>
+                  <a:effectRef idx="0">
+                    <a:schemeClr val="accent1"/>
+                  </a:effectRef>
+                  <a:fontRef idx="minor">
+                    <a:schemeClr val="dk1"/>
+                  </a:fontRef>
+                </p:style>
+                <p:txBody>
+                  <a:bodyPr rtlCol="0" anchor="ctr"/>
+                  <a:lstStyle/>
+                  <a:p>
+                    <a:pPr algn="ctr"/>
+                    <a:endParaRPr lang="en-GB"/>
+                  </a:p>
+                </p:txBody>
+              </p:sp>
+              <p:sp>
+                <p:nvSpPr>
+                  <p:cNvPr id="8" name="Rounded Rectangle 7"/>
+                  <p:cNvSpPr/>
+                  <p:nvPr/>
+                </p:nvSpPr>
+                <p:spPr>
+                  <a:xfrm>
+                    <a:off x="35574" y="2410691"/>
+                    <a:ext cx="2177935" cy="3798916"/>
+                  </a:xfrm>
+                  <a:prstGeom prst="roundRect">
+                    <a:avLst/>
+                  </a:prstGeom>
+                </p:spPr>
+                <p:style>
+                  <a:lnRef idx="2">
+                    <a:schemeClr val="accent1"/>
+                  </a:lnRef>
+                  <a:fillRef idx="1">
+                    <a:schemeClr val="lt1"/>
+                  </a:fillRef>
+                  <a:effectRef idx="0">
+                    <a:schemeClr val="accent1"/>
+                  </a:effectRef>
+                  <a:fontRef idx="minor">
+                    <a:schemeClr val="dk1"/>
+                  </a:fontRef>
+                </p:style>
+                <p:txBody>
+                  <a:bodyPr rtlCol="0" anchor="ctr"/>
+                  <a:lstStyle/>
+                  <a:p>
+                    <a:pPr algn="ctr"/>
+                    <a:endParaRPr lang="en-GB"/>
+                  </a:p>
+                </p:txBody>
+              </p:sp>
+            </p:grpSp>
+            <p:sp>
+              <p:nvSpPr>
+                <p:cNvPr id="10" name="TextBox 9"/>
+                <p:cNvSpPr txBox="1"/>
+                <p:nvPr/>
+              </p:nvSpPr>
+              <p:spPr>
+                <a:xfrm>
+                  <a:off x="955964" y="2044931"/>
+                  <a:ext cx="1529541" cy="369332"/>
+                </a:xfrm>
+                <a:prstGeom prst="rect">
+                  <a:avLst/>
+                </a:prstGeom>
+                <a:noFill/>
+              </p:spPr>
+              <p:txBody>
+                <a:bodyPr wrap="square" rtlCol="0">
+                  <a:spAutoFit/>
+                </a:bodyPr>
+                <a:lstStyle/>
+                <a:p>
+                  <a:r>
+                    <a:rPr lang="en-GB" dirty="0" smtClean="0"/>
+                    <a:t>Front End</a:t>
+                  </a:r>
+                  <a:endParaRPr lang="en-GB" dirty="0"/>
+                </a:p>
+              </p:txBody>
+            </p:sp>
+            <p:sp>
+              <p:nvSpPr>
+                <p:cNvPr id="11" name="TextBox 10"/>
+                <p:cNvSpPr txBox="1"/>
+                <p:nvPr/>
+              </p:nvSpPr>
+              <p:spPr>
+                <a:xfrm>
+                  <a:off x="3240515" y="2088281"/>
+                  <a:ext cx="1529541" cy="369332"/>
+                </a:xfrm>
+                <a:prstGeom prst="rect">
+                  <a:avLst/>
+                </a:prstGeom>
+                <a:noFill/>
+              </p:spPr>
+              <p:txBody>
+                <a:bodyPr wrap="square" rtlCol="0">
+                  <a:spAutoFit/>
+                </a:bodyPr>
+                <a:lstStyle/>
+                <a:p>
+                  <a:r>
+                    <a:rPr lang="en-GB" dirty="0" smtClean="0"/>
+                    <a:t>REST Layer</a:t>
+                  </a:r>
+                  <a:endParaRPr lang="en-GB" dirty="0"/>
+                </a:p>
+              </p:txBody>
+            </p:sp>
+            <p:sp>
+              <p:nvSpPr>
+                <p:cNvPr id="12" name="TextBox 11"/>
+                <p:cNvSpPr txBox="1"/>
+                <p:nvPr/>
+              </p:nvSpPr>
+              <p:spPr>
+                <a:xfrm>
+                  <a:off x="5859260" y="2044931"/>
+                  <a:ext cx="1529541" cy="369332"/>
+                </a:xfrm>
+                <a:prstGeom prst="rect">
+                  <a:avLst/>
+                </a:prstGeom>
+                <a:noFill/>
+              </p:spPr>
+              <p:txBody>
+                <a:bodyPr wrap="square" rtlCol="0">
+                  <a:spAutoFit/>
+                </a:bodyPr>
+                <a:lstStyle/>
+                <a:p>
+                  <a:r>
+                    <a:rPr lang="en-GB" dirty="0" smtClean="0"/>
+                    <a:t>Business</a:t>
+                  </a:r>
+                  <a:endParaRPr lang="en-GB" dirty="0"/>
+                </a:p>
+              </p:txBody>
+            </p:sp>
+            <p:sp>
+              <p:nvSpPr>
+                <p:cNvPr id="13" name="TextBox 12"/>
+                <p:cNvSpPr txBox="1"/>
+                <p:nvPr/>
+              </p:nvSpPr>
+              <p:spPr>
+                <a:xfrm>
+                  <a:off x="8191204" y="2105860"/>
+                  <a:ext cx="1529541" cy="369332"/>
+                </a:xfrm>
+                <a:prstGeom prst="rect">
+                  <a:avLst/>
+                </a:prstGeom>
+                <a:noFill/>
+              </p:spPr>
+              <p:txBody>
+                <a:bodyPr wrap="square" rtlCol="0">
+                  <a:spAutoFit/>
+                </a:bodyPr>
+                <a:lstStyle/>
+                <a:p>
+                  <a:r>
+                    <a:rPr lang="en-GB" dirty="0" smtClean="0"/>
+                    <a:t>Persistence</a:t>
+                  </a:r>
+                  <a:endParaRPr lang="en-GB" dirty="0"/>
+                </a:p>
+              </p:txBody>
+            </p:sp>
+            <p:sp>
+              <p:nvSpPr>
+                <p:cNvPr id="14" name="TextBox 13"/>
+                <p:cNvSpPr txBox="1"/>
+                <p:nvPr/>
+              </p:nvSpPr>
+              <p:spPr>
+                <a:xfrm>
+                  <a:off x="10454320" y="2992582"/>
+                  <a:ext cx="1308190" cy="369332"/>
+                </a:xfrm>
+                <a:prstGeom prst="rect">
+                  <a:avLst/>
+                </a:prstGeom>
+                <a:noFill/>
+              </p:spPr>
+              <p:txBody>
+                <a:bodyPr wrap="square" rtlCol="0">
+                  <a:spAutoFit/>
+                </a:bodyPr>
+                <a:lstStyle/>
+                <a:p>
+                  <a:r>
+                    <a:rPr lang="en-GB" dirty="0" smtClean="0"/>
+                    <a:t>Database</a:t>
+                  </a:r>
+                  <a:endParaRPr lang="en-GB" dirty="0"/>
+                </a:p>
+              </p:txBody>
+            </p:sp>
+          </p:grpSp>
+          <p:sp>
+            <p:nvSpPr>
+              <p:cNvPr id="16" name="TextBox 15"/>
+              <p:cNvSpPr txBox="1"/>
+              <p:nvPr/>
+            </p:nvSpPr>
+            <p:spPr>
+              <a:xfrm>
+                <a:off x="1278353" y="3301182"/>
+                <a:ext cx="1587731" cy="646331"/>
+              </a:xfrm>
+              <a:prstGeom prst="rect">
+                <a:avLst/>
+              </a:prstGeom>
+              <a:noFill/>
+            </p:spPr>
+            <p:txBody>
+              <a:bodyPr wrap="square" rtlCol="0">
+                <a:spAutoFit/>
+              </a:bodyPr>
+              <a:lstStyle/>
+              <a:p>
+                <a:r>
+                  <a:rPr lang="en-GB" dirty="0" smtClean="0"/>
+                  <a:t>React</a:t>
+                </a:r>
+              </a:p>
+              <a:p>
+                <a:r>
+                  <a:rPr lang="en-GB" dirty="0" smtClean="0"/>
+                  <a:t>CSS</a:t>
+                </a:r>
+                <a:endParaRPr lang="en-GB" dirty="0"/>
+              </a:p>
+            </p:txBody>
+          </p:sp>
+          <p:sp>
+            <p:nvSpPr>
+              <p:cNvPr id="17" name="TextBox 16"/>
+              <p:cNvSpPr txBox="1"/>
+              <p:nvPr/>
+            </p:nvSpPr>
+            <p:spPr>
+              <a:xfrm>
+                <a:off x="5651998" y="2910071"/>
+                <a:ext cx="1587731" cy="1477328"/>
+              </a:xfrm>
+              <a:prstGeom prst="rect">
+                <a:avLst/>
+              </a:prstGeom>
+              <a:noFill/>
+            </p:spPr>
+            <p:txBody>
+              <a:bodyPr wrap="square" rtlCol="0">
+                <a:spAutoFit/>
+              </a:bodyPr>
+              <a:lstStyle/>
+              <a:p>
+                <a:r>
+                  <a:rPr lang="en-GB" dirty="0" smtClean="0"/>
+                  <a:t>Implements</a:t>
+                </a:r>
+              </a:p>
+              <a:p>
+                <a:r>
+                  <a:rPr lang="en-GB" dirty="0" smtClean="0"/>
+                  <a:t>Rules</a:t>
+                </a:r>
+              </a:p>
+              <a:p>
+                <a:endParaRPr lang="en-GB" dirty="0"/>
+              </a:p>
+              <a:p>
+                <a:r>
+                  <a:rPr lang="en-GB" dirty="0" smtClean="0"/>
+                  <a:t>Java SE and EE</a:t>
+                </a:r>
+                <a:endParaRPr lang="en-GB" dirty="0"/>
+              </a:p>
+            </p:txBody>
+          </p:sp>
+          <p:sp>
+            <p:nvSpPr>
+              <p:cNvPr id="18" name="TextBox 17"/>
+              <p:cNvSpPr txBox="1"/>
+              <p:nvPr/>
+            </p:nvSpPr>
+            <p:spPr>
+              <a:xfrm>
+                <a:off x="8191204" y="3325570"/>
+                <a:ext cx="1587731" cy="646331"/>
+              </a:xfrm>
+              <a:prstGeom prst="rect">
+                <a:avLst/>
+              </a:prstGeom>
+              <a:noFill/>
+            </p:spPr>
+            <p:txBody>
+              <a:bodyPr wrap="square" rtlCol="0">
+                <a:spAutoFit/>
+              </a:bodyPr>
+              <a:lstStyle/>
+              <a:p>
+                <a:r>
+                  <a:rPr lang="en-GB" dirty="0" smtClean="0"/>
+                  <a:t>JPA &amp; Hibernate</a:t>
+                </a:r>
+                <a:endParaRPr lang="en-GB" dirty="0"/>
+              </a:p>
+            </p:txBody>
+          </p:sp>
+          <p:sp>
+            <p:nvSpPr>
+              <p:cNvPr id="19" name="TextBox 18"/>
+              <p:cNvSpPr txBox="1"/>
+              <p:nvPr/>
+            </p:nvSpPr>
+            <p:spPr>
+              <a:xfrm>
+                <a:off x="3357500" y="3301183"/>
+                <a:ext cx="1587731" cy="923330"/>
+              </a:xfrm>
+              <a:prstGeom prst="rect">
+                <a:avLst/>
+              </a:prstGeom>
+              <a:noFill/>
+            </p:spPr>
+            <p:txBody>
+              <a:bodyPr wrap="square" rtlCol="0">
+                <a:spAutoFit/>
+              </a:bodyPr>
+              <a:lstStyle/>
+              <a:p>
+                <a:r>
+                  <a:rPr lang="en-GB" dirty="0" smtClean="0"/>
+                  <a:t>Assigns function to paths</a:t>
+                </a:r>
+                <a:endParaRPr lang="en-GB" dirty="0"/>
+              </a:p>
+            </p:txBody>
+          </p:sp>
+        </p:grpSp>
+        <p:cxnSp>
+          <p:nvCxnSpPr>
+            <p:cNvPr id="21" name="Straight Arrow Connector 20"/>
+            <p:cNvCxnSpPr>
+              <a:stCxn id="8" idx="3"/>
+              <a:endCxn id="7" idx="1"/>
+            </p:cNvCxnSpPr>
+            <p:nvPr/>
+          </p:nvCxnSpPr>
+          <p:spPr>
+            <a:xfrm>
+              <a:off x="2771680" y="3624349"/>
+              <a:ext cx="221839" cy="0"/>
+            </a:xfrm>
+            <a:prstGeom prst="straightConnector1">
+              <a:avLst/>
+            </a:prstGeom>
+            <a:ln>
+              <a:tailEnd type="triangle"/>
+            </a:ln>
+          </p:spPr>
+          <p:style>
+            <a:lnRef idx="1">
+              <a:schemeClr val="accent1"/>
+            </a:lnRef>
+            <a:fillRef idx="0">
+              <a:schemeClr val="accent1"/>
+            </a:fillRef>
+            <a:effectRef idx="0">
+              <a:schemeClr val="accent1"/>
+            </a:effectRef>
+            <a:fontRef idx="minor">
+              <a:schemeClr val="tx1"/>
+            </a:fontRef>
+          </p:style>
+        </p:cxnSp>
+        <p:cxnSp>
+          <p:nvCxnSpPr>
+            <p:cNvPr id="23" name="Straight Arrow Connector 22"/>
+            <p:cNvCxnSpPr>
+              <a:stCxn id="7" idx="3"/>
+              <a:endCxn id="6" idx="1"/>
+            </p:cNvCxnSpPr>
+            <p:nvPr/>
+          </p:nvCxnSpPr>
+          <p:spPr>
+            <a:xfrm>
+              <a:off x="5017054" y="3624349"/>
+              <a:ext cx="417043" cy="0"/>
+            </a:xfrm>
+            <a:prstGeom prst="straightConnector1">
+              <a:avLst/>
+            </a:prstGeom>
+            <a:ln>
+              <a:tailEnd type="triangle"/>
+            </a:ln>
+          </p:spPr>
+          <p:style>
+            <a:lnRef idx="1">
+              <a:schemeClr val="accent1"/>
+            </a:lnRef>
+            <a:fillRef idx="0">
+              <a:schemeClr val="accent1"/>
+            </a:fillRef>
+            <a:effectRef idx="0">
+              <a:schemeClr val="accent1"/>
+            </a:effectRef>
+            <a:fontRef idx="minor">
+              <a:schemeClr val="tx1"/>
+            </a:fontRef>
+          </p:style>
+        </p:cxnSp>
+        <p:cxnSp>
+          <p:nvCxnSpPr>
+            <p:cNvPr id="25" name="Straight Arrow Connector 24"/>
+            <p:cNvCxnSpPr>
+              <a:stCxn id="6" idx="3"/>
+              <a:endCxn id="5" idx="1"/>
+            </p:cNvCxnSpPr>
+            <p:nvPr/>
+          </p:nvCxnSpPr>
+          <p:spPr>
+            <a:xfrm>
+              <a:off x="7457632" y="3624349"/>
+              <a:ext cx="486576" cy="0"/>
+            </a:xfrm>
+            <a:prstGeom prst="straightConnector1">
+              <a:avLst/>
+            </a:prstGeom>
+            <a:ln>
+              <a:tailEnd type="triangle"/>
+            </a:ln>
+          </p:spPr>
+          <p:style>
+            <a:lnRef idx="1">
+              <a:schemeClr val="accent1"/>
+            </a:lnRef>
+            <a:fillRef idx="0">
+              <a:schemeClr val="accent1"/>
+            </a:fillRef>
+            <a:effectRef idx="0">
+              <a:schemeClr val="accent1"/>
+            </a:effectRef>
+            <a:fontRef idx="minor">
+              <a:schemeClr val="tx1"/>
+            </a:fontRef>
+          </p:style>
+        </p:cxnSp>
+        <p:cxnSp>
+          <p:nvCxnSpPr>
+            <p:cNvPr id="27" name="Straight Arrow Connector 26"/>
+            <p:cNvCxnSpPr>
+              <a:stCxn id="5" idx="3"/>
+              <a:endCxn id="4" idx="2"/>
+            </p:cNvCxnSpPr>
+            <p:nvPr/>
+          </p:nvCxnSpPr>
+          <p:spPr>
+            <a:xfrm>
+              <a:off x="9967743" y="3624349"/>
+              <a:ext cx="558399" cy="0"/>
+            </a:xfrm>
+            <a:prstGeom prst="straightConnector1">
+              <a:avLst/>
+            </a:prstGeom>
+            <a:ln>
+              <a:tailEnd type="triangle"/>
+            </a:ln>
+          </p:spPr>
+          <p:style>
+            <a:lnRef idx="1">
+              <a:schemeClr val="accent1"/>
+            </a:lnRef>
+            <a:fillRef idx="0">
+              <a:schemeClr val="accent1"/>
+            </a:fillRef>
+            <a:effectRef idx="0">
+              <a:schemeClr val="accent1"/>
+            </a:effectRef>
+            <a:fontRef idx="minor">
+              <a:schemeClr val="tx1"/>
+            </a:fontRef>
+          </p:style>
+        </p:cxnSp>
+      </p:grpSp>
+      <p:sp>
+        <p:nvSpPr>
+          <p:cNvPr id="31" name="TextBox 30"/>
+          <p:cNvSpPr txBox="1"/>
+          <p:nvPr/>
+        </p:nvSpPr>
+        <p:spPr>
+          <a:xfrm>
+            <a:off x="1080655" y="2335876"/>
+            <a:ext cx="1720734" cy="369332"/>
+          </a:xfrm>
+          <a:prstGeom prst="rect">
+            <a:avLst/>
+          </a:prstGeom>
+          <a:noFill/>
+        </p:spPr>
+        <p:txBody>
+          <a:bodyPr wrap="square" rtlCol="0">
+            <a:spAutoFit/>
+          </a:bodyPr>
+          <a:lstStyle/>
+          <a:p>
+            <a:r>
+              <a:rPr lang="en-GB" dirty="0" smtClean="0"/>
+              <a:t>Weeks 4/6</a:t>
+            </a:r>
+            <a:endParaRPr lang="en-GB" dirty="0"/>
+          </a:p>
+        </p:txBody>
+      </p:sp>
+      <p:sp>
+        <p:nvSpPr>
+          <p:cNvPr id="32" name="TextBox 31"/>
+          <p:cNvSpPr txBox="1"/>
+          <p:nvPr/>
+        </p:nvSpPr>
+        <p:spPr>
+          <a:xfrm>
+            <a:off x="3415689" y="2335876"/>
+            <a:ext cx="1720734" cy="369332"/>
+          </a:xfrm>
+          <a:prstGeom prst="rect">
+            <a:avLst/>
+          </a:prstGeom>
+          <a:noFill/>
+        </p:spPr>
+        <p:txBody>
+          <a:bodyPr wrap="square" rtlCol="0">
+            <a:spAutoFit/>
+          </a:bodyPr>
+          <a:lstStyle/>
+          <a:p>
+            <a:r>
+              <a:rPr lang="en-GB" dirty="0" smtClean="0"/>
+              <a:t>Week 5</a:t>
+            </a:r>
+            <a:endParaRPr lang="en-GB" dirty="0"/>
+          </a:p>
+        </p:txBody>
+      </p:sp>
+      <p:sp>
+        <p:nvSpPr>
+          <p:cNvPr id="33" name="TextBox 32"/>
+          <p:cNvSpPr txBox="1"/>
+          <p:nvPr/>
+        </p:nvSpPr>
+        <p:spPr>
+          <a:xfrm>
+            <a:off x="5892557" y="2310631"/>
+            <a:ext cx="1720734" cy="369332"/>
+          </a:xfrm>
+          <a:prstGeom prst="rect">
+            <a:avLst/>
+          </a:prstGeom>
+          <a:noFill/>
+        </p:spPr>
+        <p:txBody>
+          <a:bodyPr wrap="square" rtlCol="0">
+            <a:spAutoFit/>
+          </a:bodyPr>
+          <a:lstStyle/>
+          <a:p>
+            <a:r>
+              <a:rPr lang="en-GB" dirty="0" smtClean="0"/>
+              <a:t>Weeks 2-5</a:t>
+            </a:r>
+            <a:endParaRPr lang="en-GB" dirty="0"/>
+          </a:p>
+        </p:txBody>
+      </p:sp>
+      <p:sp>
+        <p:nvSpPr>
+          <p:cNvPr id="34" name="TextBox 33"/>
+          <p:cNvSpPr txBox="1"/>
+          <p:nvPr/>
+        </p:nvSpPr>
+        <p:spPr>
+          <a:xfrm>
+            <a:off x="8372591" y="2335876"/>
+            <a:ext cx="1720734" cy="369332"/>
+          </a:xfrm>
+          <a:prstGeom prst="rect">
+            <a:avLst/>
+          </a:prstGeom>
+          <a:noFill/>
+        </p:spPr>
+        <p:txBody>
+          <a:bodyPr wrap="square" rtlCol="0">
+            <a:spAutoFit/>
+          </a:bodyPr>
+          <a:lstStyle/>
+          <a:p>
+            <a:r>
+              <a:rPr lang="en-GB" dirty="0" smtClean="0"/>
+              <a:t>Week 4-5</a:t>
+            </a:r>
+            <a:endParaRPr lang="en-GB" dirty="0"/>
+          </a:p>
+        </p:txBody>
+      </p:sp>
+      <p:sp>
+        <p:nvSpPr>
+          <p:cNvPr id="36" name="Title 1">
             <a:extLst>
               <a:ext uri="{FF2B5EF4-FFF2-40B4-BE49-F238E27FC236}">
                 <a16:creationId xmlns:a16="http://schemas.microsoft.com/office/drawing/2014/main" id="{DB64588F-A3EA-4385-BA23-DF2AAAB711BA}"/>
@@ -8525,50 +9461,28 @@
             <p:ph type="title"/>
           </p:nvPr>
         </p:nvSpPr>
-        <p:spPr/>
+        <p:spPr>
+          <a:xfrm>
+            <a:off x="2027659" y="395545"/>
+            <a:ext cx="8911687" cy="1280890"/>
+          </a:xfrm>
+        </p:spPr>
         <p:txBody>
           <a:bodyPr/>
           <a:lstStyle/>
           <a:p>
             <a:r>
-              <a:rPr lang="en-GB" dirty="0"/>
-              <a:t>Week 1: Organisation</a:t>
-            </a:r>
-          </a:p>
-        </p:txBody>
-      </p:sp>
-      <p:sp>
-        <p:nvSpPr>
-          <p:cNvPr id="3" name="Content Placeholder 2">
-            <a:extLst>
-              <a:ext uri="{FF2B5EF4-FFF2-40B4-BE49-F238E27FC236}">
-                <a16:creationId xmlns:a16="http://schemas.microsoft.com/office/drawing/2014/main" id="{34A5C08F-5AF3-498D-A5F6-853615407476}"/>
-              </a:ext>
-            </a:extLst>
-          </p:cNvPr>
-          <p:cNvSpPr>
-            <a:spLocks noGrp="1"/>
-          </p:cNvSpPr>
-          <p:nvPr>
-            <p:ph idx="1"/>
-          </p:nvPr>
-        </p:nvSpPr>
-        <p:spPr/>
-        <p:txBody>
-          <a:bodyPr/>
-          <a:lstStyle/>
-          <a:p>
-            <a:r>
-              <a:rPr lang="en-GB" dirty="0"/>
-              <a:t>Trello</a:t>
-            </a:r>
+              <a:rPr lang="en-GB" dirty="0" smtClean="0"/>
+              <a:t>A RESTful API</a:t>
+            </a:r>
+            <a:endParaRPr lang="en-GB" dirty="0"/>
           </a:p>
         </p:txBody>
       </p:sp>
     </p:spTree>
     <p:extLst>
       <p:ext uri="{BB962C8B-B14F-4D97-AF65-F5344CB8AC3E}">
-        <p14:creationId xmlns:p14="http://schemas.microsoft.com/office/powerpoint/2010/main" val="29501223"/>
+        <p14:creationId xmlns:p14="http://schemas.microsoft.com/office/powerpoint/2010/main" val="2166313630"/>
       </p:ext>
     </p:extLst>
   </p:cSld>
@@ -8600,7 +9514,7 @@
           <p:cNvPr id="2" name="Title 1">
             <a:extLst>
               <a:ext uri="{FF2B5EF4-FFF2-40B4-BE49-F238E27FC236}">
-                <a16:creationId xmlns:a16="http://schemas.microsoft.com/office/drawing/2014/main" id="{774A1808-A1CF-4633-A2CB-91D29CA8EAF8}"/>
+                <a16:creationId xmlns:a16="http://schemas.microsoft.com/office/drawing/2014/main" id="{DB64588F-A3EA-4385-BA23-DF2AAAB711BA}"/>
               </a:ext>
             </a:extLst>
           </p:cNvPr>
@@ -8618,7 +9532,7 @@
           <a:p>
             <a:r>
               <a:rPr lang="en-GB" dirty="0"/>
-              <a:t>Weeks 2&amp;3 - Java</a:t>
+              <a:t>Week 1: Organisation</a:t>
             </a:r>
           </a:p>
         </p:txBody>
@@ -8628,7 +9542,7 @@
           <p:cNvPr id="3" name="Content Placeholder 2">
             <a:extLst>
               <a:ext uri="{FF2B5EF4-FFF2-40B4-BE49-F238E27FC236}">
-                <a16:creationId xmlns:a16="http://schemas.microsoft.com/office/drawing/2014/main" id="{B47EA295-EB63-48A7-98AA-C7651EC05F4A}"/>
+                <a16:creationId xmlns:a16="http://schemas.microsoft.com/office/drawing/2014/main" id="{34A5C08F-5AF3-498D-A5F6-853615407476}"/>
               </a:ext>
             </a:extLst>
           </p:cNvPr>
@@ -8639,19 +9553,49 @@
             <p:ph idx="1"/>
           </p:nvPr>
         </p:nvSpPr>
-        <p:spPr/>
+        <p:spPr>
+          <a:xfrm>
+            <a:off x="1874317" y="1576647"/>
+            <a:ext cx="8915400" cy="3777622"/>
+          </a:xfrm>
+        </p:spPr>
         <p:txBody>
           <a:bodyPr/>
           <a:lstStyle/>
           <a:p>
-            <a:endParaRPr lang="en-GB"/>
+            <a:r>
+              <a:rPr lang="en-GB" dirty="0" smtClean="0"/>
+              <a:t>Trello</a:t>
+            </a:r>
+          </a:p>
+          <a:p>
+            <a:endParaRPr lang="en-GB" dirty="0"/>
+          </a:p>
+          <a:p>
+            <a:r>
+              <a:rPr lang="en-GB" dirty="0" smtClean="0"/>
+              <a:t>Went well – gave project work focus.</a:t>
+            </a:r>
+          </a:p>
+          <a:p>
+            <a:r>
+              <a:rPr lang="en-GB" dirty="0" smtClean="0"/>
+              <a:t>Splitting sections into smaller tasks made project feel achievable.</a:t>
+            </a:r>
+          </a:p>
+          <a:p>
+            <a:r>
+              <a:rPr lang="en-GB" dirty="0" smtClean="0"/>
+              <a:t>Easier to keep motivation.</a:t>
+            </a:r>
+            <a:endParaRPr lang="en-GB" dirty="0"/>
           </a:p>
         </p:txBody>
       </p:sp>
     </p:spTree>
     <p:extLst>
       <p:ext uri="{BB962C8B-B14F-4D97-AF65-F5344CB8AC3E}">
-        <p14:creationId xmlns:p14="http://schemas.microsoft.com/office/powerpoint/2010/main" val="3928318741"/>
+        <p14:creationId xmlns:p14="http://schemas.microsoft.com/office/powerpoint/2010/main" val="29501223"/>
       </p:ext>
     </p:extLst>
   </p:cSld>
@@ -8683,7 +9627,7 @@
           <p:cNvPr id="2" name="Title 1">
             <a:extLst>
               <a:ext uri="{FF2B5EF4-FFF2-40B4-BE49-F238E27FC236}">
-                <a16:creationId xmlns:a16="http://schemas.microsoft.com/office/drawing/2014/main" id="{259D7EA0-33DC-43B0-9340-87C9FD04BD57}"/>
+                <a16:creationId xmlns:a16="http://schemas.microsoft.com/office/drawing/2014/main" id="{774A1808-A1CF-4633-A2CB-91D29CA8EAF8}"/>
               </a:ext>
             </a:extLst>
           </p:cNvPr>
@@ -8701,7 +9645,7 @@
           <a:p>
             <a:r>
               <a:rPr lang="en-GB" dirty="0"/>
-              <a:t>Weeks 4&amp;5 – Upgrading to EE</a:t>
+              <a:t>Weeks 2&amp;3 - Java</a:t>
             </a:r>
           </a:p>
         </p:txBody>
@@ -8711,7 +9655,7 @@
           <p:cNvPr id="3" name="Content Placeholder 2">
             <a:extLst>
               <a:ext uri="{FF2B5EF4-FFF2-40B4-BE49-F238E27FC236}">
-                <a16:creationId xmlns:a16="http://schemas.microsoft.com/office/drawing/2014/main" id="{E9C4DA08-59C5-4A56-82C9-C710F571B52E}"/>
+                <a16:creationId xmlns:a16="http://schemas.microsoft.com/office/drawing/2014/main" id="{B47EA295-EB63-48A7-98AA-C7651EC05F4A}"/>
               </a:ext>
             </a:extLst>
           </p:cNvPr>
@@ -8722,11 +9666,444 @@
             <p:ph idx="1"/>
           </p:nvPr>
         </p:nvSpPr>
-        <p:spPr/>
+        <p:spPr>
+          <a:xfrm>
+            <a:off x="1350616" y="1809403"/>
+            <a:ext cx="8915400" cy="3777622"/>
+          </a:xfrm>
+        </p:spPr>
         <p:txBody>
           <a:bodyPr/>
           <a:lstStyle/>
           <a:p>
+            <a:r>
+              <a:rPr lang="en-GB" dirty="0" smtClean="0"/>
+              <a:t>Didn’t know Java, couldn’t make the project or make it OOP. Used in Business layer.</a:t>
+            </a:r>
+          </a:p>
+          <a:p>
+            <a:r>
+              <a:rPr lang="en-GB" dirty="0" smtClean="0"/>
+              <a:t>Necessary background for Java EE.</a:t>
+            </a:r>
+            <a:endParaRPr lang="en-GB" dirty="0"/>
+          </a:p>
+        </p:txBody>
+      </p:sp>
+      <p:grpSp>
+        <p:nvGrpSpPr>
+          <p:cNvPr id="10" name="Group 9"/>
+          <p:cNvGrpSpPr/>
+          <p:nvPr/>
+        </p:nvGrpSpPr>
+        <p:grpSpPr>
+          <a:xfrm>
+            <a:off x="997527" y="3433157"/>
+            <a:ext cx="9744672" cy="2716220"/>
+            <a:chOff x="748145" y="1862051"/>
+            <a:chExt cx="11365925" cy="3524596"/>
+          </a:xfrm>
+        </p:grpSpPr>
+        <p:grpSp>
+          <p:nvGrpSpPr>
+            <p:cNvPr id="11" name="Group 10"/>
+            <p:cNvGrpSpPr/>
+            <p:nvPr/>
+          </p:nvGrpSpPr>
+          <p:grpSpPr>
+            <a:xfrm>
+              <a:off x="748145" y="1862051"/>
+              <a:ext cx="10939551" cy="3524596"/>
+              <a:chOff x="35574" y="2410691"/>
+              <a:chExt cx="11774264" cy="3798916"/>
+            </a:xfrm>
+          </p:grpSpPr>
+          <p:sp>
+            <p:nvSpPr>
+              <p:cNvPr id="17" name="Can 16"/>
+              <p:cNvSpPr/>
+              <p:nvPr/>
+            </p:nvSpPr>
+            <p:spPr>
+              <a:xfrm>
+                <a:off x="10556435" y="3071553"/>
+                <a:ext cx="1253403" cy="2555673"/>
+              </a:xfrm>
+              <a:prstGeom prst="can">
+                <a:avLst/>
+              </a:prstGeom>
+            </p:spPr>
+            <p:style>
+              <a:lnRef idx="2">
+                <a:schemeClr val="accent1">
+                  <a:shade val="50000"/>
+                </a:schemeClr>
+              </a:lnRef>
+              <a:fillRef idx="1">
+                <a:schemeClr val="accent1"/>
+              </a:fillRef>
+              <a:effectRef idx="0">
+                <a:schemeClr val="accent1"/>
+              </a:effectRef>
+              <a:fontRef idx="minor">
+                <a:schemeClr val="lt1"/>
+              </a:fontRef>
+            </p:style>
+            <p:txBody>
+              <a:bodyPr rtlCol="0" anchor="ctr"/>
+              <a:lstStyle/>
+              <a:p>
+                <a:pPr algn="ctr"/>
+                <a:endParaRPr lang="en-GB"/>
+              </a:p>
+            </p:txBody>
+          </p:sp>
+          <p:sp>
+            <p:nvSpPr>
+              <p:cNvPr id="18" name="Rounded Rectangle 17"/>
+              <p:cNvSpPr/>
+              <p:nvPr/>
+            </p:nvSpPr>
+            <p:spPr>
+              <a:xfrm>
+                <a:off x="7780713" y="2410691"/>
+                <a:ext cx="2177935" cy="3798916"/>
+              </a:xfrm>
+              <a:prstGeom prst="roundRect">
+                <a:avLst/>
+              </a:prstGeom>
+            </p:spPr>
+            <p:style>
+              <a:lnRef idx="2">
+                <a:schemeClr val="accent1"/>
+              </a:lnRef>
+              <a:fillRef idx="1">
+                <a:schemeClr val="lt1"/>
+              </a:fillRef>
+              <a:effectRef idx="0">
+                <a:schemeClr val="accent1"/>
+              </a:effectRef>
+              <a:fontRef idx="minor">
+                <a:schemeClr val="dk1"/>
+              </a:fontRef>
+            </p:style>
+            <p:txBody>
+              <a:bodyPr rtlCol="0" anchor="ctr"/>
+              <a:lstStyle/>
+              <a:p>
+                <a:pPr algn="ctr"/>
+                <a:endParaRPr lang="en-GB"/>
+              </a:p>
+            </p:txBody>
+          </p:sp>
+          <p:sp>
+            <p:nvSpPr>
+              <p:cNvPr id="19" name="Rounded Rectangle 18"/>
+              <p:cNvSpPr/>
+              <p:nvPr/>
+            </p:nvSpPr>
+            <p:spPr>
+              <a:xfrm>
+                <a:off x="5079075" y="2410691"/>
+                <a:ext cx="2177935" cy="3798916"/>
+              </a:xfrm>
+              <a:prstGeom prst="roundRect">
+                <a:avLst/>
+              </a:prstGeom>
+            </p:spPr>
+            <p:style>
+              <a:lnRef idx="2">
+                <a:schemeClr val="accent1"/>
+              </a:lnRef>
+              <a:fillRef idx="1">
+                <a:schemeClr val="lt1"/>
+              </a:fillRef>
+              <a:effectRef idx="0">
+                <a:schemeClr val="accent1"/>
+              </a:effectRef>
+              <a:fontRef idx="minor">
+                <a:schemeClr val="dk1"/>
+              </a:fontRef>
+            </p:style>
+            <p:txBody>
+              <a:bodyPr rtlCol="0" anchor="ctr"/>
+              <a:lstStyle/>
+              <a:p>
+                <a:pPr algn="ctr"/>
+                <a:endParaRPr lang="en-GB"/>
+              </a:p>
+            </p:txBody>
+          </p:sp>
+          <p:sp>
+            <p:nvSpPr>
+              <p:cNvPr id="20" name="Rounded Rectangle 19"/>
+              <p:cNvSpPr/>
+              <p:nvPr/>
+            </p:nvSpPr>
+            <p:spPr>
+              <a:xfrm>
+                <a:off x="2452275" y="2410691"/>
+                <a:ext cx="2177935" cy="3798916"/>
+              </a:xfrm>
+              <a:prstGeom prst="roundRect">
+                <a:avLst/>
+              </a:prstGeom>
+            </p:spPr>
+            <p:style>
+              <a:lnRef idx="2">
+                <a:schemeClr val="accent1"/>
+              </a:lnRef>
+              <a:fillRef idx="1">
+                <a:schemeClr val="lt1"/>
+              </a:fillRef>
+              <a:effectRef idx="0">
+                <a:schemeClr val="accent1"/>
+              </a:effectRef>
+              <a:fontRef idx="minor">
+                <a:schemeClr val="dk1"/>
+              </a:fontRef>
+            </p:style>
+            <p:txBody>
+              <a:bodyPr rtlCol="0" anchor="ctr"/>
+              <a:lstStyle/>
+              <a:p>
+                <a:pPr algn="ctr"/>
+                <a:endParaRPr lang="en-GB"/>
+              </a:p>
+            </p:txBody>
+          </p:sp>
+          <p:sp>
+            <p:nvSpPr>
+              <p:cNvPr id="21" name="Rounded Rectangle 20"/>
+              <p:cNvSpPr/>
+              <p:nvPr/>
+            </p:nvSpPr>
+            <p:spPr>
+              <a:xfrm>
+                <a:off x="35574" y="2410691"/>
+                <a:ext cx="2177935" cy="3798916"/>
+              </a:xfrm>
+              <a:prstGeom prst="roundRect">
+                <a:avLst/>
+              </a:prstGeom>
+            </p:spPr>
+            <p:style>
+              <a:lnRef idx="2">
+                <a:schemeClr val="accent1"/>
+              </a:lnRef>
+              <a:fillRef idx="1">
+                <a:schemeClr val="lt1"/>
+              </a:fillRef>
+              <a:effectRef idx="0">
+                <a:schemeClr val="accent1"/>
+              </a:effectRef>
+              <a:fontRef idx="minor">
+                <a:schemeClr val="dk1"/>
+              </a:fontRef>
+            </p:style>
+            <p:txBody>
+              <a:bodyPr rtlCol="0" anchor="ctr"/>
+              <a:lstStyle/>
+              <a:p>
+                <a:pPr algn="ctr"/>
+                <a:endParaRPr lang="en-GB"/>
+              </a:p>
+            </p:txBody>
+          </p:sp>
+        </p:grpSp>
+        <p:sp>
+          <p:nvSpPr>
+            <p:cNvPr id="12" name="TextBox 11"/>
+            <p:cNvSpPr txBox="1"/>
+            <p:nvPr/>
+          </p:nvSpPr>
+          <p:spPr>
+            <a:xfrm>
+              <a:off x="955964" y="2044931"/>
+              <a:ext cx="1529541" cy="369332"/>
+            </a:xfrm>
+            <a:prstGeom prst="rect">
+              <a:avLst/>
+            </a:prstGeom>
+            <a:noFill/>
+          </p:spPr>
+          <p:txBody>
+            <a:bodyPr wrap="square" rtlCol="0">
+              <a:spAutoFit/>
+            </a:bodyPr>
+            <a:lstStyle/>
+            <a:p>
+              <a:r>
+                <a:rPr lang="en-GB" dirty="0" smtClean="0"/>
+                <a:t>Front End</a:t>
+              </a:r>
+              <a:endParaRPr lang="en-GB" dirty="0"/>
+            </a:p>
+          </p:txBody>
+        </p:sp>
+        <p:sp>
+          <p:nvSpPr>
+            <p:cNvPr id="13" name="TextBox 12"/>
+            <p:cNvSpPr txBox="1"/>
+            <p:nvPr/>
+          </p:nvSpPr>
+          <p:spPr>
+            <a:xfrm>
+              <a:off x="3240515" y="2088281"/>
+              <a:ext cx="1529541" cy="369332"/>
+            </a:xfrm>
+            <a:prstGeom prst="rect">
+              <a:avLst/>
+            </a:prstGeom>
+            <a:noFill/>
+          </p:spPr>
+          <p:txBody>
+            <a:bodyPr wrap="square" rtlCol="0">
+              <a:spAutoFit/>
+            </a:bodyPr>
+            <a:lstStyle/>
+            <a:p>
+              <a:r>
+                <a:rPr lang="en-GB" dirty="0" smtClean="0"/>
+                <a:t>REST Layer</a:t>
+              </a:r>
+              <a:endParaRPr lang="en-GB" dirty="0"/>
+            </a:p>
+          </p:txBody>
+        </p:sp>
+        <p:sp>
+          <p:nvSpPr>
+            <p:cNvPr id="14" name="TextBox 13"/>
+            <p:cNvSpPr txBox="1"/>
+            <p:nvPr/>
+          </p:nvSpPr>
+          <p:spPr>
+            <a:xfrm>
+              <a:off x="5681093" y="2021325"/>
+              <a:ext cx="1529541" cy="369332"/>
+            </a:xfrm>
+            <a:prstGeom prst="rect">
+              <a:avLst/>
+            </a:prstGeom>
+            <a:noFill/>
+          </p:spPr>
+          <p:txBody>
+            <a:bodyPr wrap="square" rtlCol="0">
+              <a:spAutoFit/>
+            </a:bodyPr>
+            <a:lstStyle/>
+            <a:p>
+              <a:r>
+                <a:rPr lang="en-GB" dirty="0" smtClean="0"/>
+                <a:t>Business</a:t>
+              </a:r>
+              <a:endParaRPr lang="en-GB" dirty="0"/>
+            </a:p>
+          </p:txBody>
+        </p:sp>
+        <p:sp>
+          <p:nvSpPr>
+            <p:cNvPr id="15" name="TextBox 14"/>
+            <p:cNvSpPr txBox="1"/>
+            <p:nvPr/>
+          </p:nvSpPr>
+          <p:spPr>
+            <a:xfrm>
+              <a:off x="8191204" y="2105860"/>
+              <a:ext cx="1680635" cy="479249"/>
+            </a:xfrm>
+            <a:prstGeom prst="rect">
+              <a:avLst/>
+            </a:prstGeom>
+            <a:noFill/>
+          </p:spPr>
+          <p:txBody>
+            <a:bodyPr wrap="square" rtlCol="0">
+              <a:spAutoFit/>
+            </a:bodyPr>
+            <a:lstStyle/>
+            <a:p>
+              <a:r>
+                <a:rPr lang="en-GB" dirty="0" smtClean="0"/>
+                <a:t>Persistence</a:t>
+              </a:r>
+              <a:endParaRPr lang="en-GB" dirty="0"/>
+            </a:p>
+          </p:txBody>
+        </p:sp>
+        <p:sp>
+          <p:nvSpPr>
+            <p:cNvPr id="16" name="TextBox 15"/>
+            <p:cNvSpPr txBox="1"/>
+            <p:nvPr/>
+          </p:nvSpPr>
+          <p:spPr>
+            <a:xfrm>
+              <a:off x="10805880" y="2981796"/>
+              <a:ext cx="1308190" cy="479249"/>
+            </a:xfrm>
+            <a:prstGeom prst="rect">
+              <a:avLst/>
+            </a:prstGeom>
+            <a:noFill/>
+          </p:spPr>
+          <p:txBody>
+            <a:bodyPr wrap="square" rtlCol="0">
+              <a:spAutoFit/>
+            </a:bodyPr>
+            <a:lstStyle/>
+            <a:p>
+              <a:r>
+                <a:rPr lang="en-GB" dirty="0" smtClean="0"/>
+                <a:t>DB</a:t>
+              </a:r>
+              <a:endParaRPr lang="en-GB" dirty="0"/>
+            </a:p>
+          </p:txBody>
+        </p:sp>
+      </p:grpSp>
+      <p:sp>
+        <p:nvSpPr>
+          <p:cNvPr id="22" name="Oval 21"/>
+          <p:cNvSpPr/>
+          <p:nvPr/>
+        </p:nvSpPr>
+        <p:spPr>
+          <a:xfrm>
+            <a:off x="4812862" y="3173420"/>
+            <a:ext cx="2167725" cy="3277256"/>
+          </a:xfrm>
+          <a:prstGeom prst="ellipse">
+            <a:avLst/>
+          </a:prstGeom>
+          <a:noFill/>
+          <a:ln>
+            <a:solidFill>
+              <a:schemeClr val="tx1"/>
+            </a:solidFill>
+          </a:ln>
+        </p:spPr>
+        <p:style>
+          <a:lnRef idx="2">
+            <a:schemeClr val="accent1">
+              <a:shade val="50000"/>
+            </a:schemeClr>
+          </a:lnRef>
+          <a:fillRef idx="1">
+            <a:schemeClr val="accent1"/>
+          </a:fillRef>
+          <a:effectRef idx="0">
+            <a:schemeClr val="accent1"/>
+          </a:effectRef>
+          <a:fontRef idx="minor">
+            <a:schemeClr val="lt1"/>
+          </a:fontRef>
+        </p:style>
+        <p:txBody>
+          <a:bodyPr rtlCol="0" anchor="ctr"/>
+          <a:lstStyle/>
+          <a:p>
+            <a:pPr algn="ctr"/>
             <a:endParaRPr lang="en-GB"/>
           </a:p>
         </p:txBody>
@@ -8734,7 +10111,7 @@
     </p:spTree>
     <p:extLst>
       <p:ext uri="{BB962C8B-B14F-4D97-AF65-F5344CB8AC3E}">
-        <p14:creationId xmlns:p14="http://schemas.microsoft.com/office/powerpoint/2010/main" val="2936402833"/>
+        <p14:creationId xmlns:p14="http://schemas.microsoft.com/office/powerpoint/2010/main" val="3928318741"/>
       </p:ext>
     </p:extLst>
   </p:cSld>
@@ -8766,7 +10143,7 @@
           <p:cNvPr id="2" name="Title 1">
             <a:extLst>
               <a:ext uri="{FF2B5EF4-FFF2-40B4-BE49-F238E27FC236}">
-                <a16:creationId xmlns:a16="http://schemas.microsoft.com/office/drawing/2014/main" id="{17834BE2-1915-4D3E-B0DC-CC6665E3FB0C}"/>
+                <a16:creationId xmlns:a16="http://schemas.microsoft.com/office/drawing/2014/main" id="{259D7EA0-33DC-43B0-9340-87C9FD04BD57}"/>
               </a:ext>
             </a:extLst>
           </p:cNvPr>
@@ -8779,14 +10156,12 @@
         </p:nvSpPr>
         <p:spPr/>
         <p:txBody>
-          <a:bodyPr>
-            <a:normAutofit/>
-          </a:bodyPr>
+          <a:bodyPr/>
           <a:lstStyle/>
           <a:p>
             <a:r>
               <a:rPr lang="en-GB" dirty="0"/>
-              <a:t>Week 6 – Front End with JS and React</a:t>
+              <a:t>Weeks 4&amp;5 – Upgrading to EE</a:t>
             </a:r>
           </a:p>
         </p:txBody>
@@ -8796,7 +10171,7 @@
           <p:cNvPr id="3" name="Content Placeholder 2">
             <a:extLst>
               <a:ext uri="{FF2B5EF4-FFF2-40B4-BE49-F238E27FC236}">
-                <a16:creationId xmlns:a16="http://schemas.microsoft.com/office/drawing/2014/main" id="{3323AA41-15B4-4AD9-B907-F2F087C8F0DA}"/>
+                <a16:creationId xmlns:a16="http://schemas.microsoft.com/office/drawing/2014/main" id="{E9C4DA08-59C5-4A56-82C9-C710F571B52E}"/>
               </a:ext>
             </a:extLst>
           </p:cNvPr>
@@ -8809,7 +10184,7 @@
         </p:nvSpPr>
         <p:spPr>
           <a:xfrm>
-            <a:off x="1638300" y="1775791"/>
+            <a:off x="1309052" y="1626524"/>
             <a:ext cx="8915400" cy="3777622"/>
           </a:xfrm>
         </p:spPr>
@@ -8817,14 +10192,54 @@
           <a:bodyPr/>
           <a:lstStyle/>
           <a:p>
-            <a:endParaRPr lang="en-GB"/>
+            <a:r>
+              <a:rPr lang="en-GB" dirty="0" smtClean="0"/>
+              <a:t>Adding APIs to improve functions.</a:t>
+            </a:r>
+          </a:p>
+          <a:p>
+            <a:r>
+              <a:rPr lang="en-GB" dirty="0" smtClean="0"/>
+              <a:t>Expands functionality to REST and persistence layers.</a:t>
+            </a:r>
+          </a:p>
+          <a:p>
+            <a:endParaRPr lang="en-GB" dirty="0"/>
+          </a:p>
+          <a:p>
+            <a:r>
+              <a:rPr lang="en-GB" dirty="0" smtClean="0"/>
+              <a:t>SQL, connecting API to a database.</a:t>
+            </a:r>
+          </a:p>
+          <a:p>
+            <a:r>
+              <a:rPr lang="en-GB" dirty="0" smtClean="0"/>
+              <a:t>Structuring SQL queries allowed for random story feature.</a:t>
+            </a:r>
+          </a:p>
+          <a:p>
+            <a:endParaRPr lang="en-GB" dirty="0"/>
+          </a:p>
+          <a:p>
+            <a:r>
+              <a:rPr lang="en-GB" dirty="0" smtClean="0"/>
+              <a:t>Went well: Making conditional queries.</a:t>
+            </a:r>
+          </a:p>
+          <a:p>
+            <a:r>
+              <a:rPr lang="en-GB" dirty="0" smtClean="0"/>
+              <a:t>Well organised – adherence to SOLID</a:t>
+            </a:r>
+            <a:endParaRPr lang="en-GB" dirty="0"/>
           </a:p>
         </p:txBody>
       </p:sp>
     </p:spTree>
     <p:extLst>
       <p:ext uri="{BB962C8B-B14F-4D97-AF65-F5344CB8AC3E}">
-        <p14:creationId xmlns:p14="http://schemas.microsoft.com/office/powerpoint/2010/main" val="2948663736"/>
+        <p14:creationId xmlns:p14="http://schemas.microsoft.com/office/powerpoint/2010/main" val="2936402833"/>
       </p:ext>
     </p:extLst>
   </p:cSld>
@@ -8856,7 +10271,7 @@
           <p:cNvPr id="2" name="Title 1">
             <a:extLst>
               <a:ext uri="{FF2B5EF4-FFF2-40B4-BE49-F238E27FC236}">
-                <a16:creationId xmlns:a16="http://schemas.microsoft.com/office/drawing/2014/main" id="{EFFCAA69-38C0-4514-93E2-FE1D0185B2AB}"/>
+                <a16:creationId xmlns:a16="http://schemas.microsoft.com/office/drawing/2014/main" id="{17834BE2-1915-4D3E-B0DC-CC6665E3FB0C}"/>
               </a:ext>
             </a:extLst>
           </p:cNvPr>
@@ -8869,12 +10284,14 @@
         </p:nvSpPr>
         <p:spPr/>
         <p:txBody>
-          <a:bodyPr/>
+          <a:bodyPr>
+            <a:normAutofit/>
+          </a:bodyPr>
           <a:lstStyle/>
           <a:p>
             <a:r>
               <a:rPr lang="en-GB" dirty="0"/>
-              <a:t>Week 7 - Testing</a:t>
+              <a:t>Week 6 – Front End with JS and React</a:t>
             </a:r>
           </a:p>
         </p:txBody>
@@ -8884,7 +10301,7 @@
           <p:cNvPr id="3" name="Content Placeholder 2">
             <a:extLst>
               <a:ext uri="{FF2B5EF4-FFF2-40B4-BE49-F238E27FC236}">
-                <a16:creationId xmlns:a16="http://schemas.microsoft.com/office/drawing/2014/main" id="{B088FE8E-5C7A-47F4-B276-13F4F2693E96}"/>
+                <a16:creationId xmlns:a16="http://schemas.microsoft.com/office/drawing/2014/main" id="{3323AA41-15B4-4AD9-B907-F2F087C8F0DA}"/>
               </a:ext>
             </a:extLst>
           </p:cNvPr>
@@ -8897,8 +10314,8 @@
         </p:nvSpPr>
         <p:spPr>
           <a:xfrm>
-            <a:off x="1084193" y="1736035"/>
-            <a:ext cx="10023613" cy="4497855"/>
+            <a:off x="1363980" y="1667725"/>
+            <a:ext cx="8915400" cy="3777622"/>
           </a:xfrm>
         </p:spPr>
         <p:txBody>
@@ -8906,39 +10323,66 @@
           <a:lstStyle/>
           <a:p>
             <a:r>
-              <a:rPr lang="en-GB" dirty="0"/>
-              <a:t>Static Testing using </a:t>
-            </a:r>
-            <a:r>
-              <a:rPr lang="en-GB" dirty="0" err="1"/>
-              <a:t>Sonarqube</a:t>
+              <a:rPr lang="en-GB" dirty="0" smtClean="0"/>
+              <a:t>Convert wireframe to HTML site</a:t>
+            </a:r>
+          </a:p>
+          <a:p>
+            <a:r>
+              <a:rPr lang="en-GB" dirty="0" smtClean="0"/>
+              <a:t>Convert that HTML to React for faster use.</a:t>
+            </a:r>
+          </a:p>
+          <a:p>
+            <a:r>
+              <a:rPr lang="en-GB" dirty="0" smtClean="0"/>
+              <a:t>Adding libraries - </a:t>
+            </a:r>
+            <a:r>
+              <a:rPr lang="en-GB" dirty="0" err="1" smtClean="0"/>
+              <a:t>Axios</a:t>
+            </a:r>
+            <a:r>
+              <a:rPr lang="en-GB" dirty="0" smtClean="0"/>
+              <a:t> and Routers</a:t>
             </a:r>
             <a:endParaRPr lang="en-GB" dirty="0"/>
           </a:p>
-          <a:p>
-            <a:r>
-              <a:rPr lang="en-GB" dirty="0"/>
-              <a:t>Made a Test Suite.</a:t>
-            </a:r>
-          </a:p>
-          <a:p>
-            <a:r>
-              <a:rPr lang="en-GB" dirty="0"/>
-              <a:t>Code Review by a Peer</a:t>
-            </a:r>
-          </a:p>
-          <a:p>
-            <a:r>
-              <a:rPr lang="en-GB" dirty="0"/>
-              <a:t>Basic Selenium Tests</a:t>
-            </a:r>
-          </a:p>
-        </p:txBody>
-      </p:sp>
+        </p:txBody>
+      </p:sp>
+      <p:pic>
+        <p:nvPicPr>
+          <p:cNvPr id="4" name="Picture 3"/>
+          <p:cNvPicPr>
+            <a:picLocks noChangeAspect="1"/>
+          </p:cNvPicPr>
+          <p:nvPr/>
+        </p:nvPicPr>
+        <p:blipFill rotWithShape="1">
+          <a:blip r:embed="rId2">
+            <a:extLst>
+              <a:ext uri="{28A0092B-C50C-407E-A947-70E740481C1C}">
+                <a14:useLocalDpi xmlns:a14="http://schemas.microsoft.com/office/drawing/2010/main" val="0"/>
+              </a:ext>
+            </a:extLst>
+          </a:blip>
+          <a:srcRect t="9401"/>
+          <a:stretch/>
+        </p:blipFill>
+        <p:spPr>
+          <a:xfrm>
+            <a:off x="5511502" y="3308465"/>
+            <a:ext cx="6608039" cy="3483829"/>
+          </a:xfrm>
+          <a:prstGeom prst="rect">
+            <a:avLst/>
+          </a:prstGeom>
+        </p:spPr>
+      </p:pic>
     </p:spTree>
     <p:extLst>
       <p:ext uri="{BB962C8B-B14F-4D97-AF65-F5344CB8AC3E}">
-        <p14:creationId xmlns:p14="http://schemas.microsoft.com/office/powerpoint/2010/main" val="2498035578"/>
+        <p14:creationId xmlns:p14="http://schemas.microsoft.com/office/powerpoint/2010/main" val="2948663736"/>
       </p:ext>
     </p:extLst>
   </p:cSld>

--- a/Project Presentation.pptx
+++ b/Project Presentation.pptx
@@ -9,15 +9,17 @@
     <p:sldId id="258" r:id="rId3"/>
     <p:sldId id="259" r:id="rId4"/>
     <p:sldId id="257" r:id="rId5"/>
-    <p:sldId id="260" r:id="rId6"/>
-    <p:sldId id="261" r:id="rId7"/>
-    <p:sldId id="262" r:id="rId8"/>
-    <p:sldId id="263" r:id="rId9"/>
-    <p:sldId id="264" r:id="rId10"/>
-    <p:sldId id="265" r:id="rId11"/>
-    <p:sldId id="266" r:id="rId12"/>
-    <p:sldId id="268" r:id="rId13"/>
-    <p:sldId id="267" r:id="rId14"/>
+    <p:sldId id="269" r:id="rId6"/>
+    <p:sldId id="260" r:id="rId7"/>
+    <p:sldId id="261" r:id="rId8"/>
+    <p:sldId id="262" r:id="rId9"/>
+    <p:sldId id="263" r:id="rId10"/>
+    <p:sldId id="264" r:id="rId11"/>
+    <p:sldId id="270" r:id="rId12"/>
+    <p:sldId id="265" r:id="rId13"/>
+    <p:sldId id="266" r:id="rId14"/>
+    <p:sldId id="268" r:id="rId15"/>
+    <p:sldId id="267" r:id="rId16"/>
   </p:sldIdLst>
   <p:sldSz cx="12192000" cy="6858000"/>
   <p:notesSz cx="6858000" cy="9144000"/>
@@ -312,7 +314,7 @@
           <a:p>
             <a:fld id="{D8B9DD1B-3A02-4013-B1CD-A9A5989ED81E}" type="datetimeFigureOut">
               <a:rPr lang="en-GB" smtClean="0"/>
-              <a:t>06/03/2019</a:t>
+              <a:t>09/03/2019</a:t>
             </a:fld>
             <a:endParaRPr lang="en-GB"/>
           </a:p>
@@ -650,7 +652,7 @@
           <a:p>
             <a:fld id="{D8B9DD1B-3A02-4013-B1CD-A9A5989ED81E}" type="datetimeFigureOut">
               <a:rPr lang="en-GB" smtClean="0"/>
-              <a:t>06/03/2019</a:t>
+              <a:t>09/03/2019</a:t>
             </a:fld>
             <a:endParaRPr lang="en-GB"/>
           </a:p>
@@ -1051,7 +1053,7 @@
           <a:p>
             <a:fld id="{D8B9DD1B-3A02-4013-B1CD-A9A5989ED81E}" type="datetimeFigureOut">
               <a:rPr lang="en-GB" smtClean="0"/>
-              <a:t>06/03/2019</a:t>
+              <a:t>09/03/2019</a:t>
             </a:fld>
             <a:endParaRPr lang="en-GB"/>
           </a:p>
@@ -1387,7 +1389,7 @@
           <a:p>
             <a:fld id="{D8B9DD1B-3A02-4013-B1CD-A9A5989ED81E}" type="datetimeFigureOut">
               <a:rPr lang="en-GB" smtClean="0"/>
-              <a:t>06/03/2019</a:t>
+              <a:t>09/03/2019</a:t>
             </a:fld>
             <a:endParaRPr lang="en-GB"/>
           </a:p>
@@ -1707,7 +1709,7 @@
           <a:p>
             <a:fld id="{D8B9DD1B-3A02-4013-B1CD-A9A5989ED81E}" type="datetimeFigureOut">
               <a:rPr lang="en-GB" smtClean="0"/>
-              <a:t>06/03/2019</a:t>
+              <a:t>09/03/2019</a:t>
             </a:fld>
             <a:endParaRPr lang="en-GB"/>
           </a:p>
@@ -2103,7 +2105,7 @@
           <a:p>
             <a:fld id="{D8B9DD1B-3A02-4013-B1CD-A9A5989ED81E}" type="datetimeFigureOut">
               <a:rPr lang="en-GB" smtClean="0"/>
-              <a:t>06/03/2019</a:t>
+              <a:t>09/03/2019</a:t>
             </a:fld>
             <a:endParaRPr lang="en-GB"/>
           </a:p>
@@ -2360,7 +2362,7 @@
           <a:p>
             <a:fld id="{D8B9DD1B-3A02-4013-B1CD-A9A5989ED81E}" type="datetimeFigureOut">
               <a:rPr lang="en-GB" smtClean="0"/>
-              <a:t>06/03/2019</a:t>
+              <a:t>09/03/2019</a:t>
             </a:fld>
             <a:endParaRPr lang="en-GB"/>
           </a:p>
@@ -2622,7 +2624,7 @@
           <a:p>
             <a:fld id="{D8B9DD1B-3A02-4013-B1CD-A9A5989ED81E}" type="datetimeFigureOut">
               <a:rPr lang="en-GB" smtClean="0"/>
-              <a:t>06/03/2019</a:t>
+              <a:t>09/03/2019</a:t>
             </a:fld>
             <a:endParaRPr lang="en-GB"/>
           </a:p>
@@ -2884,7 +2886,7 @@
           <a:p>
             <a:fld id="{D8B9DD1B-3A02-4013-B1CD-A9A5989ED81E}" type="datetimeFigureOut">
               <a:rPr lang="en-GB" smtClean="0"/>
-              <a:t>06/03/2019</a:t>
+              <a:t>09/03/2019</a:t>
             </a:fld>
             <a:endParaRPr lang="en-GB"/>
           </a:p>
@@ -3213,7 +3215,7 @@
           <a:p>
             <a:fld id="{D8B9DD1B-3A02-4013-B1CD-A9A5989ED81E}" type="datetimeFigureOut">
               <a:rPr lang="en-GB" smtClean="0"/>
-              <a:t>06/03/2019</a:t>
+              <a:t>09/03/2019</a:t>
             </a:fld>
             <a:endParaRPr lang="en-GB"/>
           </a:p>
@@ -3536,7 +3538,7 @@
           <a:p>
             <a:fld id="{D8B9DD1B-3A02-4013-B1CD-A9A5989ED81E}" type="datetimeFigureOut">
               <a:rPr lang="en-GB" smtClean="0"/>
-              <a:t>06/03/2019</a:t>
+              <a:t>09/03/2019</a:t>
             </a:fld>
             <a:endParaRPr lang="en-GB"/>
           </a:p>
@@ -3993,7 +3995,7 @@
           <a:p>
             <a:fld id="{D8B9DD1B-3A02-4013-B1CD-A9A5989ED81E}" type="datetimeFigureOut">
               <a:rPr lang="en-GB" smtClean="0"/>
-              <a:t>06/03/2019</a:t>
+              <a:t>09/03/2019</a:t>
             </a:fld>
             <a:endParaRPr lang="en-GB"/>
           </a:p>
@@ -4198,7 +4200,7 @@
           <a:p>
             <a:fld id="{D8B9DD1B-3A02-4013-B1CD-A9A5989ED81E}" type="datetimeFigureOut">
               <a:rPr lang="en-GB" smtClean="0"/>
-              <a:t>06/03/2019</a:t>
+              <a:t>09/03/2019</a:t>
             </a:fld>
             <a:endParaRPr lang="en-GB"/>
           </a:p>
@@ -4375,7 +4377,7 @@
           <a:p>
             <a:fld id="{D8B9DD1B-3A02-4013-B1CD-A9A5989ED81E}" type="datetimeFigureOut">
               <a:rPr lang="en-GB" smtClean="0"/>
-              <a:t>06/03/2019</a:t>
+              <a:t>09/03/2019</a:t>
             </a:fld>
             <a:endParaRPr lang="en-GB"/>
           </a:p>
@@ -4708,7 +4710,7 @@
           <a:p>
             <a:fld id="{D8B9DD1B-3A02-4013-B1CD-A9A5989ED81E}" type="datetimeFigureOut">
               <a:rPr lang="en-GB" smtClean="0"/>
-              <a:t>06/03/2019</a:t>
+              <a:t>09/03/2019</a:t>
             </a:fld>
             <a:endParaRPr lang="en-GB"/>
           </a:p>
@@ -5053,7 +5055,7 @@
           <a:p>
             <a:fld id="{D8B9DD1B-3A02-4013-B1CD-A9A5989ED81E}" type="datetimeFigureOut">
               <a:rPr lang="en-GB" smtClean="0"/>
-              <a:t>06/03/2019</a:t>
+              <a:t>09/03/2019</a:t>
             </a:fld>
             <a:endParaRPr lang="en-GB"/>
           </a:p>
@@ -7170,7 +7172,7 @@
           <a:p>
             <a:fld id="{D8B9DD1B-3A02-4013-B1CD-A9A5989ED81E}" type="datetimeFigureOut">
               <a:rPr lang="en-GB" smtClean="0"/>
-              <a:t>06/03/2019</a:t>
+              <a:t>09/03/2019</a:t>
             </a:fld>
             <a:endParaRPr lang="en-GB"/>
           </a:p>
@@ -7774,7 +7776,7 @@
           <p:cNvPr id="2" name="Title 1">
             <a:extLst>
               <a:ext uri="{FF2B5EF4-FFF2-40B4-BE49-F238E27FC236}">
-                <a16:creationId xmlns:a16="http://schemas.microsoft.com/office/drawing/2014/main" id="{53608DB2-9FD6-49EF-960D-D88FFBF0F4E7}"/>
+                <a16:creationId xmlns:a16="http://schemas.microsoft.com/office/drawing/2014/main" id="{EFFCAA69-38C0-4514-93E2-FE1D0185B2AB}"/>
               </a:ext>
             </a:extLst>
           </p:cNvPr>
@@ -7792,7 +7794,7 @@
           <a:p>
             <a:r>
               <a:rPr lang="en-GB" dirty="0"/>
-              <a:t>Challenges</a:t>
+              <a:t>Week 7 - Testing</a:t>
             </a:r>
           </a:p>
         </p:txBody>
@@ -7802,7 +7804,7 @@
           <p:cNvPr id="3" name="Content Placeholder 2">
             <a:extLst>
               <a:ext uri="{FF2B5EF4-FFF2-40B4-BE49-F238E27FC236}">
-                <a16:creationId xmlns:a16="http://schemas.microsoft.com/office/drawing/2014/main" id="{B6F6B9CE-5DF2-47CE-879D-ACAEBBBAA4EE}"/>
+                <a16:creationId xmlns:a16="http://schemas.microsoft.com/office/drawing/2014/main" id="{B088FE8E-5C7A-47F4-B276-13F4F2693E96}"/>
               </a:ext>
             </a:extLst>
           </p:cNvPr>
@@ -7815,8 +7817,8 @@
         </p:nvSpPr>
         <p:spPr>
           <a:xfrm>
-            <a:off x="1290499" y="2027583"/>
-            <a:ext cx="8915400" cy="3777622"/>
+            <a:off x="1084193" y="1736035"/>
+            <a:ext cx="10023613" cy="4497855"/>
           </a:xfrm>
         </p:spPr>
         <p:txBody>
@@ -7825,19 +7827,50 @@
           <a:p>
             <a:r>
               <a:rPr lang="en-GB" dirty="0"/>
-              <a:t>CORS – Fixed allowing 8080 server to allow 3000 server to interact.</a:t>
-            </a:r>
+              <a:t>Static Testing using </a:t>
+            </a:r>
+            <a:r>
+              <a:rPr lang="en-GB" dirty="0" err="1"/>
+              <a:t>Sonarqube</a:t>
+            </a:r>
+            <a:endParaRPr lang="en-GB" dirty="0"/>
           </a:p>
           <a:p>
             <a:r>
               <a:rPr lang="en-GB" dirty="0"/>
-              <a:t>Converting to React</a:t>
+              <a:t>Made a Test Suite.</a:t>
             </a:r>
           </a:p>
           <a:p>
             <a:r>
               <a:rPr lang="en-GB" dirty="0"/>
-              <a:t>Populating Database</a:t>
+              <a:t>Use of </a:t>
+            </a:r>
+            <a:r>
+              <a:rPr lang="en-GB" dirty="0" err="1"/>
+              <a:t>Moquito</a:t>
+            </a:r>
+            <a:r>
+              <a:rPr lang="en-GB" dirty="0"/>
+              <a:t> to simulate integration testing</a:t>
+            </a:r>
+          </a:p>
+          <a:p>
+            <a:r>
+              <a:rPr lang="en-GB" dirty="0"/>
+              <a:t>&gt;80% coverage.</a:t>
+            </a:r>
+          </a:p>
+          <a:p>
+            <a:r>
+              <a:rPr lang="en-GB" dirty="0"/>
+              <a:t>Code Review by a Peer</a:t>
+            </a:r>
+          </a:p>
+          <a:p>
+            <a:r>
+              <a:rPr lang="en-GB" dirty="0"/>
+              <a:t>Basic Selenium Tests</a:t>
             </a:r>
           </a:p>
         </p:txBody>
@@ -7845,7 +7878,7 @@
     </p:spTree>
     <p:extLst>
       <p:ext uri="{BB962C8B-B14F-4D97-AF65-F5344CB8AC3E}">
-        <p14:creationId xmlns:p14="http://schemas.microsoft.com/office/powerpoint/2010/main" val="1933374920"/>
+        <p14:creationId xmlns:p14="http://schemas.microsoft.com/office/powerpoint/2010/main" val="2498035578"/>
       </p:ext>
     </p:extLst>
   </p:cSld>
@@ -7877,7 +7910,7 @@
           <p:cNvPr id="2" name="Title 1">
             <a:extLst>
               <a:ext uri="{FF2B5EF4-FFF2-40B4-BE49-F238E27FC236}">
-                <a16:creationId xmlns:a16="http://schemas.microsoft.com/office/drawing/2014/main" id="{E2837F8A-38FD-4735-9E9C-7AB77743E6CB}"/>
+                <a16:creationId xmlns:a16="http://schemas.microsoft.com/office/drawing/2014/main" id="{C01B924D-8E8C-44B0-84DD-72E58D1C91BE}"/>
               </a:ext>
             </a:extLst>
           </p:cNvPr>
@@ -7888,14 +7921,19 @@
             <p:ph type="title"/>
           </p:nvPr>
         </p:nvSpPr>
-        <p:spPr/>
+        <p:spPr>
+          <a:xfrm>
+            <a:off x="2023082" y="531345"/>
+            <a:ext cx="8911687" cy="1280890"/>
+          </a:xfrm>
+        </p:spPr>
         <p:txBody>
           <a:bodyPr/>
           <a:lstStyle/>
           <a:p>
             <a:r>
               <a:rPr lang="en-GB" dirty="0"/>
-              <a:t>Hopes for Improvement</a:t>
+              <a:t>Week 8 - CI</a:t>
             </a:r>
           </a:p>
         </p:txBody>
@@ -7905,7 +7943,7 @@
           <p:cNvPr id="3" name="Content Placeholder 2">
             <a:extLst>
               <a:ext uri="{FF2B5EF4-FFF2-40B4-BE49-F238E27FC236}">
-                <a16:creationId xmlns:a16="http://schemas.microsoft.com/office/drawing/2014/main" id="{D1CEA38F-31EB-4712-8E44-C98A0EA184F8}"/>
+                <a16:creationId xmlns:a16="http://schemas.microsoft.com/office/drawing/2014/main" id="{C0A0C7F3-904F-4581-84FF-39AB7E37C98C}"/>
               </a:ext>
             </a:extLst>
           </p:cNvPr>
@@ -7916,45 +7954,27 @@
             <p:ph idx="1"/>
           </p:nvPr>
         </p:nvSpPr>
-        <p:spPr/>
+        <p:spPr>
+          <a:xfrm>
+            <a:off x="1210986" y="1987826"/>
+            <a:ext cx="8915400" cy="3777622"/>
+          </a:xfrm>
+        </p:spPr>
         <p:txBody>
           <a:bodyPr/>
           <a:lstStyle/>
           <a:p>
             <a:r>
               <a:rPr lang="en-GB" dirty="0"/>
-              <a:t>Restructuring website for conditional routing</a:t>
-            </a:r>
-          </a:p>
-          <a:p>
-            <a:r>
-              <a:rPr lang="en-GB" dirty="0"/>
-              <a:t>User exclusive functions</a:t>
-            </a:r>
-          </a:p>
-          <a:p>
-            <a:pPr lvl="1"/>
-            <a:r>
-              <a:rPr lang="en-GB" dirty="0"/>
-              <a:t>Need to be logged in to use CRU functions.</a:t>
-            </a:r>
-          </a:p>
-          <a:p>
-            <a:pPr lvl="1"/>
-            <a:r>
-              <a:rPr lang="en-GB" dirty="0"/>
-              <a:t>Admin user who is only one can use delete functions.</a:t>
-            </a:r>
-          </a:p>
-          <a:p>
-            <a:endParaRPr lang="en-GB" dirty="0"/>
+              <a:t>Set up a VM that allows project to be hosted on a server rather than local host</a:t>
+            </a:r>
           </a:p>
         </p:txBody>
       </p:sp>
     </p:spTree>
     <p:extLst>
       <p:ext uri="{BB962C8B-B14F-4D97-AF65-F5344CB8AC3E}">
-        <p14:creationId xmlns:p14="http://schemas.microsoft.com/office/powerpoint/2010/main" val="3162605915"/>
+        <p14:creationId xmlns:p14="http://schemas.microsoft.com/office/powerpoint/2010/main" val="3610297627"/>
       </p:ext>
     </p:extLst>
   </p:cSld>
@@ -7986,7 +8006,7 @@
           <p:cNvPr id="2" name="Title 1">
             <a:extLst>
               <a:ext uri="{FF2B5EF4-FFF2-40B4-BE49-F238E27FC236}">
-                <a16:creationId xmlns:a16="http://schemas.microsoft.com/office/drawing/2014/main" id="{99F98107-A2A3-43A8-9290-1A68DA4D1278}"/>
+                <a16:creationId xmlns:a16="http://schemas.microsoft.com/office/drawing/2014/main" id="{53608DB2-9FD6-49EF-960D-D88FFBF0F4E7}"/>
               </a:ext>
             </a:extLst>
           </p:cNvPr>
@@ -8004,7 +8024,7 @@
           <a:p>
             <a:r>
               <a:rPr lang="en-GB" dirty="0"/>
-              <a:t>Summary</a:t>
+              <a:t>Challenges</a:t>
             </a:r>
           </a:p>
         </p:txBody>
@@ -8014,7 +8034,7 @@
           <p:cNvPr id="3" name="Content Placeholder 2">
             <a:extLst>
               <a:ext uri="{FF2B5EF4-FFF2-40B4-BE49-F238E27FC236}">
-                <a16:creationId xmlns:a16="http://schemas.microsoft.com/office/drawing/2014/main" id="{0B1C6733-2AC4-4CD6-AE26-5CB540395C72}"/>
+                <a16:creationId xmlns:a16="http://schemas.microsoft.com/office/drawing/2014/main" id="{B6F6B9CE-5DF2-47CE-879D-ACAEBBBAA4EE}"/>
               </a:ext>
             </a:extLst>
           </p:cNvPr>
@@ -8025,19 +8045,45 @@
             <p:ph idx="1"/>
           </p:nvPr>
         </p:nvSpPr>
-        <p:spPr/>
+        <p:spPr>
+          <a:xfrm>
+            <a:off x="1290499" y="2027583"/>
+            <a:ext cx="8915400" cy="3777622"/>
+          </a:xfrm>
+        </p:spPr>
         <p:txBody>
           <a:bodyPr/>
           <a:lstStyle/>
           <a:p>
-            <a:endParaRPr lang="en-GB"/>
+            <a:r>
+              <a:rPr lang="en-GB" dirty="0"/>
+              <a:t>CORS – Fixed allowing 8080 server to allow 3000 server to interact.</a:t>
+            </a:r>
+          </a:p>
+          <a:p>
+            <a:r>
+              <a:rPr lang="en-GB" dirty="0"/>
+              <a:t>Converting to React – Learning states and properly. Functions.</a:t>
+            </a:r>
+          </a:p>
+          <a:p>
+            <a:r>
+              <a:rPr lang="en-GB" dirty="0"/>
+              <a:t>Populating Database – Time consuming rather than difficult.</a:t>
+            </a:r>
+          </a:p>
+          <a:p>
+            <a:r>
+              <a:rPr lang="en-GB" dirty="0"/>
+              <a:t>Preventing null pointers.</a:t>
+            </a:r>
           </a:p>
         </p:txBody>
       </p:sp>
     </p:spTree>
     <p:extLst>
       <p:ext uri="{BB962C8B-B14F-4D97-AF65-F5344CB8AC3E}">
-        <p14:creationId xmlns:p14="http://schemas.microsoft.com/office/powerpoint/2010/main" val="1162133468"/>
+        <p14:creationId xmlns:p14="http://schemas.microsoft.com/office/powerpoint/2010/main" val="1933374920"/>
       </p:ext>
     </p:extLst>
   </p:cSld>
@@ -8069,6 +8115,968 @@
           <p:cNvPr id="2" name="Title 1">
             <a:extLst>
               <a:ext uri="{FF2B5EF4-FFF2-40B4-BE49-F238E27FC236}">
+                <a16:creationId xmlns:a16="http://schemas.microsoft.com/office/drawing/2014/main" id="{E2837F8A-38FD-4735-9E9C-7AB77743E6CB}"/>
+              </a:ext>
+            </a:extLst>
+          </p:cNvPr>
+          <p:cNvSpPr>
+            <a:spLocks noGrp="1"/>
+          </p:cNvSpPr>
+          <p:nvPr>
+            <p:ph type="title"/>
+          </p:nvPr>
+        </p:nvSpPr>
+        <p:spPr/>
+        <p:txBody>
+          <a:bodyPr/>
+          <a:lstStyle/>
+          <a:p>
+            <a:r>
+              <a:rPr lang="en-GB" dirty="0"/>
+              <a:t>Hopes for Improvement</a:t>
+            </a:r>
+          </a:p>
+        </p:txBody>
+      </p:sp>
+      <p:sp>
+        <p:nvSpPr>
+          <p:cNvPr id="3" name="Content Placeholder 2">
+            <a:extLst>
+              <a:ext uri="{FF2B5EF4-FFF2-40B4-BE49-F238E27FC236}">
+                <a16:creationId xmlns:a16="http://schemas.microsoft.com/office/drawing/2014/main" id="{D1CEA38F-31EB-4712-8E44-C98A0EA184F8}"/>
+              </a:ext>
+            </a:extLst>
+          </p:cNvPr>
+          <p:cNvSpPr>
+            <a:spLocks noGrp="1"/>
+          </p:cNvSpPr>
+          <p:nvPr>
+            <p:ph idx="1"/>
+          </p:nvPr>
+        </p:nvSpPr>
+        <p:spPr>
+          <a:xfrm>
+            <a:off x="1638300" y="1905000"/>
+            <a:ext cx="8915400" cy="3777622"/>
+          </a:xfrm>
+        </p:spPr>
+        <p:txBody>
+          <a:bodyPr/>
+          <a:lstStyle/>
+          <a:p>
+            <a:r>
+              <a:rPr lang="en-GB" dirty="0"/>
+              <a:t>Functional improvement: </a:t>
+            </a:r>
+          </a:p>
+          <a:p>
+            <a:pPr lvl="1"/>
+            <a:r>
+              <a:rPr lang="en-GB" dirty="0"/>
+              <a:t>More detailed generator</a:t>
+            </a:r>
+          </a:p>
+          <a:p>
+            <a:pPr lvl="1"/>
+            <a:r>
+              <a:rPr lang="en-GB" dirty="0"/>
+              <a:t>Enable CRUD functions to search by word rather than id number.</a:t>
+            </a:r>
+          </a:p>
+          <a:p>
+            <a:r>
+              <a:rPr lang="en-GB" dirty="0"/>
+              <a:t>Database improvement: </a:t>
+            </a:r>
+          </a:p>
+          <a:p>
+            <a:pPr lvl="1"/>
+            <a:r>
+              <a:rPr lang="en-GB" dirty="0"/>
+              <a:t>Move to SQL&gt;H2 so changes persist.</a:t>
+            </a:r>
+          </a:p>
+          <a:p>
+            <a:r>
+              <a:rPr lang="en-GB" dirty="0"/>
+              <a:t>Front End improvement: </a:t>
+            </a:r>
+          </a:p>
+          <a:p>
+            <a:pPr lvl="1"/>
+            <a:r>
+              <a:rPr lang="en-GB" dirty="0"/>
+              <a:t>Make special admin privileges so not everyone can delete sections of the database. </a:t>
+            </a:r>
+          </a:p>
+          <a:p>
+            <a:pPr lvl="1"/>
+            <a:r>
+              <a:rPr lang="en-GB" dirty="0"/>
+              <a:t> Make Websites more modular.</a:t>
+            </a:r>
+          </a:p>
+          <a:p>
+            <a:endParaRPr lang="en-GB" dirty="0"/>
+          </a:p>
+        </p:txBody>
+      </p:sp>
+    </p:spTree>
+    <p:extLst>
+      <p:ext uri="{BB962C8B-B14F-4D97-AF65-F5344CB8AC3E}">
+        <p14:creationId xmlns:p14="http://schemas.microsoft.com/office/powerpoint/2010/main" val="3162605915"/>
+      </p:ext>
+    </p:extLst>
+  </p:cSld>
+  <p:clrMapOvr>
+    <a:masterClrMapping/>
+  </p:clrMapOvr>
+</p:sld>
+</file>
+
+<file path=ppt/slides/slide14.xml><?xml version="1.0" encoding="utf-8"?>
+<p:sld xmlns:a="http://schemas.openxmlformats.org/drawingml/2006/main" xmlns:r="http://schemas.openxmlformats.org/officeDocument/2006/relationships" xmlns:p="http://schemas.openxmlformats.org/presentationml/2006/main">
+  <p:cSld>
+    <p:spTree>
+      <p:nvGrpSpPr>
+        <p:cNvPr id="1" name=""/>
+        <p:cNvGrpSpPr/>
+        <p:nvPr/>
+      </p:nvGrpSpPr>
+      <p:grpSpPr>
+        <a:xfrm>
+          <a:off x="0" y="0"/>
+          <a:ext cx="0" cy="0"/>
+          <a:chOff x="0" y="0"/>
+          <a:chExt cx="0" cy="0"/>
+        </a:xfrm>
+      </p:grpSpPr>
+      <p:sp>
+        <p:nvSpPr>
+          <p:cNvPr id="2" name="Title 1">
+            <a:extLst>
+              <a:ext uri="{FF2B5EF4-FFF2-40B4-BE49-F238E27FC236}">
+                <a16:creationId xmlns:a16="http://schemas.microsoft.com/office/drawing/2014/main" id="{99F98107-A2A3-43A8-9290-1A68DA4D1278}"/>
+              </a:ext>
+            </a:extLst>
+          </p:cNvPr>
+          <p:cNvSpPr>
+            <a:spLocks noGrp="1"/>
+          </p:cNvSpPr>
+          <p:nvPr>
+            <p:ph type="title"/>
+          </p:nvPr>
+        </p:nvSpPr>
+        <p:spPr/>
+        <p:txBody>
+          <a:bodyPr/>
+          <a:lstStyle/>
+          <a:p>
+            <a:r>
+              <a:rPr lang="en-GB" dirty="0"/>
+              <a:t>Summary</a:t>
+            </a:r>
+          </a:p>
+        </p:txBody>
+      </p:sp>
+      <p:grpSp>
+        <p:nvGrpSpPr>
+          <p:cNvPr id="14" name="Group 13">
+            <a:extLst>
+              <a:ext uri="{FF2B5EF4-FFF2-40B4-BE49-F238E27FC236}">
+                <a16:creationId xmlns:a16="http://schemas.microsoft.com/office/drawing/2014/main" id="{3795ED9E-C61D-4323-B020-6A4604E6DAFE}"/>
+              </a:ext>
+            </a:extLst>
+          </p:cNvPr>
+          <p:cNvGrpSpPr/>
+          <p:nvPr/>
+        </p:nvGrpSpPr>
+        <p:grpSpPr>
+          <a:xfrm>
+            <a:off x="702365" y="1694549"/>
+            <a:ext cx="10946297" cy="4918285"/>
+            <a:chOff x="702365" y="1694549"/>
+            <a:chExt cx="10946297" cy="4918285"/>
+          </a:xfrm>
+        </p:grpSpPr>
+        <p:grpSp>
+          <p:nvGrpSpPr>
+            <p:cNvPr id="15" name="Group 14">
+              <a:extLst>
+                <a:ext uri="{FF2B5EF4-FFF2-40B4-BE49-F238E27FC236}">
+                  <a16:creationId xmlns:a16="http://schemas.microsoft.com/office/drawing/2014/main" id="{6DB176EC-27D2-4413-A527-F8D76DF49677}"/>
+                </a:ext>
+              </a:extLst>
+            </p:cNvPr>
+            <p:cNvGrpSpPr/>
+            <p:nvPr/>
+          </p:nvGrpSpPr>
+          <p:grpSpPr>
+            <a:xfrm>
+              <a:off x="702365" y="2173356"/>
+              <a:ext cx="10946297" cy="4439478"/>
+              <a:chOff x="702365" y="2173356"/>
+              <a:chExt cx="10946297" cy="4439478"/>
+            </a:xfrm>
+          </p:grpSpPr>
+          <p:sp>
+            <p:nvSpPr>
+              <p:cNvPr id="21" name="Rectangle: Rounded Corners 20">
+                <a:extLst>
+                  <a:ext uri="{FF2B5EF4-FFF2-40B4-BE49-F238E27FC236}">
+                    <a16:creationId xmlns:a16="http://schemas.microsoft.com/office/drawing/2014/main" id="{F226779F-AC66-4371-9DB8-9490FD88CB45}"/>
+                  </a:ext>
+                </a:extLst>
+              </p:cNvPr>
+              <p:cNvSpPr/>
+              <p:nvPr/>
+            </p:nvSpPr>
+            <p:spPr>
+              <a:xfrm>
+                <a:off x="702365" y="2173356"/>
+                <a:ext cx="2080591" cy="4439478"/>
+              </a:xfrm>
+              <a:prstGeom prst="roundRect">
+                <a:avLst/>
+              </a:prstGeom>
+              <a:solidFill>
+                <a:schemeClr val="bg1"/>
+              </a:solidFill>
+            </p:spPr>
+            <p:style>
+              <a:lnRef idx="2">
+                <a:schemeClr val="accent1">
+                  <a:shade val="50000"/>
+                </a:schemeClr>
+              </a:lnRef>
+              <a:fillRef idx="1">
+                <a:schemeClr val="accent1"/>
+              </a:fillRef>
+              <a:effectRef idx="0">
+                <a:schemeClr val="accent1"/>
+              </a:effectRef>
+              <a:fontRef idx="minor">
+                <a:schemeClr val="lt1"/>
+              </a:fontRef>
+            </p:style>
+            <p:txBody>
+              <a:bodyPr rtlCol="0" anchor="t"/>
+              <a:lstStyle/>
+              <a:p>
+                <a:pPr algn="ctr"/>
+                <a:r>
+                  <a:rPr lang="en-GB" dirty="0">
+                    <a:solidFill>
+                      <a:schemeClr val="tx1"/>
+                    </a:solidFill>
+                  </a:rPr>
+                  <a:t>Front End</a:t>
+                </a:r>
+              </a:p>
+              <a:p>
+                <a:pPr algn="ctr"/>
+                <a:endParaRPr lang="en-GB" dirty="0">
+                  <a:solidFill>
+                    <a:schemeClr val="tx1"/>
+                  </a:solidFill>
+                </a:endParaRPr>
+              </a:p>
+              <a:p>
+                <a:pPr algn="ctr"/>
+                <a:r>
+                  <a:rPr lang="en-GB" dirty="0">
+                    <a:solidFill>
+                      <a:schemeClr val="tx1"/>
+                    </a:solidFill>
+                  </a:rPr>
+                  <a:t>JS and React</a:t>
+                </a:r>
+              </a:p>
+              <a:p>
+                <a:pPr algn="ctr"/>
+                <a:r>
+                  <a:rPr lang="en-GB" dirty="0">
+                    <a:solidFill>
+                      <a:schemeClr val="tx1"/>
+                    </a:solidFill>
+                  </a:rPr>
+                  <a:t>HTML</a:t>
+                </a:r>
+              </a:p>
+              <a:p>
+                <a:pPr algn="ctr"/>
+                <a:r>
+                  <a:rPr lang="en-GB" dirty="0">
+                    <a:solidFill>
+                      <a:schemeClr val="tx1"/>
+                    </a:solidFill>
+                  </a:rPr>
+                  <a:t>CSS</a:t>
+                </a:r>
+              </a:p>
+            </p:txBody>
+          </p:sp>
+          <p:sp>
+            <p:nvSpPr>
+              <p:cNvPr id="22" name="Rectangle: Rounded Corners 21">
+                <a:extLst>
+                  <a:ext uri="{FF2B5EF4-FFF2-40B4-BE49-F238E27FC236}">
+                    <a16:creationId xmlns:a16="http://schemas.microsoft.com/office/drawing/2014/main" id="{8AE6ADC8-2821-4A26-B3B2-C342C3E161E9}"/>
+                  </a:ext>
+                </a:extLst>
+              </p:cNvPr>
+              <p:cNvSpPr/>
+              <p:nvPr/>
+            </p:nvSpPr>
+            <p:spPr>
+              <a:xfrm>
+                <a:off x="3120887" y="2173356"/>
+                <a:ext cx="2080591" cy="4439478"/>
+              </a:xfrm>
+              <a:prstGeom prst="roundRect">
+                <a:avLst/>
+              </a:prstGeom>
+              <a:solidFill>
+                <a:schemeClr val="bg1"/>
+              </a:solidFill>
+            </p:spPr>
+            <p:style>
+              <a:lnRef idx="2">
+                <a:schemeClr val="accent1">
+                  <a:shade val="50000"/>
+                </a:schemeClr>
+              </a:lnRef>
+              <a:fillRef idx="1">
+                <a:schemeClr val="accent1"/>
+              </a:fillRef>
+              <a:effectRef idx="0">
+                <a:schemeClr val="accent1"/>
+              </a:effectRef>
+              <a:fontRef idx="minor">
+                <a:schemeClr val="lt1"/>
+              </a:fontRef>
+            </p:style>
+            <p:txBody>
+              <a:bodyPr rtlCol="0" anchor="t"/>
+              <a:lstStyle/>
+              <a:p>
+                <a:pPr algn="ctr"/>
+                <a:r>
+                  <a:rPr lang="en-GB" dirty="0">
+                    <a:solidFill>
+                      <a:schemeClr val="tx1"/>
+                    </a:solidFill>
+                  </a:rPr>
+                  <a:t>REST layer</a:t>
+                </a:r>
+              </a:p>
+              <a:p>
+                <a:pPr algn="ctr"/>
+                <a:endParaRPr lang="en-GB" dirty="0">
+                  <a:solidFill>
+                    <a:schemeClr val="tx1"/>
+                  </a:solidFill>
+                </a:endParaRPr>
+              </a:p>
+              <a:p>
+                <a:pPr algn="ctr"/>
+                <a:r>
+                  <a:rPr lang="en-GB" dirty="0">
+                    <a:solidFill>
+                      <a:schemeClr val="tx1"/>
+                    </a:solidFill>
+                  </a:rPr>
+                  <a:t>	</a:t>
+                </a:r>
+              </a:p>
+            </p:txBody>
+          </p:sp>
+          <p:sp>
+            <p:nvSpPr>
+              <p:cNvPr id="23" name="Rectangle: Rounded Corners 22">
+                <a:extLst>
+                  <a:ext uri="{FF2B5EF4-FFF2-40B4-BE49-F238E27FC236}">
+                    <a16:creationId xmlns:a16="http://schemas.microsoft.com/office/drawing/2014/main" id="{5EC67E95-5F81-4AF5-A895-31046A926688}"/>
+                  </a:ext>
+                </a:extLst>
+              </p:cNvPr>
+              <p:cNvSpPr/>
+              <p:nvPr/>
+            </p:nvSpPr>
+            <p:spPr>
+              <a:xfrm>
+                <a:off x="5539409" y="2173356"/>
+                <a:ext cx="2080591" cy="4439478"/>
+              </a:xfrm>
+              <a:prstGeom prst="roundRect">
+                <a:avLst/>
+              </a:prstGeom>
+              <a:solidFill>
+                <a:schemeClr val="bg1"/>
+              </a:solidFill>
+            </p:spPr>
+            <p:style>
+              <a:lnRef idx="2">
+                <a:schemeClr val="accent1">
+                  <a:shade val="50000"/>
+                </a:schemeClr>
+              </a:lnRef>
+              <a:fillRef idx="1">
+                <a:schemeClr val="accent1"/>
+              </a:fillRef>
+              <a:effectRef idx="0">
+                <a:schemeClr val="accent1"/>
+              </a:effectRef>
+              <a:fontRef idx="minor">
+                <a:schemeClr val="lt1"/>
+              </a:fontRef>
+            </p:style>
+            <p:txBody>
+              <a:bodyPr rtlCol="0" anchor="t"/>
+              <a:lstStyle/>
+              <a:p>
+                <a:pPr algn="ctr"/>
+                <a:r>
+                  <a:rPr lang="en-GB" dirty="0">
+                    <a:solidFill>
+                      <a:schemeClr val="tx1"/>
+                    </a:solidFill>
+                  </a:rPr>
+                  <a:t>Business Layer</a:t>
+                </a:r>
+              </a:p>
+              <a:p>
+                <a:pPr algn="ctr"/>
+                <a:endParaRPr lang="en-GB" dirty="0">
+                  <a:solidFill>
+                    <a:schemeClr val="tx1"/>
+                  </a:solidFill>
+                </a:endParaRPr>
+              </a:p>
+              <a:p>
+                <a:pPr algn="ctr"/>
+                <a:r>
+                  <a:rPr lang="en-GB" dirty="0">
+                    <a:solidFill>
+                      <a:schemeClr val="tx1"/>
+                    </a:solidFill>
+                  </a:rPr>
+                  <a:t>Java SE and EE	</a:t>
+                </a:r>
+              </a:p>
+            </p:txBody>
+          </p:sp>
+          <p:sp>
+            <p:nvSpPr>
+              <p:cNvPr id="24" name="Rectangle: Rounded Corners 23">
+                <a:extLst>
+                  <a:ext uri="{FF2B5EF4-FFF2-40B4-BE49-F238E27FC236}">
+                    <a16:creationId xmlns:a16="http://schemas.microsoft.com/office/drawing/2014/main" id="{1FD35796-3C55-4A24-92DB-72342EB4C599}"/>
+                  </a:ext>
+                </a:extLst>
+              </p:cNvPr>
+              <p:cNvSpPr/>
+              <p:nvPr/>
+            </p:nvSpPr>
+            <p:spPr>
+              <a:xfrm>
+                <a:off x="7957931" y="2173356"/>
+                <a:ext cx="2080591" cy="4439478"/>
+              </a:xfrm>
+              <a:prstGeom prst="roundRect">
+                <a:avLst/>
+              </a:prstGeom>
+              <a:solidFill>
+                <a:schemeClr val="bg1"/>
+              </a:solidFill>
+            </p:spPr>
+            <p:style>
+              <a:lnRef idx="2">
+                <a:schemeClr val="accent1">
+                  <a:shade val="50000"/>
+                </a:schemeClr>
+              </a:lnRef>
+              <a:fillRef idx="1">
+                <a:schemeClr val="accent1"/>
+              </a:fillRef>
+              <a:effectRef idx="0">
+                <a:schemeClr val="accent1"/>
+              </a:effectRef>
+              <a:fontRef idx="minor">
+                <a:schemeClr val="lt1"/>
+              </a:fontRef>
+            </p:style>
+            <p:txBody>
+              <a:bodyPr rtlCol="0" anchor="t"/>
+              <a:lstStyle/>
+              <a:p>
+                <a:pPr algn="ctr"/>
+                <a:r>
+                  <a:rPr lang="en-GB" dirty="0">
+                    <a:solidFill>
+                      <a:schemeClr val="tx1"/>
+                    </a:solidFill>
+                  </a:rPr>
+                  <a:t>Persistence</a:t>
+                </a:r>
+              </a:p>
+              <a:p>
+                <a:pPr algn="ctr"/>
+                <a:endParaRPr lang="en-GB" dirty="0">
+                  <a:solidFill>
+                    <a:schemeClr val="tx1"/>
+                  </a:solidFill>
+                </a:endParaRPr>
+              </a:p>
+              <a:p>
+                <a:pPr algn="ctr"/>
+                <a:r>
+                  <a:rPr lang="en-GB" dirty="0">
+                    <a:solidFill>
+                      <a:schemeClr val="tx1"/>
+                    </a:solidFill>
+                  </a:rPr>
+                  <a:t>JPA</a:t>
+                </a:r>
+              </a:p>
+              <a:p>
+                <a:pPr algn="ctr"/>
+                <a:endParaRPr lang="en-GB" dirty="0">
+                  <a:solidFill>
+                    <a:schemeClr val="tx1"/>
+                  </a:solidFill>
+                </a:endParaRPr>
+              </a:p>
+            </p:txBody>
+          </p:sp>
+          <p:sp>
+            <p:nvSpPr>
+              <p:cNvPr id="25" name="Cylinder 24">
+                <a:extLst>
+                  <a:ext uri="{FF2B5EF4-FFF2-40B4-BE49-F238E27FC236}">
+                    <a16:creationId xmlns:a16="http://schemas.microsoft.com/office/drawing/2014/main" id="{5FE57DE6-15C5-4472-B0B6-076F61BB321F}"/>
+                  </a:ext>
+                </a:extLst>
+              </p:cNvPr>
+              <p:cNvSpPr/>
+              <p:nvPr/>
+            </p:nvSpPr>
+            <p:spPr>
+              <a:xfrm>
+                <a:off x="10376453" y="3882887"/>
+                <a:ext cx="1272209" cy="2623930"/>
+              </a:xfrm>
+              <a:prstGeom prst="can">
+                <a:avLst/>
+              </a:prstGeom>
+            </p:spPr>
+            <p:style>
+              <a:lnRef idx="2">
+                <a:schemeClr val="accent1">
+                  <a:shade val="50000"/>
+                </a:schemeClr>
+              </a:lnRef>
+              <a:fillRef idx="1">
+                <a:schemeClr val="accent1"/>
+              </a:fillRef>
+              <a:effectRef idx="0">
+                <a:schemeClr val="accent1"/>
+              </a:effectRef>
+              <a:fontRef idx="minor">
+                <a:schemeClr val="lt1"/>
+              </a:fontRef>
+            </p:style>
+            <p:txBody>
+              <a:bodyPr rtlCol="0" anchor="ctr"/>
+              <a:lstStyle/>
+              <a:p>
+                <a:pPr algn="ctr"/>
+                <a:r>
+                  <a:rPr lang="en-GB" sz="1700" dirty="0"/>
+                  <a:t>Database</a:t>
+                </a:r>
+              </a:p>
+            </p:txBody>
+          </p:sp>
+          <p:cxnSp>
+            <p:nvCxnSpPr>
+              <p:cNvPr id="26" name="Straight Arrow Connector 25">
+                <a:extLst>
+                  <a:ext uri="{FF2B5EF4-FFF2-40B4-BE49-F238E27FC236}">
+                    <a16:creationId xmlns:a16="http://schemas.microsoft.com/office/drawing/2014/main" id="{AFC3F815-E185-44EC-B343-3D63CFC13F70}"/>
+                  </a:ext>
+                </a:extLst>
+              </p:cNvPr>
+              <p:cNvCxnSpPr>
+                <a:stCxn id="21" idx="3"/>
+                <a:endCxn id="22" idx="1"/>
+              </p:cNvCxnSpPr>
+              <p:nvPr/>
+            </p:nvCxnSpPr>
+            <p:spPr>
+              <a:xfrm>
+                <a:off x="2782956" y="4393095"/>
+                <a:ext cx="337931" cy="0"/>
+              </a:xfrm>
+              <a:prstGeom prst="straightConnector1">
+                <a:avLst/>
+              </a:prstGeom>
+              <a:ln>
+                <a:tailEnd type="triangle"/>
+              </a:ln>
+            </p:spPr>
+            <p:style>
+              <a:lnRef idx="1">
+                <a:schemeClr val="accent1"/>
+              </a:lnRef>
+              <a:fillRef idx="0">
+                <a:schemeClr val="accent1"/>
+              </a:fillRef>
+              <a:effectRef idx="0">
+                <a:schemeClr val="accent1"/>
+              </a:effectRef>
+              <a:fontRef idx="minor">
+                <a:schemeClr val="tx1"/>
+              </a:fontRef>
+            </p:style>
+          </p:cxnSp>
+          <p:cxnSp>
+            <p:nvCxnSpPr>
+              <p:cNvPr id="27" name="Straight Arrow Connector 26">
+                <a:extLst>
+                  <a:ext uri="{FF2B5EF4-FFF2-40B4-BE49-F238E27FC236}">
+                    <a16:creationId xmlns:a16="http://schemas.microsoft.com/office/drawing/2014/main" id="{33301DDD-67B2-4A6B-9418-DEE1FF99E988}"/>
+                  </a:ext>
+                </a:extLst>
+              </p:cNvPr>
+              <p:cNvCxnSpPr>
+                <a:stCxn id="22" idx="3"/>
+                <a:endCxn id="23" idx="1"/>
+              </p:cNvCxnSpPr>
+              <p:nvPr/>
+            </p:nvCxnSpPr>
+            <p:spPr>
+              <a:xfrm>
+                <a:off x="5201478" y="4393095"/>
+                <a:ext cx="337931" cy="0"/>
+              </a:xfrm>
+              <a:prstGeom prst="straightConnector1">
+                <a:avLst/>
+              </a:prstGeom>
+              <a:ln>
+                <a:tailEnd type="triangle"/>
+              </a:ln>
+            </p:spPr>
+            <p:style>
+              <a:lnRef idx="1">
+                <a:schemeClr val="accent1"/>
+              </a:lnRef>
+              <a:fillRef idx="0">
+                <a:schemeClr val="accent1"/>
+              </a:fillRef>
+              <a:effectRef idx="0">
+                <a:schemeClr val="accent1"/>
+              </a:effectRef>
+              <a:fontRef idx="minor">
+                <a:schemeClr val="tx1"/>
+              </a:fontRef>
+            </p:style>
+          </p:cxnSp>
+          <p:cxnSp>
+            <p:nvCxnSpPr>
+              <p:cNvPr id="28" name="Straight Arrow Connector 27">
+                <a:extLst>
+                  <a:ext uri="{FF2B5EF4-FFF2-40B4-BE49-F238E27FC236}">
+                    <a16:creationId xmlns:a16="http://schemas.microsoft.com/office/drawing/2014/main" id="{41E090DE-2052-45F5-9524-83C87CA62F85}"/>
+                  </a:ext>
+                </a:extLst>
+              </p:cNvPr>
+              <p:cNvCxnSpPr>
+                <a:stCxn id="23" idx="3"/>
+                <a:endCxn id="24" idx="1"/>
+              </p:cNvCxnSpPr>
+              <p:nvPr/>
+            </p:nvCxnSpPr>
+            <p:spPr>
+              <a:xfrm>
+                <a:off x="7620000" y="4393095"/>
+                <a:ext cx="337931" cy="0"/>
+              </a:xfrm>
+              <a:prstGeom prst="straightConnector1">
+                <a:avLst/>
+              </a:prstGeom>
+              <a:ln>
+                <a:tailEnd type="triangle"/>
+              </a:ln>
+            </p:spPr>
+            <p:style>
+              <a:lnRef idx="1">
+                <a:schemeClr val="accent1"/>
+              </a:lnRef>
+              <a:fillRef idx="0">
+                <a:schemeClr val="accent1"/>
+              </a:fillRef>
+              <a:effectRef idx="0">
+                <a:schemeClr val="accent1"/>
+              </a:effectRef>
+              <a:fontRef idx="minor">
+                <a:schemeClr val="tx1"/>
+              </a:fontRef>
+            </p:style>
+          </p:cxnSp>
+          <p:cxnSp>
+            <p:nvCxnSpPr>
+              <p:cNvPr id="29" name="Straight Arrow Connector 28">
+                <a:extLst>
+                  <a:ext uri="{FF2B5EF4-FFF2-40B4-BE49-F238E27FC236}">
+                    <a16:creationId xmlns:a16="http://schemas.microsoft.com/office/drawing/2014/main" id="{F0AEBBB4-F102-4A5D-9C3B-93B5FB95F10C}"/>
+                  </a:ext>
+                </a:extLst>
+              </p:cNvPr>
+              <p:cNvCxnSpPr>
+                <a:endCxn id="25" idx="2"/>
+              </p:cNvCxnSpPr>
+              <p:nvPr/>
+            </p:nvCxnSpPr>
+            <p:spPr>
+              <a:xfrm>
+                <a:off x="10038522" y="5194852"/>
+                <a:ext cx="337931" cy="0"/>
+              </a:xfrm>
+              <a:prstGeom prst="straightConnector1">
+                <a:avLst/>
+              </a:prstGeom>
+              <a:ln>
+                <a:tailEnd type="triangle"/>
+              </a:ln>
+            </p:spPr>
+            <p:style>
+              <a:lnRef idx="1">
+                <a:schemeClr val="accent1"/>
+              </a:lnRef>
+              <a:fillRef idx="0">
+                <a:schemeClr val="accent1"/>
+              </a:fillRef>
+              <a:effectRef idx="0">
+                <a:schemeClr val="accent1"/>
+              </a:effectRef>
+              <a:fontRef idx="minor">
+                <a:schemeClr val="tx1"/>
+              </a:fontRef>
+            </p:style>
+          </p:cxnSp>
+        </p:grpSp>
+        <p:sp>
+          <p:nvSpPr>
+            <p:cNvPr id="16" name="TextBox 15">
+              <a:extLst>
+                <a:ext uri="{FF2B5EF4-FFF2-40B4-BE49-F238E27FC236}">
+                  <a16:creationId xmlns:a16="http://schemas.microsoft.com/office/drawing/2014/main" id="{AE9F5A9E-58B5-4D69-B63B-887D567184A5}"/>
+                </a:ext>
+              </a:extLst>
+            </p:cNvPr>
+            <p:cNvSpPr txBox="1"/>
+            <p:nvPr/>
+          </p:nvSpPr>
+          <p:spPr>
+            <a:xfrm>
+              <a:off x="5919789" y="1694549"/>
+              <a:ext cx="1309974" cy="369332"/>
+            </a:xfrm>
+            <a:prstGeom prst="rect">
+              <a:avLst/>
+            </a:prstGeom>
+            <a:noFill/>
+          </p:spPr>
+          <p:txBody>
+            <a:bodyPr wrap="none" rtlCol="0">
+              <a:spAutoFit/>
+            </a:bodyPr>
+            <a:lstStyle/>
+            <a:p>
+              <a:r>
+                <a:rPr lang="en-GB" dirty="0"/>
+                <a:t>Weeks 2-6</a:t>
+              </a:r>
+            </a:p>
+          </p:txBody>
+        </p:sp>
+        <p:sp>
+          <p:nvSpPr>
+            <p:cNvPr id="17" name="TextBox 16">
+              <a:extLst>
+                <a:ext uri="{FF2B5EF4-FFF2-40B4-BE49-F238E27FC236}">
+                  <a16:creationId xmlns:a16="http://schemas.microsoft.com/office/drawing/2014/main" id="{6B22F1AD-3653-46D9-86B6-C8254FB9E7AE}"/>
+                </a:ext>
+              </a:extLst>
+            </p:cNvPr>
+            <p:cNvSpPr txBox="1"/>
+            <p:nvPr/>
+          </p:nvSpPr>
+          <p:spPr>
+            <a:xfrm>
+              <a:off x="3506937" y="1694549"/>
+              <a:ext cx="1309974" cy="369332"/>
+            </a:xfrm>
+            <a:prstGeom prst="rect">
+              <a:avLst/>
+            </a:prstGeom>
+            <a:noFill/>
+          </p:spPr>
+          <p:txBody>
+            <a:bodyPr wrap="none" rtlCol="0">
+              <a:spAutoFit/>
+            </a:bodyPr>
+            <a:lstStyle/>
+            <a:p>
+              <a:r>
+                <a:rPr lang="en-GB" dirty="0"/>
+                <a:t>Weeks 4-5</a:t>
+              </a:r>
+            </a:p>
+          </p:txBody>
+        </p:sp>
+        <p:sp>
+          <p:nvSpPr>
+            <p:cNvPr id="18" name="TextBox 17">
+              <a:extLst>
+                <a:ext uri="{FF2B5EF4-FFF2-40B4-BE49-F238E27FC236}">
+                  <a16:creationId xmlns:a16="http://schemas.microsoft.com/office/drawing/2014/main" id="{927A87A5-93A3-4136-AB59-F1BA60F4F2B7}"/>
+                </a:ext>
+              </a:extLst>
+            </p:cNvPr>
+            <p:cNvSpPr txBox="1"/>
+            <p:nvPr/>
+          </p:nvSpPr>
+          <p:spPr>
+            <a:xfrm>
+              <a:off x="10376453" y="1694549"/>
+              <a:ext cx="1015021" cy="369332"/>
+            </a:xfrm>
+            <a:prstGeom prst="rect">
+              <a:avLst/>
+            </a:prstGeom>
+            <a:noFill/>
+          </p:spPr>
+          <p:txBody>
+            <a:bodyPr wrap="none" rtlCol="0">
+              <a:spAutoFit/>
+            </a:bodyPr>
+            <a:lstStyle/>
+            <a:p>
+              <a:r>
+                <a:rPr lang="en-GB" dirty="0"/>
+                <a:t>Week 4</a:t>
+              </a:r>
+            </a:p>
+          </p:txBody>
+        </p:sp>
+        <p:sp>
+          <p:nvSpPr>
+            <p:cNvPr id="19" name="TextBox 18">
+              <a:extLst>
+                <a:ext uri="{FF2B5EF4-FFF2-40B4-BE49-F238E27FC236}">
+                  <a16:creationId xmlns:a16="http://schemas.microsoft.com/office/drawing/2014/main" id="{F98A0F58-0BA5-4C6C-AE73-1E360C2BC3BE}"/>
+                </a:ext>
+              </a:extLst>
+            </p:cNvPr>
+            <p:cNvSpPr txBox="1"/>
+            <p:nvPr/>
+          </p:nvSpPr>
+          <p:spPr>
+            <a:xfrm>
+              <a:off x="8349651" y="1694549"/>
+              <a:ext cx="1309974" cy="369332"/>
+            </a:xfrm>
+            <a:prstGeom prst="rect">
+              <a:avLst/>
+            </a:prstGeom>
+            <a:noFill/>
+          </p:spPr>
+          <p:txBody>
+            <a:bodyPr wrap="none" rtlCol="0">
+              <a:spAutoFit/>
+            </a:bodyPr>
+            <a:lstStyle/>
+            <a:p>
+              <a:r>
+                <a:rPr lang="en-GB" dirty="0"/>
+                <a:t>Weeks 4-5</a:t>
+              </a:r>
+            </a:p>
+          </p:txBody>
+        </p:sp>
+        <p:sp>
+          <p:nvSpPr>
+            <p:cNvPr id="20" name="TextBox 19">
+              <a:extLst>
+                <a:ext uri="{FF2B5EF4-FFF2-40B4-BE49-F238E27FC236}">
+                  <a16:creationId xmlns:a16="http://schemas.microsoft.com/office/drawing/2014/main" id="{EB163574-8F93-485C-9B49-45D4912C3D42}"/>
+                </a:ext>
+              </a:extLst>
+            </p:cNvPr>
+            <p:cNvSpPr txBox="1"/>
+            <p:nvPr/>
+          </p:nvSpPr>
+          <p:spPr>
+            <a:xfrm>
+              <a:off x="1089899" y="1694549"/>
+              <a:ext cx="1297150" cy="369332"/>
+            </a:xfrm>
+            <a:prstGeom prst="rect">
+              <a:avLst/>
+            </a:prstGeom>
+            <a:noFill/>
+          </p:spPr>
+          <p:txBody>
+            <a:bodyPr wrap="none" rtlCol="0">
+              <a:spAutoFit/>
+            </a:bodyPr>
+            <a:lstStyle/>
+            <a:p>
+              <a:r>
+                <a:rPr lang="en-GB" dirty="0"/>
+                <a:t>Weeks 4,6</a:t>
+              </a:r>
+            </a:p>
+          </p:txBody>
+        </p:sp>
+      </p:grpSp>
+    </p:spTree>
+    <p:extLst>
+      <p:ext uri="{BB962C8B-B14F-4D97-AF65-F5344CB8AC3E}">
+        <p14:creationId xmlns:p14="http://schemas.microsoft.com/office/powerpoint/2010/main" val="1162133468"/>
+      </p:ext>
+    </p:extLst>
+  </p:cSld>
+  <p:clrMapOvr>
+    <a:masterClrMapping/>
+  </p:clrMapOvr>
+</p:sld>
+</file>
+
+<file path=ppt/slides/slide15.xml><?xml version="1.0" encoding="utf-8"?>
+<p:sld xmlns:a="http://schemas.openxmlformats.org/drawingml/2006/main" xmlns:r="http://schemas.openxmlformats.org/officeDocument/2006/relationships" xmlns:p="http://schemas.openxmlformats.org/presentationml/2006/main">
+  <p:cSld>
+    <p:spTree>
+      <p:nvGrpSpPr>
+        <p:cNvPr id="1" name=""/>
+        <p:cNvGrpSpPr/>
+        <p:nvPr/>
+      </p:nvGrpSpPr>
+      <p:grpSpPr>
+        <a:xfrm>
+          <a:off x="0" y="0"/>
+          <a:ext cx="0" cy="0"/>
+          <a:chOff x="0" y="0"/>
+          <a:chExt cx="0" cy="0"/>
+        </a:xfrm>
+      </p:grpSpPr>
+      <p:sp>
+        <p:nvSpPr>
+          <p:cNvPr id="2" name="Title 1">
+            <a:extLst>
+              <a:ext uri="{FF2B5EF4-FFF2-40B4-BE49-F238E27FC236}">
                 <a16:creationId xmlns:a16="http://schemas.microsoft.com/office/drawing/2014/main" id="{E4E09EF8-4448-48D3-81C9-14046D63EC51}"/>
               </a:ext>
             </a:extLst>
@@ -8080,40 +9088,23 @@
             <p:ph type="title"/>
           </p:nvPr>
         </p:nvSpPr>
-        <p:spPr/>
-        <p:txBody>
-          <a:bodyPr/>
+        <p:spPr>
+          <a:xfrm>
+            <a:off x="1943569" y="2978426"/>
+            <a:ext cx="8911687" cy="1280890"/>
+          </a:xfrm>
+        </p:spPr>
+        <p:txBody>
+          <a:bodyPr>
+            <a:normAutofit/>
+          </a:bodyPr>
           <a:lstStyle/>
           <a:p>
-            <a:r>
-              <a:rPr lang="en-GB" dirty="0"/>
+            <a:pPr algn="ctr"/>
+            <a:r>
+              <a:rPr lang="en-GB" sz="4000" dirty="0"/>
               <a:t>Any questions?</a:t>
             </a:r>
-          </a:p>
-        </p:txBody>
-      </p:sp>
-      <p:sp>
-        <p:nvSpPr>
-          <p:cNvPr id="3" name="Content Placeholder 2">
-            <a:extLst>
-              <a:ext uri="{FF2B5EF4-FFF2-40B4-BE49-F238E27FC236}">
-                <a16:creationId xmlns:a16="http://schemas.microsoft.com/office/drawing/2014/main" id="{4C968815-4BFB-4779-A3FB-2824D976D493}"/>
-              </a:ext>
-            </a:extLst>
-          </p:cNvPr>
-          <p:cNvSpPr>
-            <a:spLocks noGrp="1"/>
-          </p:cNvSpPr>
-          <p:nvPr>
-            <p:ph idx="1"/>
-          </p:nvPr>
-        </p:nvSpPr>
-        <p:spPr/>
-        <p:txBody>
-          <a:bodyPr/>
-          <a:lstStyle/>
-          <a:p>
-            <a:endParaRPr lang="en-GB"/>
           </a:p>
         </p:txBody>
       </p:sp>
@@ -8343,7 +9334,7 @@
         </p:nvSpPr>
         <p:spPr>
           <a:xfrm>
-            <a:off x="1171229" y="1838738"/>
+            <a:off x="1171229" y="1666460"/>
             <a:ext cx="10212388" cy="4270514"/>
           </a:xfrm>
         </p:spPr>
@@ -8351,6 +9342,22 @@
           <a:bodyPr/>
           <a:lstStyle/>
           <a:p>
+            <a:r>
+              <a:rPr lang="en-GB" sz="2400" dirty="0"/>
+              <a:t>What the project was?</a:t>
+            </a:r>
+          </a:p>
+          <a:p>
+            <a:r>
+              <a:rPr lang="en-GB" sz="2400" dirty="0"/>
+              <a:t>Why a word generator?</a:t>
+            </a:r>
+          </a:p>
+          <a:p>
+            <a:r>
+              <a:rPr lang="en-GB" sz="2400" dirty="0"/>
+              <a:t>What the project would need?</a:t>
+            </a:r>
             <a:endParaRPr lang="en-GB" dirty="0"/>
           </a:p>
         </p:txBody>
@@ -8509,40 +9516,775 @@
           <a:chExt cx="0" cy="0"/>
         </a:xfrm>
       </p:grpSpPr>
-      <p:sp>
-        <p:nvSpPr>
-          <p:cNvPr id="2" name="Title 1">
+      <p:grpSp>
+        <p:nvGrpSpPr>
+          <p:cNvPr id="24" name="Group 23">
             <a:extLst>
               <a:ext uri="{FF2B5EF4-FFF2-40B4-BE49-F238E27FC236}">
-                <a16:creationId xmlns:a16="http://schemas.microsoft.com/office/drawing/2014/main" id="{DB64588F-A3EA-4385-BA23-DF2AAAB711BA}"/>
+                <a16:creationId xmlns:a16="http://schemas.microsoft.com/office/drawing/2014/main" id="{4C9974BA-0BC1-4DDA-B6A2-EECBF6D5FBCF}"/>
               </a:ext>
             </a:extLst>
           </p:cNvPr>
-          <p:cNvSpPr>
-            <a:spLocks noGrp="1"/>
-          </p:cNvSpPr>
-          <p:nvPr>
-            <p:ph type="title"/>
-          </p:nvPr>
-        </p:nvSpPr>
-        <p:spPr/>
-        <p:txBody>
-          <a:bodyPr/>
-          <a:lstStyle/>
-          <a:p>
-            <a:r>
-              <a:rPr lang="en-GB" dirty="0"/>
-              <a:t>Week 1: Organisation</a:t>
-            </a:r>
-          </a:p>
-        </p:txBody>
-      </p:sp>
-      <p:sp>
-        <p:nvSpPr>
-          <p:cNvPr id="3" name="Content Placeholder 2">
+          <p:cNvGrpSpPr/>
+          <p:nvPr/>
+        </p:nvGrpSpPr>
+        <p:grpSpPr>
+          <a:xfrm>
+            <a:off x="702365" y="1694549"/>
+            <a:ext cx="10946297" cy="4918285"/>
+            <a:chOff x="702365" y="1694549"/>
+            <a:chExt cx="10946297" cy="4918285"/>
+          </a:xfrm>
+        </p:grpSpPr>
+        <p:grpSp>
+          <p:nvGrpSpPr>
+            <p:cNvPr id="17" name="Group 16">
+              <a:extLst>
+                <a:ext uri="{FF2B5EF4-FFF2-40B4-BE49-F238E27FC236}">
+                  <a16:creationId xmlns:a16="http://schemas.microsoft.com/office/drawing/2014/main" id="{B918991A-3E16-4E07-A5ED-DA5FADB0A497}"/>
+                </a:ext>
+              </a:extLst>
+            </p:cNvPr>
+            <p:cNvGrpSpPr/>
+            <p:nvPr/>
+          </p:nvGrpSpPr>
+          <p:grpSpPr>
+            <a:xfrm>
+              <a:off x="702365" y="2173356"/>
+              <a:ext cx="10946297" cy="4439478"/>
+              <a:chOff x="702365" y="2173356"/>
+              <a:chExt cx="10946297" cy="4439478"/>
+            </a:xfrm>
+          </p:grpSpPr>
+          <p:sp>
+            <p:nvSpPr>
+              <p:cNvPr id="4" name="Rectangle: Rounded Corners 3">
+                <a:extLst>
+                  <a:ext uri="{FF2B5EF4-FFF2-40B4-BE49-F238E27FC236}">
+                    <a16:creationId xmlns:a16="http://schemas.microsoft.com/office/drawing/2014/main" id="{78A94453-F2F9-4AFA-A415-E9316A2A37CE}"/>
+                  </a:ext>
+                </a:extLst>
+              </p:cNvPr>
+              <p:cNvSpPr/>
+              <p:nvPr/>
+            </p:nvSpPr>
+            <p:spPr>
+              <a:xfrm>
+                <a:off x="702365" y="2173356"/>
+                <a:ext cx="2080591" cy="4439478"/>
+              </a:xfrm>
+              <a:prstGeom prst="roundRect">
+                <a:avLst/>
+              </a:prstGeom>
+              <a:solidFill>
+                <a:schemeClr val="bg1"/>
+              </a:solidFill>
+            </p:spPr>
+            <p:style>
+              <a:lnRef idx="2">
+                <a:schemeClr val="accent1">
+                  <a:shade val="50000"/>
+                </a:schemeClr>
+              </a:lnRef>
+              <a:fillRef idx="1">
+                <a:schemeClr val="accent1"/>
+              </a:fillRef>
+              <a:effectRef idx="0">
+                <a:schemeClr val="accent1"/>
+              </a:effectRef>
+              <a:fontRef idx="minor">
+                <a:schemeClr val="lt1"/>
+              </a:fontRef>
+            </p:style>
+            <p:txBody>
+              <a:bodyPr rtlCol="0" anchor="t"/>
+              <a:lstStyle/>
+              <a:p>
+                <a:pPr algn="ctr"/>
+                <a:r>
+                  <a:rPr lang="en-GB" dirty="0">
+                    <a:solidFill>
+                      <a:schemeClr val="tx1"/>
+                    </a:solidFill>
+                  </a:rPr>
+                  <a:t>Front End</a:t>
+                </a:r>
+              </a:p>
+              <a:p>
+                <a:pPr algn="ctr"/>
+                <a:endParaRPr lang="en-GB" dirty="0">
+                  <a:solidFill>
+                    <a:schemeClr val="tx1"/>
+                  </a:solidFill>
+                </a:endParaRPr>
+              </a:p>
+              <a:p>
+                <a:pPr algn="ctr"/>
+                <a:r>
+                  <a:rPr lang="en-GB" dirty="0">
+                    <a:solidFill>
+                      <a:schemeClr val="tx1"/>
+                    </a:solidFill>
+                  </a:rPr>
+                  <a:t>JS and React</a:t>
+                </a:r>
+              </a:p>
+              <a:p>
+                <a:pPr algn="ctr"/>
+                <a:r>
+                  <a:rPr lang="en-GB" dirty="0">
+                    <a:solidFill>
+                      <a:schemeClr val="tx1"/>
+                    </a:solidFill>
+                  </a:rPr>
+                  <a:t>HTML</a:t>
+                </a:r>
+              </a:p>
+              <a:p>
+                <a:pPr algn="ctr"/>
+                <a:r>
+                  <a:rPr lang="en-GB" dirty="0">
+                    <a:solidFill>
+                      <a:schemeClr val="tx1"/>
+                    </a:solidFill>
+                  </a:rPr>
+                  <a:t>CSS</a:t>
+                </a:r>
+              </a:p>
+            </p:txBody>
+          </p:sp>
+          <p:sp>
+            <p:nvSpPr>
+              <p:cNvPr id="5" name="Rectangle: Rounded Corners 4">
+                <a:extLst>
+                  <a:ext uri="{FF2B5EF4-FFF2-40B4-BE49-F238E27FC236}">
+                    <a16:creationId xmlns:a16="http://schemas.microsoft.com/office/drawing/2014/main" id="{D3B138C7-69E3-46BA-B9C5-8D50DFCEDFA3}"/>
+                  </a:ext>
+                </a:extLst>
+              </p:cNvPr>
+              <p:cNvSpPr/>
+              <p:nvPr/>
+            </p:nvSpPr>
+            <p:spPr>
+              <a:xfrm>
+                <a:off x="3120887" y="2173356"/>
+                <a:ext cx="2080591" cy="4439478"/>
+              </a:xfrm>
+              <a:prstGeom prst="roundRect">
+                <a:avLst/>
+              </a:prstGeom>
+              <a:solidFill>
+                <a:schemeClr val="bg1"/>
+              </a:solidFill>
+            </p:spPr>
+            <p:style>
+              <a:lnRef idx="2">
+                <a:schemeClr val="accent1">
+                  <a:shade val="50000"/>
+                </a:schemeClr>
+              </a:lnRef>
+              <a:fillRef idx="1">
+                <a:schemeClr val="accent1"/>
+              </a:fillRef>
+              <a:effectRef idx="0">
+                <a:schemeClr val="accent1"/>
+              </a:effectRef>
+              <a:fontRef idx="minor">
+                <a:schemeClr val="lt1"/>
+              </a:fontRef>
+            </p:style>
+            <p:txBody>
+              <a:bodyPr rtlCol="0" anchor="t"/>
+              <a:lstStyle/>
+              <a:p>
+                <a:pPr algn="ctr"/>
+                <a:r>
+                  <a:rPr lang="en-GB" dirty="0">
+                    <a:solidFill>
+                      <a:schemeClr val="tx1"/>
+                    </a:solidFill>
+                  </a:rPr>
+                  <a:t>REST layer</a:t>
+                </a:r>
+              </a:p>
+              <a:p>
+                <a:pPr algn="ctr"/>
+                <a:endParaRPr lang="en-GB" dirty="0">
+                  <a:solidFill>
+                    <a:schemeClr val="tx1"/>
+                  </a:solidFill>
+                </a:endParaRPr>
+              </a:p>
+              <a:p>
+                <a:pPr algn="ctr"/>
+                <a:r>
+                  <a:rPr lang="en-GB" dirty="0">
+                    <a:solidFill>
+                      <a:schemeClr val="tx1"/>
+                    </a:solidFill>
+                  </a:rPr>
+                  <a:t>	</a:t>
+                </a:r>
+              </a:p>
+            </p:txBody>
+          </p:sp>
+          <p:sp>
+            <p:nvSpPr>
+              <p:cNvPr id="6" name="Rectangle: Rounded Corners 5">
+                <a:extLst>
+                  <a:ext uri="{FF2B5EF4-FFF2-40B4-BE49-F238E27FC236}">
+                    <a16:creationId xmlns:a16="http://schemas.microsoft.com/office/drawing/2014/main" id="{37034611-2AAA-47FB-948E-F96DDD516E9C}"/>
+                  </a:ext>
+                </a:extLst>
+              </p:cNvPr>
+              <p:cNvSpPr/>
+              <p:nvPr/>
+            </p:nvSpPr>
+            <p:spPr>
+              <a:xfrm>
+                <a:off x="5539409" y="2173356"/>
+                <a:ext cx="2080591" cy="4439478"/>
+              </a:xfrm>
+              <a:prstGeom prst="roundRect">
+                <a:avLst/>
+              </a:prstGeom>
+              <a:solidFill>
+                <a:schemeClr val="bg1"/>
+              </a:solidFill>
+            </p:spPr>
+            <p:style>
+              <a:lnRef idx="2">
+                <a:schemeClr val="accent1">
+                  <a:shade val="50000"/>
+                </a:schemeClr>
+              </a:lnRef>
+              <a:fillRef idx="1">
+                <a:schemeClr val="accent1"/>
+              </a:fillRef>
+              <a:effectRef idx="0">
+                <a:schemeClr val="accent1"/>
+              </a:effectRef>
+              <a:fontRef idx="minor">
+                <a:schemeClr val="lt1"/>
+              </a:fontRef>
+            </p:style>
+            <p:txBody>
+              <a:bodyPr rtlCol="0" anchor="t"/>
+              <a:lstStyle/>
+              <a:p>
+                <a:pPr algn="ctr"/>
+                <a:r>
+                  <a:rPr lang="en-GB" dirty="0">
+                    <a:solidFill>
+                      <a:schemeClr val="tx1"/>
+                    </a:solidFill>
+                  </a:rPr>
+                  <a:t>Business Layer</a:t>
+                </a:r>
+              </a:p>
+              <a:p>
+                <a:pPr algn="ctr"/>
+                <a:endParaRPr lang="en-GB" dirty="0">
+                  <a:solidFill>
+                    <a:schemeClr val="tx1"/>
+                  </a:solidFill>
+                </a:endParaRPr>
+              </a:p>
+              <a:p>
+                <a:pPr algn="ctr"/>
+                <a:r>
+                  <a:rPr lang="en-GB" dirty="0">
+                    <a:solidFill>
+                      <a:schemeClr val="tx1"/>
+                    </a:solidFill>
+                  </a:rPr>
+                  <a:t>Java SE and EE	</a:t>
+                </a:r>
+              </a:p>
+            </p:txBody>
+          </p:sp>
+          <p:sp>
+            <p:nvSpPr>
+              <p:cNvPr id="7" name="Rectangle: Rounded Corners 6">
+                <a:extLst>
+                  <a:ext uri="{FF2B5EF4-FFF2-40B4-BE49-F238E27FC236}">
+                    <a16:creationId xmlns:a16="http://schemas.microsoft.com/office/drawing/2014/main" id="{489168F4-27DD-49BF-AF42-6B62335403AA}"/>
+                  </a:ext>
+                </a:extLst>
+              </p:cNvPr>
+              <p:cNvSpPr/>
+              <p:nvPr/>
+            </p:nvSpPr>
+            <p:spPr>
+              <a:xfrm>
+                <a:off x="7957931" y="2173356"/>
+                <a:ext cx="2080591" cy="4439478"/>
+              </a:xfrm>
+              <a:prstGeom prst="roundRect">
+                <a:avLst/>
+              </a:prstGeom>
+              <a:solidFill>
+                <a:schemeClr val="bg1"/>
+              </a:solidFill>
+            </p:spPr>
+            <p:style>
+              <a:lnRef idx="2">
+                <a:schemeClr val="accent1">
+                  <a:shade val="50000"/>
+                </a:schemeClr>
+              </a:lnRef>
+              <a:fillRef idx="1">
+                <a:schemeClr val="accent1"/>
+              </a:fillRef>
+              <a:effectRef idx="0">
+                <a:schemeClr val="accent1"/>
+              </a:effectRef>
+              <a:fontRef idx="minor">
+                <a:schemeClr val="lt1"/>
+              </a:fontRef>
+            </p:style>
+            <p:txBody>
+              <a:bodyPr rtlCol="0" anchor="t"/>
+              <a:lstStyle/>
+              <a:p>
+                <a:pPr algn="ctr"/>
+                <a:r>
+                  <a:rPr lang="en-GB" dirty="0">
+                    <a:solidFill>
+                      <a:schemeClr val="tx1"/>
+                    </a:solidFill>
+                  </a:rPr>
+                  <a:t>Persistence</a:t>
+                </a:r>
+              </a:p>
+              <a:p>
+                <a:pPr algn="ctr"/>
+                <a:endParaRPr lang="en-GB" dirty="0">
+                  <a:solidFill>
+                    <a:schemeClr val="tx1"/>
+                  </a:solidFill>
+                </a:endParaRPr>
+              </a:p>
+              <a:p>
+                <a:pPr algn="ctr"/>
+                <a:r>
+                  <a:rPr lang="en-GB" dirty="0">
+                    <a:solidFill>
+                      <a:schemeClr val="tx1"/>
+                    </a:solidFill>
+                  </a:rPr>
+                  <a:t>JPA</a:t>
+                </a:r>
+              </a:p>
+              <a:p>
+                <a:pPr algn="ctr"/>
+                <a:endParaRPr lang="en-GB" dirty="0">
+                  <a:solidFill>
+                    <a:schemeClr val="tx1"/>
+                  </a:solidFill>
+                </a:endParaRPr>
+              </a:p>
+            </p:txBody>
+          </p:sp>
+          <p:sp>
+            <p:nvSpPr>
+              <p:cNvPr id="8" name="Cylinder 7">
+                <a:extLst>
+                  <a:ext uri="{FF2B5EF4-FFF2-40B4-BE49-F238E27FC236}">
+                    <a16:creationId xmlns:a16="http://schemas.microsoft.com/office/drawing/2014/main" id="{DDB0CD98-6889-43AA-9FC6-30EB69082527}"/>
+                  </a:ext>
+                </a:extLst>
+              </p:cNvPr>
+              <p:cNvSpPr/>
+              <p:nvPr/>
+            </p:nvSpPr>
+            <p:spPr>
+              <a:xfrm>
+                <a:off x="10376453" y="3882887"/>
+                <a:ext cx="1272209" cy="2623930"/>
+              </a:xfrm>
+              <a:prstGeom prst="can">
+                <a:avLst/>
+              </a:prstGeom>
+            </p:spPr>
+            <p:style>
+              <a:lnRef idx="2">
+                <a:schemeClr val="accent1">
+                  <a:shade val="50000"/>
+                </a:schemeClr>
+              </a:lnRef>
+              <a:fillRef idx="1">
+                <a:schemeClr val="accent1"/>
+              </a:fillRef>
+              <a:effectRef idx="0">
+                <a:schemeClr val="accent1"/>
+              </a:effectRef>
+              <a:fontRef idx="minor">
+                <a:schemeClr val="lt1"/>
+              </a:fontRef>
+            </p:style>
+            <p:txBody>
+              <a:bodyPr rtlCol="0" anchor="ctr"/>
+              <a:lstStyle/>
+              <a:p>
+                <a:pPr algn="ctr"/>
+                <a:r>
+                  <a:rPr lang="en-GB" sz="1700" dirty="0"/>
+                  <a:t>Database</a:t>
+                </a:r>
+              </a:p>
+            </p:txBody>
+          </p:sp>
+          <p:cxnSp>
+            <p:nvCxnSpPr>
+              <p:cNvPr id="10" name="Straight Arrow Connector 9">
+                <a:extLst>
+                  <a:ext uri="{FF2B5EF4-FFF2-40B4-BE49-F238E27FC236}">
+                    <a16:creationId xmlns:a16="http://schemas.microsoft.com/office/drawing/2014/main" id="{996381EB-FC9F-44C2-AE62-F99B5C39D0B4}"/>
+                  </a:ext>
+                </a:extLst>
+              </p:cNvPr>
+              <p:cNvCxnSpPr>
+                <a:stCxn id="4" idx="3"/>
+                <a:endCxn id="5" idx="1"/>
+              </p:cNvCxnSpPr>
+              <p:nvPr/>
+            </p:nvCxnSpPr>
+            <p:spPr>
+              <a:xfrm>
+                <a:off x="2782956" y="4393095"/>
+                <a:ext cx="337931" cy="0"/>
+              </a:xfrm>
+              <a:prstGeom prst="straightConnector1">
+                <a:avLst/>
+              </a:prstGeom>
+              <a:ln>
+                <a:tailEnd type="triangle"/>
+              </a:ln>
+            </p:spPr>
+            <p:style>
+              <a:lnRef idx="1">
+                <a:schemeClr val="accent1"/>
+              </a:lnRef>
+              <a:fillRef idx="0">
+                <a:schemeClr val="accent1"/>
+              </a:fillRef>
+              <a:effectRef idx="0">
+                <a:schemeClr val="accent1"/>
+              </a:effectRef>
+              <a:fontRef idx="minor">
+                <a:schemeClr val="tx1"/>
+              </a:fontRef>
+            </p:style>
+          </p:cxnSp>
+          <p:cxnSp>
+            <p:nvCxnSpPr>
+              <p:cNvPr id="12" name="Straight Arrow Connector 11">
+                <a:extLst>
+                  <a:ext uri="{FF2B5EF4-FFF2-40B4-BE49-F238E27FC236}">
+                    <a16:creationId xmlns:a16="http://schemas.microsoft.com/office/drawing/2014/main" id="{E831E8DE-C5B0-45D7-92E7-E08A435254F9}"/>
+                  </a:ext>
+                </a:extLst>
+              </p:cNvPr>
+              <p:cNvCxnSpPr>
+                <a:stCxn id="5" idx="3"/>
+                <a:endCxn id="6" idx="1"/>
+              </p:cNvCxnSpPr>
+              <p:nvPr/>
+            </p:nvCxnSpPr>
+            <p:spPr>
+              <a:xfrm>
+                <a:off x="5201478" y="4393095"/>
+                <a:ext cx="337931" cy="0"/>
+              </a:xfrm>
+              <a:prstGeom prst="straightConnector1">
+                <a:avLst/>
+              </a:prstGeom>
+              <a:ln>
+                <a:tailEnd type="triangle"/>
+              </a:ln>
+            </p:spPr>
+            <p:style>
+              <a:lnRef idx="1">
+                <a:schemeClr val="accent1"/>
+              </a:lnRef>
+              <a:fillRef idx="0">
+                <a:schemeClr val="accent1"/>
+              </a:fillRef>
+              <a:effectRef idx="0">
+                <a:schemeClr val="accent1"/>
+              </a:effectRef>
+              <a:fontRef idx="minor">
+                <a:schemeClr val="tx1"/>
+              </a:fontRef>
+            </p:style>
+          </p:cxnSp>
+          <p:cxnSp>
+            <p:nvCxnSpPr>
+              <p:cNvPr id="14" name="Straight Arrow Connector 13">
+                <a:extLst>
+                  <a:ext uri="{FF2B5EF4-FFF2-40B4-BE49-F238E27FC236}">
+                    <a16:creationId xmlns:a16="http://schemas.microsoft.com/office/drawing/2014/main" id="{FE19C523-447A-4119-BF65-78E831DA60E1}"/>
+                  </a:ext>
+                </a:extLst>
+              </p:cNvPr>
+              <p:cNvCxnSpPr>
+                <a:stCxn id="6" idx="3"/>
+                <a:endCxn id="7" idx="1"/>
+              </p:cNvCxnSpPr>
+              <p:nvPr/>
+            </p:nvCxnSpPr>
+            <p:spPr>
+              <a:xfrm>
+                <a:off x="7620000" y="4393095"/>
+                <a:ext cx="337931" cy="0"/>
+              </a:xfrm>
+              <a:prstGeom prst="straightConnector1">
+                <a:avLst/>
+              </a:prstGeom>
+              <a:ln>
+                <a:tailEnd type="triangle"/>
+              </a:ln>
+            </p:spPr>
+            <p:style>
+              <a:lnRef idx="1">
+                <a:schemeClr val="accent1"/>
+              </a:lnRef>
+              <a:fillRef idx="0">
+                <a:schemeClr val="accent1"/>
+              </a:fillRef>
+              <a:effectRef idx="0">
+                <a:schemeClr val="accent1"/>
+              </a:effectRef>
+              <a:fontRef idx="minor">
+                <a:schemeClr val="tx1"/>
+              </a:fontRef>
+            </p:style>
+          </p:cxnSp>
+          <p:cxnSp>
+            <p:nvCxnSpPr>
+              <p:cNvPr id="16" name="Straight Arrow Connector 15">
+                <a:extLst>
+                  <a:ext uri="{FF2B5EF4-FFF2-40B4-BE49-F238E27FC236}">
+                    <a16:creationId xmlns:a16="http://schemas.microsoft.com/office/drawing/2014/main" id="{9B173B28-61D2-4E96-A1CE-B0E25876FB11}"/>
+                  </a:ext>
+                </a:extLst>
+              </p:cNvPr>
+              <p:cNvCxnSpPr>
+                <a:endCxn id="8" idx="2"/>
+              </p:cNvCxnSpPr>
+              <p:nvPr/>
+            </p:nvCxnSpPr>
+            <p:spPr>
+              <a:xfrm>
+                <a:off x="10038522" y="5194852"/>
+                <a:ext cx="337931" cy="0"/>
+              </a:xfrm>
+              <a:prstGeom prst="straightConnector1">
+                <a:avLst/>
+              </a:prstGeom>
+              <a:ln>
+                <a:tailEnd type="triangle"/>
+              </a:ln>
+            </p:spPr>
+            <p:style>
+              <a:lnRef idx="1">
+                <a:schemeClr val="accent1"/>
+              </a:lnRef>
+              <a:fillRef idx="0">
+                <a:schemeClr val="accent1"/>
+              </a:fillRef>
+              <a:effectRef idx="0">
+                <a:schemeClr val="accent1"/>
+              </a:effectRef>
+              <a:fontRef idx="minor">
+                <a:schemeClr val="tx1"/>
+              </a:fontRef>
+            </p:style>
+          </p:cxnSp>
+        </p:grpSp>
+        <p:sp>
+          <p:nvSpPr>
+            <p:cNvPr id="18" name="TextBox 17">
+              <a:extLst>
+                <a:ext uri="{FF2B5EF4-FFF2-40B4-BE49-F238E27FC236}">
+                  <a16:creationId xmlns:a16="http://schemas.microsoft.com/office/drawing/2014/main" id="{335C8785-1FB0-4AAE-B5F4-075A38126BE1}"/>
+                </a:ext>
+              </a:extLst>
+            </p:cNvPr>
+            <p:cNvSpPr txBox="1"/>
+            <p:nvPr/>
+          </p:nvSpPr>
+          <p:spPr>
+            <a:xfrm>
+              <a:off x="5919789" y="1694549"/>
+              <a:ext cx="1309974" cy="369332"/>
+            </a:xfrm>
+            <a:prstGeom prst="rect">
+              <a:avLst/>
+            </a:prstGeom>
+            <a:noFill/>
+          </p:spPr>
+          <p:txBody>
+            <a:bodyPr wrap="none" rtlCol="0">
+              <a:spAutoFit/>
+            </a:bodyPr>
+            <a:lstStyle/>
+            <a:p>
+              <a:r>
+                <a:rPr lang="en-GB" dirty="0"/>
+                <a:t>Weeks 2-6</a:t>
+              </a:r>
+            </a:p>
+          </p:txBody>
+        </p:sp>
+        <p:sp>
+          <p:nvSpPr>
+            <p:cNvPr id="19" name="TextBox 18">
+              <a:extLst>
+                <a:ext uri="{FF2B5EF4-FFF2-40B4-BE49-F238E27FC236}">
+                  <a16:creationId xmlns:a16="http://schemas.microsoft.com/office/drawing/2014/main" id="{AE3D1ACE-0E89-427E-BE3A-8AB5065B89E6}"/>
+                </a:ext>
+              </a:extLst>
+            </p:cNvPr>
+            <p:cNvSpPr txBox="1"/>
+            <p:nvPr/>
+          </p:nvSpPr>
+          <p:spPr>
+            <a:xfrm>
+              <a:off x="3506937" y="1694549"/>
+              <a:ext cx="1309974" cy="369332"/>
+            </a:xfrm>
+            <a:prstGeom prst="rect">
+              <a:avLst/>
+            </a:prstGeom>
+            <a:noFill/>
+          </p:spPr>
+          <p:txBody>
+            <a:bodyPr wrap="none" rtlCol="0">
+              <a:spAutoFit/>
+            </a:bodyPr>
+            <a:lstStyle/>
+            <a:p>
+              <a:r>
+                <a:rPr lang="en-GB" dirty="0"/>
+                <a:t>Weeks 4-5</a:t>
+              </a:r>
+            </a:p>
+          </p:txBody>
+        </p:sp>
+        <p:sp>
+          <p:nvSpPr>
+            <p:cNvPr id="20" name="TextBox 19">
+              <a:extLst>
+                <a:ext uri="{FF2B5EF4-FFF2-40B4-BE49-F238E27FC236}">
+                  <a16:creationId xmlns:a16="http://schemas.microsoft.com/office/drawing/2014/main" id="{978622E2-8CBE-4431-82D4-5AAFAA212E39}"/>
+                </a:ext>
+              </a:extLst>
+            </p:cNvPr>
+            <p:cNvSpPr txBox="1"/>
+            <p:nvPr/>
+          </p:nvSpPr>
+          <p:spPr>
+            <a:xfrm>
+              <a:off x="10376453" y="1694549"/>
+              <a:ext cx="1015021" cy="369332"/>
+            </a:xfrm>
+            <a:prstGeom prst="rect">
+              <a:avLst/>
+            </a:prstGeom>
+            <a:noFill/>
+          </p:spPr>
+          <p:txBody>
+            <a:bodyPr wrap="none" rtlCol="0">
+              <a:spAutoFit/>
+            </a:bodyPr>
+            <a:lstStyle/>
+            <a:p>
+              <a:r>
+                <a:rPr lang="en-GB" dirty="0"/>
+                <a:t>Week 4</a:t>
+              </a:r>
+            </a:p>
+          </p:txBody>
+        </p:sp>
+        <p:sp>
+          <p:nvSpPr>
+            <p:cNvPr id="21" name="TextBox 20">
+              <a:extLst>
+                <a:ext uri="{FF2B5EF4-FFF2-40B4-BE49-F238E27FC236}">
+                  <a16:creationId xmlns:a16="http://schemas.microsoft.com/office/drawing/2014/main" id="{567DBA1E-5C45-47E6-9E6C-362E6D1E2F06}"/>
+                </a:ext>
+              </a:extLst>
+            </p:cNvPr>
+            <p:cNvSpPr txBox="1"/>
+            <p:nvPr/>
+          </p:nvSpPr>
+          <p:spPr>
+            <a:xfrm>
+              <a:off x="8349651" y="1694549"/>
+              <a:ext cx="1309974" cy="369332"/>
+            </a:xfrm>
+            <a:prstGeom prst="rect">
+              <a:avLst/>
+            </a:prstGeom>
+            <a:noFill/>
+          </p:spPr>
+          <p:txBody>
+            <a:bodyPr wrap="none" rtlCol="0">
+              <a:spAutoFit/>
+            </a:bodyPr>
+            <a:lstStyle/>
+            <a:p>
+              <a:r>
+                <a:rPr lang="en-GB" dirty="0"/>
+                <a:t>Weeks 4-5</a:t>
+              </a:r>
+            </a:p>
+          </p:txBody>
+        </p:sp>
+        <p:sp>
+          <p:nvSpPr>
+            <p:cNvPr id="22" name="TextBox 21">
+              <a:extLst>
+                <a:ext uri="{FF2B5EF4-FFF2-40B4-BE49-F238E27FC236}">
+                  <a16:creationId xmlns:a16="http://schemas.microsoft.com/office/drawing/2014/main" id="{BCDA7B20-7967-49BA-9FB5-9AB48DDA1029}"/>
+                </a:ext>
+              </a:extLst>
+            </p:cNvPr>
+            <p:cNvSpPr txBox="1"/>
+            <p:nvPr/>
+          </p:nvSpPr>
+          <p:spPr>
+            <a:xfrm>
+              <a:off x="1089899" y="1694549"/>
+              <a:ext cx="1297150" cy="369332"/>
+            </a:xfrm>
+            <a:prstGeom prst="rect">
+              <a:avLst/>
+            </a:prstGeom>
+            <a:noFill/>
+          </p:spPr>
+          <p:txBody>
+            <a:bodyPr wrap="none" rtlCol="0">
+              <a:spAutoFit/>
+            </a:bodyPr>
+            <a:lstStyle/>
+            <a:p>
+              <a:r>
+                <a:rPr lang="en-GB" dirty="0"/>
+                <a:t>Weeks 4,6</a:t>
+              </a:r>
+            </a:p>
+          </p:txBody>
+        </p:sp>
+      </p:grpSp>
+      <p:sp>
+        <p:nvSpPr>
+          <p:cNvPr id="23" name="Title 1">
             <a:extLst>
               <a:ext uri="{FF2B5EF4-FFF2-40B4-BE49-F238E27FC236}">
-                <a16:creationId xmlns:a16="http://schemas.microsoft.com/office/drawing/2014/main" id="{34A5C08F-5AF3-498D-A5F6-853615407476}"/>
+                <a16:creationId xmlns:a16="http://schemas.microsoft.com/office/drawing/2014/main" id="{6D9BFCB7-4DE5-4921-9579-4033DE005D93}"/>
               </a:ext>
             </a:extLst>
           </p:cNvPr>
@@ -8550,17 +10292,23 @@
             <a:spLocks noGrp="1"/>
           </p:cNvSpPr>
           <p:nvPr>
-            <p:ph idx="1"/>
-          </p:nvPr>
-        </p:nvSpPr>
-        <p:spPr/>
+            <p:ph type="title"/>
+          </p:nvPr>
+        </p:nvSpPr>
+        <p:spPr>
+          <a:xfrm>
+            <a:off x="1640156" y="236484"/>
+            <a:ext cx="8911687" cy="1280890"/>
+          </a:xfrm>
+        </p:spPr>
         <p:txBody>
           <a:bodyPr/>
           <a:lstStyle/>
           <a:p>
+            <a:pPr algn="ctr"/>
             <a:r>
               <a:rPr lang="en-GB" dirty="0"/>
-              <a:t>Trello</a:t>
+              <a:t>RESTful API diagram</a:t>
             </a:r>
           </a:p>
         </p:txBody>
@@ -8568,7 +10316,7 @@
     </p:spTree>
     <p:extLst>
       <p:ext uri="{BB962C8B-B14F-4D97-AF65-F5344CB8AC3E}">
-        <p14:creationId xmlns:p14="http://schemas.microsoft.com/office/powerpoint/2010/main" val="29501223"/>
+        <p14:creationId xmlns:p14="http://schemas.microsoft.com/office/powerpoint/2010/main" val="1037619348"/>
       </p:ext>
     </p:extLst>
   </p:cSld>
@@ -8600,7 +10348,7 @@
           <p:cNvPr id="2" name="Title 1">
             <a:extLst>
               <a:ext uri="{FF2B5EF4-FFF2-40B4-BE49-F238E27FC236}">
-                <a16:creationId xmlns:a16="http://schemas.microsoft.com/office/drawing/2014/main" id="{774A1808-A1CF-4633-A2CB-91D29CA8EAF8}"/>
+                <a16:creationId xmlns:a16="http://schemas.microsoft.com/office/drawing/2014/main" id="{DB64588F-A3EA-4385-BA23-DF2AAAB711BA}"/>
               </a:ext>
             </a:extLst>
           </p:cNvPr>
@@ -8618,7 +10366,7 @@
           <a:p>
             <a:r>
               <a:rPr lang="en-GB" dirty="0"/>
-              <a:t>Weeks 2&amp;3 - Java</a:t>
+              <a:t>Week 1: Organisation</a:t>
             </a:r>
           </a:p>
         </p:txBody>
@@ -8628,7 +10376,7 @@
           <p:cNvPr id="3" name="Content Placeholder 2">
             <a:extLst>
               <a:ext uri="{FF2B5EF4-FFF2-40B4-BE49-F238E27FC236}">
-                <a16:creationId xmlns:a16="http://schemas.microsoft.com/office/drawing/2014/main" id="{B47EA295-EB63-48A7-98AA-C7651EC05F4A}"/>
+                <a16:creationId xmlns:a16="http://schemas.microsoft.com/office/drawing/2014/main" id="{34A5C08F-5AF3-498D-A5F6-853615407476}"/>
               </a:ext>
             </a:extLst>
           </p:cNvPr>
@@ -8639,19 +10387,69 @@
             <p:ph idx="1"/>
           </p:nvPr>
         </p:nvSpPr>
-        <p:spPr/>
+        <p:spPr>
+          <a:xfrm>
+            <a:off x="1638300" y="1540189"/>
+            <a:ext cx="8915400" cy="3777622"/>
+          </a:xfrm>
+        </p:spPr>
         <p:txBody>
           <a:bodyPr/>
           <a:lstStyle/>
           <a:p>
-            <a:endParaRPr lang="en-GB"/>
+            <a:r>
+              <a:rPr lang="en-GB" dirty="0"/>
+              <a:t>Trello</a:t>
+            </a:r>
+          </a:p>
+          <a:p>
+            <a:endParaRPr lang="en-GB" dirty="0"/>
+          </a:p>
+          <a:p>
+            <a:r>
+              <a:rPr lang="en-GB" dirty="0"/>
+              <a:t>Gave project sense of direction. Identify priority tasks.</a:t>
+            </a:r>
+          </a:p>
+          <a:p>
+            <a:r>
+              <a:rPr lang="en-GB" dirty="0"/>
+              <a:t>Splitting project into smaller tasks made it more achievable.</a:t>
+            </a:r>
+          </a:p>
+          <a:p>
+            <a:endParaRPr lang="en-GB" dirty="0"/>
+          </a:p>
+          <a:p>
+            <a:pPr marL="0" indent="0">
+              <a:buNone/>
+            </a:pPr>
+            <a:endParaRPr lang="en-GB" dirty="0"/>
+          </a:p>
+          <a:p>
+            <a:pPr marL="0" indent="0">
+              <a:buNone/>
+            </a:pPr>
+            <a:r>
+              <a:rPr lang="en-GB" dirty="0"/>
+              <a:t>What went well: Used project management throughout project.</a:t>
+            </a:r>
+          </a:p>
+          <a:p>
+            <a:pPr marL="0" indent="0">
+              <a:buNone/>
+            </a:pPr>
+            <a:r>
+              <a:rPr lang="en-GB" dirty="0"/>
+              <a:t>Use of feature-branch model.</a:t>
+            </a:r>
           </a:p>
         </p:txBody>
       </p:sp>
     </p:spTree>
     <p:extLst>
       <p:ext uri="{BB962C8B-B14F-4D97-AF65-F5344CB8AC3E}">
-        <p14:creationId xmlns:p14="http://schemas.microsoft.com/office/powerpoint/2010/main" val="3928318741"/>
+        <p14:creationId xmlns:p14="http://schemas.microsoft.com/office/powerpoint/2010/main" val="29501223"/>
       </p:ext>
     </p:extLst>
   </p:cSld>
@@ -8683,7 +10481,7 @@
           <p:cNvPr id="2" name="Title 1">
             <a:extLst>
               <a:ext uri="{FF2B5EF4-FFF2-40B4-BE49-F238E27FC236}">
-                <a16:creationId xmlns:a16="http://schemas.microsoft.com/office/drawing/2014/main" id="{259D7EA0-33DC-43B0-9340-87C9FD04BD57}"/>
+                <a16:creationId xmlns:a16="http://schemas.microsoft.com/office/drawing/2014/main" id="{774A1808-A1CF-4633-A2CB-91D29CA8EAF8}"/>
               </a:ext>
             </a:extLst>
           </p:cNvPr>
@@ -8701,7 +10499,7 @@
           <a:p>
             <a:r>
               <a:rPr lang="en-GB" dirty="0"/>
-              <a:t>Weeks 4&amp;5 – Upgrading to EE</a:t>
+              <a:t>Weeks 2&amp;3: Java</a:t>
             </a:r>
           </a:p>
         </p:txBody>
@@ -8711,7 +10509,7 @@
           <p:cNvPr id="3" name="Content Placeholder 2">
             <a:extLst>
               <a:ext uri="{FF2B5EF4-FFF2-40B4-BE49-F238E27FC236}">
-                <a16:creationId xmlns:a16="http://schemas.microsoft.com/office/drawing/2014/main" id="{E9C4DA08-59C5-4A56-82C9-C710F571B52E}"/>
+                <a16:creationId xmlns:a16="http://schemas.microsoft.com/office/drawing/2014/main" id="{B47EA295-EB63-48A7-98AA-C7651EC05F4A}"/>
               </a:ext>
             </a:extLst>
           </p:cNvPr>
@@ -8722,19 +10520,51 @@
             <p:ph idx="1"/>
           </p:nvPr>
         </p:nvSpPr>
-        <p:spPr/>
+        <p:spPr>
+          <a:xfrm>
+            <a:off x="1104968" y="1736034"/>
+            <a:ext cx="8915400" cy="3777622"/>
+          </a:xfrm>
+        </p:spPr>
         <p:txBody>
           <a:bodyPr/>
           <a:lstStyle/>
           <a:p>
-            <a:endParaRPr lang="en-GB"/>
+            <a:r>
+              <a:rPr lang="en-GB" dirty="0"/>
+              <a:t>Important as I didn’t know Java, so without this project wouldn’t be possible.</a:t>
+            </a:r>
+          </a:p>
+          <a:p>
+            <a:r>
+              <a:rPr lang="en-GB" dirty="0"/>
+              <a:t>Essential for the business layer.</a:t>
+            </a:r>
+          </a:p>
+          <a:p>
+            <a:r>
+              <a:rPr lang="en-GB" dirty="0"/>
+              <a:t>Learned how good code should be structured.</a:t>
+            </a:r>
+          </a:p>
+          <a:p>
+            <a:endParaRPr lang="en-GB" dirty="0"/>
+          </a:p>
+          <a:p>
+            <a:pPr marL="0" indent="0">
+              <a:buNone/>
+            </a:pPr>
+            <a:r>
+              <a:rPr lang="en-GB" dirty="0"/>
+              <a:t>What went well: Use of SOLID</a:t>
+            </a:r>
           </a:p>
         </p:txBody>
       </p:sp>
     </p:spTree>
     <p:extLst>
       <p:ext uri="{BB962C8B-B14F-4D97-AF65-F5344CB8AC3E}">
-        <p14:creationId xmlns:p14="http://schemas.microsoft.com/office/powerpoint/2010/main" val="2936402833"/>
+        <p14:creationId xmlns:p14="http://schemas.microsoft.com/office/powerpoint/2010/main" val="3928318741"/>
       </p:ext>
     </p:extLst>
   </p:cSld>
@@ -8766,7 +10596,7 @@
           <p:cNvPr id="2" name="Title 1">
             <a:extLst>
               <a:ext uri="{FF2B5EF4-FFF2-40B4-BE49-F238E27FC236}">
-                <a16:creationId xmlns:a16="http://schemas.microsoft.com/office/drawing/2014/main" id="{17834BE2-1915-4D3E-B0DC-CC6665E3FB0C}"/>
+                <a16:creationId xmlns:a16="http://schemas.microsoft.com/office/drawing/2014/main" id="{259D7EA0-33DC-43B0-9340-87C9FD04BD57}"/>
               </a:ext>
             </a:extLst>
           </p:cNvPr>
@@ -8779,14 +10609,12 @@
         </p:nvSpPr>
         <p:spPr/>
         <p:txBody>
-          <a:bodyPr>
-            <a:normAutofit/>
-          </a:bodyPr>
+          <a:bodyPr/>
           <a:lstStyle/>
           <a:p>
             <a:r>
               <a:rPr lang="en-GB" dirty="0"/>
-              <a:t>Week 6 – Front End with JS and React</a:t>
+              <a:t>Weeks 4&amp;5 – Upgrading to EE</a:t>
             </a:r>
           </a:p>
         </p:txBody>
@@ -8796,7 +10624,7 @@
           <p:cNvPr id="3" name="Content Placeholder 2">
             <a:extLst>
               <a:ext uri="{FF2B5EF4-FFF2-40B4-BE49-F238E27FC236}">
-                <a16:creationId xmlns:a16="http://schemas.microsoft.com/office/drawing/2014/main" id="{3323AA41-15B4-4AD9-B907-F2F087C8F0DA}"/>
+                <a16:creationId xmlns:a16="http://schemas.microsoft.com/office/drawing/2014/main" id="{E9C4DA08-59C5-4A56-82C9-C710F571B52E}"/>
               </a:ext>
             </a:extLst>
           </p:cNvPr>
@@ -8809,7 +10637,7 @@
         </p:nvSpPr>
         <p:spPr>
           <a:xfrm>
-            <a:off x="1638300" y="1775791"/>
+            <a:off x="1343508" y="1692966"/>
             <a:ext cx="8915400" cy="3777622"/>
           </a:xfrm>
         </p:spPr>
@@ -8817,14 +10645,74 @@
           <a:bodyPr/>
           <a:lstStyle/>
           <a:p>
-            <a:endParaRPr lang="en-GB"/>
+            <a:r>
+              <a:rPr lang="en-GB" dirty="0"/>
+              <a:t>Connect business layer to front end</a:t>
+            </a:r>
+          </a:p>
+          <a:p>
+            <a:r>
+              <a:rPr lang="en-GB" dirty="0"/>
+              <a:t>Connect business layer to database and allow objects to persist.</a:t>
+            </a:r>
+          </a:p>
+          <a:p>
+            <a:r>
+              <a:rPr lang="en-GB" dirty="0"/>
+              <a:t>Use of SQL to make a database</a:t>
+            </a:r>
+          </a:p>
+          <a:p>
+            <a:r>
+              <a:rPr lang="en-GB" dirty="0"/>
+              <a:t>Elementary HTML and CSS to make initial front end.</a:t>
+            </a:r>
+          </a:p>
+          <a:p>
+            <a:endParaRPr lang="en-GB" dirty="0"/>
+          </a:p>
+          <a:p>
+            <a:pPr marL="0" indent="0">
+              <a:buNone/>
+            </a:pPr>
+            <a:r>
+              <a:rPr lang="en-GB" dirty="0"/>
+              <a:t>What went well:  </a:t>
+            </a:r>
+          </a:p>
+          <a:p>
+            <a:pPr>
+              <a:buFont typeface="+mj-lt"/>
+              <a:buAutoNum type="arabicPeriod"/>
+            </a:pPr>
+            <a:r>
+              <a:rPr lang="en-GB" dirty="0"/>
+              <a:t>Making conditional JPQL queries for random generator.</a:t>
+            </a:r>
+          </a:p>
+          <a:p>
+            <a:pPr>
+              <a:buFont typeface="+mj-lt"/>
+              <a:buAutoNum type="arabicPeriod"/>
+            </a:pPr>
+            <a:r>
+              <a:rPr lang="en-GB" dirty="0"/>
+              <a:t>Working CRUD for two different tables</a:t>
+            </a:r>
+          </a:p>
+          <a:p>
+            <a:pPr>
+              <a:buFont typeface="+mj-lt"/>
+              <a:buAutoNum type="arabicPeriod"/>
+            </a:pPr>
+            <a:endParaRPr lang="en-GB" dirty="0"/>
           </a:p>
         </p:txBody>
       </p:sp>
     </p:spTree>
     <p:extLst>
       <p:ext uri="{BB962C8B-B14F-4D97-AF65-F5344CB8AC3E}">
-        <p14:creationId xmlns:p14="http://schemas.microsoft.com/office/powerpoint/2010/main" val="2948663736"/>
+        <p14:creationId xmlns:p14="http://schemas.microsoft.com/office/powerpoint/2010/main" val="2936402833"/>
       </p:ext>
     </p:extLst>
   </p:cSld>
@@ -8856,7 +10744,7 @@
           <p:cNvPr id="2" name="Title 1">
             <a:extLst>
               <a:ext uri="{FF2B5EF4-FFF2-40B4-BE49-F238E27FC236}">
-                <a16:creationId xmlns:a16="http://schemas.microsoft.com/office/drawing/2014/main" id="{EFFCAA69-38C0-4514-93E2-FE1D0185B2AB}"/>
+                <a16:creationId xmlns:a16="http://schemas.microsoft.com/office/drawing/2014/main" id="{17834BE2-1915-4D3E-B0DC-CC6665E3FB0C}"/>
               </a:ext>
             </a:extLst>
           </p:cNvPr>
@@ -8869,12 +10757,14 @@
         </p:nvSpPr>
         <p:spPr/>
         <p:txBody>
-          <a:bodyPr/>
+          <a:bodyPr>
+            <a:normAutofit/>
+          </a:bodyPr>
           <a:lstStyle/>
           <a:p>
             <a:r>
               <a:rPr lang="en-GB" dirty="0"/>
-              <a:t>Week 7 - Testing</a:t>
+              <a:t>Week 6 – Front End with JS and React</a:t>
             </a:r>
           </a:p>
         </p:txBody>
@@ -8884,7 +10774,7 @@
           <p:cNvPr id="3" name="Content Placeholder 2">
             <a:extLst>
               <a:ext uri="{FF2B5EF4-FFF2-40B4-BE49-F238E27FC236}">
-                <a16:creationId xmlns:a16="http://schemas.microsoft.com/office/drawing/2014/main" id="{B088FE8E-5C7A-47F4-B276-13F4F2693E96}"/>
+                <a16:creationId xmlns:a16="http://schemas.microsoft.com/office/drawing/2014/main" id="{3323AA41-15B4-4AD9-B907-F2F087C8F0DA}"/>
               </a:ext>
             </a:extLst>
           </p:cNvPr>
@@ -8897,8 +10787,8 @@
         </p:nvSpPr>
         <p:spPr>
           <a:xfrm>
-            <a:off x="1084193" y="1736035"/>
-            <a:ext cx="10023613" cy="4497855"/>
+            <a:off x="1253987" y="1775791"/>
+            <a:ext cx="8915400" cy="3777622"/>
           </a:xfrm>
         </p:spPr>
         <p:txBody>
@@ -8907,30 +10797,63 @@
           <a:p>
             <a:r>
               <a:rPr lang="en-GB" dirty="0"/>
-              <a:t>Static Testing using </a:t>
+              <a:t>Upgrading basic HTML website to React.</a:t>
+            </a:r>
+          </a:p>
+          <a:p>
+            <a:r>
+              <a:rPr lang="en-GB" dirty="0"/>
+              <a:t>Used JS to make dropdown menus that control user input.</a:t>
+            </a:r>
+          </a:p>
+          <a:p>
+            <a:endParaRPr lang="en-GB" dirty="0"/>
+          </a:p>
+          <a:p>
+            <a:pPr marL="0" indent="0">
+              <a:buNone/>
+            </a:pPr>
+            <a:r>
+              <a:rPr lang="en-GB" dirty="0"/>
+              <a:t>What went well:</a:t>
+            </a:r>
+          </a:p>
+          <a:p>
+            <a:pPr>
+              <a:buFont typeface="+mj-lt"/>
+              <a:buAutoNum type="arabicPeriod"/>
+            </a:pPr>
+            <a:r>
+              <a:rPr lang="en-GB" dirty="0"/>
+              <a:t>Made functions dependent on user login</a:t>
+            </a:r>
+          </a:p>
+          <a:p>
+            <a:pPr>
+              <a:buFont typeface="+mj-lt"/>
+              <a:buAutoNum type="arabicPeriod"/>
+            </a:pPr>
+            <a:r>
+              <a:rPr lang="en-GB" dirty="0"/>
+              <a:t>Working routers</a:t>
+            </a:r>
+          </a:p>
+          <a:p>
+            <a:pPr>
+              <a:buFont typeface="+mj-lt"/>
+              <a:buAutoNum type="arabicPeriod"/>
+            </a:pPr>
+            <a:r>
+              <a:rPr lang="en-GB" dirty="0"/>
+              <a:t>Use of </a:t>
             </a:r>
             <a:r>
               <a:rPr lang="en-GB" dirty="0" err="1"/>
-              <a:t>Sonarqube</a:t>
-            </a:r>
-            <a:endParaRPr lang="en-GB" dirty="0"/>
-          </a:p>
-          <a:p>
+              <a:t>Axios</a:t>
+            </a:r>
             <a:r>
               <a:rPr lang="en-GB" dirty="0"/>
-              <a:t>Made a Test Suite.</a:t>
-            </a:r>
-          </a:p>
-          <a:p>
-            <a:r>
-              <a:rPr lang="en-GB" dirty="0"/>
-              <a:t>Code Review by a Peer</a:t>
-            </a:r>
-          </a:p>
-          <a:p>
-            <a:r>
-              <a:rPr lang="en-GB" dirty="0"/>
-              <a:t>Basic Selenium Tests</a:t>
+              <a:t> library for simpler HTTP requests</a:t>
             </a:r>
           </a:p>
         </p:txBody>
@@ -8938,7 +10861,7 @@
     </p:spTree>
     <p:extLst>
       <p:ext uri="{BB962C8B-B14F-4D97-AF65-F5344CB8AC3E}">
-        <p14:creationId xmlns:p14="http://schemas.microsoft.com/office/powerpoint/2010/main" val="2498035578"/>
+        <p14:creationId xmlns:p14="http://schemas.microsoft.com/office/powerpoint/2010/main" val="2948663736"/>
       </p:ext>
     </p:extLst>
   </p:cSld>

--- a/Project Presentation.pptx
+++ b/Project Presentation.pptx
@@ -314,7 +314,7 @@
           <a:p>
             <a:fld id="{D8B9DD1B-3A02-4013-B1CD-A9A5989ED81E}" type="datetimeFigureOut">
               <a:rPr lang="en-GB" smtClean="0"/>
-              <a:t>09/03/2019</a:t>
+              <a:t>10/03/2019</a:t>
             </a:fld>
             <a:endParaRPr lang="en-GB"/>
           </a:p>
@@ -652,7 +652,7 @@
           <a:p>
             <a:fld id="{D8B9DD1B-3A02-4013-B1CD-A9A5989ED81E}" type="datetimeFigureOut">
               <a:rPr lang="en-GB" smtClean="0"/>
-              <a:t>09/03/2019</a:t>
+              <a:t>10/03/2019</a:t>
             </a:fld>
             <a:endParaRPr lang="en-GB"/>
           </a:p>
@@ -1053,7 +1053,7 @@
           <a:p>
             <a:fld id="{D8B9DD1B-3A02-4013-B1CD-A9A5989ED81E}" type="datetimeFigureOut">
               <a:rPr lang="en-GB" smtClean="0"/>
-              <a:t>09/03/2019</a:t>
+              <a:t>10/03/2019</a:t>
             </a:fld>
             <a:endParaRPr lang="en-GB"/>
           </a:p>
@@ -1389,7 +1389,7 @@
           <a:p>
             <a:fld id="{D8B9DD1B-3A02-4013-B1CD-A9A5989ED81E}" type="datetimeFigureOut">
               <a:rPr lang="en-GB" smtClean="0"/>
-              <a:t>09/03/2019</a:t>
+              <a:t>10/03/2019</a:t>
             </a:fld>
             <a:endParaRPr lang="en-GB"/>
           </a:p>
@@ -1709,7 +1709,7 @@
           <a:p>
             <a:fld id="{D8B9DD1B-3A02-4013-B1CD-A9A5989ED81E}" type="datetimeFigureOut">
               <a:rPr lang="en-GB" smtClean="0"/>
-              <a:t>09/03/2019</a:t>
+              <a:t>10/03/2019</a:t>
             </a:fld>
             <a:endParaRPr lang="en-GB"/>
           </a:p>
@@ -2105,7 +2105,7 @@
           <a:p>
             <a:fld id="{D8B9DD1B-3A02-4013-B1CD-A9A5989ED81E}" type="datetimeFigureOut">
               <a:rPr lang="en-GB" smtClean="0"/>
-              <a:t>09/03/2019</a:t>
+              <a:t>10/03/2019</a:t>
             </a:fld>
             <a:endParaRPr lang="en-GB"/>
           </a:p>
@@ -2362,7 +2362,7 @@
           <a:p>
             <a:fld id="{D8B9DD1B-3A02-4013-B1CD-A9A5989ED81E}" type="datetimeFigureOut">
               <a:rPr lang="en-GB" smtClean="0"/>
-              <a:t>09/03/2019</a:t>
+              <a:t>10/03/2019</a:t>
             </a:fld>
             <a:endParaRPr lang="en-GB"/>
           </a:p>
@@ -2624,7 +2624,7 @@
           <a:p>
             <a:fld id="{D8B9DD1B-3A02-4013-B1CD-A9A5989ED81E}" type="datetimeFigureOut">
               <a:rPr lang="en-GB" smtClean="0"/>
-              <a:t>09/03/2019</a:t>
+              <a:t>10/03/2019</a:t>
             </a:fld>
             <a:endParaRPr lang="en-GB"/>
           </a:p>
@@ -2886,7 +2886,7 @@
           <a:p>
             <a:fld id="{D8B9DD1B-3A02-4013-B1CD-A9A5989ED81E}" type="datetimeFigureOut">
               <a:rPr lang="en-GB" smtClean="0"/>
-              <a:t>09/03/2019</a:t>
+              <a:t>10/03/2019</a:t>
             </a:fld>
             <a:endParaRPr lang="en-GB"/>
           </a:p>
@@ -3215,7 +3215,7 @@
           <a:p>
             <a:fld id="{D8B9DD1B-3A02-4013-B1CD-A9A5989ED81E}" type="datetimeFigureOut">
               <a:rPr lang="en-GB" smtClean="0"/>
-              <a:t>09/03/2019</a:t>
+              <a:t>10/03/2019</a:t>
             </a:fld>
             <a:endParaRPr lang="en-GB"/>
           </a:p>
@@ -3538,7 +3538,7 @@
           <a:p>
             <a:fld id="{D8B9DD1B-3A02-4013-B1CD-A9A5989ED81E}" type="datetimeFigureOut">
               <a:rPr lang="en-GB" smtClean="0"/>
-              <a:t>09/03/2019</a:t>
+              <a:t>10/03/2019</a:t>
             </a:fld>
             <a:endParaRPr lang="en-GB"/>
           </a:p>
@@ -3995,7 +3995,7 @@
           <a:p>
             <a:fld id="{D8B9DD1B-3A02-4013-B1CD-A9A5989ED81E}" type="datetimeFigureOut">
               <a:rPr lang="en-GB" smtClean="0"/>
-              <a:t>09/03/2019</a:t>
+              <a:t>10/03/2019</a:t>
             </a:fld>
             <a:endParaRPr lang="en-GB"/>
           </a:p>
@@ -4200,7 +4200,7 @@
           <a:p>
             <a:fld id="{D8B9DD1B-3A02-4013-B1CD-A9A5989ED81E}" type="datetimeFigureOut">
               <a:rPr lang="en-GB" smtClean="0"/>
-              <a:t>09/03/2019</a:t>
+              <a:t>10/03/2019</a:t>
             </a:fld>
             <a:endParaRPr lang="en-GB"/>
           </a:p>
@@ -4377,7 +4377,7 @@
           <a:p>
             <a:fld id="{D8B9DD1B-3A02-4013-B1CD-A9A5989ED81E}" type="datetimeFigureOut">
               <a:rPr lang="en-GB" smtClean="0"/>
-              <a:t>09/03/2019</a:t>
+              <a:t>10/03/2019</a:t>
             </a:fld>
             <a:endParaRPr lang="en-GB"/>
           </a:p>
@@ -4710,7 +4710,7 @@
           <a:p>
             <a:fld id="{D8B9DD1B-3A02-4013-B1CD-A9A5989ED81E}" type="datetimeFigureOut">
               <a:rPr lang="en-GB" smtClean="0"/>
-              <a:t>09/03/2019</a:t>
+              <a:t>10/03/2019</a:t>
             </a:fld>
             <a:endParaRPr lang="en-GB"/>
           </a:p>
@@ -5055,7 +5055,7 @@
           <a:p>
             <a:fld id="{D8B9DD1B-3A02-4013-B1CD-A9A5989ED81E}" type="datetimeFigureOut">
               <a:rPr lang="en-GB" smtClean="0"/>
-              <a:t>09/03/2019</a:t>
+              <a:t>10/03/2019</a:t>
             </a:fld>
             <a:endParaRPr lang="en-GB"/>
           </a:p>
@@ -7172,7 +7172,7 @@
           <a:p>
             <a:fld id="{D8B9DD1B-3A02-4013-B1CD-A9A5989ED81E}" type="datetimeFigureOut">
               <a:rPr lang="en-GB" smtClean="0"/>
-              <a:t>09/03/2019</a:t>
+              <a:t>10/03/2019</a:t>
             </a:fld>
             <a:endParaRPr lang="en-GB"/>
           </a:p>

--- a/Project Presentation.pptx
+++ b/Project Presentation.pptx
@@ -7731,12 +7731,124 @@
         </p:nvSpPr>
         <p:spPr/>
         <p:txBody>
-          <a:bodyPr/>
+          <a:bodyPr>
+            <a:normAutofit/>
+          </a:bodyPr>
           <a:lstStyle/>
           <a:p>
             <a:r>
+              <a:rPr lang="en-GB" sz="2400" dirty="0"/>
+              <a:t>Rana Mittra</a:t>
+            </a:r>
+          </a:p>
+        </p:txBody>
+      </p:sp>
+      <p:sp>
+        <p:nvSpPr>
+          <p:cNvPr id="4" name="Title 1">
+            <a:extLst>
+              <a:ext uri="{FF2B5EF4-FFF2-40B4-BE49-F238E27FC236}">
+                <a16:creationId xmlns:a16="http://schemas.microsoft.com/office/drawing/2014/main" id="{4A94E16B-7864-43E3-9442-E95989704D93}"/>
+              </a:ext>
+            </a:extLst>
+          </p:cNvPr>
+          <p:cNvSpPr txBox="1">
+            <a:spLocks/>
+          </p:cNvSpPr>
+          <p:nvPr/>
+        </p:nvSpPr>
+        <p:spPr>
+          <a:xfrm>
+            <a:off x="2474912" y="2640496"/>
+            <a:ext cx="9144000" cy="1124572"/>
+          </a:xfrm>
+          <a:prstGeom prst="rect">
+            <a:avLst/>
+          </a:prstGeom>
+        </p:spPr>
+        <p:txBody>
+          <a:bodyPr vert="horz" lIns="91440" tIns="45720" rIns="91440" bIns="45720" rtlCol="0" anchor="b">
+            <a:normAutofit fontScale="97500"/>
+          </a:bodyPr>
+          <a:lstStyle>
+            <a:lvl1pPr algn="l" defTabSz="457200" rtl="0" eaLnBrk="1" latinLnBrk="0" hangingPunct="1">
+              <a:spcBef>
+                <a:spcPct val="0"/>
+              </a:spcBef>
+              <a:buNone/>
+              <a:defRPr sz="5400" kern="1200">
+                <a:solidFill>
+                  <a:schemeClr val="tx1">
+                    <a:lumMod val="85000"/>
+                    <a:lumOff val="15000"/>
+                  </a:schemeClr>
+                </a:solidFill>
+                <a:latin typeface="+mj-lt"/>
+                <a:ea typeface="+mj-ea"/>
+                <a:cs typeface="+mj-cs"/>
+              </a:defRPr>
+            </a:lvl1pPr>
+            <a:lvl2pPr eaLnBrk="1" hangingPunct="1">
+              <a:defRPr>
+                <a:solidFill>
+                  <a:schemeClr val="tx2"/>
+                </a:solidFill>
+              </a:defRPr>
+            </a:lvl2pPr>
+            <a:lvl3pPr eaLnBrk="1" hangingPunct="1">
+              <a:defRPr>
+                <a:solidFill>
+                  <a:schemeClr val="tx2"/>
+                </a:solidFill>
+              </a:defRPr>
+            </a:lvl3pPr>
+            <a:lvl4pPr eaLnBrk="1" hangingPunct="1">
+              <a:defRPr>
+                <a:solidFill>
+                  <a:schemeClr val="tx2"/>
+                </a:solidFill>
+              </a:defRPr>
+            </a:lvl4pPr>
+            <a:lvl5pPr eaLnBrk="1" hangingPunct="1">
+              <a:defRPr>
+                <a:solidFill>
+                  <a:schemeClr val="tx2"/>
+                </a:solidFill>
+              </a:defRPr>
+            </a:lvl5pPr>
+            <a:lvl6pPr eaLnBrk="1" hangingPunct="1">
+              <a:defRPr>
+                <a:solidFill>
+                  <a:schemeClr val="tx2"/>
+                </a:solidFill>
+              </a:defRPr>
+            </a:lvl6pPr>
+            <a:lvl7pPr eaLnBrk="1" hangingPunct="1">
+              <a:defRPr>
+                <a:solidFill>
+                  <a:schemeClr val="tx2"/>
+                </a:solidFill>
+              </a:defRPr>
+            </a:lvl7pPr>
+            <a:lvl8pPr eaLnBrk="1" hangingPunct="1">
+              <a:defRPr>
+                <a:solidFill>
+                  <a:schemeClr val="tx2"/>
+                </a:solidFill>
+              </a:defRPr>
+            </a:lvl8pPr>
+            <a:lvl9pPr eaLnBrk="1" hangingPunct="1">
+              <a:defRPr>
+                <a:solidFill>
+                  <a:schemeClr val="tx2"/>
+                </a:solidFill>
+              </a:defRPr>
+            </a:lvl9pPr>
+          </a:lstStyle>
+          <a:p>
+            <a:r>
               <a:rPr lang="en-GB" dirty="0"/>
-              <a:t>Rana Mittra</a:t>
+              <a:t>Story Generator</a:t>
             </a:r>
           </a:p>
         </p:txBody>
@@ -7861,18 +7973,6 @@
               <a:t>&gt;80% coverage.</a:t>
             </a:r>
           </a:p>
-          <a:p>
-            <a:r>
-              <a:rPr lang="en-GB" dirty="0"/>
-              <a:t>Code Review by a Peer</a:t>
-            </a:r>
-          </a:p>
-          <a:p>
-            <a:r>
-              <a:rPr lang="en-GB" dirty="0"/>
-              <a:t>Basic Selenium Tests</a:t>
-            </a:r>
-          </a:p>
         </p:txBody>
       </p:sp>
     </p:spTree>
@@ -7956,7 +8056,7 @@
         </p:nvSpPr>
         <p:spPr>
           <a:xfrm>
-            <a:off x="1210986" y="1987826"/>
+            <a:off x="1257231" y="1431235"/>
             <a:ext cx="8915400" cy="3777622"/>
           </a:xfrm>
         </p:spPr>
@@ -8057,13 +8157,13 @@
           <a:p>
             <a:r>
               <a:rPr lang="en-GB" dirty="0"/>
-              <a:t>CORS – Fixed allowing 8080 server to allow 3000 server to interact.</a:t>
+              <a:t>CORS – Fixed allowing 8888 server and 3000 server to interact.</a:t>
             </a:r>
           </a:p>
           <a:p>
             <a:r>
               <a:rPr lang="en-GB" dirty="0"/>
-              <a:t>Converting to React – Learning states and properly. Functions.</a:t>
+              <a:t>Converting to React – Learning states and props. Different function syntax.</a:t>
             </a:r>
           </a:p>
           <a:p>
@@ -8156,63 +8256,65 @@
         </p:nvSpPr>
         <p:spPr>
           <a:xfrm>
-            <a:off x="1638300" y="1905000"/>
-            <a:ext cx="8915400" cy="3777622"/>
+            <a:off x="1373256" y="1905000"/>
+            <a:ext cx="10818744" cy="4270513"/>
           </a:xfrm>
         </p:spPr>
         <p:txBody>
-          <a:bodyPr/>
+          <a:bodyPr>
+            <a:normAutofit/>
+          </a:bodyPr>
           <a:lstStyle/>
           <a:p>
             <a:r>
-              <a:rPr lang="en-GB" dirty="0"/>
+              <a:rPr lang="en-GB" sz="2400" dirty="0"/>
               <a:t>Functional improvement: </a:t>
             </a:r>
           </a:p>
           <a:p>
             <a:pPr lvl="1"/>
             <a:r>
-              <a:rPr lang="en-GB" dirty="0"/>
+              <a:rPr lang="en-GB" sz="2000" dirty="0"/>
               <a:t>More detailed generator</a:t>
             </a:r>
           </a:p>
           <a:p>
             <a:pPr lvl="1"/>
             <a:r>
-              <a:rPr lang="en-GB" dirty="0"/>
+              <a:rPr lang="en-GB" sz="2000" dirty="0"/>
               <a:t>Enable CRUD functions to search by word rather than id number.</a:t>
             </a:r>
           </a:p>
           <a:p>
             <a:r>
-              <a:rPr lang="en-GB" dirty="0"/>
+              <a:rPr lang="en-GB" sz="2400" dirty="0"/>
               <a:t>Database improvement: </a:t>
             </a:r>
           </a:p>
           <a:p>
             <a:pPr lvl="1"/>
             <a:r>
-              <a:rPr lang="en-GB" dirty="0"/>
+              <a:rPr lang="en-GB" sz="2000" dirty="0"/>
               <a:t>Move to SQL&gt;H2 so changes persist.</a:t>
             </a:r>
           </a:p>
           <a:p>
             <a:r>
-              <a:rPr lang="en-GB" dirty="0"/>
+              <a:rPr lang="en-GB" sz="2400" dirty="0"/>
               <a:t>Front End improvement: </a:t>
             </a:r>
           </a:p>
           <a:p>
             <a:pPr lvl="1"/>
             <a:r>
-              <a:rPr lang="en-GB" dirty="0"/>
+              <a:rPr lang="en-GB" sz="2000" dirty="0"/>
               <a:t>Make special admin privileges so not everyone can delete sections of the database. </a:t>
             </a:r>
           </a:p>
           <a:p>
             <a:pPr lvl="1"/>
             <a:r>
-              <a:rPr lang="en-GB" dirty="0"/>
+              <a:rPr lang="en-GB" sz="2000" dirty="0"/>
               <a:t> Make Websites more modular.</a:t>
             </a:r>
           </a:p>
@@ -9189,7 +9291,9 @@
           </a:xfrm>
         </p:spPr>
         <p:txBody>
-          <a:bodyPr/>
+          <a:bodyPr>
+            <a:normAutofit/>
+          </a:bodyPr>
           <a:lstStyle/>
           <a:p>
             <a:pPr>
@@ -9197,7 +9301,7 @@
               <a:buAutoNum type="arabicPeriod"/>
             </a:pPr>
             <a:r>
-              <a:rPr lang="en-GB" dirty="0"/>
+              <a:rPr lang="en-GB" sz="2400" dirty="0"/>
               <a:t>Project Summary</a:t>
             </a:r>
           </a:p>
@@ -9207,7 +9311,7 @@
               <a:buAutoNum type="arabicPeriod"/>
             </a:pPr>
             <a:r>
-              <a:rPr lang="en-GB" dirty="0"/>
+              <a:rPr lang="en-GB" sz="2400" dirty="0"/>
               <a:t>Project Demo</a:t>
             </a:r>
           </a:p>
@@ -9217,7 +9321,7 @@
               <a:buAutoNum type="arabicPeriod"/>
             </a:pPr>
             <a:r>
-              <a:rPr lang="en-GB" dirty="0"/>
+              <a:rPr lang="en-GB" sz="2400" dirty="0"/>
               <a:t>How Training Contributed to the Project</a:t>
             </a:r>
           </a:p>
@@ -9227,7 +9331,7 @@
               <a:buAutoNum type="arabicPeriod"/>
             </a:pPr>
             <a:r>
-              <a:rPr lang="en-GB" dirty="0"/>
+              <a:rPr lang="en-GB" sz="2400" dirty="0"/>
               <a:t>Difficulties</a:t>
             </a:r>
           </a:p>
@@ -9237,7 +9341,7 @@
               <a:buAutoNum type="arabicPeriod"/>
             </a:pPr>
             <a:r>
-              <a:rPr lang="en-GB" dirty="0"/>
+              <a:rPr lang="en-GB" sz="2400" dirty="0"/>
               <a:t>Improvements</a:t>
             </a:r>
           </a:p>
@@ -9247,7 +9351,7 @@
               <a:buAutoNum type="arabicPeriod"/>
             </a:pPr>
             <a:r>
-              <a:rPr lang="en-GB" dirty="0"/>
+              <a:rPr lang="en-GB" sz="2400" dirty="0"/>
               <a:t>Conclusion</a:t>
             </a:r>
           </a:p>
@@ -9350,14 +9454,28 @@
           <a:p>
             <a:r>
               <a:rPr lang="en-GB" sz="2400" dirty="0"/>
+              <a:t>What the project would need?</a:t>
+            </a:r>
+          </a:p>
+          <a:p>
+            <a:pPr lvl="0">
+              <a:buClr>
+                <a:srgbClr val="A53010"/>
+              </a:buClr>
+            </a:pPr>
+            <a:r>
+              <a:rPr lang="en-GB" sz="2400" dirty="0">
+                <a:solidFill>
+                  <a:prstClr val="black">
+                    <a:lumMod val="75000"/>
+                    <a:lumOff val="25000"/>
+                  </a:prstClr>
+                </a:solidFill>
+              </a:rPr>
               <a:t>Why a word generator?</a:t>
             </a:r>
           </a:p>
           <a:p>
-            <a:r>
-              <a:rPr lang="en-GB" sz="2400" dirty="0"/>
-              <a:t>What the project would need?</a:t>
-            </a:r>
             <a:endParaRPr lang="en-GB" dirty="0"/>
           </a:p>
         </p:txBody>
@@ -10366,7 +10484,7 @@
           <a:p>
             <a:r>
               <a:rPr lang="en-GB" dirty="0"/>
-              <a:t>Week 1: Organisation</a:t>
+              <a:t>Week 1: Organisation with Trello</a:t>
             </a:r>
           </a:p>
         </p:txBody>
@@ -10389,49 +10507,42 @@
         </p:nvSpPr>
         <p:spPr>
           <a:xfrm>
-            <a:off x="1638300" y="1540189"/>
+            <a:off x="1466022" y="2070276"/>
             <a:ext cx="8915400" cy="3777622"/>
           </a:xfrm>
         </p:spPr>
         <p:txBody>
-          <a:bodyPr/>
+          <a:bodyPr>
+            <a:normAutofit/>
+          </a:bodyPr>
           <a:lstStyle/>
           <a:p>
             <a:r>
-              <a:rPr lang="en-GB" dirty="0"/>
-              <a:t>Trello</a:t>
-            </a:r>
-          </a:p>
-          <a:p>
-            <a:endParaRPr lang="en-GB" dirty="0"/>
-          </a:p>
-          <a:p>
-            <a:r>
-              <a:rPr lang="en-GB" dirty="0"/>
+              <a:rPr lang="en-GB" sz="2000" dirty="0"/>
               <a:t>Gave project sense of direction. Identify priority tasks.</a:t>
             </a:r>
           </a:p>
           <a:p>
             <a:r>
-              <a:rPr lang="en-GB" dirty="0"/>
+              <a:rPr lang="en-GB" sz="2000" dirty="0"/>
               <a:t>Splitting project into smaller tasks made it more achievable.</a:t>
             </a:r>
           </a:p>
           <a:p>
-            <a:endParaRPr lang="en-GB" dirty="0"/>
+            <a:endParaRPr lang="en-GB" sz="2000" dirty="0"/>
           </a:p>
           <a:p>
             <a:pPr marL="0" indent="0">
               <a:buNone/>
             </a:pPr>
-            <a:endParaRPr lang="en-GB" dirty="0"/>
+            <a:endParaRPr lang="en-GB" sz="2000" dirty="0"/>
           </a:p>
           <a:p>
             <a:pPr marL="0" indent="0">
               <a:buNone/>
             </a:pPr>
             <a:r>
-              <a:rPr lang="en-GB" dirty="0"/>
+              <a:rPr lang="en-GB" sz="2000" dirty="0"/>
               <a:t>What went well: Used project management throughout project.</a:t>
             </a:r>
           </a:p>
@@ -10440,7 +10551,7 @@
               <a:buNone/>
             </a:pPr>
             <a:r>
-              <a:rPr lang="en-GB" dirty="0"/>
+              <a:rPr lang="en-GB" sz="2000" dirty="0"/>
               <a:t>Use of feature-branch model.</a:t>
             </a:r>
           </a:p>
@@ -10527,35 +10638,37 @@
           </a:xfrm>
         </p:spPr>
         <p:txBody>
-          <a:bodyPr/>
+          <a:bodyPr>
+            <a:normAutofit/>
+          </a:bodyPr>
           <a:lstStyle/>
           <a:p>
             <a:r>
-              <a:rPr lang="en-GB" dirty="0"/>
-              <a:t>Important as I didn’t know Java, so without this project wouldn’t be possible.</a:t>
-            </a:r>
-          </a:p>
-          <a:p>
-            <a:r>
-              <a:rPr lang="en-GB" dirty="0"/>
+              <a:rPr lang="en-GB" sz="2400" dirty="0"/>
+              <a:t>Didn’t know Java before QA.</a:t>
+            </a:r>
+          </a:p>
+          <a:p>
+            <a:r>
+              <a:rPr lang="en-GB" sz="2400" dirty="0"/>
               <a:t>Essential for the business layer.</a:t>
             </a:r>
           </a:p>
           <a:p>
             <a:r>
-              <a:rPr lang="en-GB" dirty="0"/>
+              <a:rPr lang="en-GB" sz="2400" dirty="0"/>
               <a:t>Learned how good code should be structured.</a:t>
             </a:r>
           </a:p>
           <a:p>
-            <a:endParaRPr lang="en-GB" dirty="0"/>
+            <a:endParaRPr lang="en-GB" sz="2400" dirty="0"/>
           </a:p>
           <a:p>
             <a:pPr marL="0" indent="0">
               <a:buNone/>
             </a:pPr>
             <a:r>
-              <a:rPr lang="en-GB" dirty="0"/>
+              <a:rPr lang="en-GB" sz="2400" dirty="0"/>
               <a:t>What went well: Use of SOLID</a:t>
             </a:r>
           </a:p>
@@ -10642,41 +10755,37 @@
           </a:xfrm>
         </p:spPr>
         <p:txBody>
-          <a:bodyPr/>
+          <a:bodyPr>
+            <a:normAutofit/>
+          </a:bodyPr>
           <a:lstStyle/>
           <a:p>
             <a:r>
-              <a:rPr lang="en-GB" dirty="0"/>
-              <a:t>Connect business layer to front end</a:t>
-            </a:r>
-          </a:p>
-          <a:p>
-            <a:r>
-              <a:rPr lang="en-GB" dirty="0"/>
-              <a:t>Connect business layer to database and allow objects to persist.</a:t>
-            </a:r>
-          </a:p>
-          <a:p>
-            <a:r>
-              <a:rPr lang="en-GB" dirty="0"/>
+              <a:rPr lang="en-GB" sz="2400" dirty="0"/>
+              <a:t>Connect layers together</a:t>
+            </a:r>
+          </a:p>
+          <a:p>
+            <a:r>
+              <a:rPr lang="en-GB" sz="2400" dirty="0"/>
               <a:t>Use of SQL to make a database</a:t>
             </a:r>
           </a:p>
           <a:p>
             <a:r>
-              <a:rPr lang="en-GB" dirty="0"/>
+              <a:rPr lang="en-GB" sz="2400" dirty="0"/>
               <a:t>Elementary HTML and CSS to make initial front end.</a:t>
             </a:r>
           </a:p>
           <a:p>
-            <a:endParaRPr lang="en-GB" dirty="0"/>
+            <a:endParaRPr lang="en-GB" sz="2400" dirty="0"/>
           </a:p>
           <a:p>
             <a:pPr marL="0" indent="0">
               <a:buNone/>
             </a:pPr>
             <a:r>
-              <a:rPr lang="en-GB" dirty="0"/>
+              <a:rPr lang="en-GB" sz="2400" dirty="0"/>
               <a:t>What went well:  </a:t>
             </a:r>
           </a:p>
@@ -10686,7 +10795,7 @@
               <a:buAutoNum type="arabicPeriod"/>
             </a:pPr>
             <a:r>
-              <a:rPr lang="en-GB" dirty="0"/>
+              <a:rPr lang="en-GB" sz="2400" dirty="0"/>
               <a:t>Making conditional JPQL queries for random generator.</a:t>
             </a:r>
           </a:p>
@@ -10696,7 +10805,7 @@
               <a:buAutoNum type="arabicPeriod"/>
             </a:pPr>
             <a:r>
-              <a:rPr lang="en-GB" dirty="0"/>
+              <a:rPr lang="en-GB" sz="2400" dirty="0"/>
               <a:t>Working CRUD for two different tables</a:t>
             </a:r>
           </a:p>
@@ -10796,25 +10905,25 @@
           <a:lstStyle/>
           <a:p>
             <a:r>
-              <a:rPr lang="en-GB" dirty="0"/>
-              <a:t>Upgrading basic HTML website to React.</a:t>
-            </a:r>
-          </a:p>
-          <a:p>
-            <a:r>
-              <a:rPr lang="en-GB" dirty="0"/>
+              <a:rPr lang="en-GB" sz="2000" dirty="0"/>
+              <a:t>Upgrading website to React.</a:t>
+            </a:r>
+          </a:p>
+          <a:p>
+            <a:r>
+              <a:rPr lang="en-GB" sz="2000" dirty="0"/>
               <a:t>Used JS to make dropdown menus that control user input.</a:t>
             </a:r>
           </a:p>
           <a:p>
-            <a:endParaRPr lang="en-GB" dirty="0"/>
+            <a:endParaRPr lang="en-GB" sz="2000" dirty="0"/>
           </a:p>
           <a:p>
             <a:pPr marL="0" indent="0">
               <a:buNone/>
             </a:pPr>
             <a:r>
-              <a:rPr lang="en-GB" dirty="0"/>
+              <a:rPr lang="en-GB" sz="2000" dirty="0"/>
               <a:t>What went well:</a:t>
             </a:r>
           </a:p>
@@ -10824,7 +10933,7 @@
               <a:buAutoNum type="arabicPeriod"/>
             </a:pPr>
             <a:r>
-              <a:rPr lang="en-GB" dirty="0"/>
+              <a:rPr lang="en-GB" sz="2000" dirty="0"/>
               <a:t>Made functions dependent on user login</a:t>
             </a:r>
           </a:p>
@@ -10834,7 +10943,7 @@
               <a:buAutoNum type="arabicPeriod"/>
             </a:pPr>
             <a:r>
-              <a:rPr lang="en-GB" dirty="0"/>
+              <a:rPr lang="en-GB" sz="2000" dirty="0"/>
               <a:t>Working routers</a:t>
             </a:r>
           </a:p>
@@ -10844,17 +10953,18 @@
               <a:buAutoNum type="arabicPeriod"/>
             </a:pPr>
             <a:r>
-              <a:rPr lang="en-GB" dirty="0"/>
+              <a:rPr lang="en-GB" sz="2000" dirty="0"/>
               <a:t>Use of </a:t>
             </a:r>
             <a:r>
-              <a:rPr lang="en-GB" dirty="0" err="1"/>
+              <a:rPr lang="en-GB" sz="2000" dirty="0" err="1"/>
               <a:t>Axios</a:t>
             </a:r>
             <a:r>
-              <a:rPr lang="en-GB" dirty="0"/>
+              <a:rPr lang="en-GB" sz="2000" dirty="0"/>
               <a:t> library for simpler HTTP requests</a:t>
             </a:r>
+            <a:endParaRPr lang="en-GB" dirty="0"/>
           </a:p>
         </p:txBody>
       </p:sp>
